--- a/6/bda3303/project/big data project slides.pptx
+++ b/6/bda3303/project/big data project slides.pptx
@@ -1,25 +1,25 @@
 
 <file path=ppt/presentation.xml><?xml version="1.0" encoding="utf-8"?>
-<p:presentation xmlns:a="http://schemas.openxmlformats.org/drawingml/2006/main" xmlns:r="http://schemas.openxmlformats.org/officeDocument/2006/relationships" xmlns:mc="http://schemas.openxmlformats.org/markup-compatibility/2006" xmlns:mv="urn:schemas-microsoft-com:mac:vml" xmlns:p="http://schemas.openxmlformats.org/presentationml/2006/main" xmlns:c="http://schemas.openxmlformats.org/drawingml/2006/chart" xmlns:dgm="http://schemas.openxmlformats.org/drawingml/2006/diagram" xmlns:o="urn:schemas-microsoft-com:office:office" xmlns:v="urn:schemas-microsoft-com:vml" xmlns:pvml="urn:schemas-microsoft-com:office:powerpoint" xmlns:com="http://schemas.openxmlformats.org/drawingml/2006/compatibility" xmlns:p14="http://schemas.microsoft.com/office/powerpoint/2010/main" xmlns:p15="http://schemas.microsoft.com/office/powerpoint/2012/main" autoCompressPictures="0" strictFirstAndLastChars="0" saveSubsetFonts="1">
+<p:presentation xmlns:a="http://schemas.openxmlformats.org/drawingml/2006/main" xmlns:r="http://schemas.openxmlformats.org/officeDocument/2006/relationships" xmlns:p="http://schemas.openxmlformats.org/presentationml/2006/main" strictFirstAndLastChars="0" saveSubsetFonts="1" autoCompressPictures="0">
   <p:sldMasterIdLst>
-    <p:sldMasterId id="2147483668" r:id="rId3"/>
+    <p:sldMasterId id="2147483668" r:id="rId1"/>
   </p:sldMasterIdLst>
   <p:notesMasterIdLst>
-    <p:notesMasterId r:id="rId4"/>
+    <p:notesMasterId r:id="rId9"/>
   </p:notesMasterIdLst>
   <p:sldIdLst>
-    <p:sldId id="256" r:id="rId5"/>
-    <p:sldId id="257" r:id="rId6"/>
-    <p:sldId id="258" r:id="rId7"/>
-    <p:sldId id="259" r:id="rId8"/>
-    <p:sldId id="260" r:id="rId9"/>
-    <p:sldId id="261" r:id="rId10"/>
-    <p:sldId id="262" r:id="rId11"/>
+    <p:sldId id="256" r:id="rId2"/>
+    <p:sldId id="257" r:id="rId3"/>
+    <p:sldId id="258" r:id="rId4"/>
+    <p:sldId id="259" r:id="rId5"/>
+    <p:sldId id="260" r:id="rId6"/>
+    <p:sldId id="261" r:id="rId7"/>
+    <p:sldId id="262" r:id="rId8"/>
   </p:sldIdLst>
-  <p:sldSz cy="5143500" cx="9144000"/>
+  <p:sldSz cx="9144000" cy="5143500" type="screen16x9"/>
   <p:notesSz cx="6858000" cy="9144000"/>
   <p:defaultTextStyle>
-    <a:defPPr lvl="0" marR="0" rtl="0" algn="l">
+    <a:defPPr marR="0" lvl="0" algn="l" rtl="0">
       <a:lnSpc>
         <a:spcPct val="100000"/>
       </a:lnSpc>
@@ -30,7 +30,7 @@
         <a:spcPts val="0"/>
       </a:spcAft>
     </a:defPPr>
-    <a:lvl1pPr lvl="0" marR="0" rtl="0" algn="l">
+    <a:lvl1pPr marR="0" lvl="0" algn="l" rtl="0">
       <a:lnSpc>
         <a:spcPct val="100000"/>
       </a:lnSpc>
@@ -44,7 +44,7 @@
         <a:srgbClr val="000000"/>
       </a:buClr>
       <a:buFont typeface="Arial"/>
-      <a:defRPr b="0" i="0" sz="1400" u="none" cap="none" strike="noStrike">
+      <a:defRPr sz="1400" b="0" i="0" u="none" strike="noStrike" cap="none">
         <a:solidFill>
           <a:srgbClr val="000000"/>
         </a:solidFill>
@@ -54,7 +54,7 @@
         <a:sym typeface="Arial"/>
       </a:defRPr>
     </a:lvl1pPr>
-    <a:lvl2pPr lvl="1" marR="0" rtl="0" algn="l">
+    <a:lvl2pPr marR="0" lvl="1" algn="l" rtl="0">
       <a:lnSpc>
         <a:spcPct val="100000"/>
       </a:lnSpc>
@@ -68,7 +68,7 @@
         <a:srgbClr val="000000"/>
       </a:buClr>
       <a:buFont typeface="Arial"/>
-      <a:defRPr b="0" i="0" sz="1400" u="none" cap="none" strike="noStrike">
+      <a:defRPr sz="1400" b="0" i="0" u="none" strike="noStrike" cap="none">
         <a:solidFill>
           <a:srgbClr val="000000"/>
         </a:solidFill>
@@ -78,7 +78,7 @@
         <a:sym typeface="Arial"/>
       </a:defRPr>
     </a:lvl2pPr>
-    <a:lvl3pPr lvl="2" marR="0" rtl="0" algn="l">
+    <a:lvl3pPr marR="0" lvl="2" algn="l" rtl="0">
       <a:lnSpc>
         <a:spcPct val="100000"/>
       </a:lnSpc>
@@ -92,7 +92,7 @@
         <a:srgbClr val="000000"/>
       </a:buClr>
       <a:buFont typeface="Arial"/>
-      <a:defRPr b="0" i="0" sz="1400" u="none" cap="none" strike="noStrike">
+      <a:defRPr sz="1400" b="0" i="0" u="none" strike="noStrike" cap="none">
         <a:solidFill>
           <a:srgbClr val="000000"/>
         </a:solidFill>
@@ -102,7 +102,7 @@
         <a:sym typeface="Arial"/>
       </a:defRPr>
     </a:lvl3pPr>
-    <a:lvl4pPr lvl="3" marR="0" rtl="0" algn="l">
+    <a:lvl4pPr marR="0" lvl="3" algn="l" rtl="0">
       <a:lnSpc>
         <a:spcPct val="100000"/>
       </a:lnSpc>
@@ -116,7 +116,7 @@
         <a:srgbClr val="000000"/>
       </a:buClr>
       <a:buFont typeface="Arial"/>
-      <a:defRPr b="0" i="0" sz="1400" u="none" cap="none" strike="noStrike">
+      <a:defRPr sz="1400" b="0" i="0" u="none" strike="noStrike" cap="none">
         <a:solidFill>
           <a:srgbClr val="000000"/>
         </a:solidFill>
@@ -126,7 +126,7 @@
         <a:sym typeface="Arial"/>
       </a:defRPr>
     </a:lvl4pPr>
-    <a:lvl5pPr lvl="4" marR="0" rtl="0" algn="l">
+    <a:lvl5pPr marR="0" lvl="4" algn="l" rtl="0">
       <a:lnSpc>
         <a:spcPct val="100000"/>
       </a:lnSpc>
@@ -140,7 +140,7 @@
         <a:srgbClr val="000000"/>
       </a:buClr>
       <a:buFont typeface="Arial"/>
-      <a:defRPr b="0" i="0" sz="1400" u="none" cap="none" strike="noStrike">
+      <a:defRPr sz="1400" b="0" i="0" u="none" strike="noStrike" cap="none">
         <a:solidFill>
           <a:srgbClr val="000000"/>
         </a:solidFill>
@@ -150,7 +150,7 @@
         <a:sym typeface="Arial"/>
       </a:defRPr>
     </a:lvl5pPr>
-    <a:lvl6pPr lvl="5" marR="0" rtl="0" algn="l">
+    <a:lvl6pPr marR="0" lvl="5" algn="l" rtl="0">
       <a:lnSpc>
         <a:spcPct val="100000"/>
       </a:lnSpc>
@@ -164,7 +164,7 @@
         <a:srgbClr val="000000"/>
       </a:buClr>
       <a:buFont typeface="Arial"/>
-      <a:defRPr b="0" i="0" sz="1400" u="none" cap="none" strike="noStrike">
+      <a:defRPr sz="1400" b="0" i="0" u="none" strike="noStrike" cap="none">
         <a:solidFill>
           <a:srgbClr val="000000"/>
         </a:solidFill>
@@ -174,7 +174,7 @@
         <a:sym typeface="Arial"/>
       </a:defRPr>
     </a:lvl6pPr>
-    <a:lvl7pPr lvl="6" marR="0" rtl="0" algn="l">
+    <a:lvl7pPr marR="0" lvl="6" algn="l" rtl="0">
       <a:lnSpc>
         <a:spcPct val="100000"/>
       </a:lnSpc>
@@ -188,7 +188,7 @@
         <a:srgbClr val="000000"/>
       </a:buClr>
       <a:buFont typeface="Arial"/>
-      <a:defRPr b="0" i="0" sz="1400" u="none" cap="none" strike="noStrike">
+      <a:defRPr sz="1400" b="0" i="0" u="none" strike="noStrike" cap="none">
         <a:solidFill>
           <a:srgbClr val="000000"/>
         </a:solidFill>
@@ -198,7 +198,7 @@
         <a:sym typeface="Arial"/>
       </a:defRPr>
     </a:lvl7pPr>
-    <a:lvl8pPr lvl="7" marR="0" rtl="0" algn="l">
+    <a:lvl8pPr marR="0" lvl="7" algn="l" rtl="0">
       <a:lnSpc>
         <a:spcPct val="100000"/>
       </a:lnSpc>
@@ -212,7 +212,7 @@
         <a:srgbClr val="000000"/>
       </a:buClr>
       <a:buFont typeface="Arial"/>
-      <a:defRPr b="0" i="0" sz="1400" u="none" cap="none" strike="noStrike">
+      <a:defRPr sz="1400" b="0" i="0" u="none" strike="noStrike" cap="none">
         <a:solidFill>
           <a:srgbClr val="000000"/>
         </a:solidFill>
@@ -222,7 +222,7 @@
         <a:sym typeface="Arial"/>
       </a:defRPr>
     </a:lvl8pPr>
-    <a:lvl9pPr lvl="8" marR="0" rtl="0" algn="l">
+    <a:lvl9pPr marR="0" lvl="8" algn="l" rtl="0">
       <a:lnSpc>
         <a:spcPct val="100000"/>
       </a:lnSpc>
@@ -236,7 +236,7 @@
         <a:srgbClr val="000000"/>
       </a:buClr>
       <a:buFont typeface="Arial"/>
-      <a:defRPr b="0" i="0" sz="1400" u="none" cap="none" strike="noStrike">
+      <a:defRPr sz="1400" b="0" i="0" u="none" strike="noStrike" cap="none">
         <a:solidFill>
           <a:srgbClr val="000000"/>
         </a:solidFill>
@@ -251,11 +251,16 @@
 </file>
 
 <file path=ppt/notesMasters/notesMaster1.xml><?xml version="1.0" encoding="utf-8"?>
-<p:notesMaster xmlns:a="http://schemas.openxmlformats.org/drawingml/2006/main" xmlns:r="http://schemas.openxmlformats.org/officeDocument/2006/relationships" xmlns:mc="http://schemas.openxmlformats.org/markup-compatibility/2006" xmlns:mv="urn:schemas-microsoft-com:mac:vml" xmlns:p="http://schemas.openxmlformats.org/presentationml/2006/main" xmlns:c="http://schemas.openxmlformats.org/drawingml/2006/chart" xmlns:dgm="http://schemas.openxmlformats.org/drawingml/2006/diagram" xmlns:o="urn:schemas-microsoft-com:office:office" xmlns:v="urn:schemas-microsoft-com:vml" xmlns:pvml="urn:schemas-microsoft-com:office:powerpoint" xmlns:com="http://schemas.openxmlformats.org/drawingml/2006/compatibility" xmlns:p14="http://schemas.microsoft.com/office/powerpoint/2010/main" xmlns:p15="http://schemas.microsoft.com/office/powerpoint/2012/main">
+<p:notesMaster xmlns:a="http://schemas.openxmlformats.org/drawingml/2006/main" xmlns:r="http://schemas.openxmlformats.org/officeDocument/2006/relationships" xmlns:p="http://schemas.openxmlformats.org/presentationml/2006/main">
   <p:cSld>
+    <p:bg>
+      <p:bgRef idx="1001">
+        <a:schemeClr val="bg1"/>
+      </p:bgRef>
+    </p:bg>
     <p:spTree>
       <p:nvGrpSpPr>
-        <p:cNvPr id="2" name="Shape 2"/>
+        <p:cNvPr id="1" name="Shape 2"/>
         <p:cNvGrpSpPr/>
         <p:nvPr/>
       </p:nvGrpSpPr>
@@ -270,9 +275,11 @@
       <p:sp>
         <p:nvSpPr>
           <p:cNvPr id="3" name="Google Shape;3;n"/>
-          <p:cNvSpPr/>
+          <p:cNvSpPr>
+            <a:spLocks noGrp="1" noRot="1" noChangeAspect="1"/>
+          </p:cNvSpPr>
           <p:nvPr>
-            <p:ph idx="2" type="sldImg"/>
+            <p:ph type="sldImg" idx="2"/>
           </p:nvPr>
         </p:nvSpPr>
         <p:spPr>
@@ -281,9 +288,13 @@
             <a:ext cx="6096075" cy="3429000"/>
           </a:xfrm>
           <a:custGeom>
-            <a:rect b="b" l="l" r="r" t="t"/>
+            <a:avLst/>
+            <a:gdLst/>
+            <a:ahLst/>
+            <a:cxnLst/>
+            <a:rect l="l" t="t" r="r" b="b"/>
             <a:pathLst>
-              <a:path extrusionOk="0" h="120000" w="120000">
+              <a:path w="120000" h="120000" extrusionOk="0">
                 <a:moveTo>
                   <a:pt x="0" y="0"/>
                 </a:moveTo>
@@ -301,23 +312,25 @@
             </a:pathLst>
           </a:custGeom>
           <a:noFill/>
-          <a:ln cap="flat" cmpd="sng" w="9525">
+          <a:ln w="9525" cap="flat" cmpd="sng">
             <a:solidFill>
               <a:srgbClr val="000000"/>
             </a:solidFill>
             <a:prstDash val="solid"/>
             <a:round/>
-            <a:headEnd len="sm" w="sm" type="none"/>
-            <a:tailEnd len="sm" w="sm" type="none"/>
+            <a:headEnd type="none" w="sm" len="sm"/>
+            <a:tailEnd type="none" w="sm" len="sm"/>
           </a:ln>
         </p:spPr>
       </p:sp>
       <p:sp>
         <p:nvSpPr>
           <p:cNvPr id="4" name="Google Shape;4;n"/>
-          <p:cNvSpPr txBox="1"/>
+          <p:cNvSpPr txBox="1">
+            <a:spLocks noGrp="1"/>
+          </p:cNvSpPr>
           <p:nvPr>
-            <p:ph idx="1" type="body"/>
+            <p:ph type="body" idx="1"/>
           </p:nvPr>
         </p:nvSpPr>
         <p:spPr>
@@ -334,9 +347,9 @@
           </a:ln>
         </p:spPr>
         <p:txBody>
-          <a:bodyPr anchorCtr="0" anchor="t" bIns="91425" lIns="91425" spcFirstLastPara="1" rIns="91425" wrap="square" tIns="91425"/>
+          <a:bodyPr spcFirstLastPara="1" wrap="square" lIns="91425" tIns="91425" rIns="91425" bIns="91425" anchor="t" anchorCtr="0"/>
           <a:lstStyle>
-            <a:lvl1pPr indent="-317500" lvl="0" marL="457200">
+            <a:lvl1pPr marL="457200" lvl="0" indent="-317500">
               <a:spcBef>
                 <a:spcPts val="0"/>
               </a:spcBef>
@@ -347,7 +360,7 @@
               <a:buChar char="●"/>
               <a:defRPr sz="1100"/>
             </a:lvl1pPr>
-            <a:lvl2pPr indent="-317500" lvl="1" marL="914400">
+            <a:lvl2pPr marL="914400" lvl="1" indent="-317500">
               <a:spcBef>
                 <a:spcPts val="0"/>
               </a:spcBef>
@@ -358,7 +371,7 @@
               <a:buChar char="○"/>
               <a:defRPr sz="1100"/>
             </a:lvl2pPr>
-            <a:lvl3pPr indent="-317500" lvl="2" marL="1371600">
+            <a:lvl3pPr marL="1371600" lvl="2" indent="-317500">
               <a:spcBef>
                 <a:spcPts val="0"/>
               </a:spcBef>
@@ -369,7 +382,7 @@
               <a:buChar char="■"/>
               <a:defRPr sz="1100"/>
             </a:lvl3pPr>
-            <a:lvl4pPr indent="-317500" lvl="3" marL="1828800">
+            <a:lvl4pPr marL="1828800" lvl="3" indent="-317500">
               <a:spcBef>
                 <a:spcPts val="0"/>
               </a:spcBef>
@@ -380,7 +393,7 @@
               <a:buChar char="●"/>
               <a:defRPr sz="1100"/>
             </a:lvl4pPr>
-            <a:lvl5pPr indent="-317500" lvl="4" marL="2286000">
+            <a:lvl5pPr marL="2286000" lvl="4" indent="-317500">
               <a:spcBef>
                 <a:spcPts val="0"/>
               </a:spcBef>
@@ -391,7 +404,7 @@
               <a:buChar char="○"/>
               <a:defRPr sz="1100"/>
             </a:lvl5pPr>
-            <a:lvl6pPr indent="-317500" lvl="5" marL="2743200">
+            <a:lvl6pPr marL="2743200" lvl="5" indent="-317500">
               <a:spcBef>
                 <a:spcPts val="0"/>
               </a:spcBef>
@@ -402,7 +415,7 @@
               <a:buChar char="■"/>
               <a:defRPr sz="1100"/>
             </a:lvl6pPr>
-            <a:lvl7pPr indent="-317500" lvl="6" marL="3200400">
+            <a:lvl7pPr marL="3200400" lvl="6" indent="-317500">
               <a:spcBef>
                 <a:spcPts val="0"/>
               </a:spcBef>
@@ -413,7 +426,7 @@
               <a:buChar char="●"/>
               <a:defRPr sz="1100"/>
             </a:lvl7pPr>
-            <a:lvl8pPr indent="-317500" lvl="7" marL="3657600">
+            <a:lvl8pPr marL="3657600" lvl="7" indent="-317500">
               <a:spcBef>
                 <a:spcPts val="0"/>
               </a:spcBef>
@@ -424,7 +437,7 @@
               <a:buChar char="○"/>
               <a:defRPr sz="1100"/>
             </a:lvl8pPr>
-            <a:lvl9pPr indent="-317500" lvl="8" marL="4114800">
+            <a:lvl9pPr marL="4114800" lvl="8" indent="-317500">
               <a:spcBef>
                 <a:spcPts val="0"/>
               </a:spcBef>
@@ -436,14 +449,16 @@
               <a:defRPr sz="1100"/>
             </a:lvl9pPr>
           </a:lstStyle>
-          <a:p/>
+          <a:p>
+            <a:endParaRPr/>
+          </a:p>
         </p:txBody>
       </p:sp>
     </p:spTree>
   </p:cSld>
-  <p:clrMap accent1="accent1" accent2="accent2" accent3="accent3" accent4="accent4" accent5="accent5" accent6="accent6" bg1="lt1" bg2="dk2" tx1="dk1" tx2="lt2" folHlink="folHlink" hlink="hlink"/>
+  <p:clrMap bg1="lt1" tx1="dk1" bg2="dk2" tx2="lt2" accent1="accent1" accent2="accent2" accent3="accent3" accent4="accent4" accent5="accent5" accent6="accent6" hlink="hlink" folHlink="folHlink"/>
   <p:notesStyle>
-    <a:defPPr lvl="0" marR="0" rtl="0" algn="l">
+    <a:defPPr marR="0" lvl="0" algn="l" rtl="0">
       <a:lnSpc>
         <a:spcPct val="100000"/>
       </a:lnSpc>
@@ -454,7 +469,7 @@
         <a:spcPts val="0"/>
       </a:spcAft>
     </a:defPPr>
-    <a:lvl1pPr lvl="0" marR="0" rtl="0" algn="l">
+    <a:lvl1pPr marR="0" lvl="0" algn="l" rtl="0">
       <a:lnSpc>
         <a:spcPct val="100000"/>
       </a:lnSpc>
@@ -468,7 +483,7 @@
         <a:srgbClr val="000000"/>
       </a:buClr>
       <a:buFont typeface="Arial"/>
-      <a:defRPr b="0" i="0" sz="1400" u="none" cap="none" strike="noStrike">
+      <a:defRPr sz="1400" b="0" i="0" u="none" strike="noStrike" cap="none">
         <a:solidFill>
           <a:srgbClr val="000000"/>
         </a:solidFill>
@@ -478,7 +493,7 @@
         <a:sym typeface="Arial"/>
       </a:defRPr>
     </a:lvl1pPr>
-    <a:lvl2pPr lvl="1" marR="0" rtl="0" algn="l">
+    <a:lvl2pPr marR="0" lvl="1" algn="l" rtl="0">
       <a:lnSpc>
         <a:spcPct val="100000"/>
       </a:lnSpc>
@@ -492,7 +507,7 @@
         <a:srgbClr val="000000"/>
       </a:buClr>
       <a:buFont typeface="Arial"/>
-      <a:defRPr b="0" i="0" sz="1400" u="none" cap="none" strike="noStrike">
+      <a:defRPr sz="1400" b="0" i="0" u="none" strike="noStrike" cap="none">
         <a:solidFill>
           <a:srgbClr val="000000"/>
         </a:solidFill>
@@ -502,7 +517,7 @@
         <a:sym typeface="Arial"/>
       </a:defRPr>
     </a:lvl2pPr>
-    <a:lvl3pPr lvl="2" marR="0" rtl="0" algn="l">
+    <a:lvl3pPr marR="0" lvl="2" algn="l" rtl="0">
       <a:lnSpc>
         <a:spcPct val="100000"/>
       </a:lnSpc>
@@ -516,7 +531,7 @@
         <a:srgbClr val="000000"/>
       </a:buClr>
       <a:buFont typeface="Arial"/>
-      <a:defRPr b="0" i="0" sz="1400" u="none" cap="none" strike="noStrike">
+      <a:defRPr sz="1400" b="0" i="0" u="none" strike="noStrike" cap="none">
         <a:solidFill>
           <a:srgbClr val="000000"/>
         </a:solidFill>
@@ -526,7 +541,7 @@
         <a:sym typeface="Arial"/>
       </a:defRPr>
     </a:lvl3pPr>
-    <a:lvl4pPr lvl="3" marR="0" rtl="0" algn="l">
+    <a:lvl4pPr marR="0" lvl="3" algn="l" rtl="0">
       <a:lnSpc>
         <a:spcPct val="100000"/>
       </a:lnSpc>
@@ -540,7 +555,7 @@
         <a:srgbClr val="000000"/>
       </a:buClr>
       <a:buFont typeface="Arial"/>
-      <a:defRPr b="0" i="0" sz="1400" u="none" cap="none" strike="noStrike">
+      <a:defRPr sz="1400" b="0" i="0" u="none" strike="noStrike" cap="none">
         <a:solidFill>
           <a:srgbClr val="000000"/>
         </a:solidFill>
@@ -550,7 +565,7 @@
         <a:sym typeface="Arial"/>
       </a:defRPr>
     </a:lvl4pPr>
-    <a:lvl5pPr lvl="4" marR="0" rtl="0" algn="l">
+    <a:lvl5pPr marR="0" lvl="4" algn="l" rtl="0">
       <a:lnSpc>
         <a:spcPct val="100000"/>
       </a:lnSpc>
@@ -564,7 +579,7 @@
         <a:srgbClr val="000000"/>
       </a:buClr>
       <a:buFont typeface="Arial"/>
-      <a:defRPr b="0" i="0" sz="1400" u="none" cap="none" strike="noStrike">
+      <a:defRPr sz="1400" b="0" i="0" u="none" strike="noStrike" cap="none">
         <a:solidFill>
           <a:srgbClr val="000000"/>
         </a:solidFill>
@@ -574,7 +589,7 @@
         <a:sym typeface="Arial"/>
       </a:defRPr>
     </a:lvl5pPr>
-    <a:lvl6pPr lvl="5" marR="0" rtl="0" algn="l">
+    <a:lvl6pPr marR="0" lvl="5" algn="l" rtl="0">
       <a:lnSpc>
         <a:spcPct val="100000"/>
       </a:lnSpc>
@@ -588,7 +603,7 @@
         <a:srgbClr val="000000"/>
       </a:buClr>
       <a:buFont typeface="Arial"/>
-      <a:defRPr b="0" i="0" sz="1400" u="none" cap="none" strike="noStrike">
+      <a:defRPr sz="1400" b="0" i="0" u="none" strike="noStrike" cap="none">
         <a:solidFill>
           <a:srgbClr val="000000"/>
         </a:solidFill>
@@ -598,7 +613,7 @@
         <a:sym typeface="Arial"/>
       </a:defRPr>
     </a:lvl6pPr>
-    <a:lvl7pPr lvl="6" marR="0" rtl="0" algn="l">
+    <a:lvl7pPr marR="0" lvl="6" algn="l" rtl="0">
       <a:lnSpc>
         <a:spcPct val="100000"/>
       </a:lnSpc>
@@ -612,7 +627,7 @@
         <a:srgbClr val="000000"/>
       </a:buClr>
       <a:buFont typeface="Arial"/>
-      <a:defRPr b="0" i="0" sz="1400" u="none" cap="none" strike="noStrike">
+      <a:defRPr sz="1400" b="0" i="0" u="none" strike="noStrike" cap="none">
         <a:solidFill>
           <a:srgbClr val="000000"/>
         </a:solidFill>
@@ -622,7 +637,7 @@
         <a:sym typeface="Arial"/>
       </a:defRPr>
     </a:lvl7pPr>
-    <a:lvl8pPr lvl="7" marR="0" rtl="0" algn="l">
+    <a:lvl8pPr marR="0" lvl="7" algn="l" rtl="0">
       <a:lnSpc>
         <a:spcPct val="100000"/>
       </a:lnSpc>
@@ -636,7 +651,7 @@
         <a:srgbClr val="000000"/>
       </a:buClr>
       <a:buFont typeface="Arial"/>
-      <a:defRPr b="0" i="0" sz="1400" u="none" cap="none" strike="noStrike">
+      <a:defRPr sz="1400" b="0" i="0" u="none" strike="noStrike" cap="none">
         <a:solidFill>
           <a:srgbClr val="000000"/>
         </a:solidFill>
@@ -646,7 +661,7 @@
         <a:sym typeface="Arial"/>
       </a:defRPr>
     </a:lvl8pPr>
-    <a:lvl9pPr lvl="8" marR="0" rtl="0" algn="l">
+    <a:lvl9pPr marR="0" lvl="8" algn="l" rtl="0">
       <a:lnSpc>
         <a:spcPct val="100000"/>
       </a:lnSpc>
@@ -660,7 +675,7 @@
         <a:srgbClr val="000000"/>
       </a:buClr>
       <a:buFont typeface="Arial"/>
-      <a:defRPr b="0" i="0" sz="1400" u="none" cap="none" strike="noStrike">
+      <a:defRPr sz="1400" b="0" i="0" u="none" strike="noStrike" cap="none">
         <a:solidFill>
           <a:srgbClr val="000000"/>
         </a:solidFill>
@@ -675,11 +690,11 @@
 </file>
 
 <file path=ppt/notesSlides/notesSlide1.xml><?xml version="1.0" encoding="utf-8"?>
-<p:notes xmlns:a="http://schemas.openxmlformats.org/drawingml/2006/main" xmlns:r="http://schemas.openxmlformats.org/officeDocument/2006/relationships" xmlns:mc="http://schemas.openxmlformats.org/markup-compatibility/2006" xmlns:mv="urn:schemas-microsoft-com:mac:vml" xmlns:p="http://schemas.openxmlformats.org/presentationml/2006/main" xmlns:c="http://schemas.openxmlformats.org/drawingml/2006/chart" xmlns:dgm="http://schemas.openxmlformats.org/drawingml/2006/diagram" xmlns:o="urn:schemas-microsoft-com:office:office" xmlns:v="urn:schemas-microsoft-com:vml" xmlns:pvml="urn:schemas-microsoft-com:office:powerpoint" xmlns:com="http://schemas.openxmlformats.org/drawingml/2006/compatibility" xmlns:p14="http://schemas.microsoft.com/office/powerpoint/2010/main" xmlns:p15="http://schemas.microsoft.com/office/powerpoint/2012/main" showMasterPhAnim="0" showMasterSp="0">
+<p:notes xmlns:a="http://schemas.openxmlformats.org/drawingml/2006/main" xmlns:r="http://schemas.openxmlformats.org/officeDocument/2006/relationships" xmlns:p="http://schemas.openxmlformats.org/presentationml/2006/main" showMasterSp="0" showMasterPhAnim="0">
   <p:cSld>
     <p:spTree>
       <p:nvGrpSpPr>
-        <p:cNvPr id="107" name="Shape 107"/>
+        <p:cNvPr id="1" name="Shape 107"/>
         <p:cNvGrpSpPr/>
         <p:nvPr/>
       </p:nvGrpSpPr>
@@ -694,9 +709,11 @@
       <p:sp>
         <p:nvSpPr>
           <p:cNvPr id="108" name="Google Shape;108;g1c50816b8f_2_114:notes"/>
-          <p:cNvSpPr/>
+          <p:cNvSpPr>
+            <a:spLocks noGrp="1" noRot="1" noChangeAspect="1"/>
+          </p:cNvSpPr>
           <p:nvPr>
-            <p:ph idx="2" type="sldImg"/>
+            <p:ph type="sldImg" idx="2"/>
           </p:nvPr>
         </p:nvSpPr>
         <p:spPr>
@@ -705,9 +722,13 @@
             <a:ext cx="6096000" cy="3429000"/>
           </a:xfrm>
           <a:custGeom>
-            <a:rect b="b" l="l" r="r" t="t"/>
+            <a:avLst/>
+            <a:gdLst/>
+            <a:ahLst/>
+            <a:cxnLst/>
+            <a:rect l="l" t="t" r="r" b="b"/>
             <a:pathLst>
-              <a:path extrusionOk="0" h="120000" w="120000">
+              <a:path w="120000" h="120000" extrusionOk="0">
                 <a:moveTo>
                   <a:pt x="0" y="0"/>
                 </a:moveTo>
@@ -725,23 +746,25 @@
             </a:pathLst>
           </a:custGeom>
           <a:noFill/>
-          <a:ln cap="flat" cmpd="sng" w="12700">
+          <a:ln w="12700" cap="flat" cmpd="sng">
             <a:solidFill>
               <a:srgbClr val="000000"/>
             </a:solidFill>
             <a:prstDash val="solid"/>
             <a:round/>
-            <a:headEnd len="sm" w="sm" type="none"/>
-            <a:tailEnd len="sm" w="sm" type="none"/>
+            <a:headEnd type="none" w="sm" len="sm"/>
+            <a:tailEnd type="none" w="sm" len="sm"/>
           </a:ln>
         </p:spPr>
       </p:sp>
       <p:sp>
         <p:nvSpPr>
           <p:cNvPr id="109" name="Google Shape;109;g1c50816b8f_2_114:notes"/>
-          <p:cNvSpPr txBox="1"/>
+          <p:cNvSpPr txBox="1">
+            <a:spLocks noGrp="1"/>
+          </p:cNvSpPr>
           <p:nvPr>
-            <p:ph idx="1" type="body"/>
+            <p:ph type="body" idx="1"/>
           </p:nvPr>
         </p:nvSpPr>
         <p:spPr>
@@ -758,12 +781,12 @@
           </a:ln>
         </p:spPr>
         <p:txBody>
-          <a:bodyPr anchorCtr="0" anchor="t" bIns="45700" lIns="91425" spcFirstLastPara="1" rIns="91425" wrap="square" tIns="45700">
+          <a:bodyPr spcFirstLastPara="1" wrap="square" lIns="91425" tIns="45700" rIns="91425" bIns="45700" anchor="t" anchorCtr="0">
             <a:noAutofit/>
           </a:bodyPr>
           <a:lstStyle/>
           <a:p>
-            <a:pPr indent="0" lvl="0" marL="0" marR="0" rtl="0" algn="l">
+            <a:pPr marL="0" marR="0" lvl="0" indent="0" algn="l" rtl="0">
               <a:spcBef>
                 <a:spcPts val="0"/>
               </a:spcBef>
@@ -772,10 +795,7 @@
               </a:spcAft>
               <a:buNone/>
             </a:pPr>
-            <a:r>
-              <a:t/>
-            </a:r>
-            <a:endParaRPr b="0" i="0" sz="1200" u="none" cap="none" strike="noStrike">
+            <a:endParaRPr sz="1200" b="0" i="0" u="none" strike="noStrike" cap="none">
               <a:solidFill>
                 <a:schemeClr val="dk1"/>
               </a:solidFill>
@@ -790,9 +810,11 @@
       <p:sp>
         <p:nvSpPr>
           <p:cNvPr id="110" name="Google Shape;110;g1c50816b8f_2_114:notes"/>
-          <p:cNvSpPr txBox="1"/>
+          <p:cNvSpPr txBox="1">
+            <a:spLocks noGrp="1"/>
+          </p:cNvSpPr>
           <p:nvPr>
-            <p:ph idx="12" type="sldNum"/>
+            <p:ph type="sldNum" idx="12"/>
           </p:nvPr>
         </p:nvSpPr>
         <p:spPr>
@@ -809,12 +831,12 @@
           </a:ln>
         </p:spPr>
         <p:txBody>
-          <a:bodyPr anchorCtr="0" anchor="b" bIns="45700" lIns="91425" spcFirstLastPara="1" rIns="91425" wrap="square" tIns="45700">
+          <a:bodyPr spcFirstLastPara="1" wrap="square" lIns="91425" tIns="45700" rIns="91425" bIns="45700" anchor="b" anchorCtr="0">
             <a:noAutofit/>
           </a:bodyPr>
           <a:lstStyle/>
           <a:p>
-            <a:pPr indent="0" lvl="0" marL="0" marR="0" rtl="0" algn="r">
+            <a:pPr marL="0" marR="0" lvl="0" indent="0" algn="r" rtl="0">
               <a:spcBef>
                 <a:spcPts val="0"/>
               </a:spcBef>
@@ -824,7 +846,7 @@
               <a:buNone/>
             </a:pPr>
             <a:fld id="{00000000-1234-1234-1234-123412341234}" type="slidenum">
-              <a:rPr b="0" i="0" lang="en" sz="1200" u="none" cap="none" strike="noStrike">
+              <a:rPr lang="en" sz="1200" b="0" i="0" u="none" strike="noStrike" cap="none">
                 <a:solidFill>
                   <a:schemeClr val="dk1"/>
                 </a:solidFill>
@@ -833,9 +855,9 @@
                 <a:cs typeface="Arial"/>
                 <a:sym typeface="Arial"/>
               </a:rPr>
-              <a:t>‹#›</a:t>
+              <a:t>1</a:t>
             </a:fld>
-            <a:endParaRPr b="0" i="0" sz="1200" u="none" cap="none" strike="noStrike">
+            <a:endParaRPr sz="1200" b="0" i="0" u="none" strike="noStrike" cap="none">
               <a:solidFill>
                 <a:schemeClr val="dk1"/>
               </a:solidFill>
@@ -856,11 +878,11 @@
 </file>
 
 <file path=ppt/notesSlides/notesSlide2.xml><?xml version="1.0" encoding="utf-8"?>
-<p:notes xmlns:a="http://schemas.openxmlformats.org/drawingml/2006/main" xmlns:r="http://schemas.openxmlformats.org/officeDocument/2006/relationships" xmlns:mc="http://schemas.openxmlformats.org/markup-compatibility/2006" xmlns:mv="urn:schemas-microsoft-com:mac:vml" xmlns:p="http://schemas.openxmlformats.org/presentationml/2006/main" xmlns:c="http://schemas.openxmlformats.org/drawingml/2006/chart" xmlns:dgm="http://schemas.openxmlformats.org/drawingml/2006/diagram" xmlns:o="urn:schemas-microsoft-com:office:office" xmlns:v="urn:schemas-microsoft-com:vml" xmlns:pvml="urn:schemas-microsoft-com:office:powerpoint" xmlns:com="http://schemas.openxmlformats.org/drawingml/2006/compatibility" xmlns:p14="http://schemas.microsoft.com/office/powerpoint/2010/main" xmlns:p15="http://schemas.microsoft.com/office/powerpoint/2012/main" showMasterPhAnim="0" showMasterSp="0">
+<p:notes xmlns:a="http://schemas.openxmlformats.org/drawingml/2006/main" xmlns:r="http://schemas.openxmlformats.org/officeDocument/2006/relationships" xmlns:p="http://schemas.openxmlformats.org/presentationml/2006/main" showMasterSp="0" showMasterPhAnim="0">
   <p:cSld>
     <p:spTree>
       <p:nvGrpSpPr>
-        <p:cNvPr id="115" name="Shape 115"/>
+        <p:cNvPr id="1" name="Shape 115"/>
         <p:cNvGrpSpPr/>
         <p:nvPr/>
       </p:nvGrpSpPr>
@@ -875,9 +897,11 @@
       <p:sp>
         <p:nvSpPr>
           <p:cNvPr id="116" name="Google Shape;116;g1c50816b8f_2_134:notes"/>
-          <p:cNvSpPr txBox="1"/>
+          <p:cNvSpPr txBox="1">
+            <a:spLocks noGrp="1"/>
+          </p:cNvSpPr>
           <p:nvPr>
-            <p:ph idx="1" type="body"/>
+            <p:ph type="body" idx="1"/>
           </p:nvPr>
         </p:nvSpPr>
         <p:spPr>
@@ -894,12 +918,12 @@
           </a:ln>
         </p:spPr>
         <p:txBody>
-          <a:bodyPr anchorCtr="0" anchor="ctr" bIns="91425" lIns="91425" spcFirstLastPara="1" rIns="91425" wrap="square" tIns="91425">
+          <a:bodyPr spcFirstLastPara="1" wrap="square" lIns="91425" tIns="91425" rIns="91425" bIns="91425" anchor="ctr" anchorCtr="0">
             <a:noAutofit/>
           </a:bodyPr>
           <a:lstStyle/>
           <a:p>
-            <a:pPr indent="0" lvl="0" marL="0" rtl="0" algn="l">
+            <a:pPr marL="0" lvl="0" indent="0" algn="l" rtl="0">
               <a:spcBef>
                 <a:spcPts val="0"/>
               </a:spcBef>
@@ -908,9 +932,6 @@
               </a:spcAft>
               <a:buNone/>
             </a:pPr>
-            <a:r>
-              <a:t/>
-            </a:r>
             <a:endParaRPr/>
           </a:p>
         </p:txBody>
@@ -918,9 +939,11 @@
       <p:sp>
         <p:nvSpPr>
           <p:cNvPr id="117" name="Google Shape;117;g1c50816b8f_2_134:notes"/>
-          <p:cNvSpPr/>
+          <p:cNvSpPr>
+            <a:spLocks noGrp="1" noRot="1" noChangeAspect="1"/>
+          </p:cNvSpPr>
           <p:nvPr>
-            <p:ph idx="2" type="sldImg"/>
+            <p:ph type="sldImg" idx="2"/>
           </p:nvPr>
         </p:nvSpPr>
         <p:spPr>
@@ -929,9 +952,13 @@
             <a:ext cx="6096000" cy="3429000"/>
           </a:xfrm>
           <a:custGeom>
-            <a:rect b="b" l="l" r="r" t="t"/>
+            <a:avLst/>
+            <a:gdLst/>
+            <a:ahLst/>
+            <a:cxnLst/>
+            <a:rect l="l" t="t" r="r" b="b"/>
             <a:pathLst>
-              <a:path extrusionOk="0" h="120000" w="120000">
+              <a:path w="120000" h="120000" extrusionOk="0">
                 <a:moveTo>
                   <a:pt x="0" y="0"/>
                 </a:moveTo>
@@ -959,11 +986,11 @@
 </file>
 
 <file path=ppt/notesSlides/notesSlide3.xml><?xml version="1.0" encoding="utf-8"?>
-<p:notes xmlns:a="http://schemas.openxmlformats.org/drawingml/2006/main" xmlns:r="http://schemas.openxmlformats.org/officeDocument/2006/relationships" xmlns:mc="http://schemas.openxmlformats.org/markup-compatibility/2006" xmlns:mv="urn:schemas-microsoft-com:mac:vml" xmlns:p="http://schemas.openxmlformats.org/presentationml/2006/main" xmlns:c="http://schemas.openxmlformats.org/drawingml/2006/chart" xmlns:dgm="http://schemas.openxmlformats.org/drawingml/2006/diagram" xmlns:o="urn:schemas-microsoft-com:office:office" xmlns:v="urn:schemas-microsoft-com:vml" xmlns:pvml="urn:schemas-microsoft-com:office:powerpoint" xmlns:com="http://schemas.openxmlformats.org/drawingml/2006/compatibility" xmlns:p14="http://schemas.microsoft.com/office/powerpoint/2010/main" xmlns:p15="http://schemas.microsoft.com/office/powerpoint/2012/main" showMasterPhAnim="0" showMasterSp="0">
+<p:notes xmlns:a="http://schemas.openxmlformats.org/drawingml/2006/main" xmlns:r="http://schemas.openxmlformats.org/officeDocument/2006/relationships" xmlns:p="http://schemas.openxmlformats.org/presentationml/2006/main" showMasterSp="0" showMasterPhAnim="0">
   <p:cSld>
     <p:spTree>
       <p:nvGrpSpPr>
-        <p:cNvPr id="145" name="Shape 145"/>
+        <p:cNvPr id="1" name="Shape 145"/>
         <p:cNvGrpSpPr/>
         <p:nvPr/>
       </p:nvGrpSpPr>
@@ -978,9 +1005,11 @@
       <p:sp>
         <p:nvSpPr>
           <p:cNvPr id="146" name="Google Shape;146;g1c50816b8f_2_368:notes"/>
-          <p:cNvSpPr txBox="1"/>
+          <p:cNvSpPr txBox="1">
+            <a:spLocks noGrp="1"/>
+          </p:cNvSpPr>
           <p:nvPr>
-            <p:ph idx="1" type="body"/>
+            <p:ph type="body" idx="1"/>
           </p:nvPr>
         </p:nvSpPr>
         <p:spPr>
@@ -997,12 +1026,12 @@
           </a:ln>
         </p:spPr>
         <p:txBody>
-          <a:bodyPr anchorCtr="0" anchor="ctr" bIns="91425" lIns="91425" spcFirstLastPara="1" rIns="91425" wrap="square" tIns="91425">
+          <a:bodyPr spcFirstLastPara="1" wrap="square" lIns="91425" tIns="91425" rIns="91425" bIns="91425" anchor="ctr" anchorCtr="0">
             <a:noAutofit/>
           </a:bodyPr>
           <a:lstStyle/>
           <a:p>
-            <a:pPr indent="0" lvl="0" marL="0" rtl="0" algn="l">
+            <a:pPr marL="0" lvl="0" indent="0" algn="l" rtl="0">
               <a:spcBef>
                 <a:spcPts val="0"/>
               </a:spcBef>
@@ -1011,9 +1040,6 @@
               </a:spcAft>
               <a:buNone/>
             </a:pPr>
-            <a:r>
-              <a:t/>
-            </a:r>
             <a:endParaRPr/>
           </a:p>
         </p:txBody>
@@ -1021,9 +1047,11 @@
       <p:sp>
         <p:nvSpPr>
           <p:cNvPr id="147" name="Google Shape;147;g1c50816b8f_2_368:notes"/>
-          <p:cNvSpPr/>
+          <p:cNvSpPr>
+            <a:spLocks noGrp="1" noRot="1" noChangeAspect="1"/>
+          </p:cNvSpPr>
           <p:nvPr>
-            <p:ph idx="2" type="sldImg"/>
+            <p:ph type="sldImg" idx="2"/>
           </p:nvPr>
         </p:nvSpPr>
         <p:spPr>
@@ -1032,9 +1060,13 @@
             <a:ext cx="6096000" cy="3429000"/>
           </a:xfrm>
           <a:custGeom>
-            <a:rect b="b" l="l" r="r" t="t"/>
+            <a:avLst/>
+            <a:gdLst/>
+            <a:ahLst/>
+            <a:cxnLst/>
+            <a:rect l="l" t="t" r="r" b="b"/>
             <a:pathLst>
-              <a:path extrusionOk="0" h="120000" w="120000">
+              <a:path w="120000" h="120000" extrusionOk="0">
                 <a:moveTo>
                   <a:pt x="0" y="0"/>
                 </a:moveTo>
@@ -1062,11 +1094,11 @@
 </file>
 
 <file path=ppt/notesSlides/notesSlide4.xml><?xml version="1.0" encoding="utf-8"?>
-<p:notes xmlns:a="http://schemas.openxmlformats.org/drawingml/2006/main" xmlns:r="http://schemas.openxmlformats.org/officeDocument/2006/relationships" xmlns:mc="http://schemas.openxmlformats.org/markup-compatibility/2006" xmlns:mv="urn:schemas-microsoft-com:mac:vml" xmlns:p="http://schemas.openxmlformats.org/presentationml/2006/main" xmlns:c="http://schemas.openxmlformats.org/drawingml/2006/chart" xmlns:dgm="http://schemas.openxmlformats.org/drawingml/2006/diagram" xmlns:o="urn:schemas-microsoft-com:office:office" xmlns:v="urn:schemas-microsoft-com:vml" xmlns:pvml="urn:schemas-microsoft-com:office:powerpoint" xmlns:com="http://schemas.openxmlformats.org/drawingml/2006/compatibility" xmlns:p14="http://schemas.microsoft.com/office/powerpoint/2010/main" xmlns:p15="http://schemas.microsoft.com/office/powerpoint/2012/main" showMasterPhAnim="0" showMasterSp="0">
+<p:notes xmlns:a="http://schemas.openxmlformats.org/drawingml/2006/main" xmlns:r="http://schemas.openxmlformats.org/officeDocument/2006/relationships" xmlns:p="http://schemas.openxmlformats.org/presentationml/2006/main" showMasterSp="0" showMasterPhAnim="0">
   <p:cSld>
     <p:spTree>
       <p:nvGrpSpPr>
-        <p:cNvPr id="173" name="Shape 173"/>
+        <p:cNvPr id="1" name="Shape 173"/>
         <p:cNvGrpSpPr/>
         <p:nvPr/>
       </p:nvGrpSpPr>
@@ -1081,9 +1113,11 @@
       <p:sp>
         <p:nvSpPr>
           <p:cNvPr id="174" name="Google Shape;174;g1c50816b8f_2_324:notes"/>
-          <p:cNvSpPr txBox="1"/>
+          <p:cNvSpPr txBox="1">
+            <a:spLocks noGrp="1"/>
+          </p:cNvSpPr>
           <p:nvPr>
-            <p:ph idx="1" type="body"/>
+            <p:ph type="body" idx="1"/>
           </p:nvPr>
         </p:nvSpPr>
         <p:spPr>
@@ -1100,12 +1134,12 @@
           </a:ln>
         </p:spPr>
         <p:txBody>
-          <a:bodyPr anchorCtr="0" anchor="ctr" bIns="91425" lIns="91425" spcFirstLastPara="1" rIns="91425" wrap="square" tIns="91425">
+          <a:bodyPr spcFirstLastPara="1" wrap="square" lIns="91425" tIns="91425" rIns="91425" bIns="91425" anchor="ctr" anchorCtr="0">
             <a:noAutofit/>
           </a:bodyPr>
           <a:lstStyle/>
           <a:p>
-            <a:pPr indent="0" lvl="0" marL="0" rtl="0" algn="l">
+            <a:pPr marL="0" lvl="0" indent="0" algn="l" rtl="0">
               <a:spcBef>
                 <a:spcPts val="0"/>
               </a:spcBef>
@@ -1114,9 +1148,6 @@
               </a:spcAft>
               <a:buNone/>
             </a:pPr>
-            <a:r>
-              <a:t/>
-            </a:r>
             <a:endParaRPr/>
           </a:p>
         </p:txBody>
@@ -1124,9 +1155,11 @@
       <p:sp>
         <p:nvSpPr>
           <p:cNvPr id="175" name="Google Shape;175;g1c50816b8f_2_324:notes"/>
-          <p:cNvSpPr/>
+          <p:cNvSpPr>
+            <a:spLocks noGrp="1" noRot="1" noChangeAspect="1"/>
+          </p:cNvSpPr>
           <p:nvPr>
-            <p:ph idx="2" type="sldImg"/>
+            <p:ph type="sldImg" idx="2"/>
           </p:nvPr>
         </p:nvSpPr>
         <p:spPr>
@@ -1135,9 +1168,13 @@
             <a:ext cx="6096000" cy="3429000"/>
           </a:xfrm>
           <a:custGeom>
-            <a:rect b="b" l="l" r="r" t="t"/>
+            <a:avLst/>
+            <a:gdLst/>
+            <a:ahLst/>
+            <a:cxnLst/>
+            <a:rect l="l" t="t" r="r" b="b"/>
             <a:pathLst>
-              <a:path extrusionOk="0" h="120000" w="120000">
+              <a:path w="120000" h="120000" extrusionOk="0">
                 <a:moveTo>
                   <a:pt x="0" y="0"/>
                 </a:moveTo>
@@ -1165,11 +1202,11 @@
 </file>
 
 <file path=ppt/notesSlides/notesSlide5.xml><?xml version="1.0" encoding="utf-8"?>
-<p:notes xmlns:a="http://schemas.openxmlformats.org/drawingml/2006/main" xmlns:r="http://schemas.openxmlformats.org/officeDocument/2006/relationships" xmlns:mc="http://schemas.openxmlformats.org/markup-compatibility/2006" xmlns:mv="urn:schemas-microsoft-com:mac:vml" xmlns:p="http://schemas.openxmlformats.org/presentationml/2006/main" xmlns:c="http://schemas.openxmlformats.org/drawingml/2006/chart" xmlns:dgm="http://schemas.openxmlformats.org/drawingml/2006/diagram" xmlns:o="urn:schemas-microsoft-com:office:office" xmlns:v="urn:schemas-microsoft-com:vml" xmlns:pvml="urn:schemas-microsoft-com:office:powerpoint" xmlns:com="http://schemas.openxmlformats.org/drawingml/2006/compatibility" xmlns:p14="http://schemas.microsoft.com/office/powerpoint/2010/main" xmlns:p15="http://schemas.microsoft.com/office/powerpoint/2012/main" showMasterPhAnim="0" showMasterSp="0">
+<p:notes xmlns:a="http://schemas.openxmlformats.org/drawingml/2006/main" xmlns:r="http://schemas.openxmlformats.org/officeDocument/2006/relationships" xmlns:p="http://schemas.openxmlformats.org/presentationml/2006/main" showMasterSp="0" showMasterPhAnim="0">
   <p:cSld>
     <p:spTree>
       <p:nvGrpSpPr>
-        <p:cNvPr id="192" name="Shape 192"/>
+        <p:cNvPr id="1" name="Shape 192"/>
         <p:cNvGrpSpPr/>
         <p:nvPr/>
       </p:nvGrpSpPr>
@@ -1184,9 +1221,11 @@
       <p:sp>
         <p:nvSpPr>
           <p:cNvPr id="193" name="Google Shape;193;g1c50816b8f_2_283:notes"/>
-          <p:cNvSpPr txBox="1"/>
+          <p:cNvSpPr txBox="1">
+            <a:spLocks noGrp="1"/>
+          </p:cNvSpPr>
           <p:nvPr>
-            <p:ph idx="1" type="body"/>
+            <p:ph type="body" idx="1"/>
           </p:nvPr>
         </p:nvSpPr>
         <p:spPr>
@@ -1203,12 +1242,12 @@
           </a:ln>
         </p:spPr>
         <p:txBody>
-          <a:bodyPr anchorCtr="0" anchor="ctr" bIns="91425" lIns="91425" spcFirstLastPara="1" rIns="91425" wrap="square" tIns="91425">
+          <a:bodyPr spcFirstLastPara="1" wrap="square" lIns="91425" tIns="91425" rIns="91425" bIns="91425" anchor="ctr" anchorCtr="0">
             <a:noAutofit/>
           </a:bodyPr>
           <a:lstStyle/>
           <a:p>
-            <a:pPr indent="0" lvl="0" marL="0" rtl="0" algn="l">
+            <a:pPr marL="0" lvl="0" indent="0" algn="l" rtl="0">
               <a:spcBef>
                 <a:spcPts val="0"/>
               </a:spcBef>
@@ -1217,9 +1256,6 @@
               </a:spcAft>
               <a:buNone/>
             </a:pPr>
-            <a:r>
-              <a:t/>
-            </a:r>
             <a:endParaRPr/>
           </a:p>
         </p:txBody>
@@ -1227,9 +1263,11 @@
       <p:sp>
         <p:nvSpPr>
           <p:cNvPr id="194" name="Google Shape;194;g1c50816b8f_2_283:notes"/>
-          <p:cNvSpPr/>
+          <p:cNvSpPr>
+            <a:spLocks noGrp="1" noRot="1" noChangeAspect="1"/>
+          </p:cNvSpPr>
           <p:nvPr>
-            <p:ph idx="2" type="sldImg"/>
+            <p:ph type="sldImg" idx="2"/>
           </p:nvPr>
         </p:nvSpPr>
         <p:spPr>
@@ -1238,9 +1276,13 @@
             <a:ext cx="6096000" cy="3429000"/>
           </a:xfrm>
           <a:custGeom>
-            <a:rect b="b" l="l" r="r" t="t"/>
+            <a:avLst/>
+            <a:gdLst/>
+            <a:ahLst/>
+            <a:cxnLst/>
+            <a:rect l="l" t="t" r="r" b="b"/>
             <a:pathLst>
-              <a:path extrusionOk="0" h="120000" w="120000">
+              <a:path w="120000" h="120000" extrusionOk="0">
                 <a:moveTo>
                   <a:pt x="0" y="0"/>
                 </a:moveTo>
@@ -1268,11 +1310,11 @@
 </file>
 
 <file path=ppt/notesSlides/notesSlide6.xml><?xml version="1.0" encoding="utf-8"?>
-<p:notes xmlns:a="http://schemas.openxmlformats.org/drawingml/2006/main" xmlns:r="http://schemas.openxmlformats.org/officeDocument/2006/relationships" xmlns:mc="http://schemas.openxmlformats.org/markup-compatibility/2006" xmlns:mv="urn:schemas-microsoft-com:mac:vml" xmlns:p="http://schemas.openxmlformats.org/presentationml/2006/main" xmlns:c="http://schemas.openxmlformats.org/drawingml/2006/chart" xmlns:dgm="http://schemas.openxmlformats.org/drawingml/2006/diagram" xmlns:o="urn:schemas-microsoft-com:office:office" xmlns:v="urn:schemas-microsoft-com:vml" xmlns:pvml="urn:schemas-microsoft-com:office:powerpoint" xmlns:com="http://schemas.openxmlformats.org/drawingml/2006/compatibility" xmlns:p14="http://schemas.microsoft.com/office/powerpoint/2010/main" xmlns:p15="http://schemas.microsoft.com/office/powerpoint/2012/main" showMasterPhAnim="0" showMasterSp="0">
+<p:notes xmlns:a="http://schemas.openxmlformats.org/drawingml/2006/main" xmlns:r="http://schemas.openxmlformats.org/officeDocument/2006/relationships" xmlns:p="http://schemas.openxmlformats.org/presentationml/2006/main" showMasterSp="0" showMasterPhAnim="0">
   <p:cSld>
     <p:spTree>
       <p:nvGrpSpPr>
-        <p:cNvPr id="233" name="Shape 233"/>
+        <p:cNvPr id="1" name="Shape 233"/>
         <p:cNvGrpSpPr/>
         <p:nvPr/>
       </p:nvGrpSpPr>
@@ -1287,9 +1329,11 @@
       <p:sp>
         <p:nvSpPr>
           <p:cNvPr id="234" name="Google Shape;234;g1c50816b8f_2_730:notes"/>
-          <p:cNvSpPr txBox="1"/>
+          <p:cNvSpPr txBox="1">
+            <a:spLocks noGrp="1"/>
+          </p:cNvSpPr>
           <p:nvPr>
-            <p:ph idx="1" type="body"/>
+            <p:ph type="body" idx="1"/>
           </p:nvPr>
         </p:nvSpPr>
         <p:spPr>
@@ -1306,12 +1350,12 @@
           </a:ln>
         </p:spPr>
         <p:txBody>
-          <a:bodyPr anchorCtr="0" anchor="ctr" bIns="91425" lIns="91425" spcFirstLastPara="1" rIns="91425" wrap="square" tIns="91425">
+          <a:bodyPr spcFirstLastPara="1" wrap="square" lIns="91425" tIns="91425" rIns="91425" bIns="91425" anchor="ctr" anchorCtr="0">
             <a:noAutofit/>
           </a:bodyPr>
           <a:lstStyle/>
           <a:p>
-            <a:pPr indent="0" lvl="0" marL="0" rtl="0" algn="l">
+            <a:pPr marL="0" lvl="0" indent="0" algn="l" rtl="0">
               <a:spcBef>
                 <a:spcPts val="0"/>
               </a:spcBef>
@@ -1320,9 +1364,6 @@
               </a:spcAft>
               <a:buNone/>
             </a:pPr>
-            <a:r>
-              <a:t/>
-            </a:r>
             <a:endParaRPr/>
           </a:p>
         </p:txBody>
@@ -1330,9 +1371,11 @@
       <p:sp>
         <p:nvSpPr>
           <p:cNvPr id="235" name="Google Shape;235;g1c50816b8f_2_730:notes"/>
-          <p:cNvSpPr/>
+          <p:cNvSpPr>
+            <a:spLocks noGrp="1" noRot="1" noChangeAspect="1"/>
+          </p:cNvSpPr>
           <p:nvPr>
-            <p:ph idx="2" type="sldImg"/>
+            <p:ph type="sldImg" idx="2"/>
           </p:nvPr>
         </p:nvSpPr>
         <p:spPr>
@@ -1341,9 +1384,13 @@
             <a:ext cx="6096000" cy="3429000"/>
           </a:xfrm>
           <a:custGeom>
-            <a:rect b="b" l="l" r="r" t="t"/>
+            <a:avLst/>
+            <a:gdLst/>
+            <a:ahLst/>
+            <a:cxnLst/>
+            <a:rect l="l" t="t" r="r" b="b"/>
             <a:pathLst>
-              <a:path extrusionOk="0" h="120000" w="120000">
+              <a:path w="120000" h="120000" extrusionOk="0">
                 <a:moveTo>
                   <a:pt x="0" y="0"/>
                 </a:moveTo>
@@ -1371,11 +1418,11 @@
 </file>
 
 <file path=ppt/notesSlides/notesSlide7.xml><?xml version="1.0" encoding="utf-8"?>
-<p:notes xmlns:a="http://schemas.openxmlformats.org/drawingml/2006/main" xmlns:r="http://schemas.openxmlformats.org/officeDocument/2006/relationships" xmlns:mc="http://schemas.openxmlformats.org/markup-compatibility/2006" xmlns:mv="urn:schemas-microsoft-com:mac:vml" xmlns:p="http://schemas.openxmlformats.org/presentationml/2006/main" xmlns:c="http://schemas.openxmlformats.org/drawingml/2006/chart" xmlns:dgm="http://schemas.openxmlformats.org/drawingml/2006/diagram" xmlns:o="urn:schemas-microsoft-com:office:office" xmlns:v="urn:schemas-microsoft-com:vml" xmlns:pvml="urn:schemas-microsoft-com:office:powerpoint" xmlns:com="http://schemas.openxmlformats.org/drawingml/2006/compatibility" xmlns:p14="http://schemas.microsoft.com/office/powerpoint/2010/main" xmlns:p15="http://schemas.microsoft.com/office/powerpoint/2012/main" showMasterPhAnim="0" showMasterSp="0">
+<p:notes xmlns:a="http://schemas.openxmlformats.org/drawingml/2006/main" xmlns:r="http://schemas.openxmlformats.org/officeDocument/2006/relationships" xmlns:p="http://schemas.openxmlformats.org/presentationml/2006/main" showMasterSp="0" showMasterPhAnim="0">
   <p:cSld>
     <p:spTree>
       <p:nvGrpSpPr>
-        <p:cNvPr id="240" name="Shape 240"/>
+        <p:cNvPr id="1" name="Shape 240"/>
         <p:cNvGrpSpPr/>
         <p:nvPr/>
       </p:nvGrpSpPr>
@@ -1390,9 +1437,11 @@
       <p:sp>
         <p:nvSpPr>
           <p:cNvPr id="241" name="Google Shape;241;g1c50816b8f_2_779:notes"/>
-          <p:cNvSpPr txBox="1"/>
+          <p:cNvSpPr txBox="1">
+            <a:spLocks noGrp="1"/>
+          </p:cNvSpPr>
           <p:nvPr>
-            <p:ph idx="1" type="body"/>
+            <p:ph type="body" idx="1"/>
           </p:nvPr>
         </p:nvSpPr>
         <p:spPr>
@@ -1409,12 +1458,12 @@
           </a:ln>
         </p:spPr>
         <p:txBody>
-          <a:bodyPr anchorCtr="0" anchor="ctr" bIns="91425" lIns="91425" spcFirstLastPara="1" rIns="91425" wrap="square" tIns="91425">
+          <a:bodyPr spcFirstLastPara="1" wrap="square" lIns="91425" tIns="91425" rIns="91425" bIns="91425" anchor="ctr" anchorCtr="0">
             <a:noAutofit/>
           </a:bodyPr>
           <a:lstStyle/>
           <a:p>
-            <a:pPr indent="0" lvl="0" marL="0" rtl="0" algn="l">
+            <a:pPr marL="0" lvl="0" indent="0" algn="l" rtl="0">
               <a:spcBef>
                 <a:spcPts val="0"/>
               </a:spcBef>
@@ -1423,9 +1472,6 @@
               </a:spcAft>
               <a:buNone/>
             </a:pPr>
-            <a:r>
-              <a:t/>
-            </a:r>
             <a:endParaRPr/>
           </a:p>
         </p:txBody>
@@ -1433,9 +1479,11 @@
       <p:sp>
         <p:nvSpPr>
           <p:cNvPr id="242" name="Google Shape;242;g1c50816b8f_2_779:notes"/>
-          <p:cNvSpPr/>
+          <p:cNvSpPr>
+            <a:spLocks noGrp="1" noRot="1" noChangeAspect="1"/>
+          </p:cNvSpPr>
           <p:nvPr>
-            <p:ph idx="2" type="sldImg"/>
+            <p:ph type="sldImg" idx="2"/>
           </p:nvPr>
         </p:nvSpPr>
         <p:spPr>
@@ -1444,9 +1492,13 @@
             <a:ext cx="6096000" cy="3429000"/>
           </a:xfrm>
           <a:custGeom>
-            <a:rect b="b" l="l" r="r" t="t"/>
+            <a:avLst/>
+            <a:gdLst/>
+            <a:ahLst/>
+            <a:cxnLst/>
+            <a:rect l="l" t="t" r="r" b="b"/>
             <a:pathLst>
-              <a:path extrusionOk="0" h="120000" w="120000">
+              <a:path w="120000" h="120000" extrusionOk="0">
                 <a:moveTo>
                   <a:pt x="0" y="0"/>
                 </a:moveTo>
@@ -1474,18 +1526,19 @@
 </file>
 
 <file path=ppt/slideLayouts/slideLayout1.xml><?xml version="1.0" encoding="utf-8"?>
-<p:sldLayout xmlns:a="http://schemas.openxmlformats.org/drawingml/2006/main" xmlns:r="http://schemas.openxmlformats.org/officeDocument/2006/relationships" xmlns:mc="http://schemas.openxmlformats.org/markup-compatibility/2006" xmlns:mv="urn:schemas-microsoft-com:mac:vml" xmlns:p="http://schemas.openxmlformats.org/presentationml/2006/main" xmlns:c="http://schemas.openxmlformats.org/drawingml/2006/chart" xmlns:dgm="http://schemas.openxmlformats.org/drawingml/2006/diagram" xmlns:o="urn:schemas-microsoft-com:office:office" xmlns:v="urn:schemas-microsoft-com:vml" xmlns:pvml="urn:schemas-microsoft-com:office:powerpoint" xmlns:com="http://schemas.openxmlformats.org/drawingml/2006/compatibility" xmlns:p14="http://schemas.microsoft.com/office/powerpoint/2010/main" xmlns:p15="http://schemas.microsoft.com/office/powerpoint/2012/main" matchingName="Cover Slide layout" showMasterSp="0">
+<p:sldLayout xmlns:a="http://schemas.openxmlformats.org/drawingml/2006/main" xmlns:r="http://schemas.openxmlformats.org/officeDocument/2006/relationships" xmlns:p="http://schemas.openxmlformats.org/presentationml/2006/main" showMasterSp="0" matchingName="Cover Slide layout">
   <p:cSld name="Cover Slide layout">
     <p:bg>
       <p:bgPr>
         <a:solidFill>
           <a:srgbClr val="61B4F6"/>
         </a:solidFill>
+        <a:effectLst/>
       </p:bgPr>
     </p:bg>
     <p:spTree>
       <p:nvGrpSpPr>
-        <p:cNvPr id="6" name="Shape 6"/>
+        <p:cNvPr id="1" name="Shape 6"/>
         <p:cNvGrpSpPr/>
         <p:nvPr/>
       </p:nvGrpSpPr>
@@ -1499,7 +1552,7 @@
       </p:grpSpPr>
       <p:pic>
         <p:nvPicPr>
-          <p:cNvPr descr="E:\002-KIMS BUSINESS\007-02-Fullslidesppt-Contents\20161206\Real-estate-key.png" id="7" name="Google Shape;7;p2"/>
+          <p:cNvPr id="7" name="Google Shape;7;p2" descr="E:\002-KIMS BUSINESS\007-02-Fullslidesppt-Contents\20161206\Real-estate-key.png"/>
           <p:cNvPicPr preferRelativeResize="0"/>
           <p:nvPr/>
         </p:nvPicPr>
@@ -1507,7 +1560,7 @@
           <a:blip r:embed="rId2">
             <a:alphaModFix/>
           </a:blip>
-          <a:srcRect b="0" l="0" r="0" t="0"/>
+          <a:srcRect/>
           <a:stretch/>
         </p:blipFill>
         <p:spPr>
@@ -1548,12 +1601,12 @@
           </a:ln>
         </p:spPr>
         <p:txBody>
-          <a:bodyPr anchorCtr="0" anchor="ctr" bIns="45700" lIns="91425" spcFirstLastPara="1" rIns="91425" wrap="square" tIns="45700">
+          <a:bodyPr spcFirstLastPara="1" wrap="square" lIns="91425" tIns="45700" rIns="91425" bIns="45700" anchor="ctr" anchorCtr="0">
             <a:noAutofit/>
           </a:bodyPr>
           <a:lstStyle/>
           <a:p>
-            <a:pPr indent="0" lvl="0" marL="0" marR="0" rtl="0" algn="ctr">
+            <a:pPr marL="0" marR="0" lvl="0" indent="0" algn="ctr" rtl="0">
               <a:spcBef>
                 <a:spcPts val="0"/>
               </a:spcBef>
@@ -1562,10 +1615,7 @@
               </a:spcAft>
               <a:buNone/>
             </a:pPr>
-            <a:r>
-              <a:t/>
-            </a:r>
-            <a:endParaRPr b="0" i="0" sz="1800" u="none" cap="none" strike="noStrike">
+            <a:endParaRPr sz="1800" b="0" i="0" u="none" strike="noStrike" cap="none">
               <a:solidFill>
                 <a:schemeClr val="lt1"/>
               </a:solidFill>
@@ -1587,7 +1637,7 @@
           <a:blip r:embed="rId3">
             <a:alphaModFix/>
           </a:blip>
-          <a:srcRect b="0" l="0" r="0" t="0"/>
+          <a:srcRect/>
           <a:stretch/>
         </p:blipFill>
         <p:spPr>
@@ -1607,7 +1657,9 @@
       <p:sp>
         <p:nvSpPr>
           <p:cNvPr id="10" name="Google Shape;10;p2"/>
-          <p:cNvSpPr txBox="1"/>
+          <p:cNvSpPr txBox="1">
+            <a:spLocks noGrp="1"/>
+          </p:cNvSpPr>
           <p:nvPr>
             <p:ph type="title"/>
           </p:nvPr>
@@ -1626,7 +1678,7 @@
           </a:ln>
         </p:spPr>
         <p:txBody>
-          <a:bodyPr anchorCtr="0" anchor="ctr" bIns="91425" lIns="91425" spcFirstLastPara="1" rIns="91425" wrap="square" tIns="91425"/>
+          <a:bodyPr spcFirstLastPara="1" wrap="square" lIns="91425" tIns="91425" rIns="91425" bIns="91425" anchor="ctr" anchorCtr="0"/>
           <a:lstStyle>
             <a:lvl1pPr lvl="0">
               <a:spcBef>
@@ -1755,15 +1807,19 @@
               </a:defRPr>
             </a:lvl9pPr>
           </a:lstStyle>
-          <a:p/>
+          <a:p>
+            <a:endParaRPr/>
+          </a:p>
         </p:txBody>
       </p:sp>
       <p:sp>
         <p:nvSpPr>
           <p:cNvPr id="11" name="Google Shape;11;p2"/>
-          <p:cNvSpPr txBox="1"/>
+          <p:cNvSpPr txBox="1">
+            <a:spLocks noGrp="1"/>
+          </p:cNvSpPr>
           <p:nvPr>
-            <p:ph idx="1" type="subTitle"/>
+            <p:ph type="subTitle" idx="1"/>
           </p:nvPr>
         </p:nvSpPr>
         <p:spPr>
@@ -1780,7 +1836,7 @@
           </a:ln>
         </p:spPr>
         <p:txBody>
-          <a:bodyPr anchorCtr="0" anchor="ctr" bIns="91425" lIns="91425" spcFirstLastPara="1" rIns="91425" wrap="square" tIns="91425"/>
+          <a:bodyPr spcFirstLastPara="1" wrap="square" lIns="91425" tIns="91425" rIns="91425" bIns="91425" anchor="ctr" anchorCtr="0"/>
           <a:lstStyle>
             <a:lvl1pPr lvl="0">
               <a:spcBef>
@@ -1909,7 +1965,9 @@
               </a:defRPr>
             </a:lvl9pPr>
           </a:lstStyle>
-          <a:p/>
+          <a:p>
+            <a:endParaRPr/>
+          </a:p>
         </p:txBody>
       </p:sp>
     </p:spTree>
@@ -1921,18 +1979,19 @@
 </file>
 
 <file path=ppt/slideLayouts/slideLayout10.xml><?xml version="1.0" encoding="utf-8"?>
-<p:sldLayout xmlns:a="http://schemas.openxmlformats.org/drawingml/2006/main" xmlns:r="http://schemas.openxmlformats.org/officeDocument/2006/relationships" xmlns:mc="http://schemas.openxmlformats.org/markup-compatibility/2006" xmlns:mv="urn:schemas-microsoft-com:mac:vml" xmlns:p="http://schemas.openxmlformats.org/presentationml/2006/main" xmlns:c="http://schemas.openxmlformats.org/drawingml/2006/chart" xmlns:dgm="http://schemas.openxmlformats.org/drawingml/2006/diagram" xmlns:o="urn:schemas-microsoft-com:office:office" xmlns:v="urn:schemas-microsoft-com:vml" xmlns:pvml="urn:schemas-microsoft-com:office:powerpoint" xmlns:com="http://schemas.openxmlformats.org/drawingml/2006/compatibility" xmlns:p14="http://schemas.microsoft.com/office/powerpoint/2010/main" xmlns:p15="http://schemas.microsoft.com/office/powerpoint/2012/main" matchingName="Basic Layout">
+<p:sldLayout xmlns:a="http://schemas.openxmlformats.org/drawingml/2006/main" xmlns:r="http://schemas.openxmlformats.org/officeDocument/2006/relationships" xmlns:p="http://schemas.openxmlformats.org/presentationml/2006/main" matchingName="Basic Layout">
   <p:cSld name="Basic Layout">
     <p:bg>
       <p:bgPr>
         <a:solidFill>
           <a:srgbClr val="61B4F6"/>
         </a:solidFill>
+        <a:effectLst/>
       </p:bgPr>
     </p:bg>
     <p:spTree>
       <p:nvGrpSpPr>
-        <p:cNvPr id="53" name="Shape 53"/>
+        <p:cNvPr id="1" name="Shape 53"/>
         <p:cNvGrpSpPr/>
         <p:nvPr/>
       </p:nvGrpSpPr>
@@ -1946,7 +2005,7 @@
       </p:grpSpPr>
       <p:pic>
         <p:nvPicPr>
-          <p:cNvPr descr="E:\002-KIMS BUSINESS\007-02-Fullslidesppt-Contents\20161206\Real-estate-key.png" id="54" name="Google Shape;54;p11"/>
+          <p:cNvPr id="54" name="Google Shape;54;p11" descr="E:\002-KIMS BUSINESS\007-02-Fullslidesppt-Contents\20161206\Real-estate-key.png"/>
           <p:cNvPicPr preferRelativeResize="0"/>
           <p:nvPr/>
         </p:nvPicPr>
@@ -1954,7 +2013,7 @@
           <a:blip r:embed="rId2">
             <a:alphaModFix/>
           </a:blip>
-          <a:srcRect b="0" l="0" r="0" t="0"/>
+          <a:srcRect/>
           <a:stretch/>
         </p:blipFill>
         <p:spPr>
@@ -1974,7 +2033,9 @@
       <p:sp>
         <p:nvSpPr>
           <p:cNvPr id="55" name="Google Shape;55;p11"/>
-          <p:cNvSpPr txBox="1"/>
+          <p:cNvSpPr txBox="1">
+            <a:spLocks noGrp="1"/>
+          </p:cNvSpPr>
           <p:nvPr>
             <p:ph type="title"/>
           </p:nvPr>
@@ -1993,9 +2054,9 @@
           </a:ln>
         </p:spPr>
         <p:txBody>
-          <a:bodyPr anchorCtr="0" anchor="ctr" bIns="91425" lIns="91425" spcFirstLastPara="1" rIns="91425" wrap="square" tIns="91425"/>
+          <a:bodyPr spcFirstLastPara="1" wrap="square" lIns="91425" tIns="91425" rIns="91425" bIns="91425" anchor="ctr" anchorCtr="0"/>
           <a:lstStyle>
-            <a:lvl1pPr lvl="0" rtl="0" algn="ctr">
+            <a:lvl1pPr lvl="0" algn="ctr" rtl="0">
               <a:spcBef>
                 <a:spcPts val="0"/>
               </a:spcBef>
@@ -2009,7 +2070,7 @@
                 </a:solidFill>
               </a:defRPr>
             </a:lvl1pPr>
-            <a:lvl2pPr lvl="1" rtl="0" algn="ctr">
+            <a:lvl2pPr lvl="1" algn="ctr" rtl="0">
               <a:spcBef>
                 <a:spcPts val="0"/>
               </a:spcBef>
@@ -2023,7 +2084,7 @@
                 </a:solidFill>
               </a:defRPr>
             </a:lvl2pPr>
-            <a:lvl3pPr lvl="2" rtl="0" algn="ctr">
+            <a:lvl3pPr lvl="2" algn="ctr" rtl="0">
               <a:spcBef>
                 <a:spcPts val="0"/>
               </a:spcBef>
@@ -2037,7 +2098,7 @@
                 </a:solidFill>
               </a:defRPr>
             </a:lvl3pPr>
-            <a:lvl4pPr lvl="3" rtl="0" algn="ctr">
+            <a:lvl4pPr lvl="3" algn="ctr" rtl="0">
               <a:spcBef>
                 <a:spcPts val="0"/>
               </a:spcBef>
@@ -2051,7 +2112,7 @@
                 </a:solidFill>
               </a:defRPr>
             </a:lvl4pPr>
-            <a:lvl5pPr lvl="4" rtl="0" algn="ctr">
+            <a:lvl5pPr lvl="4" algn="ctr" rtl="0">
               <a:spcBef>
                 <a:spcPts val="0"/>
               </a:spcBef>
@@ -2065,7 +2126,7 @@
                 </a:solidFill>
               </a:defRPr>
             </a:lvl5pPr>
-            <a:lvl6pPr lvl="5" rtl="0" algn="ctr">
+            <a:lvl6pPr lvl="5" algn="ctr" rtl="0">
               <a:spcBef>
                 <a:spcPts val="0"/>
               </a:spcBef>
@@ -2079,7 +2140,7 @@
                 </a:solidFill>
               </a:defRPr>
             </a:lvl6pPr>
-            <a:lvl7pPr lvl="6" rtl="0" algn="ctr">
+            <a:lvl7pPr lvl="6" algn="ctr" rtl="0">
               <a:spcBef>
                 <a:spcPts val="0"/>
               </a:spcBef>
@@ -2093,7 +2154,7 @@
                 </a:solidFill>
               </a:defRPr>
             </a:lvl7pPr>
-            <a:lvl8pPr lvl="7" rtl="0" algn="ctr">
+            <a:lvl8pPr lvl="7" algn="ctr" rtl="0">
               <a:spcBef>
                 <a:spcPts val="0"/>
               </a:spcBef>
@@ -2107,7 +2168,7 @@
                 </a:solidFill>
               </a:defRPr>
             </a:lvl8pPr>
-            <a:lvl9pPr lvl="8" rtl="0" algn="ctr">
+            <a:lvl9pPr lvl="8" algn="ctr" rtl="0">
               <a:spcBef>
                 <a:spcPts val="0"/>
               </a:spcBef>
@@ -2122,15 +2183,19 @@
               </a:defRPr>
             </a:lvl9pPr>
           </a:lstStyle>
-          <a:p/>
+          <a:p>
+            <a:endParaRPr/>
+          </a:p>
         </p:txBody>
       </p:sp>
       <p:sp>
         <p:nvSpPr>
           <p:cNvPr id="56" name="Google Shape;56;p11"/>
-          <p:cNvSpPr txBox="1"/>
+          <p:cNvSpPr txBox="1">
+            <a:spLocks noGrp="1"/>
+          </p:cNvSpPr>
           <p:nvPr>
-            <p:ph idx="1" type="subTitle"/>
+            <p:ph type="subTitle" idx="1"/>
           </p:nvPr>
         </p:nvSpPr>
         <p:spPr>
@@ -2147,9 +2212,9 @@
           </a:ln>
         </p:spPr>
         <p:txBody>
-          <a:bodyPr anchorCtr="0" anchor="ctr" bIns="91425" lIns="91425" spcFirstLastPara="1" rIns="91425" wrap="square" tIns="91425"/>
+          <a:bodyPr spcFirstLastPara="1" wrap="square" lIns="91425" tIns="91425" rIns="91425" bIns="91425" anchor="ctr" anchorCtr="0"/>
           <a:lstStyle>
-            <a:lvl1pPr lvl="0" rtl="0" algn="ctr">
+            <a:lvl1pPr lvl="0" algn="ctr" rtl="0">
               <a:spcBef>
                 <a:spcPts val="0"/>
               </a:spcBef>
@@ -2163,7 +2228,7 @@
                 </a:solidFill>
               </a:defRPr>
             </a:lvl1pPr>
-            <a:lvl2pPr lvl="1" rtl="0" algn="ctr">
+            <a:lvl2pPr lvl="1" algn="ctr" rtl="0">
               <a:spcBef>
                 <a:spcPts val="0"/>
               </a:spcBef>
@@ -2177,7 +2242,7 @@
                 </a:solidFill>
               </a:defRPr>
             </a:lvl2pPr>
-            <a:lvl3pPr lvl="2" rtl="0" algn="ctr">
+            <a:lvl3pPr lvl="2" algn="ctr" rtl="0">
               <a:spcBef>
                 <a:spcPts val="0"/>
               </a:spcBef>
@@ -2191,7 +2256,7 @@
                 </a:solidFill>
               </a:defRPr>
             </a:lvl3pPr>
-            <a:lvl4pPr lvl="3" rtl="0" algn="ctr">
+            <a:lvl4pPr lvl="3" algn="ctr" rtl="0">
               <a:spcBef>
                 <a:spcPts val="0"/>
               </a:spcBef>
@@ -2205,7 +2270,7 @@
                 </a:solidFill>
               </a:defRPr>
             </a:lvl4pPr>
-            <a:lvl5pPr lvl="4" rtl="0" algn="ctr">
+            <a:lvl5pPr lvl="4" algn="ctr" rtl="0">
               <a:spcBef>
                 <a:spcPts val="0"/>
               </a:spcBef>
@@ -2219,7 +2284,7 @@
                 </a:solidFill>
               </a:defRPr>
             </a:lvl5pPr>
-            <a:lvl6pPr lvl="5" rtl="0" algn="ctr">
+            <a:lvl6pPr lvl="5" algn="ctr" rtl="0">
               <a:spcBef>
                 <a:spcPts val="0"/>
               </a:spcBef>
@@ -2233,7 +2298,7 @@
                 </a:solidFill>
               </a:defRPr>
             </a:lvl6pPr>
-            <a:lvl7pPr lvl="6" rtl="0" algn="ctr">
+            <a:lvl7pPr lvl="6" algn="ctr" rtl="0">
               <a:spcBef>
                 <a:spcPts val="0"/>
               </a:spcBef>
@@ -2247,7 +2312,7 @@
                 </a:solidFill>
               </a:defRPr>
             </a:lvl7pPr>
-            <a:lvl8pPr lvl="7" rtl="0" algn="ctr">
+            <a:lvl8pPr lvl="7" algn="ctr" rtl="0">
               <a:spcBef>
                 <a:spcPts val="0"/>
               </a:spcBef>
@@ -2261,7 +2326,7 @@
                 </a:solidFill>
               </a:defRPr>
             </a:lvl8pPr>
-            <a:lvl9pPr lvl="8" rtl="0" algn="ctr">
+            <a:lvl9pPr lvl="8" algn="ctr" rtl="0">
               <a:spcBef>
                 <a:spcPts val="0"/>
               </a:spcBef>
@@ -2276,7 +2341,9 @@
               </a:defRPr>
             </a:lvl9pPr>
           </a:lstStyle>
-          <a:p/>
+          <a:p>
+            <a:endParaRPr/>
+          </a:p>
         </p:txBody>
       </p:sp>
     </p:spTree>
@@ -2288,18 +2355,19 @@
 </file>
 
 <file path=ppt/slideLayouts/slideLayout11.xml><?xml version="1.0" encoding="utf-8"?>
-<p:sldLayout xmlns:a="http://schemas.openxmlformats.org/drawingml/2006/main" xmlns:r="http://schemas.openxmlformats.org/officeDocument/2006/relationships" xmlns:mc="http://schemas.openxmlformats.org/markup-compatibility/2006" xmlns:mv="urn:schemas-microsoft-com:mac:vml" xmlns:p="http://schemas.openxmlformats.org/presentationml/2006/main" xmlns:c="http://schemas.openxmlformats.org/drawingml/2006/chart" xmlns:dgm="http://schemas.openxmlformats.org/drawingml/2006/diagram" xmlns:o="urn:schemas-microsoft-com:office:office" xmlns:v="urn:schemas-microsoft-com:vml" xmlns:pvml="urn:schemas-microsoft-com:office:powerpoint" xmlns:com="http://schemas.openxmlformats.org/drawingml/2006/compatibility" xmlns:p14="http://schemas.microsoft.com/office/powerpoint/2010/main" xmlns:p15="http://schemas.microsoft.com/office/powerpoint/2012/main" matchingName="9_Basic Layout">
+<p:sldLayout xmlns:a="http://schemas.openxmlformats.org/drawingml/2006/main" xmlns:r="http://schemas.openxmlformats.org/officeDocument/2006/relationships" xmlns:p="http://schemas.openxmlformats.org/presentationml/2006/main" matchingName="9_Basic Layout">
   <p:cSld name="9_Basic Layout">
     <p:bg>
       <p:bgPr>
         <a:solidFill>
           <a:schemeClr val="lt1"/>
         </a:solidFill>
+        <a:effectLst/>
       </p:bgPr>
     </p:bg>
     <p:spTree>
       <p:nvGrpSpPr>
-        <p:cNvPr id="57" name="Shape 57"/>
+        <p:cNvPr id="1" name="Shape 57"/>
         <p:cNvGrpSpPr/>
         <p:nvPr/>
       </p:nvGrpSpPr>
@@ -2333,12 +2401,12 @@
           </a:ln>
         </p:spPr>
         <p:txBody>
-          <a:bodyPr anchorCtr="0" anchor="ctr" bIns="45700" lIns="91425" spcFirstLastPara="1" rIns="91425" wrap="square" tIns="45700">
+          <a:bodyPr spcFirstLastPara="1" wrap="square" lIns="91425" tIns="45700" rIns="91425" bIns="45700" anchor="ctr" anchorCtr="0">
             <a:noAutofit/>
           </a:bodyPr>
           <a:lstStyle/>
           <a:p>
-            <a:pPr indent="0" lvl="0" marL="0" marR="0" rtl="0" algn="ctr">
+            <a:pPr marL="0" marR="0" lvl="0" indent="0" algn="ctr" rtl="0">
               <a:spcBef>
                 <a:spcPts val="0"/>
               </a:spcBef>
@@ -2347,9 +2415,6 @@
               </a:spcAft>
               <a:buNone/>
             </a:pPr>
-            <a:r>
-              <a:t/>
-            </a:r>
             <a:endParaRPr sz="1800">
               <a:solidFill>
                 <a:schemeClr val="lt1"/>
@@ -2389,7 +2454,7 @@
             </a:xfrm>
             <a:prstGeom prst="roundRect">
               <a:avLst>
-                <a:gd fmla="val 13580" name="adj"/>
+                <a:gd name="adj" fmla="val 13580"/>
               </a:avLst>
             </a:prstGeom>
             <a:solidFill>
@@ -2400,12 +2465,12 @@
             </a:ln>
           </p:spPr>
           <p:txBody>
-            <a:bodyPr anchorCtr="0" anchor="ctr" bIns="45700" lIns="91425" spcFirstLastPara="1" rIns="91425" wrap="square" tIns="45700">
+            <a:bodyPr spcFirstLastPara="1" wrap="square" lIns="91425" tIns="45700" rIns="91425" bIns="45700" anchor="ctr" anchorCtr="0">
               <a:noAutofit/>
             </a:bodyPr>
             <a:lstStyle/>
             <a:p>
-              <a:pPr indent="0" lvl="0" marL="0" marR="0" rtl="0" algn="ctr">
+              <a:pPr marL="0" marR="0" lvl="0" indent="0" algn="ctr" rtl="0">
                 <a:spcBef>
                   <a:spcPts val="0"/>
                 </a:spcBef>
@@ -2414,9 +2479,6 @@
                 </a:spcAft>
                 <a:buNone/>
               </a:pPr>
-              <a:r>
-                <a:t/>
-              </a:r>
               <a:endParaRPr sz="1800">
                 <a:solidFill>
                   <a:schemeClr val="lt1"/>
@@ -2451,12 +2513,12 @@
             </a:ln>
           </p:spPr>
           <p:txBody>
-            <a:bodyPr anchorCtr="0" anchor="ctr" bIns="45700" lIns="91425" spcFirstLastPara="1" rIns="91425" wrap="square" tIns="45700">
+            <a:bodyPr spcFirstLastPara="1" wrap="square" lIns="91425" tIns="45700" rIns="91425" bIns="45700" anchor="ctr" anchorCtr="0">
               <a:noAutofit/>
             </a:bodyPr>
             <a:lstStyle/>
             <a:p>
-              <a:pPr indent="0" lvl="0" marL="0" marR="0" rtl="0" algn="ctr">
+              <a:pPr marL="0" marR="0" lvl="0" indent="0" algn="ctr" rtl="0">
                 <a:spcBef>
                   <a:spcPts val="0"/>
                 </a:spcBef>
@@ -2465,9 +2527,6 @@
                 </a:spcAft>
                 <a:buNone/>
               </a:pPr>
-              <a:r>
-                <a:t/>
-              </a:r>
               <a:endParaRPr sz="1800">
                 <a:solidFill>
                   <a:schemeClr val="lt1"/>
@@ -2525,23 +2584,23 @@
                 </a:gsLst>
                 <a:lin ang="10800000" scaled="0"/>
               </a:gradFill>
-              <a:ln cap="flat" cmpd="sng" w="25400">
+              <a:ln w="25400" cap="flat" cmpd="sng">
                 <a:solidFill>
                   <a:srgbClr val="262626"/>
                 </a:solidFill>
                 <a:prstDash val="solid"/>
                 <a:round/>
-                <a:headEnd len="sm" w="sm" type="none"/>
-                <a:tailEnd len="sm" w="sm" type="none"/>
+                <a:headEnd type="none" w="sm" len="sm"/>
+                <a:tailEnd type="none" w="sm" len="sm"/>
               </a:ln>
             </p:spPr>
             <p:txBody>
-              <a:bodyPr anchorCtr="0" anchor="ctr" bIns="45700" lIns="91425" spcFirstLastPara="1" rIns="91425" wrap="square" tIns="45700">
+              <a:bodyPr spcFirstLastPara="1" wrap="square" lIns="91425" tIns="45700" rIns="91425" bIns="45700" anchor="ctr" anchorCtr="0">
                 <a:noAutofit/>
               </a:bodyPr>
               <a:lstStyle/>
               <a:p>
-                <a:pPr indent="0" lvl="0" marL="0" marR="0" rtl="0" algn="ctr">
+                <a:pPr marL="0" marR="0" lvl="0" indent="0" algn="ctr" rtl="0">
                   <a:spcBef>
                     <a:spcPts val="0"/>
                   </a:spcBef>
@@ -2550,9 +2609,6 @@
                   </a:spcAft>
                   <a:buNone/>
                 </a:pPr>
-                <a:r>
-                  <a:t/>
-                </a:r>
                 <a:endParaRPr sz="1800">
                   <a:solidFill>
                     <a:schemeClr val="lt1"/>
@@ -2578,29 +2634,29 @@
               </a:xfrm>
               <a:prstGeom prst="roundRect">
                 <a:avLst>
-                  <a:gd fmla="val 16667" name="adj"/>
+                  <a:gd name="adj" fmla="val 16667"/>
                 </a:avLst>
               </a:prstGeom>
               <a:solidFill>
                 <a:srgbClr val="737373"/>
               </a:solidFill>
-              <a:ln cap="flat" cmpd="sng" w="9525">
+              <a:ln w="9525" cap="flat" cmpd="sng">
                 <a:solidFill>
                   <a:srgbClr val="B0B0B0"/>
                 </a:solidFill>
                 <a:prstDash val="solid"/>
                 <a:round/>
-                <a:headEnd len="sm" w="sm" type="none"/>
-                <a:tailEnd len="sm" w="sm" type="none"/>
+                <a:headEnd type="none" w="sm" len="sm"/>
+                <a:tailEnd type="none" w="sm" len="sm"/>
               </a:ln>
             </p:spPr>
             <p:txBody>
-              <a:bodyPr anchorCtr="0" anchor="ctr" bIns="45700" lIns="91425" spcFirstLastPara="1" rIns="91425" wrap="square" tIns="45700">
+              <a:bodyPr spcFirstLastPara="1" wrap="square" lIns="91425" tIns="45700" rIns="91425" bIns="45700" anchor="ctr" anchorCtr="0">
                 <a:noAutofit/>
               </a:bodyPr>
               <a:lstStyle/>
               <a:p>
-                <a:pPr indent="0" lvl="0" marL="0" marR="0" rtl="0" algn="ctr">
+                <a:pPr marL="0" marR="0" lvl="0" indent="0" algn="ctr" rtl="0">
                   <a:spcBef>
                     <a:spcPts val="0"/>
                   </a:spcBef>
@@ -2609,9 +2665,6 @@
                   </a:spcAft>
                   <a:buNone/>
                 </a:pPr>
-                <a:r>
-                  <a:t/>
-                </a:r>
                 <a:endParaRPr sz="1800">
                   <a:solidFill>
                     <a:schemeClr val="lt1"/>
@@ -2629,9 +2682,11 @@
       <p:sp>
         <p:nvSpPr>
           <p:cNvPr id="65" name="Google Shape;65;p12"/>
-          <p:cNvSpPr/>
+          <p:cNvSpPr>
+            <a:spLocks noGrp="1"/>
+          </p:cNvSpPr>
           <p:nvPr>
-            <p:ph idx="2" type="pic"/>
+            <p:ph type="pic" idx="2"/>
           </p:nvPr>
         </p:nvSpPr>
         <p:spPr>
@@ -2650,9 +2705,9 @@
           </a:ln>
         </p:spPr>
         <p:txBody>
-          <a:bodyPr anchorCtr="0" anchor="ctr" bIns="91425" lIns="91425" spcFirstLastPara="1" rIns="91425" wrap="square" tIns="91425"/>
+          <a:bodyPr spcFirstLastPara="1" wrap="square" lIns="91425" tIns="91425" rIns="91425" bIns="91425" anchor="ctr" anchorCtr="0"/>
           <a:lstStyle>
-            <a:lvl1pPr indent="0" lvl="0" marL="0" marR="0" rtl="0" algn="ctr">
+            <a:lvl1pPr marL="0" marR="0" lvl="0" indent="0" algn="ctr" rtl="0">
               <a:spcBef>
                 <a:spcPts val="240"/>
               </a:spcBef>
@@ -2665,7 +2720,7 @@
               <a:buSzPts val="1400"/>
               <a:buFont typeface="Arial"/>
               <a:buNone/>
-              <a:defRPr b="0" i="0" sz="1200" u="none" cap="none" strike="noStrike">
+              <a:defRPr sz="1200" b="0" i="0" u="none" strike="noStrike" cap="none">
                 <a:solidFill>
                   <a:schemeClr val="dk1"/>
                 </a:solidFill>
@@ -2675,7 +2730,7 @@
                 <a:sym typeface="Arial"/>
               </a:defRPr>
             </a:lvl1pPr>
-            <a:lvl2pPr indent="0" lvl="1" marL="457200" marR="0" rtl="0" algn="l">
+            <a:lvl2pPr marL="457200" marR="0" lvl="1" indent="0" algn="l" rtl="0">
               <a:spcBef>
                 <a:spcPts val="560"/>
               </a:spcBef>
@@ -2688,7 +2743,7 @@
               <a:buSzPts val="1400"/>
               <a:buFont typeface="Arial"/>
               <a:buNone/>
-              <a:defRPr b="0" i="0" sz="2800" u="none" cap="none" strike="noStrike">
+              <a:defRPr sz="2800" b="0" i="0" u="none" strike="noStrike" cap="none">
                 <a:solidFill>
                   <a:schemeClr val="dk1"/>
                 </a:solidFill>
@@ -2698,7 +2753,7 @@
                 <a:sym typeface="Arial"/>
               </a:defRPr>
             </a:lvl2pPr>
-            <a:lvl3pPr indent="0" lvl="2" marL="914400" marR="0" rtl="0" algn="l">
+            <a:lvl3pPr marL="914400" marR="0" lvl="2" indent="0" algn="l" rtl="0">
               <a:spcBef>
                 <a:spcPts val="480"/>
               </a:spcBef>
@@ -2711,7 +2766,7 @@
               <a:buSzPts val="1400"/>
               <a:buFont typeface="Arial"/>
               <a:buNone/>
-              <a:defRPr b="0" i="0" sz="2400" u="none" cap="none" strike="noStrike">
+              <a:defRPr sz="2400" b="0" i="0" u="none" strike="noStrike" cap="none">
                 <a:solidFill>
                   <a:schemeClr val="dk1"/>
                 </a:solidFill>
@@ -2721,7 +2776,7 @@
                 <a:sym typeface="Arial"/>
               </a:defRPr>
             </a:lvl3pPr>
-            <a:lvl4pPr indent="0" lvl="3" marL="1371600" marR="0" rtl="0" algn="l">
+            <a:lvl4pPr marL="1371600" marR="0" lvl="3" indent="0" algn="l" rtl="0">
               <a:spcBef>
                 <a:spcPts val="400"/>
               </a:spcBef>
@@ -2734,7 +2789,7 @@
               <a:buSzPts val="1400"/>
               <a:buFont typeface="Arial"/>
               <a:buNone/>
-              <a:defRPr b="0" i="0" sz="2000" u="none" cap="none" strike="noStrike">
+              <a:defRPr sz="2000" b="0" i="0" u="none" strike="noStrike" cap="none">
                 <a:solidFill>
                   <a:schemeClr val="dk1"/>
                 </a:solidFill>
@@ -2744,7 +2799,7 @@
                 <a:sym typeface="Arial"/>
               </a:defRPr>
             </a:lvl4pPr>
-            <a:lvl5pPr indent="0" lvl="4" marL="1828800" marR="0" rtl="0" algn="l">
+            <a:lvl5pPr marL="1828800" marR="0" lvl="4" indent="0" algn="l" rtl="0">
               <a:spcBef>
                 <a:spcPts val="400"/>
               </a:spcBef>
@@ -2757,7 +2812,7 @@
               <a:buSzPts val="1400"/>
               <a:buFont typeface="Arial"/>
               <a:buNone/>
-              <a:defRPr b="0" i="0" sz="2000" u="none" cap="none" strike="noStrike">
+              <a:defRPr sz="2000" b="0" i="0" u="none" strike="noStrike" cap="none">
                 <a:solidFill>
                   <a:schemeClr val="dk1"/>
                 </a:solidFill>
@@ -2767,7 +2822,7 @@
                 <a:sym typeface="Arial"/>
               </a:defRPr>
             </a:lvl5pPr>
-            <a:lvl6pPr indent="0" lvl="5" marL="2286000" marR="0" rtl="0" algn="l">
+            <a:lvl6pPr marL="2286000" marR="0" lvl="5" indent="0" algn="l" rtl="0">
               <a:spcBef>
                 <a:spcPts val="400"/>
               </a:spcBef>
@@ -2780,7 +2835,7 @@
               <a:buSzPts val="1400"/>
               <a:buFont typeface="Arial"/>
               <a:buNone/>
-              <a:defRPr b="0" i="0" sz="2000" u="none" cap="none" strike="noStrike">
+              <a:defRPr sz="2000" b="0" i="0" u="none" strike="noStrike" cap="none">
                 <a:solidFill>
                   <a:schemeClr val="dk1"/>
                 </a:solidFill>
@@ -2790,7 +2845,7 @@
                 <a:sym typeface="Arial"/>
               </a:defRPr>
             </a:lvl6pPr>
-            <a:lvl7pPr indent="0" lvl="6" marL="2743200" marR="0" rtl="0" algn="l">
+            <a:lvl7pPr marL="2743200" marR="0" lvl="6" indent="0" algn="l" rtl="0">
               <a:spcBef>
                 <a:spcPts val="400"/>
               </a:spcBef>
@@ -2803,7 +2858,7 @@
               <a:buSzPts val="1400"/>
               <a:buFont typeface="Arial"/>
               <a:buNone/>
-              <a:defRPr b="0" i="0" sz="2000" u="none" cap="none" strike="noStrike">
+              <a:defRPr sz="2000" b="0" i="0" u="none" strike="noStrike" cap="none">
                 <a:solidFill>
                   <a:schemeClr val="dk1"/>
                 </a:solidFill>
@@ -2813,7 +2868,7 @@
                 <a:sym typeface="Arial"/>
               </a:defRPr>
             </a:lvl7pPr>
-            <a:lvl8pPr indent="0" lvl="7" marL="3200400" marR="0" rtl="0" algn="l">
+            <a:lvl8pPr marL="3200400" marR="0" lvl="7" indent="0" algn="l" rtl="0">
               <a:spcBef>
                 <a:spcPts val="400"/>
               </a:spcBef>
@@ -2826,7 +2881,7 @@
               <a:buSzPts val="1400"/>
               <a:buFont typeface="Arial"/>
               <a:buNone/>
-              <a:defRPr b="0" i="0" sz="2000" u="none" cap="none" strike="noStrike">
+              <a:defRPr sz="2000" b="0" i="0" u="none" strike="noStrike" cap="none">
                 <a:solidFill>
                   <a:schemeClr val="dk1"/>
                 </a:solidFill>
@@ -2836,7 +2891,7 @@
                 <a:sym typeface="Arial"/>
               </a:defRPr>
             </a:lvl8pPr>
-            <a:lvl9pPr indent="0" lvl="8" marL="3657600" marR="0" rtl="0" algn="l">
+            <a:lvl9pPr marL="3657600" marR="0" lvl="8" indent="0" algn="l" rtl="0">
               <a:spcBef>
                 <a:spcPts val="400"/>
               </a:spcBef>
@@ -2849,7 +2904,7 @@
               <a:buSzPts val="1400"/>
               <a:buFont typeface="Arial"/>
               <a:buNone/>
-              <a:defRPr b="0" i="0" sz="2000" u="none" cap="none" strike="noStrike">
+              <a:defRPr sz="2000" b="0" i="0" u="none" strike="noStrike" cap="none">
                 <a:solidFill>
                   <a:schemeClr val="dk1"/>
                 </a:solidFill>
@@ -2860,7 +2915,9 @@
               </a:defRPr>
             </a:lvl9pPr>
           </a:lstStyle>
-          <a:p/>
+          <a:p>
+            <a:endParaRPr/>
+          </a:p>
         </p:txBody>
       </p:sp>
     </p:spTree>
@@ -2872,18 +2929,19 @@
 </file>
 
 <file path=ppt/slideLayouts/slideLayout12.xml><?xml version="1.0" encoding="utf-8"?>
-<p:sldLayout xmlns:a="http://schemas.openxmlformats.org/drawingml/2006/main" xmlns:r="http://schemas.openxmlformats.org/officeDocument/2006/relationships" xmlns:mc="http://schemas.openxmlformats.org/markup-compatibility/2006" xmlns:mv="urn:schemas-microsoft-com:mac:vml" xmlns:p="http://schemas.openxmlformats.org/presentationml/2006/main" xmlns:c="http://schemas.openxmlformats.org/drawingml/2006/chart" xmlns:dgm="http://schemas.openxmlformats.org/drawingml/2006/diagram" xmlns:o="urn:schemas-microsoft-com:office:office" xmlns:v="urn:schemas-microsoft-com:vml" xmlns:pvml="urn:schemas-microsoft-com:office:powerpoint" xmlns:com="http://schemas.openxmlformats.org/drawingml/2006/compatibility" xmlns:p14="http://schemas.microsoft.com/office/powerpoint/2010/main" xmlns:p15="http://schemas.microsoft.com/office/powerpoint/2012/main" matchingName="7_Basic Layout">
+<p:sldLayout xmlns:a="http://schemas.openxmlformats.org/drawingml/2006/main" xmlns:r="http://schemas.openxmlformats.org/officeDocument/2006/relationships" xmlns:p="http://schemas.openxmlformats.org/presentationml/2006/main" matchingName="7_Basic Layout">
   <p:cSld name="7_Basic Layout">
     <p:bg>
       <p:bgPr>
         <a:solidFill>
           <a:schemeClr val="lt1"/>
         </a:solidFill>
+        <a:effectLst/>
       </p:bgPr>
     </p:bg>
     <p:spTree>
       <p:nvGrpSpPr>
-        <p:cNvPr id="66" name="Shape 66"/>
+        <p:cNvPr id="1" name="Shape 66"/>
         <p:cNvGrpSpPr/>
         <p:nvPr/>
       </p:nvGrpSpPr>
@@ -2917,12 +2975,12 @@
           </a:ln>
         </p:spPr>
         <p:txBody>
-          <a:bodyPr anchorCtr="0" anchor="ctr" bIns="45700" lIns="91425" spcFirstLastPara="1" rIns="91425" wrap="square" tIns="45700">
+          <a:bodyPr spcFirstLastPara="1" wrap="square" lIns="91425" tIns="45700" rIns="91425" bIns="45700" anchor="ctr" anchorCtr="0">
             <a:noAutofit/>
           </a:bodyPr>
           <a:lstStyle/>
           <a:p>
-            <a:pPr indent="0" lvl="0" marL="0" marR="0" rtl="0" algn="ctr">
+            <a:pPr marL="0" marR="0" lvl="0" indent="0" algn="ctr" rtl="0">
               <a:spcBef>
                 <a:spcPts val="0"/>
               </a:spcBef>
@@ -2931,9 +2989,6 @@
               </a:spcAft>
               <a:buNone/>
             </a:pPr>
-            <a:r>
-              <a:t/>
-            </a:r>
             <a:endParaRPr sz="1800">
               <a:solidFill>
                 <a:schemeClr val="lt1"/>
@@ -2968,12 +3023,12 @@
           </a:ln>
         </p:spPr>
         <p:txBody>
-          <a:bodyPr anchorCtr="0" anchor="ctr" bIns="45700" lIns="91425" spcFirstLastPara="1" rIns="91425" wrap="square" tIns="45700">
+          <a:bodyPr spcFirstLastPara="1" wrap="square" lIns="91425" tIns="45700" rIns="91425" bIns="45700" anchor="ctr" anchorCtr="0">
             <a:noAutofit/>
           </a:bodyPr>
           <a:lstStyle/>
           <a:p>
-            <a:pPr indent="0" lvl="0" marL="0" marR="0" rtl="0" algn="ctr">
+            <a:pPr marL="0" marR="0" lvl="0" indent="0" algn="ctr" rtl="0">
               <a:spcBef>
                 <a:spcPts val="0"/>
               </a:spcBef>
@@ -2982,9 +3037,6 @@
               </a:spcAft>
               <a:buNone/>
             </a:pPr>
-            <a:r>
-              <a:t/>
-            </a:r>
             <a:endParaRPr sz="1800">
               <a:solidFill>
                 <a:schemeClr val="lt1"/>
@@ -3000,9 +3052,11 @@
       <p:sp>
         <p:nvSpPr>
           <p:cNvPr id="69" name="Google Shape;69;p13"/>
-          <p:cNvSpPr/>
+          <p:cNvSpPr>
+            <a:spLocks noGrp="1"/>
+          </p:cNvSpPr>
           <p:nvPr>
-            <p:ph idx="2" type="pic"/>
+            <p:ph type="pic" idx="2"/>
           </p:nvPr>
         </p:nvSpPr>
         <p:spPr>
@@ -3021,9 +3075,9 @@
           </a:ln>
         </p:spPr>
         <p:txBody>
-          <a:bodyPr anchorCtr="0" anchor="ctr" bIns="91425" lIns="91425" spcFirstLastPara="1" rIns="91425" wrap="square" tIns="91425"/>
+          <a:bodyPr spcFirstLastPara="1" wrap="square" lIns="91425" tIns="91425" rIns="91425" bIns="91425" anchor="ctr" anchorCtr="0"/>
           <a:lstStyle>
-            <a:lvl1pPr indent="0" lvl="0" marL="0" marR="0" rtl="0" algn="ctr">
+            <a:lvl1pPr marL="0" marR="0" lvl="0" indent="0" algn="ctr" rtl="0">
               <a:spcBef>
                 <a:spcPts val="240"/>
               </a:spcBef>
@@ -3036,7 +3090,7 @@
               <a:buSzPts val="1400"/>
               <a:buFont typeface="Arial"/>
               <a:buNone/>
-              <a:defRPr b="0" i="0" sz="1200" u="none" cap="none" strike="noStrike">
+              <a:defRPr sz="1200" b="0" i="0" u="none" strike="noStrike" cap="none">
                 <a:solidFill>
                   <a:schemeClr val="dk1"/>
                 </a:solidFill>
@@ -3046,7 +3100,7 @@
                 <a:sym typeface="Arial"/>
               </a:defRPr>
             </a:lvl1pPr>
-            <a:lvl2pPr indent="0" lvl="1" marL="457200" marR="0" rtl="0" algn="l">
+            <a:lvl2pPr marL="457200" marR="0" lvl="1" indent="0" algn="l" rtl="0">
               <a:spcBef>
                 <a:spcPts val="560"/>
               </a:spcBef>
@@ -3059,7 +3113,7 @@
               <a:buSzPts val="1400"/>
               <a:buFont typeface="Arial"/>
               <a:buNone/>
-              <a:defRPr b="0" i="0" sz="2800" u="none" cap="none" strike="noStrike">
+              <a:defRPr sz="2800" b="0" i="0" u="none" strike="noStrike" cap="none">
                 <a:solidFill>
                   <a:schemeClr val="dk1"/>
                 </a:solidFill>
@@ -3069,7 +3123,7 @@
                 <a:sym typeface="Arial"/>
               </a:defRPr>
             </a:lvl2pPr>
-            <a:lvl3pPr indent="0" lvl="2" marL="914400" marR="0" rtl="0" algn="l">
+            <a:lvl3pPr marL="914400" marR="0" lvl="2" indent="0" algn="l" rtl="0">
               <a:spcBef>
                 <a:spcPts val="480"/>
               </a:spcBef>
@@ -3082,7 +3136,7 @@
               <a:buSzPts val="1400"/>
               <a:buFont typeface="Arial"/>
               <a:buNone/>
-              <a:defRPr b="0" i="0" sz="2400" u="none" cap="none" strike="noStrike">
+              <a:defRPr sz="2400" b="0" i="0" u="none" strike="noStrike" cap="none">
                 <a:solidFill>
                   <a:schemeClr val="dk1"/>
                 </a:solidFill>
@@ -3092,7 +3146,7 @@
                 <a:sym typeface="Arial"/>
               </a:defRPr>
             </a:lvl3pPr>
-            <a:lvl4pPr indent="0" lvl="3" marL="1371600" marR="0" rtl="0" algn="l">
+            <a:lvl4pPr marL="1371600" marR="0" lvl="3" indent="0" algn="l" rtl="0">
               <a:spcBef>
                 <a:spcPts val="400"/>
               </a:spcBef>
@@ -3105,7 +3159,7 @@
               <a:buSzPts val="1400"/>
               <a:buFont typeface="Arial"/>
               <a:buNone/>
-              <a:defRPr b="0" i="0" sz="2000" u="none" cap="none" strike="noStrike">
+              <a:defRPr sz="2000" b="0" i="0" u="none" strike="noStrike" cap="none">
                 <a:solidFill>
                   <a:schemeClr val="dk1"/>
                 </a:solidFill>
@@ -3115,7 +3169,7 @@
                 <a:sym typeface="Arial"/>
               </a:defRPr>
             </a:lvl4pPr>
-            <a:lvl5pPr indent="0" lvl="4" marL="1828800" marR="0" rtl="0" algn="l">
+            <a:lvl5pPr marL="1828800" marR="0" lvl="4" indent="0" algn="l" rtl="0">
               <a:spcBef>
                 <a:spcPts val="400"/>
               </a:spcBef>
@@ -3128,7 +3182,7 @@
               <a:buSzPts val="1400"/>
               <a:buFont typeface="Arial"/>
               <a:buNone/>
-              <a:defRPr b="0" i="0" sz="2000" u="none" cap="none" strike="noStrike">
+              <a:defRPr sz="2000" b="0" i="0" u="none" strike="noStrike" cap="none">
                 <a:solidFill>
                   <a:schemeClr val="dk1"/>
                 </a:solidFill>
@@ -3138,7 +3192,7 @@
                 <a:sym typeface="Arial"/>
               </a:defRPr>
             </a:lvl5pPr>
-            <a:lvl6pPr indent="0" lvl="5" marL="2286000" marR="0" rtl="0" algn="l">
+            <a:lvl6pPr marL="2286000" marR="0" lvl="5" indent="0" algn="l" rtl="0">
               <a:spcBef>
                 <a:spcPts val="400"/>
               </a:spcBef>
@@ -3151,7 +3205,7 @@
               <a:buSzPts val="1400"/>
               <a:buFont typeface="Arial"/>
               <a:buNone/>
-              <a:defRPr b="0" i="0" sz="2000" u="none" cap="none" strike="noStrike">
+              <a:defRPr sz="2000" b="0" i="0" u="none" strike="noStrike" cap="none">
                 <a:solidFill>
                   <a:schemeClr val="dk1"/>
                 </a:solidFill>
@@ -3161,7 +3215,7 @@
                 <a:sym typeface="Arial"/>
               </a:defRPr>
             </a:lvl6pPr>
-            <a:lvl7pPr indent="0" lvl="6" marL="2743200" marR="0" rtl="0" algn="l">
+            <a:lvl7pPr marL="2743200" marR="0" lvl="6" indent="0" algn="l" rtl="0">
               <a:spcBef>
                 <a:spcPts val="400"/>
               </a:spcBef>
@@ -3174,7 +3228,7 @@
               <a:buSzPts val="1400"/>
               <a:buFont typeface="Arial"/>
               <a:buNone/>
-              <a:defRPr b="0" i="0" sz="2000" u="none" cap="none" strike="noStrike">
+              <a:defRPr sz="2000" b="0" i="0" u="none" strike="noStrike" cap="none">
                 <a:solidFill>
                   <a:schemeClr val="dk1"/>
                 </a:solidFill>
@@ -3184,7 +3238,7 @@
                 <a:sym typeface="Arial"/>
               </a:defRPr>
             </a:lvl7pPr>
-            <a:lvl8pPr indent="0" lvl="7" marL="3200400" marR="0" rtl="0" algn="l">
+            <a:lvl8pPr marL="3200400" marR="0" lvl="7" indent="0" algn="l" rtl="0">
               <a:spcBef>
                 <a:spcPts val="400"/>
               </a:spcBef>
@@ -3197,7 +3251,7 @@
               <a:buSzPts val="1400"/>
               <a:buFont typeface="Arial"/>
               <a:buNone/>
-              <a:defRPr b="0" i="0" sz="2000" u="none" cap="none" strike="noStrike">
+              <a:defRPr sz="2000" b="0" i="0" u="none" strike="noStrike" cap="none">
                 <a:solidFill>
                   <a:schemeClr val="dk1"/>
                 </a:solidFill>
@@ -3207,7 +3261,7 @@
                 <a:sym typeface="Arial"/>
               </a:defRPr>
             </a:lvl8pPr>
-            <a:lvl9pPr indent="0" lvl="8" marL="3657600" marR="0" rtl="0" algn="l">
+            <a:lvl9pPr marL="3657600" marR="0" lvl="8" indent="0" algn="l" rtl="0">
               <a:spcBef>
                 <a:spcPts val="400"/>
               </a:spcBef>
@@ -3220,7 +3274,7 @@
               <a:buSzPts val="1400"/>
               <a:buFont typeface="Arial"/>
               <a:buNone/>
-              <a:defRPr b="0" i="0" sz="2000" u="none" cap="none" strike="noStrike">
+              <a:defRPr sz="2000" b="0" i="0" u="none" strike="noStrike" cap="none">
                 <a:solidFill>
                   <a:schemeClr val="dk1"/>
                 </a:solidFill>
@@ -3231,7 +3285,9 @@
               </a:defRPr>
             </a:lvl9pPr>
           </a:lstStyle>
-          <a:p/>
+          <a:p>
+            <a:endParaRPr/>
+          </a:p>
         </p:txBody>
       </p:sp>
     </p:spTree>
@@ -3243,18 +3299,19 @@
 </file>
 
 <file path=ppt/slideLayouts/slideLayout13.xml><?xml version="1.0" encoding="utf-8"?>
-<p:sldLayout xmlns:a="http://schemas.openxmlformats.org/drawingml/2006/main" xmlns:r="http://schemas.openxmlformats.org/officeDocument/2006/relationships" xmlns:mc="http://schemas.openxmlformats.org/markup-compatibility/2006" xmlns:mv="urn:schemas-microsoft-com:mac:vml" xmlns:p="http://schemas.openxmlformats.org/presentationml/2006/main" xmlns:c="http://schemas.openxmlformats.org/drawingml/2006/chart" xmlns:dgm="http://schemas.openxmlformats.org/drawingml/2006/diagram" xmlns:o="urn:schemas-microsoft-com:office:office" xmlns:v="urn:schemas-microsoft-com:vml" xmlns:pvml="urn:schemas-microsoft-com:office:powerpoint" xmlns:com="http://schemas.openxmlformats.org/drawingml/2006/compatibility" xmlns:p14="http://schemas.microsoft.com/office/powerpoint/2010/main" xmlns:p15="http://schemas.microsoft.com/office/powerpoint/2012/main" matchingName="13_Basic Layout">
+<p:sldLayout xmlns:a="http://schemas.openxmlformats.org/drawingml/2006/main" xmlns:r="http://schemas.openxmlformats.org/officeDocument/2006/relationships" xmlns:p="http://schemas.openxmlformats.org/presentationml/2006/main" matchingName="13_Basic Layout">
   <p:cSld name="13_Basic Layout">
     <p:bg>
       <p:bgPr>
         <a:solidFill>
           <a:srgbClr val="61B4F6"/>
         </a:solidFill>
+        <a:effectLst/>
       </p:bgPr>
     </p:bg>
     <p:spTree>
       <p:nvGrpSpPr>
-        <p:cNvPr id="70" name="Shape 70"/>
+        <p:cNvPr id="1" name="Shape 70"/>
         <p:cNvGrpSpPr/>
         <p:nvPr/>
       </p:nvGrpSpPr>
@@ -3276,7 +3333,7 @@
           <a:blip r:embed="rId2">
             <a:alphaModFix/>
           </a:blip>
-          <a:srcRect b="0" l="0" r="0" t="0"/>
+          <a:srcRect/>
           <a:stretch/>
         </p:blipFill>
         <p:spPr>
@@ -3296,9 +3353,11 @@
       <p:sp>
         <p:nvSpPr>
           <p:cNvPr id="72" name="Google Shape;72;p14"/>
-          <p:cNvSpPr/>
+          <p:cNvSpPr>
+            <a:spLocks noGrp="1"/>
+          </p:cNvSpPr>
           <p:nvPr>
-            <p:ph idx="2" type="pic"/>
+            <p:ph type="pic" idx="2"/>
           </p:nvPr>
         </p:nvSpPr>
         <p:spPr>
@@ -3312,20 +3371,20 @@
           <a:solidFill>
             <a:srgbClr val="D8D8D8"/>
           </a:solidFill>
-          <a:ln cap="flat" cmpd="sng" w="50800">
+          <a:ln w="50800" cap="flat" cmpd="sng">
             <a:solidFill>
               <a:schemeClr val="lt1"/>
             </a:solidFill>
             <a:prstDash val="solid"/>
             <a:round/>
-            <a:headEnd len="sm" w="sm" type="none"/>
-            <a:tailEnd len="sm" w="sm" type="none"/>
+            <a:headEnd type="none" w="sm" len="sm"/>
+            <a:tailEnd type="none" w="sm" len="sm"/>
           </a:ln>
         </p:spPr>
         <p:txBody>
-          <a:bodyPr anchorCtr="0" anchor="ctr" bIns="91425" lIns="91425" spcFirstLastPara="1" rIns="91425" wrap="square" tIns="91425"/>
+          <a:bodyPr spcFirstLastPara="1" wrap="square" lIns="91425" tIns="91425" rIns="91425" bIns="91425" anchor="ctr" anchorCtr="0"/>
           <a:lstStyle>
-            <a:lvl1pPr indent="0" lvl="0" marL="0" marR="0" rtl="0" algn="ctr">
+            <a:lvl1pPr marL="0" marR="0" lvl="0" indent="0" algn="ctr" rtl="0">
               <a:spcBef>
                 <a:spcPts val="240"/>
               </a:spcBef>
@@ -3338,7 +3397,7 @@
               <a:buSzPts val="1400"/>
               <a:buFont typeface="Arial"/>
               <a:buNone/>
-              <a:defRPr b="0" i="0" sz="1200" u="none" cap="none" strike="noStrike">
+              <a:defRPr sz="1200" b="0" i="0" u="none" strike="noStrike" cap="none">
                 <a:solidFill>
                   <a:schemeClr val="dk1"/>
                 </a:solidFill>
@@ -3348,7 +3407,7 @@
                 <a:sym typeface="Arial"/>
               </a:defRPr>
             </a:lvl1pPr>
-            <a:lvl2pPr indent="0" lvl="1" marL="457200" marR="0" rtl="0" algn="l">
+            <a:lvl2pPr marL="457200" marR="0" lvl="1" indent="0" algn="l" rtl="0">
               <a:spcBef>
                 <a:spcPts val="560"/>
               </a:spcBef>
@@ -3361,7 +3420,7 @@
               <a:buSzPts val="1400"/>
               <a:buFont typeface="Arial"/>
               <a:buNone/>
-              <a:defRPr b="0" i="0" sz="2800" u="none" cap="none" strike="noStrike">
+              <a:defRPr sz="2800" b="0" i="0" u="none" strike="noStrike" cap="none">
                 <a:solidFill>
                   <a:schemeClr val="dk1"/>
                 </a:solidFill>
@@ -3371,7 +3430,7 @@
                 <a:sym typeface="Arial"/>
               </a:defRPr>
             </a:lvl2pPr>
-            <a:lvl3pPr indent="0" lvl="2" marL="914400" marR="0" rtl="0" algn="l">
+            <a:lvl3pPr marL="914400" marR="0" lvl="2" indent="0" algn="l" rtl="0">
               <a:spcBef>
                 <a:spcPts val="480"/>
               </a:spcBef>
@@ -3384,7 +3443,7 @@
               <a:buSzPts val="1400"/>
               <a:buFont typeface="Arial"/>
               <a:buNone/>
-              <a:defRPr b="0" i="0" sz="2400" u="none" cap="none" strike="noStrike">
+              <a:defRPr sz="2400" b="0" i="0" u="none" strike="noStrike" cap="none">
                 <a:solidFill>
                   <a:schemeClr val="dk1"/>
                 </a:solidFill>
@@ -3394,7 +3453,7 @@
                 <a:sym typeface="Arial"/>
               </a:defRPr>
             </a:lvl3pPr>
-            <a:lvl4pPr indent="0" lvl="3" marL="1371600" marR="0" rtl="0" algn="l">
+            <a:lvl4pPr marL="1371600" marR="0" lvl="3" indent="0" algn="l" rtl="0">
               <a:spcBef>
                 <a:spcPts val="400"/>
               </a:spcBef>
@@ -3407,7 +3466,7 @@
               <a:buSzPts val="1400"/>
               <a:buFont typeface="Arial"/>
               <a:buNone/>
-              <a:defRPr b="0" i="0" sz="2000" u="none" cap="none" strike="noStrike">
+              <a:defRPr sz="2000" b="0" i="0" u="none" strike="noStrike" cap="none">
                 <a:solidFill>
                   <a:schemeClr val="dk1"/>
                 </a:solidFill>
@@ -3417,7 +3476,7 @@
                 <a:sym typeface="Arial"/>
               </a:defRPr>
             </a:lvl4pPr>
-            <a:lvl5pPr indent="0" lvl="4" marL="1828800" marR="0" rtl="0" algn="l">
+            <a:lvl5pPr marL="1828800" marR="0" lvl="4" indent="0" algn="l" rtl="0">
               <a:spcBef>
                 <a:spcPts val="400"/>
               </a:spcBef>
@@ -3430,7 +3489,7 @@
               <a:buSzPts val="1400"/>
               <a:buFont typeface="Arial"/>
               <a:buNone/>
-              <a:defRPr b="0" i="0" sz="2000" u="none" cap="none" strike="noStrike">
+              <a:defRPr sz="2000" b="0" i="0" u="none" strike="noStrike" cap="none">
                 <a:solidFill>
                   <a:schemeClr val="dk1"/>
                 </a:solidFill>
@@ -3440,7 +3499,7 @@
                 <a:sym typeface="Arial"/>
               </a:defRPr>
             </a:lvl5pPr>
-            <a:lvl6pPr indent="0" lvl="5" marL="2286000" marR="0" rtl="0" algn="l">
+            <a:lvl6pPr marL="2286000" marR="0" lvl="5" indent="0" algn="l" rtl="0">
               <a:spcBef>
                 <a:spcPts val="400"/>
               </a:spcBef>
@@ -3453,7 +3512,7 @@
               <a:buSzPts val="1400"/>
               <a:buFont typeface="Arial"/>
               <a:buNone/>
-              <a:defRPr b="0" i="0" sz="2000" u="none" cap="none" strike="noStrike">
+              <a:defRPr sz="2000" b="0" i="0" u="none" strike="noStrike" cap="none">
                 <a:solidFill>
                   <a:schemeClr val="dk1"/>
                 </a:solidFill>
@@ -3463,7 +3522,7 @@
                 <a:sym typeface="Arial"/>
               </a:defRPr>
             </a:lvl6pPr>
-            <a:lvl7pPr indent="0" lvl="6" marL="2743200" marR="0" rtl="0" algn="l">
+            <a:lvl7pPr marL="2743200" marR="0" lvl="6" indent="0" algn="l" rtl="0">
               <a:spcBef>
                 <a:spcPts val="400"/>
               </a:spcBef>
@@ -3476,7 +3535,7 @@
               <a:buSzPts val="1400"/>
               <a:buFont typeface="Arial"/>
               <a:buNone/>
-              <a:defRPr b="0" i="0" sz="2000" u="none" cap="none" strike="noStrike">
+              <a:defRPr sz="2000" b="0" i="0" u="none" strike="noStrike" cap="none">
                 <a:solidFill>
                   <a:schemeClr val="dk1"/>
                 </a:solidFill>
@@ -3486,7 +3545,7 @@
                 <a:sym typeface="Arial"/>
               </a:defRPr>
             </a:lvl7pPr>
-            <a:lvl8pPr indent="0" lvl="7" marL="3200400" marR="0" rtl="0" algn="l">
+            <a:lvl8pPr marL="3200400" marR="0" lvl="7" indent="0" algn="l" rtl="0">
               <a:spcBef>
                 <a:spcPts val="400"/>
               </a:spcBef>
@@ -3499,7 +3558,7 @@
               <a:buSzPts val="1400"/>
               <a:buFont typeface="Arial"/>
               <a:buNone/>
-              <a:defRPr b="0" i="0" sz="2000" u="none" cap="none" strike="noStrike">
+              <a:defRPr sz="2000" b="0" i="0" u="none" strike="noStrike" cap="none">
                 <a:solidFill>
                   <a:schemeClr val="dk1"/>
                 </a:solidFill>
@@ -3509,7 +3568,7 @@
                 <a:sym typeface="Arial"/>
               </a:defRPr>
             </a:lvl8pPr>
-            <a:lvl9pPr indent="0" lvl="8" marL="3657600" marR="0" rtl="0" algn="l">
+            <a:lvl9pPr marL="3657600" marR="0" lvl="8" indent="0" algn="l" rtl="0">
               <a:spcBef>
                 <a:spcPts val="400"/>
               </a:spcBef>
@@ -3522,7 +3581,7 @@
               <a:buSzPts val="1400"/>
               <a:buFont typeface="Arial"/>
               <a:buNone/>
-              <a:defRPr b="0" i="0" sz="2000" u="none" cap="none" strike="noStrike">
+              <a:defRPr sz="2000" b="0" i="0" u="none" strike="noStrike" cap="none">
                 <a:solidFill>
                   <a:schemeClr val="dk1"/>
                 </a:solidFill>
@@ -3533,15 +3592,19 @@
               </a:defRPr>
             </a:lvl9pPr>
           </a:lstStyle>
-          <a:p/>
+          <a:p>
+            <a:endParaRPr/>
+          </a:p>
         </p:txBody>
       </p:sp>
       <p:sp>
         <p:nvSpPr>
           <p:cNvPr id="73" name="Google Shape;73;p14"/>
-          <p:cNvSpPr/>
+          <p:cNvSpPr>
+            <a:spLocks noGrp="1"/>
+          </p:cNvSpPr>
           <p:nvPr>
-            <p:ph idx="3" type="pic"/>
+            <p:ph type="pic" idx="3"/>
           </p:nvPr>
         </p:nvSpPr>
         <p:spPr>
@@ -3555,20 +3618,20 @@
           <a:solidFill>
             <a:srgbClr val="D8D8D8"/>
           </a:solidFill>
-          <a:ln cap="flat" cmpd="sng" w="50800">
+          <a:ln w="50800" cap="flat" cmpd="sng">
             <a:solidFill>
               <a:schemeClr val="lt1"/>
             </a:solidFill>
             <a:prstDash val="solid"/>
             <a:round/>
-            <a:headEnd len="sm" w="sm" type="none"/>
-            <a:tailEnd len="sm" w="sm" type="none"/>
+            <a:headEnd type="none" w="sm" len="sm"/>
+            <a:tailEnd type="none" w="sm" len="sm"/>
           </a:ln>
         </p:spPr>
         <p:txBody>
-          <a:bodyPr anchorCtr="0" anchor="ctr" bIns="91425" lIns="91425" spcFirstLastPara="1" rIns="91425" wrap="square" tIns="91425"/>
+          <a:bodyPr spcFirstLastPara="1" wrap="square" lIns="91425" tIns="91425" rIns="91425" bIns="91425" anchor="ctr" anchorCtr="0"/>
           <a:lstStyle>
-            <a:lvl1pPr indent="0" lvl="0" marL="0" marR="0" rtl="0" algn="ctr">
+            <a:lvl1pPr marL="0" marR="0" lvl="0" indent="0" algn="ctr" rtl="0">
               <a:spcBef>
                 <a:spcPts val="240"/>
               </a:spcBef>
@@ -3581,7 +3644,7 @@
               <a:buSzPts val="1400"/>
               <a:buFont typeface="Arial"/>
               <a:buNone/>
-              <a:defRPr b="0" i="0" sz="1200" u="none" cap="none" strike="noStrike">
+              <a:defRPr sz="1200" b="0" i="0" u="none" strike="noStrike" cap="none">
                 <a:solidFill>
                   <a:schemeClr val="dk1"/>
                 </a:solidFill>
@@ -3591,7 +3654,7 @@
                 <a:sym typeface="Arial"/>
               </a:defRPr>
             </a:lvl1pPr>
-            <a:lvl2pPr indent="0" lvl="1" marL="457200" marR="0" rtl="0" algn="l">
+            <a:lvl2pPr marL="457200" marR="0" lvl="1" indent="0" algn="l" rtl="0">
               <a:spcBef>
                 <a:spcPts val="560"/>
               </a:spcBef>
@@ -3604,7 +3667,7 @@
               <a:buSzPts val="1400"/>
               <a:buFont typeface="Arial"/>
               <a:buNone/>
-              <a:defRPr b="0" i="0" sz="2800" u="none" cap="none" strike="noStrike">
+              <a:defRPr sz="2800" b="0" i="0" u="none" strike="noStrike" cap="none">
                 <a:solidFill>
                   <a:schemeClr val="dk1"/>
                 </a:solidFill>
@@ -3614,7 +3677,7 @@
                 <a:sym typeface="Arial"/>
               </a:defRPr>
             </a:lvl2pPr>
-            <a:lvl3pPr indent="0" lvl="2" marL="914400" marR="0" rtl="0" algn="l">
+            <a:lvl3pPr marL="914400" marR="0" lvl="2" indent="0" algn="l" rtl="0">
               <a:spcBef>
                 <a:spcPts val="480"/>
               </a:spcBef>
@@ -3627,7 +3690,7 @@
               <a:buSzPts val="1400"/>
               <a:buFont typeface="Arial"/>
               <a:buNone/>
-              <a:defRPr b="0" i="0" sz="2400" u="none" cap="none" strike="noStrike">
+              <a:defRPr sz="2400" b="0" i="0" u="none" strike="noStrike" cap="none">
                 <a:solidFill>
                   <a:schemeClr val="dk1"/>
                 </a:solidFill>
@@ -3637,7 +3700,7 @@
                 <a:sym typeface="Arial"/>
               </a:defRPr>
             </a:lvl3pPr>
-            <a:lvl4pPr indent="0" lvl="3" marL="1371600" marR="0" rtl="0" algn="l">
+            <a:lvl4pPr marL="1371600" marR="0" lvl="3" indent="0" algn="l" rtl="0">
               <a:spcBef>
                 <a:spcPts val="400"/>
               </a:spcBef>
@@ -3650,7 +3713,7 @@
               <a:buSzPts val="1400"/>
               <a:buFont typeface="Arial"/>
               <a:buNone/>
-              <a:defRPr b="0" i="0" sz="2000" u="none" cap="none" strike="noStrike">
+              <a:defRPr sz="2000" b="0" i="0" u="none" strike="noStrike" cap="none">
                 <a:solidFill>
                   <a:schemeClr val="dk1"/>
                 </a:solidFill>
@@ -3660,7 +3723,7 @@
                 <a:sym typeface="Arial"/>
               </a:defRPr>
             </a:lvl4pPr>
-            <a:lvl5pPr indent="0" lvl="4" marL="1828800" marR="0" rtl="0" algn="l">
+            <a:lvl5pPr marL="1828800" marR="0" lvl="4" indent="0" algn="l" rtl="0">
               <a:spcBef>
                 <a:spcPts val="400"/>
               </a:spcBef>
@@ -3673,7 +3736,7 @@
               <a:buSzPts val="1400"/>
               <a:buFont typeface="Arial"/>
               <a:buNone/>
-              <a:defRPr b="0" i="0" sz="2000" u="none" cap="none" strike="noStrike">
+              <a:defRPr sz="2000" b="0" i="0" u="none" strike="noStrike" cap="none">
                 <a:solidFill>
                   <a:schemeClr val="dk1"/>
                 </a:solidFill>
@@ -3683,7 +3746,7 @@
                 <a:sym typeface="Arial"/>
               </a:defRPr>
             </a:lvl5pPr>
-            <a:lvl6pPr indent="0" lvl="5" marL="2286000" marR="0" rtl="0" algn="l">
+            <a:lvl6pPr marL="2286000" marR="0" lvl="5" indent="0" algn="l" rtl="0">
               <a:spcBef>
                 <a:spcPts val="400"/>
               </a:spcBef>
@@ -3696,7 +3759,7 @@
               <a:buSzPts val="1400"/>
               <a:buFont typeface="Arial"/>
               <a:buNone/>
-              <a:defRPr b="0" i="0" sz="2000" u="none" cap="none" strike="noStrike">
+              <a:defRPr sz="2000" b="0" i="0" u="none" strike="noStrike" cap="none">
                 <a:solidFill>
                   <a:schemeClr val="dk1"/>
                 </a:solidFill>
@@ -3706,7 +3769,7 @@
                 <a:sym typeface="Arial"/>
               </a:defRPr>
             </a:lvl6pPr>
-            <a:lvl7pPr indent="0" lvl="6" marL="2743200" marR="0" rtl="0" algn="l">
+            <a:lvl7pPr marL="2743200" marR="0" lvl="6" indent="0" algn="l" rtl="0">
               <a:spcBef>
                 <a:spcPts val="400"/>
               </a:spcBef>
@@ -3719,7 +3782,7 @@
               <a:buSzPts val="1400"/>
               <a:buFont typeface="Arial"/>
               <a:buNone/>
-              <a:defRPr b="0" i="0" sz="2000" u="none" cap="none" strike="noStrike">
+              <a:defRPr sz="2000" b="0" i="0" u="none" strike="noStrike" cap="none">
                 <a:solidFill>
                   <a:schemeClr val="dk1"/>
                 </a:solidFill>
@@ -3729,7 +3792,7 @@
                 <a:sym typeface="Arial"/>
               </a:defRPr>
             </a:lvl7pPr>
-            <a:lvl8pPr indent="0" lvl="7" marL="3200400" marR="0" rtl="0" algn="l">
+            <a:lvl8pPr marL="3200400" marR="0" lvl="7" indent="0" algn="l" rtl="0">
               <a:spcBef>
                 <a:spcPts val="400"/>
               </a:spcBef>
@@ -3742,7 +3805,7 @@
               <a:buSzPts val="1400"/>
               <a:buFont typeface="Arial"/>
               <a:buNone/>
-              <a:defRPr b="0" i="0" sz="2000" u="none" cap="none" strike="noStrike">
+              <a:defRPr sz="2000" b="0" i="0" u="none" strike="noStrike" cap="none">
                 <a:solidFill>
                   <a:schemeClr val="dk1"/>
                 </a:solidFill>
@@ -3752,7 +3815,7 @@
                 <a:sym typeface="Arial"/>
               </a:defRPr>
             </a:lvl8pPr>
-            <a:lvl9pPr indent="0" lvl="8" marL="3657600" marR="0" rtl="0" algn="l">
+            <a:lvl9pPr marL="3657600" marR="0" lvl="8" indent="0" algn="l" rtl="0">
               <a:spcBef>
                 <a:spcPts val="400"/>
               </a:spcBef>
@@ -3765,7 +3828,7 @@
               <a:buSzPts val="1400"/>
               <a:buFont typeface="Arial"/>
               <a:buNone/>
-              <a:defRPr b="0" i="0" sz="2000" u="none" cap="none" strike="noStrike">
+              <a:defRPr sz="2000" b="0" i="0" u="none" strike="noStrike" cap="none">
                 <a:solidFill>
                   <a:schemeClr val="dk1"/>
                 </a:solidFill>
@@ -3776,15 +3839,19 @@
               </a:defRPr>
             </a:lvl9pPr>
           </a:lstStyle>
-          <a:p/>
+          <a:p>
+            <a:endParaRPr/>
+          </a:p>
         </p:txBody>
       </p:sp>
       <p:sp>
         <p:nvSpPr>
           <p:cNvPr id="74" name="Google Shape;74;p14"/>
-          <p:cNvSpPr/>
+          <p:cNvSpPr>
+            <a:spLocks noGrp="1"/>
+          </p:cNvSpPr>
           <p:nvPr>
-            <p:ph idx="4" type="pic"/>
+            <p:ph type="pic" idx="4"/>
           </p:nvPr>
         </p:nvSpPr>
         <p:spPr>
@@ -3798,20 +3865,20 @@
           <a:solidFill>
             <a:srgbClr val="D8D8D8"/>
           </a:solidFill>
-          <a:ln cap="flat" cmpd="sng" w="50800">
+          <a:ln w="50800" cap="flat" cmpd="sng">
             <a:solidFill>
               <a:schemeClr val="lt1"/>
             </a:solidFill>
             <a:prstDash val="solid"/>
             <a:round/>
-            <a:headEnd len="sm" w="sm" type="none"/>
-            <a:tailEnd len="sm" w="sm" type="none"/>
+            <a:headEnd type="none" w="sm" len="sm"/>
+            <a:tailEnd type="none" w="sm" len="sm"/>
           </a:ln>
         </p:spPr>
         <p:txBody>
-          <a:bodyPr anchorCtr="0" anchor="ctr" bIns="91425" lIns="91425" spcFirstLastPara="1" rIns="91425" wrap="square" tIns="91425"/>
+          <a:bodyPr spcFirstLastPara="1" wrap="square" lIns="91425" tIns="91425" rIns="91425" bIns="91425" anchor="ctr" anchorCtr="0"/>
           <a:lstStyle>
-            <a:lvl1pPr indent="0" lvl="0" marL="0" marR="0" rtl="0" algn="ctr">
+            <a:lvl1pPr marL="0" marR="0" lvl="0" indent="0" algn="ctr" rtl="0">
               <a:spcBef>
                 <a:spcPts val="240"/>
               </a:spcBef>
@@ -3824,7 +3891,7 @@
               <a:buSzPts val="1400"/>
               <a:buFont typeface="Arial"/>
               <a:buNone/>
-              <a:defRPr b="0" i="0" sz="1200" u="none" cap="none" strike="noStrike">
+              <a:defRPr sz="1200" b="0" i="0" u="none" strike="noStrike" cap="none">
                 <a:solidFill>
                   <a:schemeClr val="dk1"/>
                 </a:solidFill>
@@ -3834,7 +3901,7 @@
                 <a:sym typeface="Arial"/>
               </a:defRPr>
             </a:lvl1pPr>
-            <a:lvl2pPr indent="0" lvl="1" marL="457200" marR="0" rtl="0" algn="l">
+            <a:lvl2pPr marL="457200" marR="0" lvl="1" indent="0" algn="l" rtl="0">
               <a:spcBef>
                 <a:spcPts val="560"/>
               </a:spcBef>
@@ -3847,7 +3914,7 @@
               <a:buSzPts val="1400"/>
               <a:buFont typeface="Arial"/>
               <a:buNone/>
-              <a:defRPr b="0" i="0" sz="2800" u="none" cap="none" strike="noStrike">
+              <a:defRPr sz="2800" b="0" i="0" u="none" strike="noStrike" cap="none">
                 <a:solidFill>
                   <a:schemeClr val="dk1"/>
                 </a:solidFill>
@@ -3857,7 +3924,7 @@
                 <a:sym typeface="Arial"/>
               </a:defRPr>
             </a:lvl2pPr>
-            <a:lvl3pPr indent="0" lvl="2" marL="914400" marR="0" rtl="0" algn="l">
+            <a:lvl3pPr marL="914400" marR="0" lvl="2" indent="0" algn="l" rtl="0">
               <a:spcBef>
                 <a:spcPts val="480"/>
               </a:spcBef>
@@ -3870,7 +3937,7 @@
               <a:buSzPts val="1400"/>
               <a:buFont typeface="Arial"/>
               <a:buNone/>
-              <a:defRPr b="0" i="0" sz="2400" u="none" cap="none" strike="noStrike">
+              <a:defRPr sz="2400" b="0" i="0" u="none" strike="noStrike" cap="none">
                 <a:solidFill>
                   <a:schemeClr val="dk1"/>
                 </a:solidFill>
@@ -3880,7 +3947,7 @@
                 <a:sym typeface="Arial"/>
               </a:defRPr>
             </a:lvl3pPr>
-            <a:lvl4pPr indent="0" lvl="3" marL="1371600" marR="0" rtl="0" algn="l">
+            <a:lvl4pPr marL="1371600" marR="0" lvl="3" indent="0" algn="l" rtl="0">
               <a:spcBef>
                 <a:spcPts val="400"/>
               </a:spcBef>
@@ -3893,7 +3960,7 @@
               <a:buSzPts val="1400"/>
               <a:buFont typeface="Arial"/>
               <a:buNone/>
-              <a:defRPr b="0" i="0" sz="2000" u="none" cap="none" strike="noStrike">
+              <a:defRPr sz="2000" b="0" i="0" u="none" strike="noStrike" cap="none">
                 <a:solidFill>
                   <a:schemeClr val="dk1"/>
                 </a:solidFill>
@@ -3903,7 +3970,7 @@
                 <a:sym typeface="Arial"/>
               </a:defRPr>
             </a:lvl4pPr>
-            <a:lvl5pPr indent="0" lvl="4" marL="1828800" marR="0" rtl="0" algn="l">
+            <a:lvl5pPr marL="1828800" marR="0" lvl="4" indent="0" algn="l" rtl="0">
               <a:spcBef>
                 <a:spcPts val="400"/>
               </a:spcBef>
@@ -3916,7 +3983,7 @@
               <a:buSzPts val="1400"/>
               <a:buFont typeface="Arial"/>
               <a:buNone/>
-              <a:defRPr b="0" i="0" sz="2000" u="none" cap="none" strike="noStrike">
+              <a:defRPr sz="2000" b="0" i="0" u="none" strike="noStrike" cap="none">
                 <a:solidFill>
                   <a:schemeClr val="dk1"/>
                 </a:solidFill>
@@ -3926,7 +3993,7 @@
                 <a:sym typeface="Arial"/>
               </a:defRPr>
             </a:lvl5pPr>
-            <a:lvl6pPr indent="0" lvl="5" marL="2286000" marR="0" rtl="0" algn="l">
+            <a:lvl6pPr marL="2286000" marR="0" lvl="5" indent="0" algn="l" rtl="0">
               <a:spcBef>
                 <a:spcPts val="400"/>
               </a:spcBef>
@@ -3939,7 +4006,7 @@
               <a:buSzPts val="1400"/>
               <a:buFont typeface="Arial"/>
               <a:buNone/>
-              <a:defRPr b="0" i="0" sz="2000" u="none" cap="none" strike="noStrike">
+              <a:defRPr sz="2000" b="0" i="0" u="none" strike="noStrike" cap="none">
                 <a:solidFill>
                   <a:schemeClr val="dk1"/>
                 </a:solidFill>
@@ -3949,7 +4016,7 @@
                 <a:sym typeface="Arial"/>
               </a:defRPr>
             </a:lvl6pPr>
-            <a:lvl7pPr indent="0" lvl="6" marL="2743200" marR="0" rtl="0" algn="l">
+            <a:lvl7pPr marL="2743200" marR="0" lvl="6" indent="0" algn="l" rtl="0">
               <a:spcBef>
                 <a:spcPts val="400"/>
               </a:spcBef>
@@ -3962,7 +4029,7 @@
               <a:buSzPts val="1400"/>
               <a:buFont typeface="Arial"/>
               <a:buNone/>
-              <a:defRPr b="0" i="0" sz="2000" u="none" cap="none" strike="noStrike">
+              <a:defRPr sz="2000" b="0" i="0" u="none" strike="noStrike" cap="none">
                 <a:solidFill>
                   <a:schemeClr val="dk1"/>
                 </a:solidFill>
@@ -3972,7 +4039,7 @@
                 <a:sym typeface="Arial"/>
               </a:defRPr>
             </a:lvl7pPr>
-            <a:lvl8pPr indent="0" lvl="7" marL="3200400" marR="0" rtl="0" algn="l">
+            <a:lvl8pPr marL="3200400" marR="0" lvl="7" indent="0" algn="l" rtl="0">
               <a:spcBef>
                 <a:spcPts val="400"/>
               </a:spcBef>
@@ -3985,7 +4052,7 @@
               <a:buSzPts val="1400"/>
               <a:buFont typeface="Arial"/>
               <a:buNone/>
-              <a:defRPr b="0" i="0" sz="2000" u="none" cap="none" strike="noStrike">
+              <a:defRPr sz="2000" b="0" i="0" u="none" strike="noStrike" cap="none">
                 <a:solidFill>
                   <a:schemeClr val="dk1"/>
                 </a:solidFill>
@@ -3995,7 +4062,7 @@
                 <a:sym typeface="Arial"/>
               </a:defRPr>
             </a:lvl8pPr>
-            <a:lvl9pPr indent="0" lvl="8" marL="3657600" marR="0" rtl="0" algn="l">
+            <a:lvl9pPr marL="3657600" marR="0" lvl="8" indent="0" algn="l" rtl="0">
               <a:spcBef>
                 <a:spcPts val="400"/>
               </a:spcBef>
@@ -4008,7 +4075,7 @@
               <a:buSzPts val="1400"/>
               <a:buFont typeface="Arial"/>
               <a:buNone/>
-              <a:defRPr b="0" i="0" sz="2000" u="none" cap="none" strike="noStrike">
+              <a:defRPr sz="2000" b="0" i="0" u="none" strike="noStrike" cap="none">
                 <a:solidFill>
                   <a:schemeClr val="dk1"/>
                 </a:solidFill>
@@ -4019,7 +4086,9 @@
               </a:defRPr>
             </a:lvl9pPr>
           </a:lstStyle>
-          <a:p/>
+          <a:p>
+            <a:endParaRPr/>
+          </a:p>
         </p:txBody>
       </p:sp>
       <p:sp>
@@ -4044,12 +4113,12 @@
           </a:ln>
         </p:spPr>
         <p:txBody>
-          <a:bodyPr anchorCtr="0" anchor="ctr" bIns="45700" lIns="91425" spcFirstLastPara="1" rIns="91425" wrap="square" tIns="45700">
+          <a:bodyPr spcFirstLastPara="1" wrap="square" lIns="91425" tIns="45700" rIns="91425" bIns="45700" anchor="ctr" anchorCtr="0">
             <a:noAutofit/>
           </a:bodyPr>
           <a:lstStyle/>
           <a:p>
-            <a:pPr indent="0" lvl="0" marL="0" marR="0" rtl="0" algn="ctr">
+            <a:pPr marL="0" marR="0" lvl="0" indent="0" algn="ctr" rtl="0">
               <a:spcBef>
                 <a:spcPts val="0"/>
               </a:spcBef>
@@ -4058,9 +4127,6 @@
               </a:spcAft>
               <a:buNone/>
             </a:pPr>
-            <a:r>
-              <a:t/>
-            </a:r>
             <a:endParaRPr sz="1800">
               <a:solidFill>
                 <a:schemeClr val="lt1"/>
@@ -4095,12 +4161,12 @@
           </a:ln>
         </p:spPr>
         <p:txBody>
-          <a:bodyPr anchorCtr="0" anchor="ctr" bIns="45700" lIns="91425" spcFirstLastPara="1" rIns="91425" wrap="square" tIns="45700">
+          <a:bodyPr spcFirstLastPara="1" wrap="square" lIns="91425" tIns="45700" rIns="91425" bIns="45700" anchor="ctr" anchorCtr="0">
             <a:noAutofit/>
           </a:bodyPr>
           <a:lstStyle/>
           <a:p>
-            <a:pPr indent="0" lvl="0" marL="0" marR="0" rtl="0" algn="ctr">
+            <a:pPr marL="0" marR="0" lvl="0" indent="0" algn="ctr" rtl="0">
               <a:spcBef>
                 <a:spcPts val="0"/>
               </a:spcBef>
@@ -4109,9 +4175,6 @@
               </a:spcAft>
               <a:buNone/>
             </a:pPr>
-            <a:r>
-              <a:t/>
-            </a:r>
             <a:endParaRPr sz="1800">
               <a:solidFill>
                 <a:schemeClr val="lt1"/>
@@ -4127,7 +4190,9 @@
       <p:sp>
         <p:nvSpPr>
           <p:cNvPr id="77" name="Google Shape;77;p14"/>
-          <p:cNvSpPr txBox="1"/>
+          <p:cNvSpPr txBox="1">
+            <a:spLocks noGrp="1"/>
+          </p:cNvSpPr>
           <p:nvPr>
             <p:ph type="title"/>
           </p:nvPr>
@@ -4146,9 +4211,9 @@
           </a:ln>
         </p:spPr>
         <p:txBody>
-          <a:bodyPr anchorCtr="0" anchor="ctr" bIns="91425" lIns="91425" spcFirstLastPara="1" rIns="91425" wrap="square" tIns="91425"/>
+          <a:bodyPr spcFirstLastPara="1" wrap="square" lIns="91425" tIns="91425" rIns="91425" bIns="91425" anchor="ctr" anchorCtr="0"/>
           <a:lstStyle>
-            <a:lvl1pPr lvl="0" rtl="0" algn="ctr">
+            <a:lvl1pPr lvl="0" algn="ctr" rtl="0">
               <a:spcBef>
                 <a:spcPts val="0"/>
               </a:spcBef>
@@ -4162,7 +4227,7 @@
                 </a:solidFill>
               </a:defRPr>
             </a:lvl1pPr>
-            <a:lvl2pPr lvl="1" rtl="0" algn="ctr">
+            <a:lvl2pPr lvl="1" algn="ctr" rtl="0">
               <a:spcBef>
                 <a:spcPts val="0"/>
               </a:spcBef>
@@ -4176,7 +4241,7 @@
                 </a:solidFill>
               </a:defRPr>
             </a:lvl2pPr>
-            <a:lvl3pPr lvl="2" rtl="0" algn="ctr">
+            <a:lvl3pPr lvl="2" algn="ctr" rtl="0">
               <a:spcBef>
                 <a:spcPts val="0"/>
               </a:spcBef>
@@ -4190,7 +4255,7 @@
                 </a:solidFill>
               </a:defRPr>
             </a:lvl3pPr>
-            <a:lvl4pPr lvl="3" rtl="0" algn="ctr">
+            <a:lvl4pPr lvl="3" algn="ctr" rtl="0">
               <a:spcBef>
                 <a:spcPts val="0"/>
               </a:spcBef>
@@ -4204,7 +4269,7 @@
                 </a:solidFill>
               </a:defRPr>
             </a:lvl4pPr>
-            <a:lvl5pPr lvl="4" rtl="0" algn="ctr">
+            <a:lvl5pPr lvl="4" algn="ctr" rtl="0">
               <a:spcBef>
                 <a:spcPts val="0"/>
               </a:spcBef>
@@ -4218,7 +4283,7 @@
                 </a:solidFill>
               </a:defRPr>
             </a:lvl5pPr>
-            <a:lvl6pPr lvl="5" rtl="0" algn="ctr">
+            <a:lvl6pPr lvl="5" algn="ctr" rtl="0">
               <a:spcBef>
                 <a:spcPts val="0"/>
               </a:spcBef>
@@ -4232,7 +4297,7 @@
                 </a:solidFill>
               </a:defRPr>
             </a:lvl6pPr>
-            <a:lvl7pPr lvl="6" rtl="0" algn="ctr">
+            <a:lvl7pPr lvl="6" algn="ctr" rtl="0">
               <a:spcBef>
                 <a:spcPts val="0"/>
               </a:spcBef>
@@ -4246,7 +4311,7 @@
                 </a:solidFill>
               </a:defRPr>
             </a:lvl7pPr>
-            <a:lvl8pPr lvl="7" rtl="0" algn="ctr">
+            <a:lvl8pPr lvl="7" algn="ctr" rtl="0">
               <a:spcBef>
                 <a:spcPts val="0"/>
               </a:spcBef>
@@ -4260,7 +4325,7 @@
                 </a:solidFill>
               </a:defRPr>
             </a:lvl8pPr>
-            <a:lvl9pPr lvl="8" rtl="0" algn="ctr">
+            <a:lvl9pPr lvl="8" algn="ctr" rtl="0">
               <a:spcBef>
                 <a:spcPts val="0"/>
               </a:spcBef>
@@ -4275,15 +4340,19 @@
               </a:defRPr>
             </a:lvl9pPr>
           </a:lstStyle>
-          <a:p/>
+          <a:p>
+            <a:endParaRPr/>
+          </a:p>
         </p:txBody>
       </p:sp>
       <p:sp>
         <p:nvSpPr>
           <p:cNvPr id="78" name="Google Shape;78;p14"/>
-          <p:cNvSpPr txBox="1"/>
+          <p:cNvSpPr txBox="1">
+            <a:spLocks noGrp="1"/>
+          </p:cNvSpPr>
           <p:nvPr>
-            <p:ph idx="1" type="subTitle"/>
+            <p:ph type="subTitle" idx="1"/>
           </p:nvPr>
         </p:nvSpPr>
         <p:spPr>
@@ -4300,9 +4369,9 @@
           </a:ln>
         </p:spPr>
         <p:txBody>
-          <a:bodyPr anchorCtr="0" anchor="ctr" bIns="91425" lIns="91425" spcFirstLastPara="1" rIns="91425" wrap="square" tIns="91425"/>
+          <a:bodyPr spcFirstLastPara="1" wrap="square" lIns="91425" tIns="91425" rIns="91425" bIns="91425" anchor="ctr" anchorCtr="0"/>
           <a:lstStyle>
-            <a:lvl1pPr lvl="0" rtl="0" algn="ctr">
+            <a:lvl1pPr lvl="0" algn="ctr" rtl="0">
               <a:spcBef>
                 <a:spcPts val="0"/>
               </a:spcBef>
@@ -4316,7 +4385,7 @@
                 </a:solidFill>
               </a:defRPr>
             </a:lvl1pPr>
-            <a:lvl2pPr lvl="1" rtl="0" algn="ctr">
+            <a:lvl2pPr lvl="1" algn="ctr" rtl="0">
               <a:spcBef>
                 <a:spcPts val="0"/>
               </a:spcBef>
@@ -4330,7 +4399,7 @@
                 </a:solidFill>
               </a:defRPr>
             </a:lvl2pPr>
-            <a:lvl3pPr lvl="2" rtl="0" algn="ctr">
+            <a:lvl3pPr lvl="2" algn="ctr" rtl="0">
               <a:spcBef>
                 <a:spcPts val="0"/>
               </a:spcBef>
@@ -4344,7 +4413,7 @@
                 </a:solidFill>
               </a:defRPr>
             </a:lvl3pPr>
-            <a:lvl4pPr lvl="3" rtl="0" algn="ctr">
+            <a:lvl4pPr lvl="3" algn="ctr" rtl="0">
               <a:spcBef>
                 <a:spcPts val="0"/>
               </a:spcBef>
@@ -4358,7 +4427,7 @@
                 </a:solidFill>
               </a:defRPr>
             </a:lvl4pPr>
-            <a:lvl5pPr lvl="4" rtl="0" algn="ctr">
+            <a:lvl5pPr lvl="4" algn="ctr" rtl="0">
               <a:spcBef>
                 <a:spcPts val="0"/>
               </a:spcBef>
@@ -4372,7 +4441,7 @@
                 </a:solidFill>
               </a:defRPr>
             </a:lvl5pPr>
-            <a:lvl6pPr lvl="5" rtl="0" algn="ctr">
+            <a:lvl6pPr lvl="5" algn="ctr" rtl="0">
               <a:spcBef>
                 <a:spcPts val="0"/>
               </a:spcBef>
@@ -4386,7 +4455,7 @@
                 </a:solidFill>
               </a:defRPr>
             </a:lvl6pPr>
-            <a:lvl7pPr lvl="6" rtl="0" algn="ctr">
+            <a:lvl7pPr lvl="6" algn="ctr" rtl="0">
               <a:spcBef>
                 <a:spcPts val="0"/>
               </a:spcBef>
@@ -4400,7 +4469,7 @@
                 </a:solidFill>
               </a:defRPr>
             </a:lvl7pPr>
-            <a:lvl8pPr lvl="7" rtl="0" algn="ctr">
+            <a:lvl8pPr lvl="7" algn="ctr" rtl="0">
               <a:spcBef>
                 <a:spcPts val="0"/>
               </a:spcBef>
@@ -4414,7 +4483,7 @@
                 </a:solidFill>
               </a:defRPr>
             </a:lvl8pPr>
-            <a:lvl9pPr lvl="8" rtl="0" algn="ctr">
+            <a:lvl9pPr lvl="8" algn="ctr" rtl="0">
               <a:spcBef>
                 <a:spcPts val="0"/>
               </a:spcBef>
@@ -4429,7 +4498,9 @@
               </a:defRPr>
             </a:lvl9pPr>
           </a:lstStyle>
-          <a:p/>
+          <a:p>
+            <a:endParaRPr/>
+          </a:p>
         </p:txBody>
       </p:sp>
     </p:spTree>
@@ -4441,18 +4512,19 @@
 </file>
 
 <file path=ppt/slideLayouts/slideLayout14.xml><?xml version="1.0" encoding="utf-8"?>
-<p:sldLayout xmlns:a="http://schemas.openxmlformats.org/drawingml/2006/main" xmlns:r="http://schemas.openxmlformats.org/officeDocument/2006/relationships" xmlns:mc="http://schemas.openxmlformats.org/markup-compatibility/2006" xmlns:mv="urn:schemas-microsoft-com:mac:vml" xmlns:p="http://schemas.openxmlformats.org/presentationml/2006/main" xmlns:c="http://schemas.openxmlformats.org/drawingml/2006/chart" xmlns:dgm="http://schemas.openxmlformats.org/drawingml/2006/diagram" xmlns:o="urn:schemas-microsoft-com:office:office" xmlns:v="urn:schemas-microsoft-com:vml" xmlns:pvml="urn:schemas-microsoft-com:office:powerpoint" xmlns:com="http://schemas.openxmlformats.org/drawingml/2006/compatibility" xmlns:p14="http://schemas.microsoft.com/office/powerpoint/2010/main" xmlns:p15="http://schemas.microsoft.com/office/powerpoint/2012/main" matchingName="10_Basic Layout">
+<p:sldLayout xmlns:a="http://schemas.openxmlformats.org/drawingml/2006/main" xmlns:r="http://schemas.openxmlformats.org/officeDocument/2006/relationships" xmlns:p="http://schemas.openxmlformats.org/presentationml/2006/main" matchingName="10_Basic Layout">
   <p:cSld name="10_Basic Layout">
     <p:bg>
       <p:bgPr>
         <a:solidFill>
           <a:schemeClr val="lt1"/>
         </a:solidFill>
+        <a:effectLst/>
       </p:bgPr>
     </p:bg>
     <p:spTree>
       <p:nvGrpSpPr>
-        <p:cNvPr id="79" name="Shape 79"/>
+        <p:cNvPr id="1" name="Shape 79"/>
         <p:cNvGrpSpPr/>
         <p:nvPr/>
       </p:nvGrpSpPr>
@@ -4476,9 +4548,13 @@
             <a:ext cx="5559552" cy="5158130"/>
           </a:xfrm>
           <a:custGeom>
-            <a:rect b="b" l="l" r="r" t="t"/>
+            <a:avLst/>
+            <a:gdLst/>
+            <a:ahLst/>
+            <a:cxnLst/>
+            <a:rect l="l" t="t" r="r" b="b"/>
             <a:pathLst>
-              <a:path extrusionOk="0" h="120000" w="120000">
+              <a:path w="120000" h="120000" extrusionOk="0">
                 <a:moveTo>
                   <a:pt x="0" y="0"/>
                 </a:moveTo>
@@ -4506,12 +4582,12 @@
           </a:ln>
         </p:spPr>
         <p:txBody>
-          <a:bodyPr anchorCtr="0" anchor="ctr" bIns="45700" lIns="91425" spcFirstLastPara="1" rIns="91425" wrap="square" tIns="45700">
+          <a:bodyPr spcFirstLastPara="1" wrap="square" lIns="91425" tIns="45700" rIns="91425" bIns="45700" anchor="ctr" anchorCtr="0">
             <a:noAutofit/>
           </a:bodyPr>
           <a:lstStyle/>
           <a:p>
-            <a:pPr indent="0" lvl="0" marL="0" marR="0" rtl="0" algn="ctr">
+            <a:pPr marL="0" marR="0" lvl="0" indent="0" algn="ctr" rtl="0">
               <a:spcBef>
                 <a:spcPts val="0"/>
               </a:spcBef>
@@ -4520,9 +4596,6 @@
               </a:spcAft>
               <a:buNone/>
             </a:pPr>
-            <a:r>
-              <a:t/>
-            </a:r>
             <a:endParaRPr sz="1800">
               <a:solidFill>
                 <a:schemeClr val="lt1"/>
@@ -4545,7 +4618,7 @@
           <a:blip r:embed="rId2">
             <a:alphaModFix/>
           </a:blip>
-          <a:srcRect b="0" l="0" r="0" t="0"/>
+          <a:srcRect/>
           <a:stretch/>
         </p:blipFill>
         <p:spPr>
@@ -4565,9 +4638,11 @@
       <p:sp>
         <p:nvSpPr>
           <p:cNvPr id="82" name="Google Shape;82;p15"/>
-          <p:cNvSpPr/>
+          <p:cNvSpPr>
+            <a:spLocks noGrp="1"/>
+          </p:cNvSpPr>
           <p:nvPr>
-            <p:ph idx="2" type="pic"/>
+            <p:ph type="pic" idx="2"/>
           </p:nvPr>
         </p:nvSpPr>
         <p:spPr>
@@ -4586,9 +4661,9 @@
           </a:ln>
         </p:spPr>
         <p:txBody>
-          <a:bodyPr anchorCtr="0" anchor="ctr" bIns="91425" lIns="91425" spcFirstLastPara="1" rIns="91425" wrap="square" tIns="91425"/>
+          <a:bodyPr spcFirstLastPara="1" wrap="square" lIns="91425" tIns="91425" rIns="91425" bIns="91425" anchor="ctr" anchorCtr="0"/>
           <a:lstStyle>
-            <a:lvl1pPr indent="0" lvl="0" marL="0" marR="0" rtl="0" algn="ctr">
+            <a:lvl1pPr marL="0" marR="0" lvl="0" indent="0" algn="ctr" rtl="0">
               <a:spcBef>
                 <a:spcPts val="240"/>
               </a:spcBef>
@@ -4601,7 +4676,7 @@
               <a:buSzPts val="1400"/>
               <a:buFont typeface="Arial"/>
               <a:buNone/>
-              <a:defRPr b="0" i="0" sz="1200" u="none" cap="none" strike="noStrike">
+              <a:defRPr sz="1200" b="0" i="0" u="none" strike="noStrike" cap="none">
                 <a:solidFill>
                   <a:schemeClr val="dk1"/>
                 </a:solidFill>
@@ -4611,7 +4686,7 @@
                 <a:sym typeface="Arial"/>
               </a:defRPr>
             </a:lvl1pPr>
-            <a:lvl2pPr indent="0" lvl="1" marL="457200" marR="0" rtl="0" algn="l">
+            <a:lvl2pPr marL="457200" marR="0" lvl="1" indent="0" algn="l" rtl="0">
               <a:spcBef>
                 <a:spcPts val="560"/>
               </a:spcBef>
@@ -4624,7 +4699,7 @@
               <a:buSzPts val="1400"/>
               <a:buFont typeface="Arial"/>
               <a:buNone/>
-              <a:defRPr b="0" i="0" sz="2800" u="none" cap="none" strike="noStrike">
+              <a:defRPr sz="2800" b="0" i="0" u="none" strike="noStrike" cap="none">
                 <a:solidFill>
                   <a:schemeClr val="dk1"/>
                 </a:solidFill>
@@ -4634,7 +4709,7 @@
                 <a:sym typeface="Arial"/>
               </a:defRPr>
             </a:lvl2pPr>
-            <a:lvl3pPr indent="0" lvl="2" marL="914400" marR="0" rtl="0" algn="l">
+            <a:lvl3pPr marL="914400" marR="0" lvl="2" indent="0" algn="l" rtl="0">
               <a:spcBef>
                 <a:spcPts val="480"/>
               </a:spcBef>
@@ -4647,7 +4722,7 @@
               <a:buSzPts val="1400"/>
               <a:buFont typeface="Arial"/>
               <a:buNone/>
-              <a:defRPr b="0" i="0" sz="2400" u="none" cap="none" strike="noStrike">
+              <a:defRPr sz="2400" b="0" i="0" u="none" strike="noStrike" cap="none">
                 <a:solidFill>
                   <a:schemeClr val="dk1"/>
                 </a:solidFill>
@@ -4657,7 +4732,7 @@
                 <a:sym typeface="Arial"/>
               </a:defRPr>
             </a:lvl3pPr>
-            <a:lvl4pPr indent="0" lvl="3" marL="1371600" marR="0" rtl="0" algn="l">
+            <a:lvl4pPr marL="1371600" marR="0" lvl="3" indent="0" algn="l" rtl="0">
               <a:spcBef>
                 <a:spcPts val="400"/>
               </a:spcBef>
@@ -4670,7 +4745,7 @@
               <a:buSzPts val="1400"/>
               <a:buFont typeface="Arial"/>
               <a:buNone/>
-              <a:defRPr b="0" i="0" sz="2000" u="none" cap="none" strike="noStrike">
+              <a:defRPr sz="2000" b="0" i="0" u="none" strike="noStrike" cap="none">
                 <a:solidFill>
                   <a:schemeClr val="dk1"/>
                 </a:solidFill>
@@ -4680,7 +4755,7 @@
                 <a:sym typeface="Arial"/>
               </a:defRPr>
             </a:lvl4pPr>
-            <a:lvl5pPr indent="0" lvl="4" marL="1828800" marR="0" rtl="0" algn="l">
+            <a:lvl5pPr marL="1828800" marR="0" lvl="4" indent="0" algn="l" rtl="0">
               <a:spcBef>
                 <a:spcPts val="400"/>
               </a:spcBef>
@@ -4693,7 +4768,7 @@
               <a:buSzPts val="1400"/>
               <a:buFont typeface="Arial"/>
               <a:buNone/>
-              <a:defRPr b="0" i="0" sz="2000" u="none" cap="none" strike="noStrike">
+              <a:defRPr sz="2000" b="0" i="0" u="none" strike="noStrike" cap="none">
                 <a:solidFill>
                   <a:schemeClr val="dk1"/>
                 </a:solidFill>
@@ -4703,7 +4778,7 @@
                 <a:sym typeface="Arial"/>
               </a:defRPr>
             </a:lvl5pPr>
-            <a:lvl6pPr indent="0" lvl="5" marL="2286000" marR="0" rtl="0" algn="l">
+            <a:lvl6pPr marL="2286000" marR="0" lvl="5" indent="0" algn="l" rtl="0">
               <a:spcBef>
                 <a:spcPts val="400"/>
               </a:spcBef>
@@ -4716,7 +4791,7 @@
               <a:buSzPts val="1400"/>
               <a:buFont typeface="Arial"/>
               <a:buNone/>
-              <a:defRPr b="0" i="0" sz="2000" u="none" cap="none" strike="noStrike">
+              <a:defRPr sz="2000" b="0" i="0" u="none" strike="noStrike" cap="none">
                 <a:solidFill>
                   <a:schemeClr val="dk1"/>
                 </a:solidFill>
@@ -4726,7 +4801,7 @@
                 <a:sym typeface="Arial"/>
               </a:defRPr>
             </a:lvl6pPr>
-            <a:lvl7pPr indent="0" lvl="6" marL="2743200" marR="0" rtl="0" algn="l">
+            <a:lvl7pPr marL="2743200" marR="0" lvl="6" indent="0" algn="l" rtl="0">
               <a:spcBef>
                 <a:spcPts val="400"/>
               </a:spcBef>
@@ -4739,7 +4814,7 @@
               <a:buSzPts val="1400"/>
               <a:buFont typeface="Arial"/>
               <a:buNone/>
-              <a:defRPr b="0" i="0" sz="2000" u="none" cap="none" strike="noStrike">
+              <a:defRPr sz="2000" b="0" i="0" u="none" strike="noStrike" cap="none">
                 <a:solidFill>
                   <a:schemeClr val="dk1"/>
                 </a:solidFill>
@@ -4749,7 +4824,7 @@
                 <a:sym typeface="Arial"/>
               </a:defRPr>
             </a:lvl7pPr>
-            <a:lvl8pPr indent="0" lvl="7" marL="3200400" marR="0" rtl="0" algn="l">
+            <a:lvl8pPr marL="3200400" marR="0" lvl="7" indent="0" algn="l" rtl="0">
               <a:spcBef>
                 <a:spcPts val="400"/>
               </a:spcBef>
@@ -4762,7 +4837,7 @@
               <a:buSzPts val="1400"/>
               <a:buFont typeface="Arial"/>
               <a:buNone/>
-              <a:defRPr b="0" i="0" sz="2000" u="none" cap="none" strike="noStrike">
+              <a:defRPr sz="2000" b="0" i="0" u="none" strike="noStrike" cap="none">
                 <a:solidFill>
                   <a:schemeClr val="dk1"/>
                 </a:solidFill>
@@ -4772,7 +4847,7 @@
                 <a:sym typeface="Arial"/>
               </a:defRPr>
             </a:lvl8pPr>
-            <a:lvl9pPr indent="0" lvl="8" marL="3657600" marR="0" rtl="0" algn="l">
+            <a:lvl9pPr marL="3657600" marR="0" lvl="8" indent="0" algn="l" rtl="0">
               <a:spcBef>
                 <a:spcPts val="400"/>
               </a:spcBef>
@@ -4785,7 +4860,7 @@
               <a:buSzPts val="1400"/>
               <a:buFont typeface="Arial"/>
               <a:buNone/>
-              <a:defRPr b="0" i="0" sz="2000" u="none" cap="none" strike="noStrike">
+              <a:defRPr sz="2000" b="0" i="0" u="none" strike="noStrike" cap="none">
                 <a:solidFill>
                   <a:schemeClr val="dk1"/>
                 </a:solidFill>
@@ -4796,7 +4871,9 @@
               </a:defRPr>
             </a:lvl9pPr>
           </a:lstStyle>
-          <a:p/>
+          <a:p>
+            <a:endParaRPr/>
+          </a:p>
         </p:txBody>
       </p:sp>
     </p:spTree>
@@ -4808,18 +4885,19 @@
 </file>
 
 <file path=ppt/slideLayouts/slideLayout15.xml><?xml version="1.0" encoding="utf-8"?>
-<p:sldLayout xmlns:a="http://schemas.openxmlformats.org/drawingml/2006/main" xmlns:r="http://schemas.openxmlformats.org/officeDocument/2006/relationships" xmlns:mc="http://schemas.openxmlformats.org/markup-compatibility/2006" xmlns:mv="urn:schemas-microsoft-com:mac:vml" xmlns:p="http://schemas.openxmlformats.org/presentationml/2006/main" xmlns:c="http://schemas.openxmlformats.org/drawingml/2006/chart" xmlns:dgm="http://schemas.openxmlformats.org/drawingml/2006/diagram" xmlns:o="urn:schemas-microsoft-com:office:office" xmlns:v="urn:schemas-microsoft-com:vml" xmlns:pvml="urn:schemas-microsoft-com:office:powerpoint" xmlns:com="http://schemas.openxmlformats.org/drawingml/2006/compatibility" xmlns:p14="http://schemas.microsoft.com/office/powerpoint/2010/main" xmlns:p15="http://schemas.microsoft.com/office/powerpoint/2012/main" matchingName="6_Basic Layout">
+<p:sldLayout xmlns:a="http://schemas.openxmlformats.org/drawingml/2006/main" xmlns:r="http://schemas.openxmlformats.org/officeDocument/2006/relationships" xmlns:p="http://schemas.openxmlformats.org/presentationml/2006/main" matchingName="6_Basic Layout">
   <p:cSld name="6_Basic Layout">
     <p:bg>
       <p:bgPr>
         <a:solidFill>
           <a:schemeClr val="lt1"/>
         </a:solidFill>
+        <a:effectLst/>
       </p:bgPr>
     </p:bg>
     <p:spTree>
       <p:nvGrpSpPr>
-        <p:cNvPr id="83" name="Shape 83"/>
+        <p:cNvPr id="1" name="Shape 83"/>
         <p:cNvGrpSpPr/>
         <p:nvPr/>
       </p:nvGrpSpPr>
@@ -4853,12 +4931,12 @@
           </a:ln>
         </p:spPr>
         <p:txBody>
-          <a:bodyPr anchorCtr="0" anchor="ctr" bIns="45700" lIns="91425" spcFirstLastPara="1" rIns="91425" wrap="square" tIns="45700">
+          <a:bodyPr spcFirstLastPara="1" wrap="square" lIns="91425" tIns="45700" rIns="91425" bIns="45700" anchor="ctr" anchorCtr="0">
             <a:noAutofit/>
           </a:bodyPr>
           <a:lstStyle/>
           <a:p>
-            <a:pPr indent="0" lvl="0" marL="0" marR="0" rtl="0" algn="ctr">
+            <a:pPr marL="0" marR="0" lvl="0" indent="0" algn="ctr" rtl="0">
               <a:spcBef>
                 <a:spcPts val="0"/>
               </a:spcBef>
@@ -4867,9 +4945,6 @@
               </a:spcAft>
               <a:buNone/>
             </a:pPr>
-            <a:r>
-              <a:t/>
-            </a:r>
             <a:endParaRPr sz="1800">
               <a:solidFill>
                 <a:schemeClr val="lt1"/>
@@ -4885,9 +4960,11 @@
       <p:sp>
         <p:nvSpPr>
           <p:cNvPr id="85" name="Google Shape;85;p16"/>
-          <p:cNvSpPr/>
+          <p:cNvSpPr>
+            <a:spLocks noGrp="1"/>
+          </p:cNvSpPr>
           <p:nvPr>
-            <p:ph idx="2" type="pic"/>
+            <p:ph type="pic" idx="2"/>
           </p:nvPr>
         </p:nvSpPr>
         <p:spPr>
@@ -4906,9 +4983,9 @@
           </a:ln>
         </p:spPr>
         <p:txBody>
-          <a:bodyPr anchorCtr="0" anchor="ctr" bIns="91425" lIns="91425" spcFirstLastPara="1" rIns="91425" wrap="square" tIns="91425"/>
+          <a:bodyPr spcFirstLastPara="1" wrap="square" lIns="91425" tIns="91425" rIns="91425" bIns="91425" anchor="ctr" anchorCtr="0"/>
           <a:lstStyle>
-            <a:lvl1pPr indent="0" lvl="0" marL="0" marR="0" rtl="0" algn="ctr">
+            <a:lvl1pPr marL="0" marR="0" lvl="0" indent="0" algn="ctr" rtl="0">
               <a:spcBef>
                 <a:spcPts val="240"/>
               </a:spcBef>
@@ -4921,7 +4998,7 @@
               <a:buSzPts val="1400"/>
               <a:buFont typeface="Arial"/>
               <a:buNone/>
-              <a:defRPr b="0" i="0" sz="1200" u="none" cap="none" strike="noStrike">
+              <a:defRPr sz="1200" b="0" i="0" u="none" strike="noStrike" cap="none">
                 <a:solidFill>
                   <a:schemeClr val="dk1"/>
                 </a:solidFill>
@@ -4931,7 +5008,7 @@
                 <a:sym typeface="Arial"/>
               </a:defRPr>
             </a:lvl1pPr>
-            <a:lvl2pPr indent="0" lvl="1" marL="457200" marR="0" rtl="0" algn="l">
+            <a:lvl2pPr marL="457200" marR="0" lvl="1" indent="0" algn="l" rtl="0">
               <a:spcBef>
                 <a:spcPts val="560"/>
               </a:spcBef>
@@ -4944,7 +5021,7 @@
               <a:buSzPts val="1400"/>
               <a:buFont typeface="Arial"/>
               <a:buNone/>
-              <a:defRPr b="0" i="0" sz="2800" u="none" cap="none" strike="noStrike">
+              <a:defRPr sz="2800" b="0" i="0" u="none" strike="noStrike" cap="none">
                 <a:solidFill>
                   <a:schemeClr val="dk1"/>
                 </a:solidFill>
@@ -4954,7 +5031,7 @@
                 <a:sym typeface="Arial"/>
               </a:defRPr>
             </a:lvl2pPr>
-            <a:lvl3pPr indent="0" lvl="2" marL="914400" marR="0" rtl="0" algn="l">
+            <a:lvl3pPr marL="914400" marR="0" lvl="2" indent="0" algn="l" rtl="0">
               <a:spcBef>
                 <a:spcPts val="480"/>
               </a:spcBef>
@@ -4967,7 +5044,7 @@
               <a:buSzPts val="1400"/>
               <a:buFont typeface="Arial"/>
               <a:buNone/>
-              <a:defRPr b="0" i="0" sz="2400" u="none" cap="none" strike="noStrike">
+              <a:defRPr sz="2400" b="0" i="0" u="none" strike="noStrike" cap="none">
                 <a:solidFill>
                   <a:schemeClr val="dk1"/>
                 </a:solidFill>
@@ -4977,7 +5054,7 @@
                 <a:sym typeface="Arial"/>
               </a:defRPr>
             </a:lvl3pPr>
-            <a:lvl4pPr indent="0" lvl="3" marL="1371600" marR="0" rtl="0" algn="l">
+            <a:lvl4pPr marL="1371600" marR="0" lvl="3" indent="0" algn="l" rtl="0">
               <a:spcBef>
                 <a:spcPts val="400"/>
               </a:spcBef>
@@ -4990,7 +5067,7 @@
               <a:buSzPts val="1400"/>
               <a:buFont typeface="Arial"/>
               <a:buNone/>
-              <a:defRPr b="0" i="0" sz="2000" u="none" cap="none" strike="noStrike">
+              <a:defRPr sz="2000" b="0" i="0" u="none" strike="noStrike" cap="none">
                 <a:solidFill>
                   <a:schemeClr val="dk1"/>
                 </a:solidFill>
@@ -5000,7 +5077,7 @@
                 <a:sym typeface="Arial"/>
               </a:defRPr>
             </a:lvl4pPr>
-            <a:lvl5pPr indent="0" lvl="4" marL="1828800" marR="0" rtl="0" algn="l">
+            <a:lvl5pPr marL="1828800" marR="0" lvl="4" indent="0" algn="l" rtl="0">
               <a:spcBef>
                 <a:spcPts val="400"/>
               </a:spcBef>
@@ -5013,7 +5090,7 @@
               <a:buSzPts val="1400"/>
               <a:buFont typeface="Arial"/>
               <a:buNone/>
-              <a:defRPr b="0" i="0" sz="2000" u="none" cap="none" strike="noStrike">
+              <a:defRPr sz="2000" b="0" i="0" u="none" strike="noStrike" cap="none">
                 <a:solidFill>
                   <a:schemeClr val="dk1"/>
                 </a:solidFill>
@@ -5023,7 +5100,7 @@
                 <a:sym typeface="Arial"/>
               </a:defRPr>
             </a:lvl5pPr>
-            <a:lvl6pPr indent="0" lvl="5" marL="2286000" marR="0" rtl="0" algn="l">
+            <a:lvl6pPr marL="2286000" marR="0" lvl="5" indent="0" algn="l" rtl="0">
               <a:spcBef>
                 <a:spcPts val="400"/>
               </a:spcBef>
@@ -5036,7 +5113,7 @@
               <a:buSzPts val="1400"/>
               <a:buFont typeface="Arial"/>
               <a:buNone/>
-              <a:defRPr b="0" i="0" sz="2000" u="none" cap="none" strike="noStrike">
+              <a:defRPr sz="2000" b="0" i="0" u="none" strike="noStrike" cap="none">
                 <a:solidFill>
                   <a:schemeClr val="dk1"/>
                 </a:solidFill>
@@ -5046,7 +5123,7 @@
                 <a:sym typeface="Arial"/>
               </a:defRPr>
             </a:lvl6pPr>
-            <a:lvl7pPr indent="0" lvl="6" marL="2743200" marR="0" rtl="0" algn="l">
+            <a:lvl7pPr marL="2743200" marR="0" lvl="6" indent="0" algn="l" rtl="0">
               <a:spcBef>
                 <a:spcPts val="400"/>
               </a:spcBef>
@@ -5059,7 +5136,7 @@
               <a:buSzPts val="1400"/>
               <a:buFont typeface="Arial"/>
               <a:buNone/>
-              <a:defRPr b="0" i="0" sz="2000" u="none" cap="none" strike="noStrike">
+              <a:defRPr sz="2000" b="0" i="0" u="none" strike="noStrike" cap="none">
                 <a:solidFill>
                   <a:schemeClr val="dk1"/>
                 </a:solidFill>
@@ -5069,7 +5146,7 @@
                 <a:sym typeface="Arial"/>
               </a:defRPr>
             </a:lvl7pPr>
-            <a:lvl8pPr indent="0" lvl="7" marL="3200400" marR="0" rtl="0" algn="l">
+            <a:lvl8pPr marL="3200400" marR="0" lvl="7" indent="0" algn="l" rtl="0">
               <a:spcBef>
                 <a:spcPts val="400"/>
               </a:spcBef>
@@ -5082,7 +5159,7 @@
               <a:buSzPts val="1400"/>
               <a:buFont typeface="Arial"/>
               <a:buNone/>
-              <a:defRPr b="0" i="0" sz="2000" u="none" cap="none" strike="noStrike">
+              <a:defRPr sz="2000" b="0" i="0" u="none" strike="noStrike" cap="none">
                 <a:solidFill>
                   <a:schemeClr val="dk1"/>
                 </a:solidFill>
@@ -5092,7 +5169,7 @@
                 <a:sym typeface="Arial"/>
               </a:defRPr>
             </a:lvl8pPr>
-            <a:lvl9pPr indent="0" lvl="8" marL="3657600" marR="0" rtl="0" algn="l">
+            <a:lvl9pPr marL="3657600" marR="0" lvl="8" indent="0" algn="l" rtl="0">
               <a:spcBef>
                 <a:spcPts val="400"/>
               </a:spcBef>
@@ -5105,7 +5182,7 @@
               <a:buSzPts val="1400"/>
               <a:buFont typeface="Arial"/>
               <a:buNone/>
-              <a:defRPr b="0" i="0" sz="2000" u="none" cap="none" strike="noStrike">
+              <a:defRPr sz="2000" b="0" i="0" u="none" strike="noStrike" cap="none">
                 <a:solidFill>
                   <a:schemeClr val="dk1"/>
                 </a:solidFill>
@@ -5116,7 +5193,9 @@
               </a:defRPr>
             </a:lvl9pPr>
           </a:lstStyle>
-          <a:p/>
+          <a:p>
+            <a:endParaRPr/>
+          </a:p>
         </p:txBody>
       </p:sp>
     </p:spTree>
@@ -5128,18 +5207,19 @@
 </file>
 
 <file path=ppt/slideLayouts/slideLayout16.xml><?xml version="1.0" encoding="utf-8"?>
-<p:sldLayout xmlns:a="http://schemas.openxmlformats.org/drawingml/2006/main" xmlns:r="http://schemas.openxmlformats.org/officeDocument/2006/relationships" xmlns:mc="http://schemas.openxmlformats.org/markup-compatibility/2006" xmlns:mv="urn:schemas-microsoft-com:mac:vml" xmlns:p="http://schemas.openxmlformats.org/presentationml/2006/main" xmlns:c="http://schemas.openxmlformats.org/drawingml/2006/chart" xmlns:dgm="http://schemas.openxmlformats.org/drawingml/2006/diagram" xmlns:o="urn:schemas-microsoft-com:office:office" xmlns:v="urn:schemas-microsoft-com:vml" xmlns:pvml="urn:schemas-microsoft-com:office:powerpoint" xmlns:com="http://schemas.openxmlformats.org/drawingml/2006/compatibility" xmlns:p14="http://schemas.microsoft.com/office/powerpoint/2010/main" xmlns:p15="http://schemas.microsoft.com/office/powerpoint/2012/main" matchingName="12_Basic Layout">
+<p:sldLayout xmlns:a="http://schemas.openxmlformats.org/drawingml/2006/main" xmlns:r="http://schemas.openxmlformats.org/officeDocument/2006/relationships" xmlns:p="http://schemas.openxmlformats.org/presentationml/2006/main" matchingName="12_Basic Layout">
   <p:cSld name="12_Basic Layout">
     <p:bg>
       <p:bgPr>
         <a:solidFill>
           <a:schemeClr val="lt1"/>
         </a:solidFill>
+        <a:effectLst/>
       </p:bgPr>
     </p:bg>
     <p:spTree>
       <p:nvGrpSpPr>
-        <p:cNvPr id="86" name="Shape 86"/>
+        <p:cNvPr id="1" name="Shape 86"/>
         <p:cNvGrpSpPr/>
         <p:nvPr/>
       </p:nvGrpSpPr>
@@ -5173,12 +5253,12 @@
           </a:ln>
         </p:spPr>
         <p:txBody>
-          <a:bodyPr anchorCtr="0" anchor="ctr" bIns="45700" lIns="91425" spcFirstLastPara="1" rIns="91425" wrap="square" tIns="45700">
+          <a:bodyPr spcFirstLastPara="1" wrap="square" lIns="91425" tIns="45700" rIns="91425" bIns="45700" anchor="ctr" anchorCtr="0">
             <a:noAutofit/>
           </a:bodyPr>
           <a:lstStyle/>
           <a:p>
-            <a:pPr indent="0" lvl="0" marL="0" marR="0" rtl="0" algn="ctr">
+            <a:pPr marL="0" marR="0" lvl="0" indent="0" algn="ctr" rtl="0">
               <a:spcBef>
                 <a:spcPts val="0"/>
               </a:spcBef>
@@ -5187,9 +5267,6 @@
               </a:spcAft>
               <a:buNone/>
             </a:pPr>
-            <a:r>
-              <a:t/>
-            </a:r>
             <a:endParaRPr sz="1800">
               <a:solidFill>
                 <a:schemeClr val="lt1"/>
@@ -5211,18 +5288,19 @@
 </file>
 
 <file path=ppt/slideLayouts/slideLayout17.xml><?xml version="1.0" encoding="utf-8"?>
-<p:sldLayout xmlns:a="http://schemas.openxmlformats.org/drawingml/2006/main" xmlns:r="http://schemas.openxmlformats.org/officeDocument/2006/relationships" xmlns:mc="http://schemas.openxmlformats.org/markup-compatibility/2006" xmlns:mv="urn:schemas-microsoft-com:mac:vml" xmlns:p="http://schemas.openxmlformats.org/presentationml/2006/main" xmlns:c="http://schemas.openxmlformats.org/drawingml/2006/chart" xmlns:dgm="http://schemas.openxmlformats.org/drawingml/2006/diagram" xmlns:o="urn:schemas-microsoft-com:office:office" xmlns:v="urn:schemas-microsoft-com:vml" xmlns:pvml="urn:schemas-microsoft-com:office:powerpoint" xmlns:com="http://schemas.openxmlformats.org/drawingml/2006/compatibility" xmlns:p14="http://schemas.microsoft.com/office/powerpoint/2010/main" xmlns:p15="http://schemas.microsoft.com/office/powerpoint/2012/main" matchingName="3_Basic Layout">
+<p:sldLayout xmlns:a="http://schemas.openxmlformats.org/drawingml/2006/main" xmlns:r="http://schemas.openxmlformats.org/officeDocument/2006/relationships" xmlns:p="http://schemas.openxmlformats.org/presentationml/2006/main" matchingName="3_Basic Layout">
   <p:cSld name="3_Basic Layout">
     <p:bg>
       <p:bgPr>
         <a:solidFill>
           <a:schemeClr val="lt1"/>
         </a:solidFill>
+        <a:effectLst/>
       </p:bgPr>
     </p:bg>
     <p:spTree>
       <p:nvGrpSpPr>
-        <p:cNvPr id="88" name="Shape 88"/>
+        <p:cNvPr id="1" name="Shape 88"/>
         <p:cNvGrpSpPr/>
         <p:nvPr/>
       </p:nvGrpSpPr>
@@ -5256,12 +5334,12 @@
           </a:ln>
         </p:spPr>
         <p:txBody>
-          <a:bodyPr anchorCtr="0" anchor="ctr" bIns="45700" lIns="91425" spcFirstLastPara="1" rIns="91425" wrap="square" tIns="45700">
+          <a:bodyPr spcFirstLastPara="1" wrap="square" lIns="91425" tIns="45700" rIns="91425" bIns="45700" anchor="ctr" anchorCtr="0">
             <a:noAutofit/>
           </a:bodyPr>
           <a:lstStyle/>
           <a:p>
-            <a:pPr indent="0" lvl="0" marL="0" marR="0" rtl="0" algn="ctr">
+            <a:pPr marL="0" marR="0" lvl="0" indent="0" algn="ctr" rtl="0">
               <a:spcBef>
                 <a:spcPts val="0"/>
               </a:spcBef>
@@ -5270,9 +5348,6 @@
               </a:spcAft>
               <a:buNone/>
             </a:pPr>
-            <a:r>
-              <a:t/>
-            </a:r>
             <a:endParaRPr sz="1800">
               <a:solidFill>
                 <a:schemeClr val="lt1"/>
@@ -5295,7 +5370,7 @@
           <a:blip r:embed="rId2">
             <a:alphaModFix/>
           </a:blip>
-          <a:srcRect b="0" l="0" r="0" t="0"/>
+          <a:srcRect/>
           <a:stretch/>
         </p:blipFill>
         <p:spPr>
@@ -5321,11 +5396,11 @@
 </file>
 
 <file path=ppt/slideLayouts/slideLayout18.xml><?xml version="1.0" encoding="utf-8"?>
-<p:sldLayout xmlns:a="http://schemas.openxmlformats.org/drawingml/2006/main" xmlns:r="http://schemas.openxmlformats.org/officeDocument/2006/relationships" xmlns:mc="http://schemas.openxmlformats.org/markup-compatibility/2006" xmlns:mv="urn:schemas-microsoft-com:mac:vml" xmlns:p="http://schemas.openxmlformats.org/presentationml/2006/main" xmlns:c="http://schemas.openxmlformats.org/drawingml/2006/chart" xmlns:dgm="http://schemas.openxmlformats.org/drawingml/2006/diagram" xmlns:o="urn:schemas-microsoft-com:office:office" xmlns:v="urn:schemas-microsoft-com:vml" xmlns:pvml="urn:schemas-microsoft-com:office:powerpoint" xmlns:com="http://schemas.openxmlformats.org/drawingml/2006/compatibility" xmlns:p14="http://schemas.microsoft.com/office/powerpoint/2010/main" xmlns:p15="http://schemas.microsoft.com/office/powerpoint/2012/main" matchingName="End Slide Layout">
+<p:sldLayout xmlns:a="http://schemas.openxmlformats.org/drawingml/2006/main" xmlns:r="http://schemas.openxmlformats.org/officeDocument/2006/relationships" xmlns:p="http://schemas.openxmlformats.org/presentationml/2006/main" matchingName="End Slide Layout">
   <p:cSld name="End Slide Layout">
     <p:spTree>
       <p:nvGrpSpPr>
-        <p:cNvPr id="91" name="Shape 91"/>
+        <p:cNvPr id="1" name="Shape 91"/>
         <p:cNvGrpSpPr/>
         <p:nvPr/>
       </p:nvGrpSpPr>
@@ -5359,12 +5434,12 @@
           </a:ln>
         </p:spPr>
         <p:txBody>
-          <a:bodyPr anchorCtr="0" anchor="ctr" bIns="45700" lIns="91425" spcFirstLastPara="1" rIns="91425" wrap="square" tIns="45700">
+          <a:bodyPr spcFirstLastPara="1" wrap="square" lIns="91425" tIns="45700" rIns="91425" bIns="45700" anchor="ctr" anchorCtr="0">
             <a:noAutofit/>
           </a:bodyPr>
           <a:lstStyle/>
           <a:p>
-            <a:pPr indent="0" lvl="0" marL="0" marR="0" rtl="0" algn="ctr">
+            <a:pPr marL="0" marR="0" lvl="0" indent="0" algn="ctr" rtl="0">
               <a:spcBef>
                 <a:spcPts val="0"/>
               </a:spcBef>
@@ -5373,9 +5448,6 @@
               </a:spcAft>
               <a:buNone/>
             </a:pPr>
-            <a:r>
-              <a:t/>
-            </a:r>
             <a:endParaRPr sz="1800">
               <a:solidFill>
                 <a:schemeClr val="lt1"/>
@@ -5404,7 +5476,7 @@
         </p:grpSpPr>
         <p:pic>
           <p:nvPicPr>
-            <p:cNvPr descr="E:\002-KIMS BUSINESS\007-02-Fullslidesppt-Contents\20161206\Real-estate-key.png" id="94" name="Google Shape;94;p19"/>
+            <p:cNvPr id="94" name="Google Shape;94;p19" descr="E:\002-KIMS BUSINESS\007-02-Fullslidesppt-Contents\20161206\Real-estate-key.png"/>
             <p:cNvPicPr preferRelativeResize="0"/>
             <p:nvPr/>
           </p:nvPicPr>
@@ -5412,7 +5484,7 @@
             <a:blip r:embed="rId2">
               <a:alphaModFix/>
             </a:blip>
-            <a:srcRect b="0" l="0" r="0" t="0"/>
+            <a:srcRect/>
             <a:stretch/>
           </p:blipFill>
           <p:spPr>
@@ -5453,12 +5525,12 @@
             </a:ln>
           </p:spPr>
           <p:txBody>
-            <a:bodyPr anchorCtr="0" anchor="ctr" bIns="45700" lIns="91425" spcFirstLastPara="1" rIns="91425" wrap="square" tIns="45700">
+            <a:bodyPr spcFirstLastPara="1" wrap="square" lIns="91425" tIns="45700" rIns="91425" bIns="45700" anchor="ctr" anchorCtr="0">
               <a:noAutofit/>
             </a:bodyPr>
             <a:lstStyle/>
             <a:p>
-              <a:pPr indent="0" lvl="0" marL="0" marR="0" rtl="0" algn="ctr">
+              <a:pPr marL="0" marR="0" lvl="0" indent="0" algn="ctr" rtl="0">
                 <a:spcBef>
                   <a:spcPts val="0"/>
                 </a:spcBef>
@@ -5467,9 +5539,6 @@
                 </a:spcAft>
                 <a:buNone/>
               </a:pPr>
-              <a:r>
-                <a:t/>
-              </a:r>
               <a:endParaRPr sz="1800">
                 <a:solidFill>
                   <a:schemeClr val="lt1"/>
@@ -5492,11 +5561,11 @@
 </file>
 
 <file path=ppt/slideLayouts/slideLayout19.xml><?xml version="1.0" encoding="utf-8"?>
-<p:sldLayout xmlns:a="http://schemas.openxmlformats.org/drawingml/2006/main" xmlns:r="http://schemas.openxmlformats.org/officeDocument/2006/relationships" xmlns:mc="http://schemas.openxmlformats.org/markup-compatibility/2006" xmlns:mv="urn:schemas-microsoft-com:mac:vml" xmlns:p="http://schemas.openxmlformats.org/presentationml/2006/main" xmlns:c="http://schemas.openxmlformats.org/drawingml/2006/chart" xmlns:dgm="http://schemas.openxmlformats.org/drawingml/2006/diagram" xmlns:o="urn:schemas-microsoft-com:office:office" xmlns:v="urn:schemas-microsoft-com:vml" xmlns:pvml="urn:schemas-microsoft-com:office:powerpoint" xmlns:com="http://schemas.openxmlformats.org/drawingml/2006/compatibility" xmlns:p14="http://schemas.microsoft.com/office/powerpoint/2010/main" xmlns:p15="http://schemas.microsoft.com/office/powerpoint/2012/main" matchingName="icon sets Layout">
+<p:sldLayout xmlns:a="http://schemas.openxmlformats.org/drawingml/2006/main" xmlns:r="http://schemas.openxmlformats.org/officeDocument/2006/relationships" xmlns:p="http://schemas.openxmlformats.org/presentationml/2006/main" matchingName="icon sets Layout">
   <p:cSld name="icon sets Layout">
     <p:spTree>
       <p:nvGrpSpPr>
-        <p:cNvPr id="96" name="Shape 96"/>
+        <p:cNvPr id="1" name="Shape 96"/>
         <p:cNvGrpSpPr/>
         <p:nvPr/>
       </p:nvGrpSpPr>
@@ -5521,7 +5590,7 @@
           </a:xfrm>
           <a:prstGeom prst="roundRect">
             <a:avLst>
-              <a:gd fmla="val 3968" name="adj"/>
+              <a:gd name="adj" fmla="val 3968"/>
             </a:avLst>
           </a:prstGeom>
           <a:solidFill>
@@ -5532,12 +5601,12 @@
           </a:ln>
         </p:spPr>
         <p:txBody>
-          <a:bodyPr anchorCtr="0" anchor="ctr" bIns="45700" lIns="91425" spcFirstLastPara="1" rIns="91425" wrap="square" tIns="45700">
+          <a:bodyPr spcFirstLastPara="1" wrap="square" lIns="91425" tIns="45700" rIns="91425" bIns="45700" anchor="ctr" anchorCtr="0">
             <a:noAutofit/>
           </a:bodyPr>
           <a:lstStyle/>
           <a:p>
-            <a:pPr indent="0" lvl="0" marL="0" marR="0" rtl="0" algn="ctr">
+            <a:pPr marL="0" marR="0" lvl="0" indent="0" algn="ctr" rtl="0">
               <a:spcBef>
                 <a:spcPts val="0"/>
               </a:spcBef>
@@ -5546,9 +5615,6 @@
               </a:spcAft>
               <a:buNone/>
             </a:pPr>
-            <a:r>
-              <a:t/>
-            </a:r>
             <a:endParaRPr sz="1800">
               <a:solidFill>
                 <a:schemeClr val="lt1"/>
@@ -5581,12 +5647,12 @@
           </a:ln>
         </p:spPr>
         <p:txBody>
-          <a:bodyPr anchorCtr="0" anchor="t" bIns="45700" lIns="91425" spcFirstLastPara="1" rIns="91425" wrap="square" tIns="45700">
+          <a:bodyPr spcFirstLastPara="1" wrap="square" lIns="91425" tIns="45700" rIns="91425" bIns="45700" anchor="t" anchorCtr="0">
             <a:noAutofit/>
           </a:bodyPr>
           <a:lstStyle/>
           <a:p>
-            <a:pPr indent="0" lvl="0" marL="0" marR="0" rtl="0" algn="l">
+            <a:pPr marL="0" marR="0" lvl="0" indent="0" algn="l" rtl="0">
               <a:spcBef>
                 <a:spcPts val="0"/>
               </a:spcBef>
@@ -5596,7 +5662,7 @@
               <a:buNone/>
             </a:pPr>
             <a:r>
-              <a:rPr b="1" lang="en" sz="1200">
+              <a:rPr lang="en" sz="1200" b="1">
                 <a:solidFill>
                   <a:schemeClr val="lt1"/>
                 </a:solidFill>
@@ -5607,7 +5673,7 @@
               </a:rPr>
               <a:t>You can Resize without losing quality</a:t>
             </a:r>
-            <a:endParaRPr b="1" sz="1200">
+            <a:endParaRPr sz="1200" b="1">
               <a:solidFill>
                 <a:schemeClr val="lt1"/>
               </a:solidFill>
@@ -5639,12 +5705,12 @@
           </a:ln>
         </p:spPr>
         <p:txBody>
-          <a:bodyPr anchorCtr="0" anchor="t" bIns="45700" lIns="91425" spcFirstLastPara="1" rIns="91425" wrap="square" tIns="45700">
+          <a:bodyPr spcFirstLastPara="1" wrap="square" lIns="91425" tIns="45700" rIns="91425" bIns="45700" anchor="t" anchorCtr="0">
             <a:noAutofit/>
           </a:bodyPr>
           <a:lstStyle/>
           <a:p>
-            <a:pPr indent="0" lvl="0" marL="0" marR="0" rtl="0" algn="l">
+            <a:pPr marL="0" marR="0" lvl="0" indent="0" algn="l" rtl="0">
               <a:spcBef>
                 <a:spcPts val="0"/>
               </a:spcBef>
@@ -5654,7 +5720,7 @@
               <a:buNone/>
             </a:pPr>
             <a:r>
-              <a:rPr b="1" lang="en" sz="1200">
+              <a:rPr lang="en" sz="1200" b="1">
                 <a:solidFill>
                   <a:schemeClr val="lt1"/>
                 </a:solidFill>
@@ -5668,7 +5734,7 @@
             <a:endParaRPr/>
           </a:p>
           <a:p>
-            <a:pPr indent="0" lvl="0" marL="0" marR="0" rtl="0" algn="l">
+            <a:pPr marL="0" marR="0" lvl="0" indent="0" algn="l" rtl="0">
               <a:spcBef>
                 <a:spcPts val="0"/>
               </a:spcBef>
@@ -5678,7 +5744,7 @@
               <a:buNone/>
             </a:pPr>
             <a:r>
-              <a:rPr b="1" lang="en" sz="1200">
+              <a:rPr lang="en" sz="1200" b="1">
                 <a:solidFill>
                   <a:schemeClr val="lt1"/>
                 </a:solidFill>
@@ -5689,7 +5755,7 @@
               </a:rPr>
               <a:t>Line Color</a:t>
             </a:r>
-            <a:endParaRPr b="1" sz="1200">
+            <a:endParaRPr sz="1200" b="1">
               <a:solidFill>
                 <a:schemeClr val="lt1"/>
               </a:solidFill>
@@ -5714,7 +5780,7 @@
           </a:xfrm>
           <a:prstGeom prst="roundRect">
             <a:avLst>
-              <a:gd fmla="val 50000" name="adj"/>
+              <a:gd name="adj" fmla="val 50000"/>
             </a:avLst>
           </a:prstGeom>
           <a:solidFill>
@@ -5727,12 +5793,12 @@
           </a:ln>
         </p:spPr>
         <p:txBody>
-          <a:bodyPr anchorCtr="0" anchor="ctr" bIns="45700" lIns="91425" spcFirstLastPara="1" rIns="91425" wrap="square" tIns="45700">
+          <a:bodyPr spcFirstLastPara="1" wrap="square" lIns="91425" tIns="45700" rIns="91425" bIns="45700" anchor="ctr" anchorCtr="0">
             <a:noAutofit/>
           </a:bodyPr>
           <a:lstStyle/>
           <a:p>
-            <a:pPr indent="0" lvl="0" marL="0" marR="0" rtl="0" algn="ctr">
+            <a:pPr marL="0" marR="0" lvl="0" indent="0" algn="ctr" rtl="0">
               <a:spcBef>
                 <a:spcPts val="0"/>
               </a:spcBef>
@@ -5741,9 +5807,6 @@
               </a:spcAft>
               <a:buNone/>
             </a:pPr>
-            <a:r>
-              <a:t/>
-            </a:r>
             <a:endParaRPr sz="1800">
               <a:solidFill>
                 <a:schemeClr val="lt1"/>
@@ -5769,8 +5832,8 @@
           </a:xfrm>
           <a:prstGeom prst="halfFrame">
             <a:avLst>
-              <a:gd fmla="val 23728" name="adj1"/>
-              <a:gd fmla="val 24642" name="adj2"/>
+              <a:gd name="adj1" fmla="val 23728"/>
+              <a:gd name="adj2" fmla="val 24642"/>
             </a:avLst>
           </a:prstGeom>
           <a:solidFill>
@@ -5783,12 +5846,12 @@
           </a:ln>
         </p:spPr>
         <p:txBody>
-          <a:bodyPr anchorCtr="0" anchor="ctr" bIns="45700" lIns="91425" spcFirstLastPara="1" rIns="91425" wrap="square" tIns="45700">
+          <a:bodyPr spcFirstLastPara="1" wrap="square" lIns="91425" tIns="45700" rIns="91425" bIns="45700" anchor="ctr" anchorCtr="0">
             <a:noAutofit/>
           </a:bodyPr>
           <a:lstStyle/>
           <a:p>
-            <a:pPr indent="0" lvl="0" marL="0" marR="0" rtl="0" algn="ctr">
+            <a:pPr marL="0" marR="0" lvl="0" indent="0" algn="ctr" rtl="0">
               <a:spcBef>
                 <a:spcPts val="0"/>
               </a:spcBef>
@@ -5797,9 +5860,6 @@
               </a:spcAft>
               <a:buNone/>
             </a:pPr>
-            <a:r>
-              <a:t/>
-            </a:r>
             <a:endParaRPr sz="1800">
               <a:solidFill>
                 <a:schemeClr val="dk1"/>
@@ -5846,12 +5906,12 @@
             </a:ln>
           </p:spPr>
           <p:txBody>
-            <a:bodyPr anchorCtr="0" anchor="t" bIns="45700" lIns="91425" spcFirstLastPara="1" rIns="91425" wrap="square" tIns="45700">
+            <a:bodyPr spcFirstLastPara="1" wrap="square" lIns="91425" tIns="45700" rIns="91425" bIns="45700" anchor="t" anchorCtr="0">
               <a:noAutofit/>
             </a:bodyPr>
             <a:lstStyle/>
             <a:p>
-              <a:pPr indent="0" lvl="0" marL="0" marR="0" rtl="0" algn="l">
+              <a:pPr marL="0" marR="0" lvl="0" indent="0" algn="l" rtl="0">
                 <a:spcBef>
                   <a:spcPts val="0"/>
                 </a:spcBef>
@@ -5904,12 +5964,12 @@
             </a:ln>
           </p:spPr>
           <p:txBody>
-            <a:bodyPr anchorCtr="0" anchor="t" bIns="45700" lIns="91425" spcFirstLastPara="1" rIns="91425" wrap="square" tIns="45700">
+            <a:bodyPr spcFirstLastPara="1" wrap="square" lIns="91425" tIns="45700" rIns="91425" bIns="45700" anchor="t" anchorCtr="0">
               <a:noAutofit/>
             </a:bodyPr>
             <a:lstStyle/>
             <a:p>
-              <a:pPr indent="0" lvl="0" marL="0" marR="0" rtl="0" algn="l">
+              <a:pPr marL="0" marR="0" lvl="0" indent="0" algn="l" rtl="0">
                 <a:spcBef>
                   <a:spcPts val="0"/>
                 </a:spcBef>
@@ -5919,7 +5979,7 @@
                 <a:buNone/>
               </a:pPr>
               <a:r>
-                <a:rPr b="1" lang="en" sz="2800">
+                <a:rPr lang="en" sz="2800" b="1">
                   <a:solidFill>
                     <a:schemeClr val="lt1"/>
                   </a:solidFill>
@@ -5933,7 +5993,7 @@
               <a:endParaRPr/>
             </a:p>
             <a:p>
-              <a:pPr indent="0" lvl="0" marL="0" marR="0" rtl="0" algn="l">
+              <a:pPr marL="0" marR="0" lvl="0" indent="0" algn="l" rtl="0">
                 <a:spcBef>
                   <a:spcPts val="0"/>
                 </a:spcBef>
@@ -5943,7 +6003,7 @@
                 <a:buNone/>
               </a:pPr>
               <a:r>
-                <a:rPr b="1" lang="en" sz="2800">
+                <a:rPr lang="en" sz="2800" b="1">
                   <a:solidFill>
                     <a:schemeClr val="lt1"/>
                   </a:solidFill>
@@ -5957,7 +6017,7 @@
               <a:endParaRPr/>
             </a:p>
             <a:p>
-              <a:pPr indent="0" lvl="0" marL="0" marR="0" rtl="0" algn="l">
+              <a:pPr marL="0" marR="0" lvl="0" indent="0" algn="l" rtl="0">
                 <a:spcBef>
                   <a:spcPts val="0"/>
                 </a:spcBef>
@@ -5967,7 +6027,7 @@
                 <a:buNone/>
               </a:pPr>
               <a:r>
-                <a:rPr b="1" lang="en" sz="2800">
+                <a:rPr lang="en" sz="2800" b="1">
                   <a:solidFill>
                     <a:schemeClr val="lt1"/>
                   </a:solidFill>
@@ -5978,7 +6038,7 @@
                 </a:rPr>
                 <a:t>PPT</a:t>
               </a:r>
-              <a:endParaRPr b="1" sz="2800">
+              <a:endParaRPr sz="2800" b="1">
                 <a:solidFill>
                   <a:schemeClr val="lt1"/>
                 </a:solidFill>
@@ -6000,11 +6060,11 @@
 </file>
 
 <file path=ppt/slideLayouts/slideLayout2.xml><?xml version="1.0" encoding="utf-8"?>
-<p:sldLayout xmlns:a="http://schemas.openxmlformats.org/drawingml/2006/main" xmlns:r="http://schemas.openxmlformats.org/officeDocument/2006/relationships" xmlns:mc="http://schemas.openxmlformats.org/markup-compatibility/2006" xmlns:mv="urn:schemas-microsoft-com:mac:vml" xmlns:p="http://schemas.openxmlformats.org/presentationml/2006/main" xmlns:c="http://schemas.openxmlformats.org/drawingml/2006/chart" xmlns:dgm="http://schemas.openxmlformats.org/drawingml/2006/diagram" xmlns:o="urn:schemas-microsoft-com:office:office" xmlns:v="urn:schemas-microsoft-com:vml" xmlns:pvml="urn:schemas-microsoft-com:office:powerpoint" xmlns:com="http://schemas.openxmlformats.org/drawingml/2006/compatibility" xmlns:p14="http://schemas.microsoft.com/office/powerpoint/2010/main" xmlns:p15="http://schemas.microsoft.com/office/powerpoint/2012/main" matchingName="for use Layout">
+<p:sldLayout xmlns:a="http://schemas.openxmlformats.org/drawingml/2006/main" xmlns:r="http://schemas.openxmlformats.org/officeDocument/2006/relationships" xmlns:p="http://schemas.openxmlformats.org/presentationml/2006/main" matchingName="for use Layout">
   <p:cSld name="for use Layout">
     <p:spTree>
       <p:nvGrpSpPr>
-        <p:cNvPr id="12" name="Shape 12"/>
+        <p:cNvPr id="1" name="Shape 12"/>
         <p:cNvGrpSpPr/>
         <p:nvPr/>
       </p:nvGrpSpPr>
@@ -6038,12 +6098,12 @@
           </a:ln>
         </p:spPr>
         <p:txBody>
-          <a:bodyPr anchorCtr="0" anchor="ctr" bIns="45700" lIns="91425" spcFirstLastPara="1" rIns="91425" wrap="square" tIns="45700">
+          <a:bodyPr spcFirstLastPara="1" wrap="square" lIns="91425" tIns="45700" rIns="91425" bIns="45700" anchor="ctr" anchorCtr="0">
             <a:noAutofit/>
           </a:bodyPr>
           <a:lstStyle/>
           <a:p>
-            <a:pPr indent="0" lvl="0" marL="0" marR="0" rtl="0" algn="ctr">
+            <a:pPr marL="0" marR="0" lvl="0" indent="0" algn="ctr" rtl="0">
               <a:spcBef>
                 <a:spcPts val="0"/>
               </a:spcBef>
@@ -6052,10 +6112,7 @@
               </a:spcAft>
               <a:buNone/>
             </a:pPr>
-            <a:r>
-              <a:t/>
-            </a:r>
-            <a:endParaRPr b="0" i="0" sz="1800" u="none" cap="none" strike="noStrike">
+            <a:endParaRPr sz="1800" b="0" i="0" u="none" strike="noStrike" cap="none">
               <a:solidFill>
                 <a:schemeClr val="lt1"/>
               </a:solidFill>
@@ -6089,12 +6146,12 @@
           </a:ln>
         </p:spPr>
         <p:txBody>
-          <a:bodyPr anchorCtr="0" anchor="ctr" bIns="45700" lIns="91425" spcFirstLastPara="1" rIns="91425" wrap="square" tIns="45700">
+          <a:bodyPr spcFirstLastPara="1" wrap="square" lIns="91425" tIns="45700" rIns="91425" bIns="45700" anchor="ctr" anchorCtr="0">
             <a:noAutofit/>
           </a:bodyPr>
           <a:lstStyle/>
           <a:p>
-            <a:pPr indent="0" lvl="0" marL="0" marR="0" rtl="0" algn="ctr">
+            <a:pPr marL="0" marR="0" lvl="0" indent="0" algn="ctr" rtl="0">
               <a:spcBef>
                 <a:spcPts val="0"/>
               </a:spcBef>
@@ -6103,10 +6160,7 @@
               </a:spcAft>
               <a:buNone/>
             </a:pPr>
-            <a:r>
-              <a:t/>
-            </a:r>
-            <a:endParaRPr b="0" i="0" sz="1800" u="none" cap="none" strike="noStrike">
+            <a:endParaRPr sz="1800" b="0" i="0" u="none" strike="noStrike" cap="none">
               <a:solidFill>
                 <a:schemeClr val="lt1"/>
               </a:solidFill>
@@ -6120,7 +6174,7 @@
       </p:sp>
       <p:pic>
         <p:nvPicPr>
-          <p:cNvPr descr="E:\002-KIMS BUSINESS\007-02-Fullslidesppt-Contents\20161206\Real-estate-key.png" id="15" name="Google Shape;15;p3"/>
+          <p:cNvPr id="15" name="Google Shape;15;p3" descr="E:\002-KIMS BUSINESS\007-02-Fullslidesppt-Contents\20161206\Real-estate-key.png"/>
           <p:cNvPicPr preferRelativeResize="0"/>
           <p:nvPr/>
         </p:nvPicPr>
@@ -6128,7 +6182,7 @@
           <a:blip r:embed="rId2">
             <a:alphaModFix/>
           </a:blip>
-          <a:srcRect b="0" l="0" r="0" t="0"/>
+          <a:srcRect/>
           <a:stretch/>
         </p:blipFill>
         <p:spPr>
@@ -6154,11 +6208,11 @@
 </file>
 
 <file path=ppt/slideLayouts/slideLayout20.xml><?xml version="1.0" encoding="utf-8"?>
-<p:sldLayout xmlns:a="http://schemas.openxmlformats.org/drawingml/2006/main" xmlns:r="http://schemas.openxmlformats.org/officeDocument/2006/relationships" xmlns:mc="http://schemas.openxmlformats.org/markup-compatibility/2006" xmlns:mv="urn:schemas-microsoft-com:mac:vml" xmlns:p="http://schemas.openxmlformats.org/presentationml/2006/main" xmlns:c="http://schemas.openxmlformats.org/drawingml/2006/chart" xmlns:dgm="http://schemas.openxmlformats.org/drawingml/2006/diagram" xmlns:o="urn:schemas-microsoft-com:office:office" xmlns:v="urn:schemas-microsoft-com:vml" xmlns:pvml="urn:schemas-microsoft-com:office:powerpoint" xmlns:com="http://schemas.openxmlformats.org/drawingml/2006/compatibility" xmlns:p14="http://schemas.microsoft.com/office/powerpoint/2010/main" xmlns:p15="http://schemas.microsoft.com/office/powerpoint/2012/main" matchingName="color codes Layout">
+<p:sldLayout xmlns:a="http://schemas.openxmlformats.org/drawingml/2006/main" xmlns:r="http://schemas.openxmlformats.org/officeDocument/2006/relationships" xmlns:p="http://schemas.openxmlformats.org/presentationml/2006/main" matchingName="color codes Layout">
   <p:cSld name="color codes Layout">
     <p:spTree>
       <p:nvGrpSpPr>
-        <p:cNvPr id="105" name="Shape 105"/>
+        <p:cNvPr id="1" name="Shape 105"/>
         <p:cNvGrpSpPr/>
         <p:nvPr/>
       </p:nvGrpSpPr>
@@ -6173,7 +6227,9 @@
       <p:sp>
         <p:nvSpPr>
           <p:cNvPr id="106" name="Google Shape;106;p21"/>
-          <p:cNvSpPr txBox="1"/>
+          <p:cNvSpPr txBox="1">
+            <a:spLocks noGrp="1"/>
+          </p:cNvSpPr>
           <p:nvPr>
             <p:ph type="title"/>
           </p:nvPr>
@@ -6192,9 +6248,9 @@
           </a:ln>
         </p:spPr>
         <p:txBody>
-          <a:bodyPr anchorCtr="0" anchor="ctr" bIns="91425" lIns="91425" spcFirstLastPara="1" rIns="91425" wrap="square" tIns="91425"/>
+          <a:bodyPr spcFirstLastPara="1" wrap="square" lIns="91425" tIns="91425" rIns="91425" bIns="91425" anchor="ctr" anchorCtr="0"/>
           <a:lstStyle>
-            <a:lvl1pPr lvl="0" rtl="0" algn="ctr">
+            <a:lvl1pPr lvl="0" algn="ctr" rtl="0">
               <a:spcBef>
                 <a:spcPts val="0"/>
               </a:spcBef>
@@ -6208,7 +6264,7 @@
                 </a:solidFill>
               </a:defRPr>
             </a:lvl1pPr>
-            <a:lvl2pPr lvl="1" rtl="0" algn="ctr">
+            <a:lvl2pPr lvl="1" algn="ctr" rtl="0">
               <a:spcBef>
                 <a:spcPts val="0"/>
               </a:spcBef>
@@ -6222,7 +6278,7 @@
                 </a:solidFill>
               </a:defRPr>
             </a:lvl2pPr>
-            <a:lvl3pPr lvl="2" rtl="0" algn="ctr">
+            <a:lvl3pPr lvl="2" algn="ctr" rtl="0">
               <a:spcBef>
                 <a:spcPts val="0"/>
               </a:spcBef>
@@ -6236,7 +6292,7 @@
                 </a:solidFill>
               </a:defRPr>
             </a:lvl3pPr>
-            <a:lvl4pPr lvl="3" rtl="0" algn="ctr">
+            <a:lvl4pPr lvl="3" algn="ctr" rtl="0">
               <a:spcBef>
                 <a:spcPts val="0"/>
               </a:spcBef>
@@ -6250,7 +6306,7 @@
                 </a:solidFill>
               </a:defRPr>
             </a:lvl4pPr>
-            <a:lvl5pPr lvl="4" rtl="0" algn="ctr">
+            <a:lvl5pPr lvl="4" algn="ctr" rtl="0">
               <a:spcBef>
                 <a:spcPts val="0"/>
               </a:spcBef>
@@ -6264,7 +6320,7 @@
                 </a:solidFill>
               </a:defRPr>
             </a:lvl5pPr>
-            <a:lvl6pPr lvl="5" rtl="0" algn="ctr">
+            <a:lvl6pPr lvl="5" algn="ctr" rtl="0">
               <a:spcBef>
                 <a:spcPts val="0"/>
               </a:spcBef>
@@ -6278,7 +6334,7 @@
                 </a:solidFill>
               </a:defRPr>
             </a:lvl6pPr>
-            <a:lvl7pPr lvl="6" rtl="0" algn="ctr">
+            <a:lvl7pPr lvl="6" algn="ctr" rtl="0">
               <a:spcBef>
                 <a:spcPts val="0"/>
               </a:spcBef>
@@ -6292,7 +6348,7 @@
                 </a:solidFill>
               </a:defRPr>
             </a:lvl7pPr>
-            <a:lvl8pPr lvl="7" rtl="0" algn="ctr">
+            <a:lvl8pPr lvl="7" algn="ctr" rtl="0">
               <a:spcBef>
                 <a:spcPts val="0"/>
               </a:spcBef>
@@ -6306,7 +6362,7 @@
                 </a:solidFill>
               </a:defRPr>
             </a:lvl8pPr>
-            <a:lvl9pPr lvl="8" rtl="0" algn="ctr">
+            <a:lvl9pPr lvl="8" algn="ctr" rtl="0">
               <a:spcBef>
                 <a:spcPts val="0"/>
               </a:spcBef>
@@ -6321,7 +6377,9 @@
               </a:defRPr>
             </a:lvl9pPr>
           </a:lstStyle>
-          <a:p/>
+          <a:p>
+            <a:endParaRPr/>
+          </a:p>
         </p:txBody>
       </p:sp>
     </p:spTree>
@@ -6333,18 +6391,19 @@
 </file>
 
 <file path=ppt/slideLayouts/slideLayout3.xml><?xml version="1.0" encoding="utf-8"?>
-<p:sldLayout xmlns:a="http://schemas.openxmlformats.org/drawingml/2006/main" xmlns:r="http://schemas.openxmlformats.org/officeDocument/2006/relationships" xmlns:mc="http://schemas.openxmlformats.org/markup-compatibility/2006" xmlns:mv="urn:schemas-microsoft-com:mac:vml" xmlns:p="http://schemas.openxmlformats.org/presentationml/2006/main" xmlns:c="http://schemas.openxmlformats.org/drawingml/2006/chart" xmlns:dgm="http://schemas.openxmlformats.org/drawingml/2006/diagram" xmlns:o="urn:schemas-microsoft-com:office:office" xmlns:v="urn:schemas-microsoft-com:vml" xmlns:pvml="urn:schemas-microsoft-com:office:powerpoint" xmlns:com="http://schemas.openxmlformats.org/drawingml/2006/compatibility" xmlns:p14="http://schemas.microsoft.com/office/powerpoint/2010/main" xmlns:p15="http://schemas.microsoft.com/office/powerpoint/2012/main" matchingName="Agenda Layout">
+<p:sldLayout xmlns:a="http://schemas.openxmlformats.org/drawingml/2006/main" xmlns:r="http://schemas.openxmlformats.org/officeDocument/2006/relationships" xmlns:p="http://schemas.openxmlformats.org/presentationml/2006/main" matchingName="Agenda Layout">
   <p:cSld name="Agenda Layout">
     <p:bg>
       <p:bgPr>
         <a:solidFill>
           <a:schemeClr val="lt1"/>
         </a:solidFill>
+        <a:effectLst/>
       </p:bgPr>
     </p:bg>
     <p:spTree>
       <p:nvGrpSpPr>
-        <p:cNvPr id="16" name="Shape 16"/>
+        <p:cNvPr id="1" name="Shape 16"/>
         <p:cNvGrpSpPr/>
         <p:nvPr/>
       </p:nvGrpSpPr>
@@ -6378,12 +6437,12 @@
           </a:ln>
         </p:spPr>
         <p:txBody>
-          <a:bodyPr anchorCtr="0" anchor="ctr" bIns="45700" lIns="91425" spcFirstLastPara="1" rIns="91425" wrap="square" tIns="45700">
+          <a:bodyPr spcFirstLastPara="1" wrap="square" lIns="91425" tIns="45700" rIns="91425" bIns="45700" anchor="ctr" anchorCtr="0">
             <a:noAutofit/>
           </a:bodyPr>
           <a:lstStyle/>
           <a:p>
-            <a:pPr indent="0" lvl="0" marL="0" marR="0" rtl="0" algn="ctr">
+            <a:pPr marL="0" marR="0" lvl="0" indent="0" algn="ctr" rtl="0">
               <a:spcBef>
                 <a:spcPts val="0"/>
               </a:spcBef>
@@ -6392,9 +6451,6 @@
               </a:spcAft>
               <a:buNone/>
             </a:pPr>
-            <a:r>
-              <a:t/>
-            </a:r>
             <a:endParaRPr sz="1800">
               <a:solidFill>
                 <a:schemeClr val="lt1"/>
@@ -6423,7 +6479,7 @@
         </p:grpSpPr>
         <p:pic>
           <p:nvPicPr>
-            <p:cNvPr descr="E:\002-KIMS BUSINESS\007-02-Fullslidesppt-Contents\20161206\Real-estate-key.png" id="19" name="Google Shape;19;p4"/>
+            <p:cNvPr id="19" name="Google Shape;19;p4" descr="E:\002-KIMS BUSINESS\007-02-Fullslidesppt-Contents\20161206\Real-estate-key.png"/>
             <p:cNvPicPr preferRelativeResize="0"/>
             <p:nvPr/>
           </p:nvPicPr>
@@ -6431,7 +6487,7 @@
             <a:blip r:embed="rId2">
               <a:alphaModFix/>
             </a:blip>
-            <a:srcRect b="0" l="0" r="0" t="0"/>
+            <a:srcRect/>
             <a:stretch/>
           </p:blipFill>
           <p:spPr>
@@ -6450,7 +6506,7 @@
         </p:pic>
         <p:pic>
           <p:nvPicPr>
-            <p:cNvPr descr="E:\002-KIMS BUSINESS\007-02-Fullslidesppt-Contents\20161206\Real-estate-key2.png" id="20" name="Google Shape;20;p4"/>
+            <p:cNvPr id="20" name="Google Shape;20;p4" descr="E:\002-KIMS BUSINESS\007-02-Fullslidesppt-Contents\20161206\Real-estate-key2.png"/>
             <p:cNvPicPr preferRelativeResize="0"/>
             <p:nvPr/>
           </p:nvPicPr>
@@ -6458,7 +6514,7 @@
             <a:blip r:embed="rId3">
               <a:alphaModFix/>
             </a:blip>
-            <a:srcRect b="0" l="50825" r="0" t="0"/>
+            <a:srcRect l="50825"/>
             <a:stretch/>
           </p:blipFill>
           <p:spPr>
@@ -6479,7 +6535,9 @@
       <p:sp>
         <p:nvSpPr>
           <p:cNvPr id="21" name="Google Shape;21;p4"/>
-          <p:cNvSpPr txBox="1"/>
+          <p:cNvSpPr txBox="1">
+            <a:spLocks noGrp="1"/>
+          </p:cNvSpPr>
           <p:nvPr>
             <p:ph type="title"/>
           </p:nvPr>
@@ -6498,7 +6556,7 @@
           </a:ln>
         </p:spPr>
         <p:txBody>
-          <a:bodyPr anchorCtr="0" anchor="ctr" bIns="91425" lIns="91425" spcFirstLastPara="1" rIns="91425" wrap="square" tIns="91425"/>
+          <a:bodyPr spcFirstLastPara="1" wrap="square" lIns="91425" tIns="91425" rIns="91425" bIns="91425" anchor="ctr" anchorCtr="0"/>
           <a:lstStyle>
             <a:lvl1pPr lvl="0" rtl="0">
               <a:spcBef>
@@ -6627,15 +6685,19 @@
               </a:defRPr>
             </a:lvl9pPr>
           </a:lstStyle>
-          <a:p/>
+          <a:p>
+            <a:endParaRPr/>
+          </a:p>
         </p:txBody>
       </p:sp>
       <p:sp>
         <p:nvSpPr>
           <p:cNvPr id="22" name="Google Shape;22;p4"/>
-          <p:cNvSpPr txBox="1"/>
+          <p:cNvSpPr txBox="1">
+            <a:spLocks noGrp="1"/>
+          </p:cNvSpPr>
           <p:nvPr>
-            <p:ph idx="1" type="subTitle"/>
+            <p:ph type="subTitle" idx="1"/>
           </p:nvPr>
         </p:nvSpPr>
         <p:spPr>
@@ -6652,7 +6714,7 @@
           </a:ln>
         </p:spPr>
         <p:txBody>
-          <a:bodyPr anchorCtr="0" anchor="ctr" bIns="91425" lIns="91425" spcFirstLastPara="1" rIns="91425" wrap="square" tIns="91425"/>
+          <a:bodyPr spcFirstLastPara="1" wrap="square" lIns="91425" tIns="91425" rIns="91425" bIns="91425" anchor="ctr" anchorCtr="0"/>
           <a:lstStyle>
             <a:lvl1pPr lvl="0" rtl="0">
               <a:spcBef>
@@ -6781,7 +6843,9 @@
               </a:defRPr>
             </a:lvl9pPr>
           </a:lstStyle>
-          <a:p/>
+          <a:p>
+            <a:endParaRPr/>
+          </a:p>
         </p:txBody>
       </p:sp>
     </p:spTree>
@@ -6793,18 +6857,19 @@
 </file>
 
 <file path=ppt/slideLayouts/slideLayout4.xml><?xml version="1.0" encoding="utf-8"?>
-<p:sldLayout xmlns:a="http://schemas.openxmlformats.org/drawingml/2006/main" xmlns:r="http://schemas.openxmlformats.org/officeDocument/2006/relationships" xmlns:mc="http://schemas.openxmlformats.org/markup-compatibility/2006" xmlns:mv="urn:schemas-microsoft-com:mac:vml" xmlns:p="http://schemas.openxmlformats.org/presentationml/2006/main" xmlns:c="http://schemas.openxmlformats.org/drawingml/2006/chart" xmlns:dgm="http://schemas.openxmlformats.org/drawingml/2006/diagram" xmlns:o="urn:schemas-microsoft-com:office:office" xmlns:v="urn:schemas-microsoft-com:vml" xmlns:pvml="urn:schemas-microsoft-com:office:powerpoint" xmlns:com="http://schemas.openxmlformats.org/drawingml/2006/compatibility" xmlns:p14="http://schemas.microsoft.com/office/powerpoint/2010/main" xmlns:p15="http://schemas.microsoft.com/office/powerpoint/2012/main" matchingName="Section Break Layout">
+<p:sldLayout xmlns:a="http://schemas.openxmlformats.org/drawingml/2006/main" xmlns:r="http://schemas.openxmlformats.org/officeDocument/2006/relationships" xmlns:p="http://schemas.openxmlformats.org/presentationml/2006/main" matchingName="Section Break Layout">
   <p:cSld name="Section Break Layout">
     <p:bg>
       <p:bgPr>
         <a:solidFill>
           <a:srgbClr val="61B4F6"/>
         </a:solidFill>
+        <a:effectLst/>
       </p:bgPr>
     </p:bg>
     <p:spTree>
       <p:nvGrpSpPr>
-        <p:cNvPr id="23" name="Shape 23"/>
+        <p:cNvPr id="1" name="Shape 23"/>
         <p:cNvGrpSpPr/>
         <p:nvPr/>
       </p:nvGrpSpPr>
@@ -6838,12 +6903,12 @@
           </a:ln>
         </p:spPr>
         <p:txBody>
-          <a:bodyPr anchorCtr="0" anchor="ctr" bIns="45700" lIns="91425" spcFirstLastPara="1" rIns="91425" wrap="square" tIns="45700">
+          <a:bodyPr spcFirstLastPara="1" wrap="square" lIns="91425" tIns="45700" rIns="91425" bIns="45700" anchor="ctr" anchorCtr="0">
             <a:noAutofit/>
           </a:bodyPr>
           <a:lstStyle/>
           <a:p>
-            <a:pPr indent="0" lvl="0" marL="0" marR="0" rtl="0" algn="ctr">
+            <a:pPr marL="0" marR="0" lvl="0" indent="0" algn="ctr" rtl="0">
               <a:spcBef>
                 <a:spcPts val="0"/>
               </a:spcBef>
@@ -6852,9 +6917,6 @@
               </a:spcAft>
               <a:buNone/>
             </a:pPr>
-            <a:r>
-              <a:t/>
-            </a:r>
             <a:endParaRPr sz="1800">
               <a:solidFill>
                 <a:schemeClr val="lt1"/>
@@ -6869,7 +6931,7 @@
       </p:sp>
       <p:pic>
         <p:nvPicPr>
-          <p:cNvPr descr="E:\002-KIMS BUSINESS\007-02-Fullslidesppt-Contents\20161206\Real-estate-key2.png" id="25" name="Google Shape;25;p5"/>
+          <p:cNvPr id="25" name="Google Shape;25;p5" descr="E:\002-KIMS BUSINESS\007-02-Fullslidesppt-Contents\20161206\Real-estate-key2.png"/>
           <p:cNvPicPr preferRelativeResize="0"/>
           <p:nvPr/>
         </p:nvPicPr>
@@ -6877,7 +6939,7 @@
           <a:blip r:embed="rId2">
             <a:alphaModFix/>
           </a:blip>
-          <a:srcRect b="0" l="0" r="0" t="0"/>
+          <a:srcRect/>
           <a:stretch/>
         </p:blipFill>
         <p:spPr>
@@ -6903,18 +6965,19 @@
 </file>
 
 <file path=ppt/slideLayouts/slideLayout5.xml><?xml version="1.0" encoding="utf-8"?>
-<p:sldLayout xmlns:a="http://schemas.openxmlformats.org/drawingml/2006/main" xmlns:r="http://schemas.openxmlformats.org/officeDocument/2006/relationships" xmlns:mc="http://schemas.openxmlformats.org/markup-compatibility/2006" xmlns:mv="urn:schemas-microsoft-com:mac:vml" xmlns:p="http://schemas.openxmlformats.org/presentationml/2006/main" xmlns:c="http://schemas.openxmlformats.org/drawingml/2006/chart" xmlns:dgm="http://schemas.openxmlformats.org/drawingml/2006/diagram" xmlns:o="urn:schemas-microsoft-com:office:office" xmlns:v="urn:schemas-microsoft-com:vml" xmlns:pvml="urn:schemas-microsoft-com:office:powerpoint" xmlns:com="http://schemas.openxmlformats.org/drawingml/2006/compatibility" xmlns:p14="http://schemas.microsoft.com/office/powerpoint/2010/main" xmlns:p15="http://schemas.microsoft.com/office/powerpoint/2012/main" matchingName="1_Basic Layout">
+<p:sldLayout xmlns:a="http://schemas.openxmlformats.org/drawingml/2006/main" xmlns:r="http://schemas.openxmlformats.org/officeDocument/2006/relationships" xmlns:p="http://schemas.openxmlformats.org/presentationml/2006/main" matchingName="1_Basic Layout">
   <p:cSld name="1_Basic Layout">
     <p:bg>
       <p:bgPr>
         <a:solidFill>
           <a:schemeClr val="lt1"/>
         </a:solidFill>
+        <a:effectLst/>
       </p:bgPr>
     </p:bg>
     <p:spTree>
       <p:nvGrpSpPr>
-        <p:cNvPr id="26" name="Shape 26"/>
+        <p:cNvPr id="1" name="Shape 26"/>
         <p:cNvGrpSpPr/>
         <p:nvPr/>
       </p:nvGrpSpPr>
@@ -6948,12 +7011,12 @@
           </a:ln>
         </p:spPr>
         <p:txBody>
-          <a:bodyPr anchorCtr="0" anchor="ctr" bIns="45700" lIns="91425" spcFirstLastPara="1" rIns="91425" wrap="square" tIns="45700">
+          <a:bodyPr spcFirstLastPara="1" wrap="square" lIns="91425" tIns="45700" rIns="91425" bIns="45700" anchor="ctr" anchorCtr="0">
             <a:noAutofit/>
           </a:bodyPr>
           <a:lstStyle/>
           <a:p>
-            <a:pPr indent="0" lvl="0" marL="0" marR="0" rtl="0" algn="ctr">
+            <a:pPr marL="0" marR="0" lvl="0" indent="0" algn="ctr" rtl="0">
               <a:spcBef>
                 <a:spcPts val="0"/>
               </a:spcBef>
@@ -6962,9 +7025,6 @@
               </a:spcAft>
               <a:buNone/>
             </a:pPr>
-            <a:r>
-              <a:t/>
-            </a:r>
             <a:endParaRPr sz="1800">
               <a:solidFill>
                 <a:schemeClr val="lt1"/>
@@ -6993,7 +7053,7 @@
         </p:grpSpPr>
         <p:pic>
           <p:nvPicPr>
-            <p:cNvPr descr="E:\002-KIMS BUSINESS\007-02-Fullslidesppt-Contents\20161206\Real-estate-key.png" id="29" name="Google Shape;29;p6"/>
+            <p:cNvPr id="29" name="Google Shape;29;p6" descr="E:\002-KIMS BUSINESS\007-02-Fullslidesppt-Contents\20161206\Real-estate-key.png"/>
             <p:cNvPicPr preferRelativeResize="0"/>
             <p:nvPr/>
           </p:nvPicPr>
@@ -7001,7 +7061,7 @@
             <a:blip r:embed="rId2">
               <a:alphaModFix/>
             </a:blip>
-            <a:srcRect b="0" l="0" r="0" t="0"/>
+            <a:srcRect/>
             <a:stretch/>
           </p:blipFill>
           <p:spPr>
@@ -7042,12 +7102,12 @@
             </a:ln>
           </p:spPr>
           <p:txBody>
-            <a:bodyPr anchorCtr="0" anchor="ctr" bIns="45700" lIns="91425" spcFirstLastPara="1" rIns="91425" wrap="square" tIns="45700">
+            <a:bodyPr spcFirstLastPara="1" wrap="square" lIns="91425" tIns="45700" rIns="91425" bIns="45700" anchor="ctr" anchorCtr="0">
               <a:noAutofit/>
             </a:bodyPr>
             <a:lstStyle/>
             <a:p>
-              <a:pPr indent="0" lvl="0" marL="0" marR="0" rtl="0" algn="ctr">
+              <a:pPr marL="0" marR="0" lvl="0" indent="0" algn="ctr" rtl="0">
                 <a:spcBef>
                   <a:spcPts val="0"/>
                 </a:spcBef>
@@ -7056,9 +7116,6 @@
                 </a:spcAft>
                 <a:buNone/>
               </a:pPr>
-              <a:r>
-                <a:t/>
-              </a:r>
               <a:endParaRPr sz="1800">
                 <a:solidFill>
                   <a:schemeClr val="lt1"/>
@@ -7081,18 +7138,19 @@
 </file>
 
 <file path=ppt/slideLayouts/slideLayout6.xml><?xml version="1.0" encoding="utf-8"?>
-<p:sldLayout xmlns:a="http://schemas.openxmlformats.org/drawingml/2006/main" xmlns:r="http://schemas.openxmlformats.org/officeDocument/2006/relationships" xmlns:mc="http://schemas.openxmlformats.org/markup-compatibility/2006" xmlns:mv="urn:schemas-microsoft-com:mac:vml" xmlns:p="http://schemas.openxmlformats.org/presentationml/2006/main" xmlns:c="http://schemas.openxmlformats.org/drawingml/2006/chart" xmlns:dgm="http://schemas.openxmlformats.org/drawingml/2006/diagram" xmlns:o="urn:schemas-microsoft-com:office:office" xmlns:v="urn:schemas-microsoft-com:vml" xmlns:pvml="urn:schemas-microsoft-com:office:powerpoint" xmlns:com="http://schemas.openxmlformats.org/drawingml/2006/compatibility" xmlns:p14="http://schemas.microsoft.com/office/powerpoint/2010/main" xmlns:p15="http://schemas.microsoft.com/office/powerpoint/2012/main" matchingName="4_Basic Layout">
+<p:sldLayout xmlns:a="http://schemas.openxmlformats.org/drawingml/2006/main" xmlns:r="http://schemas.openxmlformats.org/officeDocument/2006/relationships" xmlns:p="http://schemas.openxmlformats.org/presentationml/2006/main" matchingName="4_Basic Layout">
   <p:cSld name="4_Basic Layout">
     <p:bg>
       <p:bgPr>
         <a:solidFill>
           <a:srgbClr val="61B4F6"/>
         </a:solidFill>
+        <a:effectLst/>
       </p:bgPr>
     </p:bg>
     <p:spTree>
       <p:nvGrpSpPr>
-        <p:cNvPr id="31" name="Shape 31"/>
+        <p:cNvPr id="1" name="Shape 31"/>
         <p:cNvGrpSpPr/>
         <p:nvPr/>
       </p:nvGrpSpPr>
@@ -7114,7 +7172,7 @@
           <a:blip r:embed="rId2">
             <a:alphaModFix/>
           </a:blip>
-          <a:srcRect b="0" l="0" r="0" t="0"/>
+          <a:srcRect/>
           <a:stretch/>
         </p:blipFill>
         <p:spPr>
@@ -7134,9 +7192,11 @@
       <p:sp>
         <p:nvSpPr>
           <p:cNvPr id="33" name="Google Shape;33;p7"/>
-          <p:cNvSpPr/>
+          <p:cNvSpPr>
+            <a:spLocks noGrp="1"/>
+          </p:cNvSpPr>
           <p:nvPr>
-            <p:ph idx="2" type="pic"/>
+            <p:ph type="pic" idx="2"/>
           </p:nvPr>
         </p:nvSpPr>
         <p:spPr>
@@ -7155,9 +7215,9 @@
           </a:ln>
         </p:spPr>
         <p:txBody>
-          <a:bodyPr anchorCtr="0" anchor="ctr" bIns="91425" lIns="91425" spcFirstLastPara="1" rIns="91425" wrap="square" tIns="91425"/>
+          <a:bodyPr spcFirstLastPara="1" wrap="square" lIns="91425" tIns="91425" rIns="91425" bIns="91425" anchor="ctr" anchorCtr="0"/>
           <a:lstStyle>
-            <a:lvl1pPr indent="0" lvl="0" marL="0" marR="0" rtl="0" algn="ctr">
+            <a:lvl1pPr marL="0" marR="0" lvl="0" indent="0" algn="ctr" rtl="0">
               <a:spcBef>
                 <a:spcPts val="240"/>
               </a:spcBef>
@@ -7170,7 +7230,7 @@
               <a:buSzPts val="1400"/>
               <a:buFont typeface="Arial"/>
               <a:buNone/>
-              <a:defRPr b="0" i="0" sz="1200" u="none" cap="none" strike="noStrike">
+              <a:defRPr sz="1200" b="0" i="0" u="none" strike="noStrike" cap="none">
                 <a:solidFill>
                   <a:schemeClr val="dk1"/>
                 </a:solidFill>
@@ -7180,7 +7240,7 @@
                 <a:sym typeface="Arial"/>
               </a:defRPr>
             </a:lvl1pPr>
-            <a:lvl2pPr indent="0" lvl="1" marL="457200" marR="0" rtl="0" algn="l">
+            <a:lvl2pPr marL="457200" marR="0" lvl="1" indent="0" algn="l" rtl="0">
               <a:spcBef>
                 <a:spcPts val="560"/>
               </a:spcBef>
@@ -7193,7 +7253,7 @@
               <a:buSzPts val="1400"/>
               <a:buFont typeface="Arial"/>
               <a:buNone/>
-              <a:defRPr b="0" i="0" sz="2800" u="none" cap="none" strike="noStrike">
+              <a:defRPr sz="2800" b="0" i="0" u="none" strike="noStrike" cap="none">
                 <a:solidFill>
                   <a:schemeClr val="dk1"/>
                 </a:solidFill>
@@ -7203,7 +7263,7 @@
                 <a:sym typeface="Arial"/>
               </a:defRPr>
             </a:lvl2pPr>
-            <a:lvl3pPr indent="0" lvl="2" marL="914400" marR="0" rtl="0" algn="l">
+            <a:lvl3pPr marL="914400" marR="0" lvl="2" indent="0" algn="l" rtl="0">
               <a:spcBef>
                 <a:spcPts val="480"/>
               </a:spcBef>
@@ -7216,7 +7276,7 @@
               <a:buSzPts val="1400"/>
               <a:buFont typeface="Arial"/>
               <a:buNone/>
-              <a:defRPr b="0" i="0" sz="2400" u="none" cap="none" strike="noStrike">
+              <a:defRPr sz="2400" b="0" i="0" u="none" strike="noStrike" cap="none">
                 <a:solidFill>
                   <a:schemeClr val="dk1"/>
                 </a:solidFill>
@@ -7226,7 +7286,7 @@
                 <a:sym typeface="Arial"/>
               </a:defRPr>
             </a:lvl3pPr>
-            <a:lvl4pPr indent="0" lvl="3" marL="1371600" marR="0" rtl="0" algn="l">
+            <a:lvl4pPr marL="1371600" marR="0" lvl="3" indent="0" algn="l" rtl="0">
               <a:spcBef>
                 <a:spcPts val="400"/>
               </a:spcBef>
@@ -7239,7 +7299,7 @@
               <a:buSzPts val="1400"/>
               <a:buFont typeface="Arial"/>
               <a:buNone/>
-              <a:defRPr b="0" i="0" sz="2000" u="none" cap="none" strike="noStrike">
+              <a:defRPr sz="2000" b="0" i="0" u="none" strike="noStrike" cap="none">
                 <a:solidFill>
                   <a:schemeClr val="dk1"/>
                 </a:solidFill>
@@ -7249,7 +7309,7 @@
                 <a:sym typeface="Arial"/>
               </a:defRPr>
             </a:lvl4pPr>
-            <a:lvl5pPr indent="0" lvl="4" marL="1828800" marR="0" rtl="0" algn="l">
+            <a:lvl5pPr marL="1828800" marR="0" lvl="4" indent="0" algn="l" rtl="0">
               <a:spcBef>
                 <a:spcPts val="400"/>
               </a:spcBef>
@@ -7262,7 +7322,7 @@
               <a:buSzPts val="1400"/>
               <a:buFont typeface="Arial"/>
               <a:buNone/>
-              <a:defRPr b="0" i="0" sz="2000" u="none" cap="none" strike="noStrike">
+              <a:defRPr sz="2000" b="0" i="0" u="none" strike="noStrike" cap="none">
                 <a:solidFill>
                   <a:schemeClr val="dk1"/>
                 </a:solidFill>
@@ -7272,7 +7332,7 @@
                 <a:sym typeface="Arial"/>
               </a:defRPr>
             </a:lvl5pPr>
-            <a:lvl6pPr indent="0" lvl="5" marL="2286000" marR="0" rtl="0" algn="l">
+            <a:lvl6pPr marL="2286000" marR="0" lvl="5" indent="0" algn="l" rtl="0">
               <a:spcBef>
                 <a:spcPts val="400"/>
               </a:spcBef>
@@ -7285,7 +7345,7 @@
               <a:buSzPts val="1400"/>
               <a:buFont typeface="Arial"/>
               <a:buNone/>
-              <a:defRPr b="0" i="0" sz="2000" u="none" cap="none" strike="noStrike">
+              <a:defRPr sz="2000" b="0" i="0" u="none" strike="noStrike" cap="none">
                 <a:solidFill>
                   <a:schemeClr val="dk1"/>
                 </a:solidFill>
@@ -7295,7 +7355,7 @@
                 <a:sym typeface="Arial"/>
               </a:defRPr>
             </a:lvl6pPr>
-            <a:lvl7pPr indent="0" lvl="6" marL="2743200" marR="0" rtl="0" algn="l">
+            <a:lvl7pPr marL="2743200" marR="0" lvl="6" indent="0" algn="l" rtl="0">
               <a:spcBef>
                 <a:spcPts val="400"/>
               </a:spcBef>
@@ -7308,7 +7368,7 @@
               <a:buSzPts val="1400"/>
               <a:buFont typeface="Arial"/>
               <a:buNone/>
-              <a:defRPr b="0" i="0" sz="2000" u="none" cap="none" strike="noStrike">
+              <a:defRPr sz="2000" b="0" i="0" u="none" strike="noStrike" cap="none">
                 <a:solidFill>
                   <a:schemeClr val="dk1"/>
                 </a:solidFill>
@@ -7318,7 +7378,7 @@
                 <a:sym typeface="Arial"/>
               </a:defRPr>
             </a:lvl7pPr>
-            <a:lvl8pPr indent="0" lvl="7" marL="3200400" marR="0" rtl="0" algn="l">
+            <a:lvl8pPr marL="3200400" marR="0" lvl="7" indent="0" algn="l" rtl="0">
               <a:spcBef>
                 <a:spcPts val="400"/>
               </a:spcBef>
@@ -7331,7 +7391,7 @@
               <a:buSzPts val="1400"/>
               <a:buFont typeface="Arial"/>
               <a:buNone/>
-              <a:defRPr b="0" i="0" sz="2000" u="none" cap="none" strike="noStrike">
+              <a:defRPr sz="2000" b="0" i="0" u="none" strike="noStrike" cap="none">
                 <a:solidFill>
                   <a:schemeClr val="dk1"/>
                 </a:solidFill>
@@ -7341,7 +7401,7 @@
                 <a:sym typeface="Arial"/>
               </a:defRPr>
             </a:lvl8pPr>
-            <a:lvl9pPr indent="0" lvl="8" marL="3657600" marR="0" rtl="0" algn="l">
+            <a:lvl9pPr marL="3657600" marR="0" lvl="8" indent="0" algn="l" rtl="0">
               <a:spcBef>
                 <a:spcPts val="400"/>
               </a:spcBef>
@@ -7354,7 +7414,7 @@
               <a:buSzPts val="1400"/>
               <a:buFont typeface="Arial"/>
               <a:buNone/>
-              <a:defRPr b="0" i="0" sz="2000" u="none" cap="none" strike="noStrike">
+              <a:defRPr sz="2000" b="0" i="0" u="none" strike="noStrike" cap="none">
                 <a:solidFill>
                   <a:schemeClr val="dk1"/>
                 </a:solidFill>
@@ -7365,7 +7425,9 @@
               </a:defRPr>
             </a:lvl9pPr>
           </a:lstStyle>
-          <a:p/>
+          <a:p>
+            <a:endParaRPr/>
+          </a:p>
         </p:txBody>
       </p:sp>
       <p:sp>
@@ -7390,12 +7452,12 @@
           </a:ln>
         </p:spPr>
         <p:txBody>
-          <a:bodyPr anchorCtr="0" anchor="ctr" bIns="45700" lIns="91425" spcFirstLastPara="1" rIns="91425" wrap="square" tIns="45700">
+          <a:bodyPr spcFirstLastPara="1" wrap="square" lIns="91425" tIns="45700" rIns="91425" bIns="45700" anchor="ctr" anchorCtr="0">
             <a:noAutofit/>
           </a:bodyPr>
           <a:lstStyle/>
           <a:p>
-            <a:pPr indent="0" lvl="0" marL="0" marR="0" rtl="0" algn="ctr">
+            <a:pPr marL="0" marR="0" lvl="0" indent="0" algn="ctr" rtl="0">
               <a:spcBef>
                 <a:spcPts val="0"/>
               </a:spcBef>
@@ -7404,9 +7466,6 @@
               </a:spcAft>
               <a:buNone/>
             </a:pPr>
-            <a:r>
-              <a:t/>
-            </a:r>
             <a:endParaRPr sz="1800">
               <a:solidFill>
                 <a:schemeClr val="lt1"/>
@@ -7441,12 +7500,12 @@
           </a:ln>
         </p:spPr>
         <p:txBody>
-          <a:bodyPr anchorCtr="0" anchor="ctr" bIns="45700" lIns="91425" spcFirstLastPara="1" rIns="91425" wrap="square" tIns="45700">
+          <a:bodyPr spcFirstLastPara="1" wrap="square" lIns="91425" tIns="45700" rIns="91425" bIns="45700" anchor="ctr" anchorCtr="0">
             <a:noAutofit/>
           </a:bodyPr>
           <a:lstStyle/>
           <a:p>
-            <a:pPr indent="0" lvl="0" marL="0" marR="0" rtl="0" algn="ctr">
+            <a:pPr marL="0" marR="0" lvl="0" indent="0" algn="ctr" rtl="0">
               <a:spcBef>
                 <a:spcPts val="0"/>
               </a:spcBef>
@@ -7455,9 +7514,6 @@
               </a:spcAft>
               <a:buNone/>
             </a:pPr>
-            <a:r>
-              <a:t/>
-            </a:r>
             <a:endParaRPr sz="1800">
               <a:solidFill>
                 <a:schemeClr val="lt1"/>
@@ -7492,12 +7548,12 @@
           </a:ln>
         </p:spPr>
         <p:txBody>
-          <a:bodyPr anchorCtr="0" anchor="ctr" bIns="45700" lIns="91425" spcFirstLastPara="1" rIns="91425" wrap="square" tIns="45700">
+          <a:bodyPr spcFirstLastPara="1" wrap="square" lIns="91425" tIns="45700" rIns="91425" bIns="45700" anchor="ctr" anchorCtr="0">
             <a:noAutofit/>
           </a:bodyPr>
           <a:lstStyle/>
           <a:p>
-            <a:pPr indent="0" lvl="0" marL="0" marR="0" rtl="0" algn="ctr">
+            <a:pPr marL="0" marR="0" lvl="0" indent="0" algn="ctr" rtl="0">
               <a:spcBef>
                 <a:spcPts val="0"/>
               </a:spcBef>
@@ -7506,9 +7562,6 @@
               </a:spcAft>
               <a:buNone/>
             </a:pPr>
-            <a:r>
-              <a:t/>
-            </a:r>
             <a:endParaRPr sz="1800">
               <a:solidFill>
                 <a:schemeClr val="lt1"/>
@@ -7543,12 +7596,12 @@
           </a:ln>
         </p:spPr>
         <p:txBody>
-          <a:bodyPr anchorCtr="0" anchor="ctr" bIns="45700" lIns="91425" spcFirstLastPara="1" rIns="91425" wrap="square" tIns="45700">
+          <a:bodyPr spcFirstLastPara="1" wrap="square" lIns="91425" tIns="45700" rIns="91425" bIns="45700" anchor="ctr" anchorCtr="0">
             <a:noAutofit/>
           </a:bodyPr>
           <a:lstStyle/>
           <a:p>
-            <a:pPr indent="0" lvl="0" marL="0" marR="0" rtl="0" algn="ctr">
+            <a:pPr marL="0" marR="0" lvl="0" indent="0" algn="ctr" rtl="0">
               <a:spcBef>
                 <a:spcPts val="0"/>
               </a:spcBef>
@@ -7557,9 +7610,6 @@
               </a:spcAft>
               <a:buNone/>
             </a:pPr>
-            <a:r>
-              <a:t/>
-            </a:r>
             <a:endParaRPr sz="1800">
               <a:solidFill>
                 <a:schemeClr val="lt1"/>
@@ -7594,12 +7644,12 @@
           </a:ln>
         </p:spPr>
         <p:txBody>
-          <a:bodyPr anchorCtr="0" anchor="ctr" bIns="45700" lIns="91425" spcFirstLastPara="1" rIns="91425" wrap="square" tIns="45700">
+          <a:bodyPr spcFirstLastPara="1" wrap="square" lIns="91425" tIns="45700" rIns="91425" bIns="45700" anchor="ctr" anchorCtr="0">
             <a:noAutofit/>
           </a:bodyPr>
           <a:lstStyle/>
           <a:p>
-            <a:pPr indent="0" lvl="0" marL="0" marR="0" rtl="0" algn="ctr">
+            <a:pPr marL="0" marR="0" lvl="0" indent="0" algn="ctr" rtl="0">
               <a:spcBef>
                 <a:spcPts val="0"/>
               </a:spcBef>
@@ -7608,9 +7658,6 @@
               </a:spcAft>
               <a:buNone/>
             </a:pPr>
-            <a:r>
-              <a:t/>
-            </a:r>
             <a:endParaRPr sz="1800">
               <a:solidFill>
                 <a:schemeClr val="lt1"/>
@@ -7645,12 +7692,12 @@
           </a:ln>
         </p:spPr>
         <p:txBody>
-          <a:bodyPr anchorCtr="0" anchor="ctr" bIns="45700" lIns="91425" spcFirstLastPara="1" rIns="91425" wrap="square" tIns="45700">
+          <a:bodyPr spcFirstLastPara="1" wrap="square" lIns="91425" tIns="45700" rIns="91425" bIns="45700" anchor="ctr" anchorCtr="0">
             <a:noAutofit/>
           </a:bodyPr>
           <a:lstStyle/>
           <a:p>
-            <a:pPr indent="0" lvl="0" marL="0" marR="0" rtl="0" algn="ctr">
+            <a:pPr marL="0" marR="0" lvl="0" indent="0" algn="ctr" rtl="0">
               <a:spcBef>
                 <a:spcPts val="0"/>
               </a:spcBef>
@@ -7659,9 +7706,6 @@
               </a:spcAft>
               <a:buNone/>
             </a:pPr>
-            <a:r>
-              <a:t/>
-            </a:r>
             <a:endParaRPr sz="1800">
               <a:solidFill>
                 <a:schemeClr val="lt1"/>
@@ -7677,7 +7721,9 @@
       <p:sp>
         <p:nvSpPr>
           <p:cNvPr id="40" name="Google Shape;40;p7"/>
-          <p:cNvSpPr txBox="1"/>
+          <p:cNvSpPr txBox="1">
+            <a:spLocks noGrp="1"/>
+          </p:cNvSpPr>
           <p:nvPr>
             <p:ph type="title"/>
           </p:nvPr>
@@ -7696,7 +7742,7 @@
           </a:ln>
         </p:spPr>
         <p:txBody>
-          <a:bodyPr anchorCtr="0" anchor="ctr" bIns="91425" lIns="91425" spcFirstLastPara="1" rIns="91425" wrap="square" tIns="91425"/>
+          <a:bodyPr spcFirstLastPara="1" wrap="square" lIns="91425" tIns="91425" rIns="91425" bIns="91425" anchor="ctr" anchorCtr="0"/>
           <a:lstStyle>
             <a:lvl1pPr lvl="0" algn="ctr">
               <a:spcBef>
@@ -7825,15 +7871,19 @@
               </a:defRPr>
             </a:lvl9pPr>
           </a:lstStyle>
-          <a:p/>
+          <a:p>
+            <a:endParaRPr/>
+          </a:p>
         </p:txBody>
       </p:sp>
       <p:sp>
         <p:nvSpPr>
           <p:cNvPr id="41" name="Google Shape;41;p7"/>
-          <p:cNvSpPr txBox="1"/>
+          <p:cNvSpPr txBox="1">
+            <a:spLocks noGrp="1"/>
+          </p:cNvSpPr>
           <p:nvPr>
-            <p:ph idx="1" type="subTitle"/>
+            <p:ph type="subTitle" idx="1"/>
           </p:nvPr>
         </p:nvSpPr>
         <p:spPr>
@@ -7850,7 +7900,7 @@
           </a:ln>
         </p:spPr>
         <p:txBody>
-          <a:bodyPr anchorCtr="0" anchor="ctr" bIns="91425" lIns="91425" spcFirstLastPara="1" rIns="91425" wrap="square" tIns="91425"/>
+          <a:bodyPr spcFirstLastPara="1" wrap="square" lIns="91425" tIns="91425" rIns="91425" bIns="91425" anchor="ctr" anchorCtr="0"/>
           <a:lstStyle>
             <a:lvl1pPr lvl="0" algn="ctr">
               <a:spcBef>
@@ -7979,7 +8029,9 @@
               </a:defRPr>
             </a:lvl9pPr>
           </a:lstStyle>
-          <a:p/>
+          <a:p>
+            <a:endParaRPr/>
+          </a:p>
         </p:txBody>
       </p:sp>
     </p:spTree>
@@ -7991,18 +8043,19 @@
 </file>
 
 <file path=ppt/slideLayouts/slideLayout7.xml><?xml version="1.0" encoding="utf-8"?>
-<p:sldLayout xmlns:a="http://schemas.openxmlformats.org/drawingml/2006/main" xmlns:r="http://schemas.openxmlformats.org/officeDocument/2006/relationships" xmlns:mc="http://schemas.openxmlformats.org/markup-compatibility/2006" xmlns:mv="urn:schemas-microsoft-com:mac:vml" xmlns:p="http://schemas.openxmlformats.org/presentationml/2006/main" xmlns:c="http://schemas.openxmlformats.org/drawingml/2006/chart" xmlns:dgm="http://schemas.openxmlformats.org/drawingml/2006/diagram" xmlns:o="urn:schemas-microsoft-com:office:office" xmlns:v="urn:schemas-microsoft-com:vml" xmlns:pvml="urn:schemas-microsoft-com:office:powerpoint" xmlns:com="http://schemas.openxmlformats.org/drawingml/2006/compatibility" xmlns:p14="http://schemas.microsoft.com/office/powerpoint/2010/main" xmlns:p15="http://schemas.microsoft.com/office/powerpoint/2012/main" matchingName="5_Basic Layout">
+<p:sldLayout xmlns:a="http://schemas.openxmlformats.org/drawingml/2006/main" xmlns:r="http://schemas.openxmlformats.org/officeDocument/2006/relationships" xmlns:p="http://schemas.openxmlformats.org/presentationml/2006/main" matchingName="5_Basic Layout">
   <p:cSld name="5_Basic Layout">
     <p:bg>
       <p:bgPr>
         <a:solidFill>
           <a:schemeClr val="lt1"/>
         </a:solidFill>
+        <a:effectLst/>
       </p:bgPr>
     </p:bg>
     <p:spTree>
       <p:nvGrpSpPr>
-        <p:cNvPr id="42" name="Shape 42"/>
+        <p:cNvPr id="1" name="Shape 42"/>
         <p:cNvGrpSpPr/>
         <p:nvPr/>
       </p:nvGrpSpPr>
@@ -8036,12 +8089,12 @@
           </a:ln>
         </p:spPr>
         <p:txBody>
-          <a:bodyPr anchorCtr="0" anchor="ctr" bIns="45700" lIns="91425" spcFirstLastPara="1" rIns="91425" wrap="square" tIns="45700">
+          <a:bodyPr spcFirstLastPara="1" wrap="square" lIns="91425" tIns="45700" rIns="91425" bIns="45700" anchor="ctr" anchorCtr="0">
             <a:noAutofit/>
           </a:bodyPr>
           <a:lstStyle/>
           <a:p>
-            <a:pPr indent="0" lvl="0" marL="0" marR="0" rtl="0" algn="ctr">
+            <a:pPr marL="0" marR="0" lvl="0" indent="0" algn="ctr" rtl="0">
               <a:spcBef>
                 <a:spcPts val="0"/>
               </a:spcBef>
@@ -8050,9 +8103,6 @@
               </a:spcAft>
               <a:buNone/>
             </a:pPr>
-            <a:r>
-              <a:t/>
-            </a:r>
             <a:endParaRPr sz="1800">
               <a:solidFill>
                 <a:schemeClr val="lt1"/>
@@ -8068,9 +8118,11 @@
       <p:sp>
         <p:nvSpPr>
           <p:cNvPr id="44" name="Google Shape;44;p8"/>
-          <p:cNvSpPr/>
+          <p:cNvSpPr>
+            <a:spLocks noGrp="1"/>
+          </p:cNvSpPr>
           <p:nvPr>
-            <p:ph idx="2" type="pic"/>
+            <p:ph type="pic" idx="2"/>
           </p:nvPr>
         </p:nvSpPr>
         <p:spPr>
@@ -8089,9 +8141,9 @@
           </a:ln>
         </p:spPr>
         <p:txBody>
-          <a:bodyPr anchorCtr="0" anchor="ctr" bIns="91425" lIns="91425" spcFirstLastPara="1" rIns="91425" wrap="square" tIns="91425"/>
+          <a:bodyPr spcFirstLastPara="1" wrap="square" lIns="91425" tIns="91425" rIns="91425" bIns="91425" anchor="ctr" anchorCtr="0"/>
           <a:lstStyle>
-            <a:lvl1pPr indent="0" lvl="0" marL="0" marR="0" rtl="0" algn="ctr">
+            <a:lvl1pPr marL="0" marR="0" lvl="0" indent="0" algn="ctr" rtl="0">
               <a:spcBef>
                 <a:spcPts val="240"/>
               </a:spcBef>
@@ -8104,7 +8156,7 @@
               <a:buSzPts val="1400"/>
               <a:buFont typeface="Arial"/>
               <a:buNone/>
-              <a:defRPr b="0" i="0" sz="1200" u="none" cap="none" strike="noStrike">
+              <a:defRPr sz="1200" b="0" i="0" u="none" strike="noStrike" cap="none">
                 <a:solidFill>
                   <a:schemeClr val="dk1"/>
                 </a:solidFill>
@@ -8114,7 +8166,7 @@
                 <a:sym typeface="Arial"/>
               </a:defRPr>
             </a:lvl1pPr>
-            <a:lvl2pPr indent="0" lvl="1" marL="457200" marR="0" rtl="0" algn="l">
+            <a:lvl2pPr marL="457200" marR="0" lvl="1" indent="0" algn="l" rtl="0">
               <a:spcBef>
                 <a:spcPts val="560"/>
               </a:spcBef>
@@ -8127,7 +8179,7 @@
               <a:buSzPts val="1400"/>
               <a:buFont typeface="Arial"/>
               <a:buNone/>
-              <a:defRPr b="0" i="0" sz="2800" u="none" cap="none" strike="noStrike">
+              <a:defRPr sz="2800" b="0" i="0" u="none" strike="noStrike" cap="none">
                 <a:solidFill>
                   <a:schemeClr val="dk1"/>
                 </a:solidFill>
@@ -8137,7 +8189,7 @@
                 <a:sym typeface="Arial"/>
               </a:defRPr>
             </a:lvl2pPr>
-            <a:lvl3pPr indent="0" lvl="2" marL="914400" marR="0" rtl="0" algn="l">
+            <a:lvl3pPr marL="914400" marR="0" lvl="2" indent="0" algn="l" rtl="0">
               <a:spcBef>
                 <a:spcPts val="480"/>
               </a:spcBef>
@@ -8150,7 +8202,7 @@
               <a:buSzPts val="1400"/>
               <a:buFont typeface="Arial"/>
               <a:buNone/>
-              <a:defRPr b="0" i="0" sz="2400" u="none" cap="none" strike="noStrike">
+              <a:defRPr sz="2400" b="0" i="0" u="none" strike="noStrike" cap="none">
                 <a:solidFill>
                   <a:schemeClr val="dk1"/>
                 </a:solidFill>
@@ -8160,7 +8212,7 @@
                 <a:sym typeface="Arial"/>
               </a:defRPr>
             </a:lvl3pPr>
-            <a:lvl4pPr indent="0" lvl="3" marL="1371600" marR="0" rtl="0" algn="l">
+            <a:lvl4pPr marL="1371600" marR="0" lvl="3" indent="0" algn="l" rtl="0">
               <a:spcBef>
                 <a:spcPts val="400"/>
               </a:spcBef>
@@ -8173,7 +8225,7 @@
               <a:buSzPts val="1400"/>
               <a:buFont typeface="Arial"/>
               <a:buNone/>
-              <a:defRPr b="0" i="0" sz="2000" u="none" cap="none" strike="noStrike">
+              <a:defRPr sz="2000" b="0" i="0" u="none" strike="noStrike" cap="none">
                 <a:solidFill>
                   <a:schemeClr val="dk1"/>
                 </a:solidFill>
@@ -8183,7 +8235,7 @@
                 <a:sym typeface="Arial"/>
               </a:defRPr>
             </a:lvl4pPr>
-            <a:lvl5pPr indent="0" lvl="4" marL="1828800" marR="0" rtl="0" algn="l">
+            <a:lvl5pPr marL="1828800" marR="0" lvl="4" indent="0" algn="l" rtl="0">
               <a:spcBef>
                 <a:spcPts val="400"/>
               </a:spcBef>
@@ -8196,7 +8248,7 @@
               <a:buSzPts val="1400"/>
               <a:buFont typeface="Arial"/>
               <a:buNone/>
-              <a:defRPr b="0" i="0" sz="2000" u="none" cap="none" strike="noStrike">
+              <a:defRPr sz="2000" b="0" i="0" u="none" strike="noStrike" cap="none">
                 <a:solidFill>
                   <a:schemeClr val="dk1"/>
                 </a:solidFill>
@@ -8206,7 +8258,7 @@
                 <a:sym typeface="Arial"/>
               </a:defRPr>
             </a:lvl5pPr>
-            <a:lvl6pPr indent="0" lvl="5" marL="2286000" marR="0" rtl="0" algn="l">
+            <a:lvl6pPr marL="2286000" marR="0" lvl="5" indent="0" algn="l" rtl="0">
               <a:spcBef>
                 <a:spcPts val="400"/>
               </a:spcBef>
@@ -8219,7 +8271,7 @@
               <a:buSzPts val="1400"/>
               <a:buFont typeface="Arial"/>
               <a:buNone/>
-              <a:defRPr b="0" i="0" sz="2000" u="none" cap="none" strike="noStrike">
+              <a:defRPr sz="2000" b="0" i="0" u="none" strike="noStrike" cap="none">
                 <a:solidFill>
                   <a:schemeClr val="dk1"/>
                 </a:solidFill>
@@ -8229,7 +8281,7 @@
                 <a:sym typeface="Arial"/>
               </a:defRPr>
             </a:lvl6pPr>
-            <a:lvl7pPr indent="0" lvl="6" marL="2743200" marR="0" rtl="0" algn="l">
+            <a:lvl7pPr marL="2743200" marR="0" lvl="6" indent="0" algn="l" rtl="0">
               <a:spcBef>
                 <a:spcPts val="400"/>
               </a:spcBef>
@@ -8242,7 +8294,7 @@
               <a:buSzPts val="1400"/>
               <a:buFont typeface="Arial"/>
               <a:buNone/>
-              <a:defRPr b="0" i="0" sz="2000" u="none" cap="none" strike="noStrike">
+              <a:defRPr sz="2000" b="0" i="0" u="none" strike="noStrike" cap="none">
                 <a:solidFill>
                   <a:schemeClr val="dk1"/>
                 </a:solidFill>
@@ -8252,7 +8304,7 @@
                 <a:sym typeface="Arial"/>
               </a:defRPr>
             </a:lvl7pPr>
-            <a:lvl8pPr indent="0" lvl="7" marL="3200400" marR="0" rtl="0" algn="l">
+            <a:lvl8pPr marL="3200400" marR="0" lvl="7" indent="0" algn="l" rtl="0">
               <a:spcBef>
                 <a:spcPts val="400"/>
               </a:spcBef>
@@ -8265,7 +8317,7 @@
               <a:buSzPts val="1400"/>
               <a:buFont typeface="Arial"/>
               <a:buNone/>
-              <a:defRPr b="0" i="0" sz="2000" u="none" cap="none" strike="noStrike">
+              <a:defRPr sz="2000" b="0" i="0" u="none" strike="noStrike" cap="none">
                 <a:solidFill>
                   <a:schemeClr val="dk1"/>
                 </a:solidFill>
@@ -8275,7 +8327,7 @@
                 <a:sym typeface="Arial"/>
               </a:defRPr>
             </a:lvl8pPr>
-            <a:lvl9pPr indent="0" lvl="8" marL="3657600" marR="0" rtl="0" algn="l">
+            <a:lvl9pPr marL="3657600" marR="0" lvl="8" indent="0" algn="l" rtl="0">
               <a:spcBef>
                 <a:spcPts val="400"/>
               </a:spcBef>
@@ -8288,7 +8340,7 @@
               <a:buSzPts val="1400"/>
               <a:buFont typeface="Arial"/>
               <a:buNone/>
-              <a:defRPr b="0" i="0" sz="2000" u="none" cap="none" strike="noStrike">
+              <a:defRPr sz="2000" b="0" i="0" u="none" strike="noStrike" cap="none">
                 <a:solidFill>
                   <a:schemeClr val="dk1"/>
                 </a:solidFill>
@@ -8299,15 +8351,19 @@
               </a:defRPr>
             </a:lvl9pPr>
           </a:lstStyle>
-          <a:p/>
+          <a:p>
+            <a:endParaRPr/>
+          </a:p>
         </p:txBody>
       </p:sp>
       <p:sp>
         <p:nvSpPr>
           <p:cNvPr id="45" name="Google Shape;45;p8"/>
-          <p:cNvSpPr/>
+          <p:cNvSpPr>
+            <a:spLocks noGrp="1"/>
+          </p:cNvSpPr>
           <p:nvPr>
-            <p:ph idx="3" type="pic"/>
+            <p:ph type="pic" idx="3"/>
           </p:nvPr>
         </p:nvSpPr>
         <p:spPr>
@@ -8326,9 +8382,9 @@
           </a:ln>
         </p:spPr>
         <p:txBody>
-          <a:bodyPr anchorCtr="0" anchor="ctr" bIns="91425" lIns="91425" spcFirstLastPara="1" rIns="91425" wrap="square" tIns="91425"/>
+          <a:bodyPr spcFirstLastPara="1" wrap="square" lIns="91425" tIns="91425" rIns="91425" bIns="91425" anchor="ctr" anchorCtr="0"/>
           <a:lstStyle>
-            <a:lvl1pPr indent="0" lvl="0" marL="0" marR="0" rtl="0" algn="ctr">
+            <a:lvl1pPr marL="0" marR="0" lvl="0" indent="0" algn="ctr" rtl="0">
               <a:spcBef>
                 <a:spcPts val="240"/>
               </a:spcBef>
@@ -8341,7 +8397,7 @@
               <a:buSzPts val="1400"/>
               <a:buFont typeface="Arial"/>
               <a:buNone/>
-              <a:defRPr b="0" i="0" sz="1200" u="none" cap="none" strike="noStrike">
+              <a:defRPr sz="1200" b="0" i="0" u="none" strike="noStrike" cap="none">
                 <a:solidFill>
                   <a:schemeClr val="dk1"/>
                 </a:solidFill>
@@ -8351,7 +8407,7 @@
                 <a:sym typeface="Arial"/>
               </a:defRPr>
             </a:lvl1pPr>
-            <a:lvl2pPr indent="0" lvl="1" marL="457200" marR="0" rtl="0" algn="l">
+            <a:lvl2pPr marL="457200" marR="0" lvl="1" indent="0" algn="l" rtl="0">
               <a:spcBef>
                 <a:spcPts val="560"/>
               </a:spcBef>
@@ -8364,7 +8420,7 @@
               <a:buSzPts val="1400"/>
               <a:buFont typeface="Arial"/>
               <a:buNone/>
-              <a:defRPr b="0" i="0" sz="2800" u="none" cap="none" strike="noStrike">
+              <a:defRPr sz="2800" b="0" i="0" u="none" strike="noStrike" cap="none">
                 <a:solidFill>
                   <a:schemeClr val="dk1"/>
                 </a:solidFill>
@@ -8374,7 +8430,7 @@
                 <a:sym typeface="Arial"/>
               </a:defRPr>
             </a:lvl2pPr>
-            <a:lvl3pPr indent="0" lvl="2" marL="914400" marR="0" rtl="0" algn="l">
+            <a:lvl3pPr marL="914400" marR="0" lvl="2" indent="0" algn="l" rtl="0">
               <a:spcBef>
                 <a:spcPts val="480"/>
               </a:spcBef>
@@ -8387,7 +8443,7 @@
               <a:buSzPts val="1400"/>
               <a:buFont typeface="Arial"/>
               <a:buNone/>
-              <a:defRPr b="0" i="0" sz="2400" u="none" cap="none" strike="noStrike">
+              <a:defRPr sz="2400" b="0" i="0" u="none" strike="noStrike" cap="none">
                 <a:solidFill>
                   <a:schemeClr val="dk1"/>
                 </a:solidFill>
@@ -8397,7 +8453,7 @@
                 <a:sym typeface="Arial"/>
               </a:defRPr>
             </a:lvl3pPr>
-            <a:lvl4pPr indent="0" lvl="3" marL="1371600" marR="0" rtl="0" algn="l">
+            <a:lvl4pPr marL="1371600" marR="0" lvl="3" indent="0" algn="l" rtl="0">
               <a:spcBef>
                 <a:spcPts val="400"/>
               </a:spcBef>
@@ -8410,7 +8466,7 @@
               <a:buSzPts val="1400"/>
               <a:buFont typeface="Arial"/>
               <a:buNone/>
-              <a:defRPr b="0" i="0" sz="2000" u="none" cap="none" strike="noStrike">
+              <a:defRPr sz="2000" b="0" i="0" u="none" strike="noStrike" cap="none">
                 <a:solidFill>
                   <a:schemeClr val="dk1"/>
                 </a:solidFill>
@@ -8420,7 +8476,7 @@
                 <a:sym typeface="Arial"/>
               </a:defRPr>
             </a:lvl4pPr>
-            <a:lvl5pPr indent="0" lvl="4" marL="1828800" marR="0" rtl="0" algn="l">
+            <a:lvl5pPr marL="1828800" marR="0" lvl="4" indent="0" algn="l" rtl="0">
               <a:spcBef>
                 <a:spcPts val="400"/>
               </a:spcBef>
@@ -8433,7 +8489,7 @@
               <a:buSzPts val="1400"/>
               <a:buFont typeface="Arial"/>
               <a:buNone/>
-              <a:defRPr b="0" i="0" sz="2000" u="none" cap="none" strike="noStrike">
+              <a:defRPr sz="2000" b="0" i="0" u="none" strike="noStrike" cap="none">
                 <a:solidFill>
                   <a:schemeClr val="dk1"/>
                 </a:solidFill>
@@ -8443,7 +8499,7 @@
                 <a:sym typeface="Arial"/>
               </a:defRPr>
             </a:lvl5pPr>
-            <a:lvl6pPr indent="0" lvl="5" marL="2286000" marR="0" rtl="0" algn="l">
+            <a:lvl6pPr marL="2286000" marR="0" lvl="5" indent="0" algn="l" rtl="0">
               <a:spcBef>
                 <a:spcPts val="400"/>
               </a:spcBef>
@@ -8456,7 +8512,7 @@
               <a:buSzPts val="1400"/>
               <a:buFont typeface="Arial"/>
               <a:buNone/>
-              <a:defRPr b="0" i="0" sz="2000" u="none" cap="none" strike="noStrike">
+              <a:defRPr sz="2000" b="0" i="0" u="none" strike="noStrike" cap="none">
                 <a:solidFill>
                   <a:schemeClr val="dk1"/>
                 </a:solidFill>
@@ -8466,7 +8522,7 @@
                 <a:sym typeface="Arial"/>
               </a:defRPr>
             </a:lvl6pPr>
-            <a:lvl7pPr indent="0" lvl="6" marL="2743200" marR="0" rtl="0" algn="l">
+            <a:lvl7pPr marL="2743200" marR="0" lvl="6" indent="0" algn="l" rtl="0">
               <a:spcBef>
                 <a:spcPts val="400"/>
               </a:spcBef>
@@ -8479,7 +8535,7 @@
               <a:buSzPts val="1400"/>
               <a:buFont typeface="Arial"/>
               <a:buNone/>
-              <a:defRPr b="0" i="0" sz="2000" u="none" cap="none" strike="noStrike">
+              <a:defRPr sz="2000" b="0" i="0" u="none" strike="noStrike" cap="none">
                 <a:solidFill>
                   <a:schemeClr val="dk1"/>
                 </a:solidFill>
@@ -8489,7 +8545,7 @@
                 <a:sym typeface="Arial"/>
               </a:defRPr>
             </a:lvl7pPr>
-            <a:lvl8pPr indent="0" lvl="7" marL="3200400" marR="0" rtl="0" algn="l">
+            <a:lvl8pPr marL="3200400" marR="0" lvl="7" indent="0" algn="l" rtl="0">
               <a:spcBef>
                 <a:spcPts val="400"/>
               </a:spcBef>
@@ -8502,7 +8558,7 @@
               <a:buSzPts val="1400"/>
               <a:buFont typeface="Arial"/>
               <a:buNone/>
-              <a:defRPr b="0" i="0" sz="2000" u="none" cap="none" strike="noStrike">
+              <a:defRPr sz="2000" b="0" i="0" u="none" strike="noStrike" cap="none">
                 <a:solidFill>
                   <a:schemeClr val="dk1"/>
                 </a:solidFill>
@@ -8512,7 +8568,7 @@
                 <a:sym typeface="Arial"/>
               </a:defRPr>
             </a:lvl8pPr>
-            <a:lvl9pPr indent="0" lvl="8" marL="3657600" marR="0" rtl="0" algn="l">
+            <a:lvl9pPr marL="3657600" marR="0" lvl="8" indent="0" algn="l" rtl="0">
               <a:spcBef>
                 <a:spcPts val="400"/>
               </a:spcBef>
@@ -8525,7 +8581,7 @@
               <a:buSzPts val="1400"/>
               <a:buFont typeface="Arial"/>
               <a:buNone/>
-              <a:defRPr b="0" i="0" sz="2000" u="none" cap="none" strike="noStrike">
+              <a:defRPr sz="2000" b="0" i="0" u="none" strike="noStrike" cap="none">
                 <a:solidFill>
                   <a:schemeClr val="dk1"/>
                 </a:solidFill>
@@ -8536,15 +8592,19 @@
               </a:defRPr>
             </a:lvl9pPr>
           </a:lstStyle>
-          <a:p/>
+          <a:p>
+            <a:endParaRPr/>
+          </a:p>
         </p:txBody>
       </p:sp>
       <p:sp>
         <p:nvSpPr>
           <p:cNvPr id="46" name="Google Shape;46;p8"/>
-          <p:cNvSpPr/>
+          <p:cNvSpPr>
+            <a:spLocks noGrp="1"/>
+          </p:cNvSpPr>
           <p:nvPr>
-            <p:ph idx="4" type="pic"/>
+            <p:ph type="pic" idx="4"/>
           </p:nvPr>
         </p:nvSpPr>
         <p:spPr>
@@ -8563,9 +8623,9 @@
           </a:ln>
         </p:spPr>
         <p:txBody>
-          <a:bodyPr anchorCtr="0" anchor="ctr" bIns="91425" lIns="91425" spcFirstLastPara="1" rIns="91425" wrap="square" tIns="91425"/>
+          <a:bodyPr spcFirstLastPara="1" wrap="square" lIns="91425" tIns="91425" rIns="91425" bIns="91425" anchor="ctr" anchorCtr="0"/>
           <a:lstStyle>
-            <a:lvl1pPr indent="0" lvl="0" marL="0" marR="0" rtl="0" algn="ctr">
+            <a:lvl1pPr marL="0" marR="0" lvl="0" indent="0" algn="ctr" rtl="0">
               <a:spcBef>
                 <a:spcPts val="240"/>
               </a:spcBef>
@@ -8578,7 +8638,7 @@
               <a:buSzPts val="1400"/>
               <a:buFont typeface="Arial"/>
               <a:buNone/>
-              <a:defRPr b="0" i="0" sz="1200" u="none" cap="none" strike="noStrike">
+              <a:defRPr sz="1200" b="0" i="0" u="none" strike="noStrike" cap="none">
                 <a:solidFill>
                   <a:schemeClr val="dk1"/>
                 </a:solidFill>
@@ -8588,7 +8648,7 @@
                 <a:sym typeface="Arial"/>
               </a:defRPr>
             </a:lvl1pPr>
-            <a:lvl2pPr indent="0" lvl="1" marL="457200" marR="0" rtl="0" algn="l">
+            <a:lvl2pPr marL="457200" marR="0" lvl="1" indent="0" algn="l" rtl="0">
               <a:spcBef>
                 <a:spcPts val="560"/>
               </a:spcBef>
@@ -8601,7 +8661,7 @@
               <a:buSzPts val="1400"/>
               <a:buFont typeface="Arial"/>
               <a:buNone/>
-              <a:defRPr b="0" i="0" sz="2800" u="none" cap="none" strike="noStrike">
+              <a:defRPr sz="2800" b="0" i="0" u="none" strike="noStrike" cap="none">
                 <a:solidFill>
                   <a:schemeClr val="dk1"/>
                 </a:solidFill>
@@ -8611,7 +8671,7 @@
                 <a:sym typeface="Arial"/>
               </a:defRPr>
             </a:lvl2pPr>
-            <a:lvl3pPr indent="0" lvl="2" marL="914400" marR="0" rtl="0" algn="l">
+            <a:lvl3pPr marL="914400" marR="0" lvl="2" indent="0" algn="l" rtl="0">
               <a:spcBef>
                 <a:spcPts val="480"/>
               </a:spcBef>
@@ -8624,7 +8684,7 @@
               <a:buSzPts val="1400"/>
               <a:buFont typeface="Arial"/>
               <a:buNone/>
-              <a:defRPr b="0" i="0" sz="2400" u="none" cap="none" strike="noStrike">
+              <a:defRPr sz="2400" b="0" i="0" u="none" strike="noStrike" cap="none">
                 <a:solidFill>
                   <a:schemeClr val="dk1"/>
                 </a:solidFill>
@@ -8634,7 +8694,7 @@
                 <a:sym typeface="Arial"/>
               </a:defRPr>
             </a:lvl3pPr>
-            <a:lvl4pPr indent="0" lvl="3" marL="1371600" marR="0" rtl="0" algn="l">
+            <a:lvl4pPr marL="1371600" marR="0" lvl="3" indent="0" algn="l" rtl="0">
               <a:spcBef>
                 <a:spcPts val="400"/>
               </a:spcBef>
@@ -8647,7 +8707,7 @@
               <a:buSzPts val="1400"/>
               <a:buFont typeface="Arial"/>
               <a:buNone/>
-              <a:defRPr b="0" i="0" sz="2000" u="none" cap="none" strike="noStrike">
+              <a:defRPr sz="2000" b="0" i="0" u="none" strike="noStrike" cap="none">
                 <a:solidFill>
                   <a:schemeClr val="dk1"/>
                 </a:solidFill>
@@ -8657,7 +8717,7 @@
                 <a:sym typeface="Arial"/>
               </a:defRPr>
             </a:lvl4pPr>
-            <a:lvl5pPr indent="0" lvl="4" marL="1828800" marR="0" rtl="0" algn="l">
+            <a:lvl5pPr marL="1828800" marR="0" lvl="4" indent="0" algn="l" rtl="0">
               <a:spcBef>
                 <a:spcPts val="400"/>
               </a:spcBef>
@@ -8670,7 +8730,7 @@
               <a:buSzPts val="1400"/>
               <a:buFont typeface="Arial"/>
               <a:buNone/>
-              <a:defRPr b="0" i="0" sz="2000" u="none" cap="none" strike="noStrike">
+              <a:defRPr sz="2000" b="0" i="0" u="none" strike="noStrike" cap="none">
                 <a:solidFill>
                   <a:schemeClr val="dk1"/>
                 </a:solidFill>
@@ -8680,7 +8740,7 @@
                 <a:sym typeface="Arial"/>
               </a:defRPr>
             </a:lvl5pPr>
-            <a:lvl6pPr indent="0" lvl="5" marL="2286000" marR="0" rtl="0" algn="l">
+            <a:lvl6pPr marL="2286000" marR="0" lvl="5" indent="0" algn="l" rtl="0">
               <a:spcBef>
                 <a:spcPts val="400"/>
               </a:spcBef>
@@ -8693,7 +8753,7 @@
               <a:buSzPts val="1400"/>
               <a:buFont typeface="Arial"/>
               <a:buNone/>
-              <a:defRPr b="0" i="0" sz="2000" u="none" cap="none" strike="noStrike">
+              <a:defRPr sz="2000" b="0" i="0" u="none" strike="noStrike" cap="none">
                 <a:solidFill>
                   <a:schemeClr val="dk1"/>
                 </a:solidFill>
@@ -8703,7 +8763,7 @@
                 <a:sym typeface="Arial"/>
               </a:defRPr>
             </a:lvl6pPr>
-            <a:lvl7pPr indent="0" lvl="6" marL="2743200" marR="0" rtl="0" algn="l">
+            <a:lvl7pPr marL="2743200" marR="0" lvl="6" indent="0" algn="l" rtl="0">
               <a:spcBef>
                 <a:spcPts val="400"/>
               </a:spcBef>
@@ -8716,7 +8776,7 @@
               <a:buSzPts val="1400"/>
               <a:buFont typeface="Arial"/>
               <a:buNone/>
-              <a:defRPr b="0" i="0" sz="2000" u="none" cap="none" strike="noStrike">
+              <a:defRPr sz="2000" b="0" i="0" u="none" strike="noStrike" cap="none">
                 <a:solidFill>
                   <a:schemeClr val="dk1"/>
                 </a:solidFill>
@@ -8726,7 +8786,7 @@
                 <a:sym typeface="Arial"/>
               </a:defRPr>
             </a:lvl7pPr>
-            <a:lvl8pPr indent="0" lvl="7" marL="3200400" marR="0" rtl="0" algn="l">
+            <a:lvl8pPr marL="3200400" marR="0" lvl="7" indent="0" algn="l" rtl="0">
               <a:spcBef>
                 <a:spcPts val="400"/>
               </a:spcBef>
@@ -8739,7 +8799,7 @@
               <a:buSzPts val="1400"/>
               <a:buFont typeface="Arial"/>
               <a:buNone/>
-              <a:defRPr b="0" i="0" sz="2000" u="none" cap="none" strike="noStrike">
+              <a:defRPr sz="2000" b="0" i="0" u="none" strike="noStrike" cap="none">
                 <a:solidFill>
                   <a:schemeClr val="dk1"/>
                 </a:solidFill>
@@ -8749,7 +8809,7 @@
                 <a:sym typeface="Arial"/>
               </a:defRPr>
             </a:lvl8pPr>
-            <a:lvl9pPr indent="0" lvl="8" marL="3657600" marR="0" rtl="0" algn="l">
+            <a:lvl9pPr marL="3657600" marR="0" lvl="8" indent="0" algn="l" rtl="0">
               <a:spcBef>
                 <a:spcPts val="400"/>
               </a:spcBef>
@@ -8762,7 +8822,7 @@
               <a:buSzPts val="1400"/>
               <a:buFont typeface="Arial"/>
               <a:buNone/>
-              <a:defRPr b="0" i="0" sz="2000" u="none" cap="none" strike="noStrike">
+              <a:defRPr sz="2000" b="0" i="0" u="none" strike="noStrike" cap="none">
                 <a:solidFill>
                   <a:schemeClr val="dk1"/>
                 </a:solidFill>
@@ -8773,12 +8833,14 @@
               </a:defRPr>
             </a:lvl9pPr>
           </a:lstStyle>
-          <a:p/>
+          <a:p>
+            <a:endParaRPr/>
+          </a:p>
         </p:txBody>
       </p:sp>
       <p:pic>
         <p:nvPicPr>
-          <p:cNvPr descr="E:\002-KIMS BUSINESS\007-02-Fullslidesppt-Contents\20161206\Real-estate-key.png" id="47" name="Google Shape;47;p8"/>
+          <p:cNvPr id="47" name="Google Shape;47;p8" descr="E:\002-KIMS BUSINESS\007-02-Fullslidesppt-Contents\20161206\Real-estate-key.png"/>
           <p:cNvPicPr preferRelativeResize="0"/>
           <p:nvPr/>
         </p:nvPicPr>
@@ -8786,7 +8848,7 @@
           <a:blip r:embed="rId2">
             <a:alphaModFix/>
           </a:blip>
-          <a:srcRect b="0" l="0" r="0" t="0"/>
+          <a:srcRect/>
           <a:stretch/>
         </p:blipFill>
         <p:spPr>
@@ -8812,18 +8874,19 @@
 </file>
 
 <file path=ppt/slideLayouts/slideLayout8.xml><?xml version="1.0" encoding="utf-8"?>
-<p:sldLayout xmlns:a="http://schemas.openxmlformats.org/drawingml/2006/main" xmlns:r="http://schemas.openxmlformats.org/officeDocument/2006/relationships" xmlns:mc="http://schemas.openxmlformats.org/markup-compatibility/2006" xmlns:mv="urn:schemas-microsoft-com:mac:vml" xmlns:p="http://schemas.openxmlformats.org/presentationml/2006/main" xmlns:c="http://schemas.openxmlformats.org/drawingml/2006/chart" xmlns:dgm="http://schemas.openxmlformats.org/drawingml/2006/diagram" xmlns:o="urn:schemas-microsoft-com:office:office" xmlns:v="urn:schemas-microsoft-com:vml" xmlns:pvml="urn:schemas-microsoft-com:office:powerpoint" xmlns:com="http://schemas.openxmlformats.org/drawingml/2006/compatibility" xmlns:p14="http://schemas.microsoft.com/office/powerpoint/2010/main" xmlns:p15="http://schemas.microsoft.com/office/powerpoint/2012/main" matchingName="11_Basic Layout">
+<p:sldLayout xmlns:a="http://schemas.openxmlformats.org/drawingml/2006/main" xmlns:r="http://schemas.openxmlformats.org/officeDocument/2006/relationships" xmlns:p="http://schemas.openxmlformats.org/presentationml/2006/main" matchingName="11_Basic Layout">
   <p:cSld name="11_Basic Layout">
     <p:bg>
       <p:bgPr>
         <a:solidFill>
           <a:srgbClr val="61B4F6"/>
         </a:solidFill>
+        <a:effectLst/>
       </p:bgPr>
     </p:bg>
     <p:spTree>
       <p:nvGrpSpPr>
-        <p:cNvPr id="48" name="Shape 48"/>
+        <p:cNvPr id="1" name="Shape 48"/>
         <p:cNvGrpSpPr/>
         <p:nvPr/>
       </p:nvGrpSpPr>
@@ -8838,7 +8901,9 @@
       <p:sp>
         <p:nvSpPr>
           <p:cNvPr id="49" name="Google Shape;49;p9"/>
-          <p:cNvSpPr txBox="1"/>
+          <p:cNvSpPr txBox="1">
+            <a:spLocks noGrp="1"/>
+          </p:cNvSpPr>
           <p:nvPr>
             <p:ph type="title"/>
           </p:nvPr>
@@ -8857,9 +8922,9 @@
           </a:ln>
         </p:spPr>
         <p:txBody>
-          <a:bodyPr anchorCtr="0" anchor="ctr" bIns="91425" lIns="91425" spcFirstLastPara="1" rIns="91425" wrap="square" tIns="91425"/>
+          <a:bodyPr spcFirstLastPara="1" wrap="square" lIns="91425" tIns="91425" rIns="91425" bIns="91425" anchor="ctr" anchorCtr="0"/>
           <a:lstStyle>
-            <a:lvl1pPr lvl="0" rtl="0" algn="ctr">
+            <a:lvl1pPr lvl="0" algn="ctr" rtl="0">
               <a:spcBef>
                 <a:spcPts val="0"/>
               </a:spcBef>
@@ -8873,7 +8938,7 @@
                 </a:solidFill>
               </a:defRPr>
             </a:lvl1pPr>
-            <a:lvl2pPr lvl="1" rtl="0" algn="ctr">
+            <a:lvl2pPr lvl="1" algn="ctr" rtl="0">
               <a:spcBef>
                 <a:spcPts val="0"/>
               </a:spcBef>
@@ -8887,7 +8952,7 @@
                 </a:solidFill>
               </a:defRPr>
             </a:lvl2pPr>
-            <a:lvl3pPr lvl="2" rtl="0" algn="ctr">
+            <a:lvl3pPr lvl="2" algn="ctr" rtl="0">
               <a:spcBef>
                 <a:spcPts val="0"/>
               </a:spcBef>
@@ -8901,7 +8966,7 @@
                 </a:solidFill>
               </a:defRPr>
             </a:lvl3pPr>
-            <a:lvl4pPr lvl="3" rtl="0" algn="ctr">
+            <a:lvl4pPr lvl="3" algn="ctr" rtl="0">
               <a:spcBef>
                 <a:spcPts val="0"/>
               </a:spcBef>
@@ -8915,7 +8980,7 @@
                 </a:solidFill>
               </a:defRPr>
             </a:lvl4pPr>
-            <a:lvl5pPr lvl="4" rtl="0" algn="ctr">
+            <a:lvl5pPr lvl="4" algn="ctr" rtl="0">
               <a:spcBef>
                 <a:spcPts val="0"/>
               </a:spcBef>
@@ -8929,7 +8994,7 @@
                 </a:solidFill>
               </a:defRPr>
             </a:lvl5pPr>
-            <a:lvl6pPr lvl="5" rtl="0" algn="ctr">
+            <a:lvl6pPr lvl="5" algn="ctr" rtl="0">
               <a:spcBef>
                 <a:spcPts val="0"/>
               </a:spcBef>
@@ -8943,7 +9008,7 @@
                 </a:solidFill>
               </a:defRPr>
             </a:lvl6pPr>
-            <a:lvl7pPr lvl="6" rtl="0" algn="ctr">
+            <a:lvl7pPr lvl="6" algn="ctr" rtl="0">
               <a:spcBef>
                 <a:spcPts val="0"/>
               </a:spcBef>
@@ -8957,7 +9022,7 @@
                 </a:solidFill>
               </a:defRPr>
             </a:lvl7pPr>
-            <a:lvl8pPr lvl="7" rtl="0" algn="ctr">
+            <a:lvl8pPr lvl="7" algn="ctr" rtl="0">
               <a:spcBef>
                 <a:spcPts val="0"/>
               </a:spcBef>
@@ -8971,7 +9036,7 @@
                 </a:solidFill>
               </a:defRPr>
             </a:lvl8pPr>
-            <a:lvl9pPr lvl="8" rtl="0" algn="ctr">
+            <a:lvl9pPr lvl="8" algn="ctr" rtl="0">
               <a:spcBef>
                 <a:spcPts val="0"/>
               </a:spcBef>
@@ -8986,15 +9051,19 @@
               </a:defRPr>
             </a:lvl9pPr>
           </a:lstStyle>
-          <a:p/>
+          <a:p>
+            <a:endParaRPr/>
+          </a:p>
         </p:txBody>
       </p:sp>
       <p:sp>
         <p:nvSpPr>
           <p:cNvPr id="50" name="Google Shape;50;p9"/>
-          <p:cNvSpPr txBox="1"/>
+          <p:cNvSpPr txBox="1">
+            <a:spLocks noGrp="1"/>
+          </p:cNvSpPr>
           <p:nvPr>
-            <p:ph idx="1" type="subTitle"/>
+            <p:ph type="subTitle" idx="1"/>
           </p:nvPr>
         </p:nvSpPr>
         <p:spPr>
@@ -9011,9 +9080,9 @@
           </a:ln>
         </p:spPr>
         <p:txBody>
-          <a:bodyPr anchorCtr="0" anchor="ctr" bIns="91425" lIns="91425" spcFirstLastPara="1" rIns="91425" wrap="square" tIns="91425"/>
+          <a:bodyPr spcFirstLastPara="1" wrap="square" lIns="91425" tIns="91425" rIns="91425" bIns="91425" anchor="ctr" anchorCtr="0"/>
           <a:lstStyle>
-            <a:lvl1pPr lvl="0" rtl="0" algn="ctr">
+            <a:lvl1pPr lvl="0" algn="ctr" rtl="0">
               <a:spcBef>
                 <a:spcPts val="0"/>
               </a:spcBef>
@@ -9027,7 +9096,7 @@
                 </a:solidFill>
               </a:defRPr>
             </a:lvl1pPr>
-            <a:lvl2pPr lvl="1" rtl="0" algn="ctr">
+            <a:lvl2pPr lvl="1" algn="ctr" rtl="0">
               <a:spcBef>
                 <a:spcPts val="0"/>
               </a:spcBef>
@@ -9041,7 +9110,7 @@
                 </a:solidFill>
               </a:defRPr>
             </a:lvl2pPr>
-            <a:lvl3pPr lvl="2" rtl="0" algn="ctr">
+            <a:lvl3pPr lvl="2" algn="ctr" rtl="0">
               <a:spcBef>
                 <a:spcPts val="0"/>
               </a:spcBef>
@@ -9055,7 +9124,7 @@
                 </a:solidFill>
               </a:defRPr>
             </a:lvl3pPr>
-            <a:lvl4pPr lvl="3" rtl="0" algn="ctr">
+            <a:lvl4pPr lvl="3" algn="ctr" rtl="0">
               <a:spcBef>
                 <a:spcPts val="0"/>
               </a:spcBef>
@@ -9069,7 +9138,7 @@
                 </a:solidFill>
               </a:defRPr>
             </a:lvl4pPr>
-            <a:lvl5pPr lvl="4" rtl="0" algn="ctr">
+            <a:lvl5pPr lvl="4" algn="ctr" rtl="0">
               <a:spcBef>
                 <a:spcPts val="0"/>
               </a:spcBef>
@@ -9083,7 +9152,7 @@
                 </a:solidFill>
               </a:defRPr>
             </a:lvl5pPr>
-            <a:lvl6pPr lvl="5" rtl="0" algn="ctr">
+            <a:lvl6pPr lvl="5" algn="ctr" rtl="0">
               <a:spcBef>
                 <a:spcPts val="0"/>
               </a:spcBef>
@@ -9097,7 +9166,7 @@
                 </a:solidFill>
               </a:defRPr>
             </a:lvl6pPr>
-            <a:lvl7pPr lvl="6" rtl="0" algn="ctr">
+            <a:lvl7pPr lvl="6" algn="ctr" rtl="0">
               <a:spcBef>
                 <a:spcPts val="0"/>
               </a:spcBef>
@@ -9111,7 +9180,7 @@
                 </a:solidFill>
               </a:defRPr>
             </a:lvl7pPr>
-            <a:lvl8pPr lvl="7" rtl="0" algn="ctr">
+            <a:lvl8pPr lvl="7" algn="ctr" rtl="0">
               <a:spcBef>
                 <a:spcPts val="0"/>
               </a:spcBef>
@@ -9125,7 +9194,7 @@
                 </a:solidFill>
               </a:defRPr>
             </a:lvl8pPr>
-            <a:lvl9pPr lvl="8" rtl="0" algn="ctr">
+            <a:lvl9pPr lvl="8" algn="ctr" rtl="0">
               <a:spcBef>
                 <a:spcPts val="0"/>
               </a:spcBef>
@@ -9140,7 +9209,9 @@
               </a:defRPr>
             </a:lvl9pPr>
           </a:lstStyle>
-          <a:p/>
+          <a:p>
+            <a:endParaRPr/>
+          </a:p>
         </p:txBody>
       </p:sp>
     </p:spTree>
@@ -9152,11 +9223,11 @@
 </file>
 
 <file path=ppt/slideLayouts/slideLayout9.xml><?xml version="1.0" encoding="utf-8"?>
-<p:sldLayout xmlns:a="http://schemas.openxmlformats.org/drawingml/2006/main" xmlns:r="http://schemas.openxmlformats.org/officeDocument/2006/relationships" xmlns:mc="http://schemas.openxmlformats.org/markup-compatibility/2006" xmlns:mv="urn:schemas-microsoft-com:mac:vml" xmlns:p="http://schemas.openxmlformats.org/presentationml/2006/main" xmlns:c="http://schemas.openxmlformats.org/drawingml/2006/chart" xmlns:dgm="http://schemas.openxmlformats.org/drawingml/2006/diagram" xmlns:o="urn:schemas-microsoft-com:office:office" xmlns:v="urn:schemas-microsoft-com:vml" xmlns:pvml="urn:schemas-microsoft-com:office:powerpoint" xmlns:com="http://schemas.openxmlformats.org/drawingml/2006/compatibility" xmlns:p14="http://schemas.microsoft.com/office/powerpoint/2010/main" xmlns:p15="http://schemas.microsoft.com/office/powerpoint/2012/main" matchingName="Custom Layout">
+<p:sldLayout xmlns:a="http://schemas.openxmlformats.org/drawingml/2006/main" xmlns:r="http://schemas.openxmlformats.org/officeDocument/2006/relationships" xmlns:p="http://schemas.openxmlformats.org/presentationml/2006/main" matchingName="Custom Layout">
   <p:cSld name="Custom Layout">
     <p:spTree>
       <p:nvGrpSpPr>
-        <p:cNvPr id="51" name="Shape 51"/>
+        <p:cNvPr id="1" name="Shape 51"/>
         <p:cNvGrpSpPr/>
         <p:nvPr/>
       </p:nvGrpSpPr>
@@ -9171,9 +9242,11 @@
       <p:sp>
         <p:nvSpPr>
           <p:cNvPr id="52" name="Google Shape;52;p10"/>
-          <p:cNvSpPr/>
+          <p:cNvSpPr>
+            <a:spLocks noGrp="1"/>
+          </p:cNvSpPr>
           <p:nvPr>
-            <p:ph idx="2" type="pic"/>
+            <p:ph type="pic" idx="2"/>
           </p:nvPr>
         </p:nvSpPr>
         <p:spPr>
@@ -9192,9 +9265,9 @@
           </a:ln>
         </p:spPr>
         <p:txBody>
-          <a:bodyPr anchorCtr="0" anchor="ctr" bIns="91425" lIns="91425" spcFirstLastPara="1" rIns="91425" wrap="square" tIns="91425"/>
+          <a:bodyPr spcFirstLastPara="1" wrap="square" lIns="91425" tIns="91425" rIns="91425" bIns="91425" anchor="ctr" anchorCtr="0"/>
           <a:lstStyle>
-            <a:lvl1pPr indent="0" lvl="0" marL="0" marR="0" rtl="0" algn="ctr">
+            <a:lvl1pPr marL="0" marR="0" lvl="0" indent="0" algn="ctr" rtl="0">
               <a:spcBef>
                 <a:spcPts val="240"/>
               </a:spcBef>
@@ -9207,7 +9280,7 @@
               <a:buSzPts val="1400"/>
               <a:buFont typeface="Arial"/>
               <a:buNone/>
-              <a:defRPr b="0" i="0" sz="1200" u="none" cap="none" strike="noStrike">
+              <a:defRPr sz="1200" b="0" i="0" u="none" strike="noStrike" cap="none">
                 <a:solidFill>
                   <a:schemeClr val="dk1"/>
                 </a:solidFill>
@@ -9217,7 +9290,7 @@
                 <a:sym typeface="Arial"/>
               </a:defRPr>
             </a:lvl1pPr>
-            <a:lvl2pPr indent="0" lvl="1" marL="457200" marR="0" rtl="0" algn="l">
+            <a:lvl2pPr marL="457200" marR="0" lvl="1" indent="0" algn="l" rtl="0">
               <a:spcBef>
                 <a:spcPts val="560"/>
               </a:spcBef>
@@ -9230,7 +9303,7 @@
               <a:buSzPts val="1400"/>
               <a:buFont typeface="Arial"/>
               <a:buNone/>
-              <a:defRPr b="0" i="0" sz="2800" u="none" cap="none" strike="noStrike">
+              <a:defRPr sz="2800" b="0" i="0" u="none" strike="noStrike" cap="none">
                 <a:solidFill>
                   <a:schemeClr val="dk1"/>
                 </a:solidFill>
@@ -9240,7 +9313,7 @@
                 <a:sym typeface="Arial"/>
               </a:defRPr>
             </a:lvl2pPr>
-            <a:lvl3pPr indent="0" lvl="2" marL="914400" marR="0" rtl="0" algn="l">
+            <a:lvl3pPr marL="914400" marR="0" lvl="2" indent="0" algn="l" rtl="0">
               <a:spcBef>
                 <a:spcPts val="480"/>
               </a:spcBef>
@@ -9253,7 +9326,7 @@
               <a:buSzPts val="1400"/>
               <a:buFont typeface="Arial"/>
               <a:buNone/>
-              <a:defRPr b="0" i="0" sz="2400" u="none" cap="none" strike="noStrike">
+              <a:defRPr sz="2400" b="0" i="0" u="none" strike="noStrike" cap="none">
                 <a:solidFill>
                   <a:schemeClr val="dk1"/>
                 </a:solidFill>
@@ -9263,7 +9336,7 @@
                 <a:sym typeface="Arial"/>
               </a:defRPr>
             </a:lvl3pPr>
-            <a:lvl4pPr indent="0" lvl="3" marL="1371600" marR="0" rtl="0" algn="l">
+            <a:lvl4pPr marL="1371600" marR="0" lvl="3" indent="0" algn="l" rtl="0">
               <a:spcBef>
                 <a:spcPts val="400"/>
               </a:spcBef>
@@ -9276,7 +9349,7 @@
               <a:buSzPts val="1400"/>
               <a:buFont typeface="Arial"/>
               <a:buNone/>
-              <a:defRPr b="0" i="0" sz="2000" u="none" cap="none" strike="noStrike">
+              <a:defRPr sz="2000" b="0" i="0" u="none" strike="noStrike" cap="none">
                 <a:solidFill>
                   <a:schemeClr val="dk1"/>
                 </a:solidFill>
@@ -9286,7 +9359,7 @@
                 <a:sym typeface="Arial"/>
               </a:defRPr>
             </a:lvl4pPr>
-            <a:lvl5pPr indent="0" lvl="4" marL="1828800" marR="0" rtl="0" algn="l">
+            <a:lvl5pPr marL="1828800" marR="0" lvl="4" indent="0" algn="l" rtl="0">
               <a:spcBef>
                 <a:spcPts val="400"/>
               </a:spcBef>
@@ -9299,7 +9372,7 @@
               <a:buSzPts val="1400"/>
               <a:buFont typeface="Arial"/>
               <a:buNone/>
-              <a:defRPr b="0" i="0" sz="2000" u="none" cap="none" strike="noStrike">
+              <a:defRPr sz="2000" b="0" i="0" u="none" strike="noStrike" cap="none">
                 <a:solidFill>
                   <a:schemeClr val="dk1"/>
                 </a:solidFill>
@@ -9309,7 +9382,7 @@
                 <a:sym typeface="Arial"/>
               </a:defRPr>
             </a:lvl5pPr>
-            <a:lvl6pPr indent="0" lvl="5" marL="2286000" marR="0" rtl="0" algn="l">
+            <a:lvl6pPr marL="2286000" marR="0" lvl="5" indent="0" algn="l" rtl="0">
               <a:spcBef>
                 <a:spcPts val="400"/>
               </a:spcBef>
@@ -9322,7 +9395,7 @@
               <a:buSzPts val="1400"/>
               <a:buFont typeface="Arial"/>
               <a:buNone/>
-              <a:defRPr b="0" i="0" sz="2000" u="none" cap="none" strike="noStrike">
+              <a:defRPr sz="2000" b="0" i="0" u="none" strike="noStrike" cap="none">
                 <a:solidFill>
                   <a:schemeClr val="dk1"/>
                 </a:solidFill>
@@ -9332,7 +9405,7 @@
                 <a:sym typeface="Arial"/>
               </a:defRPr>
             </a:lvl6pPr>
-            <a:lvl7pPr indent="0" lvl="6" marL="2743200" marR="0" rtl="0" algn="l">
+            <a:lvl7pPr marL="2743200" marR="0" lvl="6" indent="0" algn="l" rtl="0">
               <a:spcBef>
                 <a:spcPts val="400"/>
               </a:spcBef>
@@ -9345,7 +9418,7 @@
               <a:buSzPts val="1400"/>
               <a:buFont typeface="Arial"/>
               <a:buNone/>
-              <a:defRPr b="0" i="0" sz="2000" u="none" cap="none" strike="noStrike">
+              <a:defRPr sz="2000" b="0" i="0" u="none" strike="noStrike" cap="none">
                 <a:solidFill>
                   <a:schemeClr val="dk1"/>
                 </a:solidFill>
@@ -9355,7 +9428,7 @@
                 <a:sym typeface="Arial"/>
               </a:defRPr>
             </a:lvl7pPr>
-            <a:lvl8pPr indent="0" lvl="7" marL="3200400" marR="0" rtl="0" algn="l">
+            <a:lvl8pPr marL="3200400" marR="0" lvl="7" indent="0" algn="l" rtl="0">
               <a:spcBef>
                 <a:spcPts val="400"/>
               </a:spcBef>
@@ -9368,7 +9441,7 @@
               <a:buSzPts val="1400"/>
               <a:buFont typeface="Arial"/>
               <a:buNone/>
-              <a:defRPr b="0" i="0" sz="2000" u="none" cap="none" strike="noStrike">
+              <a:defRPr sz="2000" b="0" i="0" u="none" strike="noStrike" cap="none">
                 <a:solidFill>
                   <a:schemeClr val="dk1"/>
                 </a:solidFill>
@@ -9378,7 +9451,7 @@
                 <a:sym typeface="Arial"/>
               </a:defRPr>
             </a:lvl8pPr>
-            <a:lvl9pPr indent="0" lvl="8" marL="3657600" marR="0" rtl="0" algn="l">
+            <a:lvl9pPr marL="3657600" marR="0" lvl="8" indent="0" algn="l" rtl="0">
               <a:spcBef>
                 <a:spcPts val="400"/>
               </a:spcBef>
@@ -9391,7 +9464,7 @@
               <a:buSzPts val="1400"/>
               <a:buFont typeface="Arial"/>
               <a:buNone/>
-              <a:defRPr b="0" i="0" sz="2000" u="none" cap="none" strike="noStrike">
+              <a:defRPr sz="2000" b="0" i="0" u="none" strike="noStrike" cap="none">
                 <a:solidFill>
                   <a:schemeClr val="dk1"/>
                 </a:solidFill>
@@ -9402,7 +9475,9 @@
               </a:defRPr>
             </a:lvl9pPr>
           </a:lstStyle>
-          <a:p/>
+          <a:p>
+            <a:endParaRPr/>
+          </a:p>
         </p:txBody>
       </p:sp>
     </p:spTree>
@@ -9414,18 +9489,19 @@
 </file>
 
 <file path=ppt/slideMasters/slideMaster1.xml><?xml version="1.0" encoding="utf-8"?>
-<p:sldMaster xmlns:a="http://schemas.openxmlformats.org/drawingml/2006/main" xmlns:r="http://schemas.openxmlformats.org/officeDocument/2006/relationships" xmlns:mc="http://schemas.openxmlformats.org/markup-compatibility/2006" xmlns:mv="urn:schemas-microsoft-com:mac:vml" xmlns:p="http://schemas.openxmlformats.org/presentationml/2006/main" xmlns:c="http://schemas.openxmlformats.org/drawingml/2006/chart" xmlns:dgm="http://schemas.openxmlformats.org/drawingml/2006/diagram" xmlns:o="urn:schemas-microsoft-com:office:office" xmlns:v="urn:schemas-microsoft-com:vml" xmlns:pvml="urn:schemas-microsoft-com:office:powerpoint" xmlns:com="http://schemas.openxmlformats.org/drawingml/2006/compatibility" xmlns:p14="http://schemas.microsoft.com/office/powerpoint/2010/main" xmlns:p15="http://schemas.microsoft.com/office/powerpoint/2012/main">
+<p:sldMaster xmlns:a="http://schemas.openxmlformats.org/drawingml/2006/main" xmlns:r="http://schemas.openxmlformats.org/officeDocument/2006/relationships" xmlns:p="http://schemas.openxmlformats.org/presentationml/2006/main">
   <p:cSld>
     <p:bg>
       <p:bgPr>
         <a:solidFill>
           <a:schemeClr val="lt1"/>
         </a:solidFill>
+        <a:effectLst/>
       </p:bgPr>
     </p:bg>
     <p:spTree>
       <p:nvGrpSpPr>
-        <p:cNvPr id="5" name="Shape 5"/>
+        <p:cNvPr id="1" name="Shape 5"/>
         <p:cNvGrpSpPr/>
         <p:nvPr/>
       </p:nvGrpSpPr>
@@ -9439,7 +9515,7 @@
       </p:grpSpPr>
     </p:spTree>
   </p:cSld>
-  <p:clrMap accent1="accent1" accent2="accent2" accent3="accent3" accent4="accent4" accent5="accent5" accent6="accent6" bg1="lt1" bg2="dk2" tx1="dk1" tx2="lt2" folHlink="folHlink" hlink="hlink"/>
+  <p:clrMap bg1="lt1" tx1="dk1" bg2="dk2" tx2="lt2" accent1="accent1" accent2="accent2" accent3="accent3" accent4="accent4" accent5="accent5" accent6="accent6" hlink="hlink" folHlink="folHlink"/>
   <p:sldLayoutIdLst>
     <p:sldLayoutId id="2147483648" r:id="rId1"/>
     <p:sldLayoutId id="2147483649" r:id="rId2"/>
@@ -9462,10 +9538,10 @@
     <p:sldLayoutId id="2147483666" r:id="rId19"/>
     <p:sldLayoutId id="2147483667" r:id="rId20"/>
   </p:sldLayoutIdLst>
-  <p:hf dt="0" ftr="0" hdr="0" sldNum="0"/>
+  <p:hf sldNum="0" hdr="0" ftr="0" dt="0"/>
   <p:txStyles>
     <p:titleStyle>
-      <a:defPPr lvl="0" marR="0" rtl="0" algn="l">
+      <a:defPPr marR="0" lvl="0" algn="l" rtl="0">
         <a:lnSpc>
           <a:spcPct val="100000"/>
         </a:lnSpc>
@@ -9476,7 +9552,7 @@
           <a:spcPts val="0"/>
         </a:spcAft>
       </a:defPPr>
-      <a:lvl1pPr lvl="0" marR="0" rtl="0" algn="l">
+      <a:lvl1pPr marR="0" lvl="0" algn="l" rtl="0">
         <a:lnSpc>
           <a:spcPct val="100000"/>
         </a:lnSpc>
@@ -9490,7 +9566,7 @@
           <a:srgbClr val="000000"/>
         </a:buClr>
         <a:buFont typeface="Arial"/>
-        <a:defRPr b="0" i="0" sz="1400" u="none" cap="none" strike="noStrike">
+        <a:defRPr sz="1400" b="0" i="0" u="none" strike="noStrike" cap="none">
           <a:solidFill>
             <a:srgbClr val="000000"/>
           </a:solidFill>
@@ -9500,7 +9576,7 @@
           <a:sym typeface="Arial"/>
         </a:defRPr>
       </a:lvl1pPr>
-      <a:lvl2pPr lvl="1" marR="0" rtl="0" algn="l">
+      <a:lvl2pPr marR="0" lvl="1" algn="l" rtl="0">
         <a:lnSpc>
           <a:spcPct val="100000"/>
         </a:lnSpc>
@@ -9514,7 +9590,7 @@
           <a:srgbClr val="000000"/>
         </a:buClr>
         <a:buFont typeface="Arial"/>
-        <a:defRPr b="0" i="0" sz="1400" u="none" cap="none" strike="noStrike">
+        <a:defRPr sz="1400" b="0" i="0" u="none" strike="noStrike" cap="none">
           <a:solidFill>
             <a:srgbClr val="000000"/>
           </a:solidFill>
@@ -9524,7 +9600,7 @@
           <a:sym typeface="Arial"/>
         </a:defRPr>
       </a:lvl2pPr>
-      <a:lvl3pPr lvl="2" marR="0" rtl="0" algn="l">
+      <a:lvl3pPr marR="0" lvl="2" algn="l" rtl="0">
         <a:lnSpc>
           <a:spcPct val="100000"/>
         </a:lnSpc>
@@ -9538,7 +9614,7 @@
           <a:srgbClr val="000000"/>
         </a:buClr>
         <a:buFont typeface="Arial"/>
-        <a:defRPr b="0" i="0" sz="1400" u="none" cap="none" strike="noStrike">
+        <a:defRPr sz="1400" b="0" i="0" u="none" strike="noStrike" cap="none">
           <a:solidFill>
             <a:srgbClr val="000000"/>
           </a:solidFill>
@@ -9548,7 +9624,7 @@
           <a:sym typeface="Arial"/>
         </a:defRPr>
       </a:lvl3pPr>
-      <a:lvl4pPr lvl="3" marR="0" rtl="0" algn="l">
+      <a:lvl4pPr marR="0" lvl="3" algn="l" rtl="0">
         <a:lnSpc>
           <a:spcPct val="100000"/>
         </a:lnSpc>
@@ -9562,7 +9638,7 @@
           <a:srgbClr val="000000"/>
         </a:buClr>
         <a:buFont typeface="Arial"/>
-        <a:defRPr b="0" i="0" sz="1400" u="none" cap="none" strike="noStrike">
+        <a:defRPr sz="1400" b="0" i="0" u="none" strike="noStrike" cap="none">
           <a:solidFill>
             <a:srgbClr val="000000"/>
           </a:solidFill>
@@ -9572,7 +9648,7 @@
           <a:sym typeface="Arial"/>
         </a:defRPr>
       </a:lvl4pPr>
-      <a:lvl5pPr lvl="4" marR="0" rtl="0" algn="l">
+      <a:lvl5pPr marR="0" lvl="4" algn="l" rtl="0">
         <a:lnSpc>
           <a:spcPct val="100000"/>
         </a:lnSpc>
@@ -9586,7 +9662,7 @@
           <a:srgbClr val="000000"/>
         </a:buClr>
         <a:buFont typeface="Arial"/>
-        <a:defRPr b="0" i="0" sz="1400" u="none" cap="none" strike="noStrike">
+        <a:defRPr sz="1400" b="0" i="0" u="none" strike="noStrike" cap="none">
           <a:solidFill>
             <a:srgbClr val="000000"/>
           </a:solidFill>
@@ -9596,7 +9672,7 @@
           <a:sym typeface="Arial"/>
         </a:defRPr>
       </a:lvl5pPr>
-      <a:lvl6pPr lvl="5" marR="0" rtl="0" algn="l">
+      <a:lvl6pPr marR="0" lvl="5" algn="l" rtl="0">
         <a:lnSpc>
           <a:spcPct val="100000"/>
         </a:lnSpc>
@@ -9610,7 +9686,7 @@
           <a:srgbClr val="000000"/>
         </a:buClr>
         <a:buFont typeface="Arial"/>
-        <a:defRPr b="0" i="0" sz="1400" u="none" cap="none" strike="noStrike">
+        <a:defRPr sz="1400" b="0" i="0" u="none" strike="noStrike" cap="none">
           <a:solidFill>
             <a:srgbClr val="000000"/>
           </a:solidFill>
@@ -9620,7 +9696,7 @@
           <a:sym typeface="Arial"/>
         </a:defRPr>
       </a:lvl6pPr>
-      <a:lvl7pPr lvl="6" marR="0" rtl="0" algn="l">
+      <a:lvl7pPr marR="0" lvl="6" algn="l" rtl="0">
         <a:lnSpc>
           <a:spcPct val="100000"/>
         </a:lnSpc>
@@ -9634,7 +9710,7 @@
           <a:srgbClr val="000000"/>
         </a:buClr>
         <a:buFont typeface="Arial"/>
-        <a:defRPr b="0" i="0" sz="1400" u="none" cap="none" strike="noStrike">
+        <a:defRPr sz="1400" b="0" i="0" u="none" strike="noStrike" cap="none">
           <a:solidFill>
             <a:srgbClr val="000000"/>
           </a:solidFill>
@@ -9644,7 +9720,7 @@
           <a:sym typeface="Arial"/>
         </a:defRPr>
       </a:lvl7pPr>
-      <a:lvl8pPr lvl="7" marR="0" rtl="0" algn="l">
+      <a:lvl8pPr marR="0" lvl="7" algn="l" rtl="0">
         <a:lnSpc>
           <a:spcPct val="100000"/>
         </a:lnSpc>
@@ -9658,7 +9734,7 @@
           <a:srgbClr val="000000"/>
         </a:buClr>
         <a:buFont typeface="Arial"/>
-        <a:defRPr b="0" i="0" sz="1400" u="none" cap="none" strike="noStrike">
+        <a:defRPr sz="1400" b="0" i="0" u="none" strike="noStrike" cap="none">
           <a:solidFill>
             <a:srgbClr val="000000"/>
           </a:solidFill>
@@ -9668,7 +9744,7 @@
           <a:sym typeface="Arial"/>
         </a:defRPr>
       </a:lvl8pPr>
-      <a:lvl9pPr lvl="8" marR="0" rtl="0" algn="l">
+      <a:lvl9pPr marR="0" lvl="8" algn="l" rtl="0">
         <a:lnSpc>
           <a:spcPct val="100000"/>
         </a:lnSpc>
@@ -9682,7 +9758,7 @@
           <a:srgbClr val="000000"/>
         </a:buClr>
         <a:buFont typeface="Arial"/>
-        <a:defRPr b="0" i="0" sz="1400" u="none" cap="none" strike="noStrike">
+        <a:defRPr sz="1400" b="0" i="0" u="none" strike="noStrike" cap="none">
           <a:solidFill>
             <a:srgbClr val="000000"/>
           </a:solidFill>
@@ -9694,7 +9770,7 @@
       </a:lvl9pPr>
     </p:titleStyle>
     <p:bodyStyle>
-      <a:defPPr lvl="0" marR="0" rtl="0" algn="l">
+      <a:defPPr marR="0" lvl="0" algn="l" rtl="0">
         <a:lnSpc>
           <a:spcPct val="100000"/>
         </a:lnSpc>
@@ -9705,7 +9781,7 @@
           <a:spcPts val="0"/>
         </a:spcAft>
       </a:defPPr>
-      <a:lvl1pPr lvl="0" marR="0" rtl="0" algn="l">
+      <a:lvl1pPr marR="0" lvl="0" algn="l" rtl="0">
         <a:lnSpc>
           <a:spcPct val="100000"/>
         </a:lnSpc>
@@ -9719,7 +9795,7 @@
           <a:srgbClr val="000000"/>
         </a:buClr>
         <a:buFont typeface="Arial"/>
-        <a:defRPr b="0" i="0" sz="1400" u="none" cap="none" strike="noStrike">
+        <a:defRPr sz="1400" b="0" i="0" u="none" strike="noStrike" cap="none">
           <a:solidFill>
             <a:srgbClr val="000000"/>
           </a:solidFill>
@@ -9729,7 +9805,7 @@
           <a:sym typeface="Arial"/>
         </a:defRPr>
       </a:lvl1pPr>
-      <a:lvl2pPr lvl="1" marR="0" rtl="0" algn="l">
+      <a:lvl2pPr marR="0" lvl="1" algn="l" rtl="0">
         <a:lnSpc>
           <a:spcPct val="100000"/>
         </a:lnSpc>
@@ -9743,7 +9819,7 @@
           <a:srgbClr val="000000"/>
         </a:buClr>
         <a:buFont typeface="Arial"/>
-        <a:defRPr b="0" i="0" sz="1400" u="none" cap="none" strike="noStrike">
+        <a:defRPr sz="1400" b="0" i="0" u="none" strike="noStrike" cap="none">
           <a:solidFill>
             <a:srgbClr val="000000"/>
           </a:solidFill>
@@ -9753,7 +9829,7 @@
           <a:sym typeface="Arial"/>
         </a:defRPr>
       </a:lvl2pPr>
-      <a:lvl3pPr lvl="2" marR="0" rtl="0" algn="l">
+      <a:lvl3pPr marR="0" lvl="2" algn="l" rtl="0">
         <a:lnSpc>
           <a:spcPct val="100000"/>
         </a:lnSpc>
@@ -9767,7 +9843,7 @@
           <a:srgbClr val="000000"/>
         </a:buClr>
         <a:buFont typeface="Arial"/>
-        <a:defRPr b="0" i="0" sz="1400" u="none" cap="none" strike="noStrike">
+        <a:defRPr sz="1400" b="0" i="0" u="none" strike="noStrike" cap="none">
           <a:solidFill>
             <a:srgbClr val="000000"/>
           </a:solidFill>
@@ -9777,7 +9853,7 @@
           <a:sym typeface="Arial"/>
         </a:defRPr>
       </a:lvl3pPr>
-      <a:lvl4pPr lvl="3" marR="0" rtl="0" algn="l">
+      <a:lvl4pPr marR="0" lvl="3" algn="l" rtl="0">
         <a:lnSpc>
           <a:spcPct val="100000"/>
         </a:lnSpc>
@@ -9791,7 +9867,7 @@
           <a:srgbClr val="000000"/>
         </a:buClr>
         <a:buFont typeface="Arial"/>
-        <a:defRPr b="0" i="0" sz="1400" u="none" cap="none" strike="noStrike">
+        <a:defRPr sz="1400" b="0" i="0" u="none" strike="noStrike" cap="none">
           <a:solidFill>
             <a:srgbClr val="000000"/>
           </a:solidFill>
@@ -9801,7 +9877,7 @@
           <a:sym typeface="Arial"/>
         </a:defRPr>
       </a:lvl4pPr>
-      <a:lvl5pPr lvl="4" marR="0" rtl="0" algn="l">
+      <a:lvl5pPr marR="0" lvl="4" algn="l" rtl="0">
         <a:lnSpc>
           <a:spcPct val="100000"/>
         </a:lnSpc>
@@ -9815,7 +9891,7 @@
           <a:srgbClr val="000000"/>
         </a:buClr>
         <a:buFont typeface="Arial"/>
-        <a:defRPr b="0" i="0" sz="1400" u="none" cap="none" strike="noStrike">
+        <a:defRPr sz="1400" b="0" i="0" u="none" strike="noStrike" cap="none">
           <a:solidFill>
             <a:srgbClr val="000000"/>
           </a:solidFill>
@@ -9825,7 +9901,7 @@
           <a:sym typeface="Arial"/>
         </a:defRPr>
       </a:lvl5pPr>
-      <a:lvl6pPr lvl="5" marR="0" rtl="0" algn="l">
+      <a:lvl6pPr marR="0" lvl="5" algn="l" rtl="0">
         <a:lnSpc>
           <a:spcPct val="100000"/>
         </a:lnSpc>
@@ -9839,7 +9915,7 @@
           <a:srgbClr val="000000"/>
         </a:buClr>
         <a:buFont typeface="Arial"/>
-        <a:defRPr b="0" i="0" sz="1400" u="none" cap="none" strike="noStrike">
+        <a:defRPr sz="1400" b="0" i="0" u="none" strike="noStrike" cap="none">
           <a:solidFill>
             <a:srgbClr val="000000"/>
           </a:solidFill>
@@ -9849,7 +9925,7 @@
           <a:sym typeface="Arial"/>
         </a:defRPr>
       </a:lvl6pPr>
-      <a:lvl7pPr lvl="6" marR="0" rtl="0" algn="l">
+      <a:lvl7pPr marR="0" lvl="6" algn="l" rtl="0">
         <a:lnSpc>
           <a:spcPct val="100000"/>
         </a:lnSpc>
@@ -9863,7 +9939,7 @@
           <a:srgbClr val="000000"/>
         </a:buClr>
         <a:buFont typeface="Arial"/>
-        <a:defRPr b="0" i="0" sz="1400" u="none" cap="none" strike="noStrike">
+        <a:defRPr sz="1400" b="0" i="0" u="none" strike="noStrike" cap="none">
           <a:solidFill>
             <a:srgbClr val="000000"/>
           </a:solidFill>
@@ -9873,7 +9949,7 @@
           <a:sym typeface="Arial"/>
         </a:defRPr>
       </a:lvl7pPr>
-      <a:lvl8pPr lvl="7" marR="0" rtl="0" algn="l">
+      <a:lvl8pPr marR="0" lvl="7" algn="l" rtl="0">
         <a:lnSpc>
           <a:spcPct val="100000"/>
         </a:lnSpc>
@@ -9887,7 +9963,7 @@
           <a:srgbClr val="000000"/>
         </a:buClr>
         <a:buFont typeface="Arial"/>
-        <a:defRPr b="0" i="0" sz="1400" u="none" cap="none" strike="noStrike">
+        <a:defRPr sz="1400" b="0" i="0" u="none" strike="noStrike" cap="none">
           <a:solidFill>
             <a:srgbClr val="000000"/>
           </a:solidFill>
@@ -9897,7 +9973,7 @@
           <a:sym typeface="Arial"/>
         </a:defRPr>
       </a:lvl8pPr>
-      <a:lvl9pPr lvl="8" marR="0" rtl="0" algn="l">
+      <a:lvl9pPr marR="0" lvl="8" algn="l" rtl="0">
         <a:lnSpc>
           <a:spcPct val="100000"/>
         </a:lnSpc>
@@ -9911,7 +9987,7 @@
           <a:srgbClr val="000000"/>
         </a:buClr>
         <a:buFont typeface="Arial"/>
-        <a:defRPr b="0" i="0" sz="1400" u="none" cap="none" strike="noStrike">
+        <a:defRPr sz="1400" b="0" i="0" u="none" strike="noStrike" cap="none">
           <a:solidFill>
             <a:srgbClr val="000000"/>
           </a:solidFill>
@@ -9923,7 +9999,7 @@
       </a:lvl9pPr>
     </p:bodyStyle>
     <p:otherStyle>
-      <a:defPPr lvl="0" marR="0" rtl="0" algn="l">
+      <a:defPPr marR="0" lvl="0" algn="l" rtl="0">
         <a:lnSpc>
           <a:spcPct val="100000"/>
         </a:lnSpc>
@@ -9934,7 +10010,7 @@
           <a:spcPts val="0"/>
         </a:spcAft>
       </a:defPPr>
-      <a:lvl1pPr lvl="0" marR="0" rtl="0" algn="l">
+      <a:lvl1pPr marR="0" lvl="0" algn="l" rtl="0">
         <a:lnSpc>
           <a:spcPct val="100000"/>
         </a:lnSpc>
@@ -9948,7 +10024,7 @@
           <a:srgbClr val="000000"/>
         </a:buClr>
         <a:buFont typeface="Arial"/>
-        <a:defRPr b="0" i="0" sz="1400" u="none" cap="none" strike="noStrike">
+        <a:defRPr sz="1400" b="0" i="0" u="none" strike="noStrike" cap="none">
           <a:solidFill>
             <a:srgbClr val="000000"/>
           </a:solidFill>
@@ -9958,7 +10034,7 @@
           <a:sym typeface="Arial"/>
         </a:defRPr>
       </a:lvl1pPr>
-      <a:lvl2pPr lvl="1" marR="0" rtl="0" algn="l">
+      <a:lvl2pPr marR="0" lvl="1" algn="l" rtl="0">
         <a:lnSpc>
           <a:spcPct val="100000"/>
         </a:lnSpc>
@@ -9972,7 +10048,7 @@
           <a:srgbClr val="000000"/>
         </a:buClr>
         <a:buFont typeface="Arial"/>
-        <a:defRPr b="0" i="0" sz="1400" u="none" cap="none" strike="noStrike">
+        <a:defRPr sz="1400" b="0" i="0" u="none" strike="noStrike" cap="none">
           <a:solidFill>
             <a:srgbClr val="000000"/>
           </a:solidFill>
@@ -9982,7 +10058,7 @@
           <a:sym typeface="Arial"/>
         </a:defRPr>
       </a:lvl2pPr>
-      <a:lvl3pPr lvl="2" marR="0" rtl="0" algn="l">
+      <a:lvl3pPr marR="0" lvl="2" algn="l" rtl="0">
         <a:lnSpc>
           <a:spcPct val="100000"/>
         </a:lnSpc>
@@ -9996,7 +10072,7 @@
           <a:srgbClr val="000000"/>
         </a:buClr>
         <a:buFont typeface="Arial"/>
-        <a:defRPr b="0" i="0" sz="1400" u="none" cap="none" strike="noStrike">
+        <a:defRPr sz="1400" b="0" i="0" u="none" strike="noStrike" cap="none">
           <a:solidFill>
             <a:srgbClr val="000000"/>
           </a:solidFill>
@@ -10006,7 +10082,7 @@
           <a:sym typeface="Arial"/>
         </a:defRPr>
       </a:lvl3pPr>
-      <a:lvl4pPr lvl="3" marR="0" rtl="0" algn="l">
+      <a:lvl4pPr marR="0" lvl="3" algn="l" rtl="0">
         <a:lnSpc>
           <a:spcPct val="100000"/>
         </a:lnSpc>
@@ -10020,7 +10096,7 @@
           <a:srgbClr val="000000"/>
         </a:buClr>
         <a:buFont typeface="Arial"/>
-        <a:defRPr b="0" i="0" sz="1400" u="none" cap="none" strike="noStrike">
+        <a:defRPr sz="1400" b="0" i="0" u="none" strike="noStrike" cap="none">
           <a:solidFill>
             <a:srgbClr val="000000"/>
           </a:solidFill>
@@ -10030,7 +10106,7 @@
           <a:sym typeface="Arial"/>
         </a:defRPr>
       </a:lvl4pPr>
-      <a:lvl5pPr lvl="4" marR="0" rtl="0" algn="l">
+      <a:lvl5pPr marR="0" lvl="4" algn="l" rtl="0">
         <a:lnSpc>
           <a:spcPct val="100000"/>
         </a:lnSpc>
@@ -10044,7 +10120,7 @@
           <a:srgbClr val="000000"/>
         </a:buClr>
         <a:buFont typeface="Arial"/>
-        <a:defRPr b="0" i="0" sz="1400" u="none" cap="none" strike="noStrike">
+        <a:defRPr sz="1400" b="0" i="0" u="none" strike="noStrike" cap="none">
           <a:solidFill>
             <a:srgbClr val="000000"/>
           </a:solidFill>
@@ -10054,7 +10130,7 @@
           <a:sym typeface="Arial"/>
         </a:defRPr>
       </a:lvl5pPr>
-      <a:lvl6pPr lvl="5" marR="0" rtl="0" algn="l">
+      <a:lvl6pPr marR="0" lvl="5" algn="l" rtl="0">
         <a:lnSpc>
           <a:spcPct val="100000"/>
         </a:lnSpc>
@@ -10068,7 +10144,7 @@
           <a:srgbClr val="000000"/>
         </a:buClr>
         <a:buFont typeface="Arial"/>
-        <a:defRPr b="0" i="0" sz="1400" u="none" cap="none" strike="noStrike">
+        <a:defRPr sz="1400" b="0" i="0" u="none" strike="noStrike" cap="none">
           <a:solidFill>
             <a:srgbClr val="000000"/>
           </a:solidFill>
@@ -10078,7 +10154,7 @@
           <a:sym typeface="Arial"/>
         </a:defRPr>
       </a:lvl6pPr>
-      <a:lvl7pPr lvl="6" marR="0" rtl="0" algn="l">
+      <a:lvl7pPr marR="0" lvl="6" algn="l" rtl="0">
         <a:lnSpc>
           <a:spcPct val="100000"/>
         </a:lnSpc>
@@ -10092,7 +10168,7 @@
           <a:srgbClr val="000000"/>
         </a:buClr>
         <a:buFont typeface="Arial"/>
-        <a:defRPr b="0" i="0" sz="1400" u="none" cap="none" strike="noStrike">
+        <a:defRPr sz="1400" b="0" i="0" u="none" strike="noStrike" cap="none">
           <a:solidFill>
             <a:srgbClr val="000000"/>
           </a:solidFill>
@@ -10102,7 +10178,7 @@
           <a:sym typeface="Arial"/>
         </a:defRPr>
       </a:lvl7pPr>
-      <a:lvl8pPr lvl="7" marR="0" rtl="0" algn="l">
+      <a:lvl8pPr marR="0" lvl="7" algn="l" rtl="0">
         <a:lnSpc>
           <a:spcPct val="100000"/>
         </a:lnSpc>
@@ -10116,7 +10192,7 @@
           <a:srgbClr val="000000"/>
         </a:buClr>
         <a:buFont typeface="Arial"/>
-        <a:defRPr b="0" i="0" sz="1400" u="none" cap="none" strike="noStrike">
+        <a:defRPr sz="1400" b="0" i="0" u="none" strike="noStrike" cap="none">
           <a:solidFill>
             <a:srgbClr val="000000"/>
           </a:solidFill>
@@ -10126,7 +10202,7 @@
           <a:sym typeface="Arial"/>
         </a:defRPr>
       </a:lvl8pPr>
-      <a:lvl9pPr lvl="8" marR="0" rtl="0" algn="l">
+      <a:lvl9pPr marR="0" lvl="8" algn="l" rtl="0">
         <a:lnSpc>
           <a:spcPct val="100000"/>
         </a:lnSpc>
@@ -10140,7 +10216,7 @@
           <a:srgbClr val="000000"/>
         </a:buClr>
         <a:buFont typeface="Arial"/>
-        <a:defRPr b="0" i="0" sz="1400" u="none" cap="none" strike="noStrike">
+        <a:defRPr sz="1400" b="0" i="0" u="none" strike="noStrike" cap="none">
           <a:solidFill>
             <a:srgbClr val="000000"/>
           </a:solidFill>
@@ -10156,11 +10232,11 @@
 </file>
 
 <file path=ppt/slides/slide1.xml><?xml version="1.0" encoding="utf-8"?>
-<p:sld xmlns:a="http://schemas.openxmlformats.org/drawingml/2006/main" xmlns:r="http://schemas.openxmlformats.org/officeDocument/2006/relationships" xmlns:mc="http://schemas.openxmlformats.org/markup-compatibility/2006" xmlns:mv="urn:schemas-microsoft-com:mac:vml" xmlns:p="http://schemas.openxmlformats.org/presentationml/2006/main" xmlns:c="http://schemas.openxmlformats.org/drawingml/2006/chart" xmlns:dgm="http://schemas.openxmlformats.org/drawingml/2006/diagram" xmlns:o="urn:schemas-microsoft-com:office:office" xmlns:v="urn:schemas-microsoft-com:vml" xmlns:pvml="urn:schemas-microsoft-com:office:powerpoint" xmlns:com="http://schemas.openxmlformats.org/drawingml/2006/compatibility" xmlns:p14="http://schemas.microsoft.com/office/powerpoint/2010/main" xmlns:p15="http://schemas.microsoft.com/office/powerpoint/2012/main">
+<p:sld xmlns:a="http://schemas.openxmlformats.org/drawingml/2006/main" xmlns:r="http://schemas.openxmlformats.org/officeDocument/2006/relationships" xmlns:p="http://schemas.openxmlformats.org/presentationml/2006/main">
   <p:cSld>
     <p:spTree>
       <p:nvGrpSpPr>
-        <p:cNvPr id="111" name="Shape 111"/>
+        <p:cNvPr id="1" name="Shape 111"/>
         <p:cNvGrpSpPr/>
         <p:nvPr/>
       </p:nvGrpSpPr>
@@ -10175,7 +10251,9 @@
       <p:sp>
         <p:nvSpPr>
           <p:cNvPr id="112" name="Google Shape;112;p22"/>
-          <p:cNvSpPr txBox="1"/>
+          <p:cNvSpPr txBox="1">
+            <a:spLocks noGrp="1"/>
+          </p:cNvSpPr>
           <p:nvPr>
             <p:ph type="title"/>
           </p:nvPr>
@@ -10190,12 +10268,12 @@
           </a:prstGeom>
         </p:spPr>
         <p:txBody>
-          <a:bodyPr anchorCtr="0" anchor="ctr" bIns="91425" lIns="91425" spcFirstLastPara="1" rIns="91425" wrap="square" tIns="91425">
+          <a:bodyPr spcFirstLastPara="1" wrap="square" lIns="91425" tIns="91425" rIns="91425" bIns="91425" anchor="ctr" anchorCtr="0">
             <a:noAutofit/>
           </a:bodyPr>
           <a:lstStyle/>
           <a:p>
-            <a:pPr indent="0" lvl="0" marL="0" rtl="0" algn="l">
+            <a:pPr marL="0" lvl="0" indent="0" algn="l" rtl="0">
               <a:lnSpc>
                 <a:spcPct val="80000"/>
               </a:lnSpc>
@@ -10213,11 +10291,7 @@
             </a:pPr>
             <a:r>
               <a:rPr lang="en"/>
-              <a:t>K</a:t>
-            </a:r>
-            <a:r>
-              <a:rPr lang="en"/>
-              <a:t>rusty Krab and Big Data</a:t>
+              <a:t>Krusty Krab and Big Data</a:t>
             </a:r>
             <a:endParaRPr/>
           </a:p>
@@ -10226,9 +10300,11 @@
       <p:sp>
         <p:nvSpPr>
           <p:cNvPr id="113" name="Google Shape;113;p22"/>
-          <p:cNvSpPr txBox="1"/>
+          <p:cNvSpPr txBox="1">
+            <a:spLocks noGrp="1"/>
+          </p:cNvSpPr>
           <p:nvPr>
-            <p:ph idx="1" type="subTitle"/>
+            <p:ph type="subTitle" idx="1"/>
           </p:nvPr>
         </p:nvSpPr>
         <p:spPr>
@@ -10241,12 +10317,12 @@
           </a:prstGeom>
         </p:spPr>
         <p:txBody>
-          <a:bodyPr anchorCtr="0" anchor="ctr" bIns="91425" lIns="91425" spcFirstLastPara="1" rIns="91425" wrap="square" tIns="91425">
+          <a:bodyPr spcFirstLastPara="1" wrap="square" lIns="91425" tIns="91425" rIns="91425" bIns="91425" anchor="ctr" anchorCtr="0">
             <a:noAutofit/>
           </a:bodyPr>
           <a:lstStyle/>
           <a:p>
-            <a:pPr indent="0" lvl="0" marL="0" rtl="0" algn="l">
+            <a:pPr marL="0" lvl="0" indent="0" algn="l" rtl="0">
               <a:spcBef>
                 <a:spcPts val="0"/>
               </a:spcBef>
@@ -10261,11 +10337,7 @@
             </a:pPr>
             <a:r>
               <a:rPr lang="en"/>
-              <a:t>Applying big data on </a:t>
-            </a:r>
-            <a:r>
-              <a:rPr lang="en"/>
-              <a:t>restaurants business</a:t>
+              <a:t>Applying big data on restaurants business</a:t>
             </a:r>
             <a:endParaRPr/>
           </a:p>
@@ -10288,23 +10360,23 @@
           <a:solidFill>
             <a:srgbClr val="61B4F6"/>
           </a:solidFill>
-          <a:ln cap="flat" cmpd="sng" w="9525">
+          <a:ln w="9525" cap="flat" cmpd="sng">
             <a:solidFill>
               <a:srgbClr val="61B4F6"/>
             </a:solidFill>
             <a:prstDash val="solid"/>
             <a:round/>
-            <a:headEnd len="sm" w="sm" type="none"/>
-            <a:tailEnd len="sm" w="sm" type="none"/>
+            <a:headEnd type="none" w="sm" len="sm"/>
+            <a:tailEnd type="none" w="sm" len="sm"/>
           </a:ln>
         </p:spPr>
         <p:txBody>
-          <a:bodyPr anchorCtr="0" anchor="ctr" bIns="91425" lIns="91425" spcFirstLastPara="1" rIns="91425" wrap="square" tIns="91425">
+          <a:bodyPr spcFirstLastPara="1" wrap="square" lIns="91425" tIns="91425" rIns="91425" bIns="91425" anchor="ctr" anchorCtr="0">
             <a:noAutofit/>
           </a:bodyPr>
           <a:lstStyle/>
           <a:p>
-            <a:pPr indent="0" lvl="0" marL="0" rtl="0" algn="l">
+            <a:pPr marL="0" lvl="0" indent="0" algn="l" rtl="0">
               <a:spcBef>
                 <a:spcPts val="0"/>
               </a:spcBef>
@@ -10313,9 +10385,6 @@
               </a:spcAft>
               <a:buNone/>
             </a:pPr>
-            <a:r>
-              <a:t/>
-            </a:r>
             <a:endParaRPr/>
           </a:p>
         </p:txBody>
@@ -10329,11 +10398,11 @@
 </file>
 
 <file path=ppt/slides/slide2.xml><?xml version="1.0" encoding="utf-8"?>
-<p:sld xmlns:a="http://schemas.openxmlformats.org/drawingml/2006/main" xmlns:r="http://schemas.openxmlformats.org/officeDocument/2006/relationships" xmlns:mc="http://schemas.openxmlformats.org/markup-compatibility/2006" xmlns:mv="urn:schemas-microsoft-com:mac:vml" xmlns:p="http://schemas.openxmlformats.org/presentationml/2006/main" xmlns:c="http://schemas.openxmlformats.org/drawingml/2006/chart" xmlns:dgm="http://schemas.openxmlformats.org/drawingml/2006/diagram" xmlns:o="urn:schemas-microsoft-com:office:office" xmlns:v="urn:schemas-microsoft-com:vml" xmlns:pvml="urn:schemas-microsoft-com:office:powerpoint" xmlns:com="http://schemas.openxmlformats.org/drawingml/2006/compatibility" xmlns:p14="http://schemas.microsoft.com/office/powerpoint/2010/main" xmlns:p15="http://schemas.microsoft.com/office/powerpoint/2012/main">
+<p:sld xmlns:a="http://schemas.openxmlformats.org/drawingml/2006/main" xmlns:r="http://schemas.openxmlformats.org/officeDocument/2006/relationships" xmlns:p="http://schemas.openxmlformats.org/presentationml/2006/main">
   <p:cSld>
     <p:spTree>
       <p:nvGrpSpPr>
-        <p:cNvPr id="118" name="Shape 118"/>
+        <p:cNvPr id="1" name="Shape 118"/>
         <p:cNvGrpSpPr/>
         <p:nvPr/>
       </p:nvGrpSpPr>
@@ -10372,8 +10441,8 @@
             </a:xfrm>
             <a:prstGeom prst="round2SameRect">
               <a:avLst>
-                <a:gd fmla="val 50000" name="adj1"/>
-                <a:gd fmla="val 0" name="adj2"/>
+                <a:gd name="adj1" fmla="val 50000"/>
+                <a:gd name="adj2" fmla="val 0"/>
               </a:avLst>
             </a:prstGeom>
             <a:solidFill>
@@ -10384,12 +10453,12 @@
             </a:ln>
           </p:spPr>
           <p:txBody>
-            <a:bodyPr anchorCtr="0" anchor="ctr" bIns="45700" lIns="91425" spcFirstLastPara="1" rIns="91425" wrap="square" tIns="45700">
+            <a:bodyPr spcFirstLastPara="1" wrap="square" lIns="91425" tIns="45700" rIns="91425" bIns="45700" anchor="ctr" anchorCtr="0">
               <a:noAutofit/>
             </a:bodyPr>
             <a:lstStyle/>
             <a:p>
-              <a:pPr indent="0" lvl="0" marL="0" marR="0" rtl="0" algn="ctr">
+              <a:pPr marL="0" marR="0" lvl="0" indent="0" algn="ctr" rtl="0">
                 <a:spcBef>
                   <a:spcPts val="0"/>
                 </a:spcBef>
@@ -10398,9 +10467,6 @@
                 </a:spcAft>
                 <a:buNone/>
               </a:pPr>
-              <a:r>
-                <a:t/>
-              </a:r>
               <a:endParaRPr sz="1800">
                 <a:solidFill>
                   <a:schemeClr val="lt1"/>
@@ -10435,12 +10501,12 @@
             </a:ln>
           </p:spPr>
           <p:txBody>
-            <a:bodyPr anchorCtr="0" anchor="ctr" bIns="45700" lIns="91425" spcFirstLastPara="1" rIns="91425" wrap="square" tIns="45700">
+            <a:bodyPr spcFirstLastPara="1" wrap="square" lIns="91425" tIns="45700" rIns="91425" bIns="45700" anchor="ctr" anchorCtr="0">
               <a:noAutofit/>
             </a:bodyPr>
             <a:lstStyle/>
             <a:p>
-              <a:pPr indent="0" lvl="0" marL="0" marR="0" rtl="0" algn="ctr">
+              <a:pPr marL="0" marR="0" lvl="0" indent="0" algn="ctr" rtl="0">
                 <a:spcBef>
                   <a:spcPts val="0"/>
                 </a:spcBef>
@@ -10449,9 +10515,6 @@
                 </a:spcAft>
                 <a:buNone/>
               </a:pPr>
-              <a:r>
-                <a:t/>
-              </a:r>
               <a:endParaRPr sz="1800">
                 <a:solidFill>
                   <a:schemeClr val="lt1"/>
@@ -10484,12 +10547,12 @@
             </a:ln>
           </p:spPr>
           <p:txBody>
-            <a:bodyPr anchorCtr="0" anchor="t" bIns="45700" lIns="91425" spcFirstLastPara="1" rIns="91425" wrap="square" tIns="45700">
+            <a:bodyPr spcFirstLastPara="1" wrap="square" lIns="91425" tIns="45700" rIns="91425" bIns="45700" anchor="t" anchorCtr="0">
               <a:noAutofit/>
             </a:bodyPr>
             <a:lstStyle/>
             <a:p>
-              <a:pPr indent="0" lvl="0" marL="0" marR="0" rtl="0" algn="l">
+              <a:pPr marL="0" marR="0" lvl="0" indent="0" algn="l" rtl="0">
                 <a:spcBef>
                   <a:spcPts val="0"/>
                 </a:spcBef>
@@ -10499,7 +10562,7 @@
                 <a:buNone/>
               </a:pPr>
               <a:r>
-                <a:rPr b="1" lang="en" sz="1800">
+                <a:rPr lang="en" sz="1800" b="1">
                   <a:solidFill>
                     <a:srgbClr val="61B4F6"/>
                   </a:solidFill>
@@ -10510,7 +10573,7 @@
                 </a:rPr>
                 <a:t>01</a:t>
               </a:r>
-              <a:endParaRPr b="1" sz="1800">
+              <a:endParaRPr sz="1800" b="1">
                 <a:solidFill>
                   <a:srgbClr val="61B4F6"/>
                 </a:solidFill>
@@ -10550,8 +10613,8 @@
             </a:xfrm>
             <a:prstGeom prst="round2SameRect">
               <a:avLst>
-                <a:gd fmla="val 50000" name="adj1"/>
-                <a:gd fmla="val 0" name="adj2"/>
+                <a:gd name="adj1" fmla="val 50000"/>
+                <a:gd name="adj2" fmla="val 0"/>
               </a:avLst>
             </a:prstGeom>
             <a:solidFill>
@@ -10562,12 +10625,12 @@
             </a:ln>
           </p:spPr>
           <p:txBody>
-            <a:bodyPr anchorCtr="0" anchor="ctr" bIns="45700" lIns="91425" spcFirstLastPara="1" rIns="91425" wrap="square" tIns="45700">
+            <a:bodyPr spcFirstLastPara="1" wrap="square" lIns="91425" tIns="45700" rIns="91425" bIns="45700" anchor="ctr" anchorCtr="0">
               <a:noAutofit/>
             </a:bodyPr>
             <a:lstStyle/>
             <a:p>
-              <a:pPr indent="0" lvl="0" marL="0" marR="0" rtl="0" algn="ctr">
+              <a:pPr marL="0" marR="0" lvl="0" indent="0" algn="ctr" rtl="0">
                 <a:spcBef>
                   <a:spcPts val="0"/>
                 </a:spcBef>
@@ -10576,9 +10639,6 @@
                 </a:spcAft>
                 <a:buNone/>
               </a:pPr>
-              <a:r>
-                <a:t/>
-              </a:r>
               <a:endParaRPr sz="1800">
                 <a:solidFill>
                   <a:schemeClr val="lt1"/>
@@ -10613,12 +10673,12 @@
             </a:ln>
           </p:spPr>
           <p:txBody>
-            <a:bodyPr anchorCtr="0" anchor="ctr" bIns="45700" lIns="91425" spcFirstLastPara="1" rIns="91425" wrap="square" tIns="45700">
+            <a:bodyPr spcFirstLastPara="1" wrap="square" lIns="91425" tIns="45700" rIns="91425" bIns="45700" anchor="ctr" anchorCtr="0">
               <a:noAutofit/>
             </a:bodyPr>
             <a:lstStyle/>
             <a:p>
-              <a:pPr indent="0" lvl="0" marL="0" marR="0" rtl="0" algn="ctr">
+              <a:pPr marL="0" marR="0" lvl="0" indent="0" algn="ctr" rtl="0">
                 <a:spcBef>
                   <a:spcPts val="0"/>
                 </a:spcBef>
@@ -10627,9 +10687,6 @@
                 </a:spcAft>
                 <a:buNone/>
               </a:pPr>
-              <a:r>
-                <a:t/>
-              </a:r>
               <a:endParaRPr sz="1800">
                 <a:solidFill>
                   <a:schemeClr val="lt1"/>
@@ -10662,12 +10719,12 @@
             </a:ln>
           </p:spPr>
           <p:txBody>
-            <a:bodyPr anchorCtr="0" anchor="t" bIns="45700" lIns="91425" spcFirstLastPara="1" rIns="91425" wrap="square" tIns="45700">
+            <a:bodyPr spcFirstLastPara="1" wrap="square" lIns="91425" tIns="45700" rIns="91425" bIns="45700" anchor="t" anchorCtr="0">
               <a:noAutofit/>
             </a:bodyPr>
             <a:lstStyle/>
             <a:p>
-              <a:pPr indent="0" lvl="0" marL="0" marR="0" rtl="0" algn="l">
+              <a:pPr marL="0" marR="0" lvl="0" indent="0" algn="l" rtl="0">
                 <a:spcBef>
                   <a:spcPts val="0"/>
                 </a:spcBef>
@@ -10677,7 +10734,7 @@
                 <a:buNone/>
               </a:pPr>
               <a:r>
-                <a:rPr b="1" lang="en" sz="1800">
+                <a:rPr lang="en" sz="1800" b="1">
                   <a:solidFill>
                     <a:srgbClr val="61B4F6"/>
                   </a:solidFill>
@@ -10688,7 +10745,7 @@
                 </a:rPr>
                 <a:t>02</a:t>
               </a:r>
-              <a:endParaRPr b="1" sz="1800">
+              <a:endParaRPr sz="1800" b="1">
                 <a:solidFill>
                   <a:srgbClr val="61B4F6"/>
                 </a:solidFill>
@@ -10728,8 +10785,8 @@
             </a:xfrm>
             <a:prstGeom prst="round2SameRect">
               <a:avLst>
-                <a:gd fmla="val 50000" name="adj1"/>
-                <a:gd fmla="val 0" name="adj2"/>
+                <a:gd name="adj1" fmla="val 50000"/>
+                <a:gd name="adj2" fmla="val 0"/>
               </a:avLst>
             </a:prstGeom>
             <a:solidFill>
@@ -10740,12 +10797,12 @@
             </a:ln>
           </p:spPr>
           <p:txBody>
-            <a:bodyPr anchorCtr="0" anchor="ctr" bIns="45700" lIns="91425" spcFirstLastPara="1" rIns="91425" wrap="square" tIns="45700">
+            <a:bodyPr spcFirstLastPara="1" wrap="square" lIns="91425" tIns="45700" rIns="91425" bIns="45700" anchor="ctr" anchorCtr="0">
               <a:noAutofit/>
             </a:bodyPr>
             <a:lstStyle/>
             <a:p>
-              <a:pPr indent="0" lvl="0" marL="0" marR="0" rtl="0" algn="ctr">
+              <a:pPr marL="0" marR="0" lvl="0" indent="0" algn="ctr" rtl="0">
                 <a:spcBef>
                   <a:spcPts val="0"/>
                 </a:spcBef>
@@ -10754,9 +10811,6 @@
                 </a:spcAft>
                 <a:buNone/>
               </a:pPr>
-              <a:r>
-                <a:t/>
-              </a:r>
               <a:endParaRPr sz="1800">
                 <a:solidFill>
                   <a:schemeClr val="lt1"/>
@@ -10791,12 +10845,12 @@
             </a:ln>
           </p:spPr>
           <p:txBody>
-            <a:bodyPr anchorCtr="0" anchor="ctr" bIns="45700" lIns="91425" spcFirstLastPara="1" rIns="91425" wrap="square" tIns="45700">
+            <a:bodyPr spcFirstLastPara="1" wrap="square" lIns="91425" tIns="45700" rIns="91425" bIns="45700" anchor="ctr" anchorCtr="0">
               <a:noAutofit/>
             </a:bodyPr>
             <a:lstStyle/>
             <a:p>
-              <a:pPr indent="0" lvl="0" marL="0" marR="0" rtl="0" algn="ctr">
+              <a:pPr marL="0" marR="0" lvl="0" indent="0" algn="ctr" rtl="0">
                 <a:spcBef>
                   <a:spcPts val="0"/>
                 </a:spcBef>
@@ -10805,9 +10859,6 @@
                 </a:spcAft>
                 <a:buNone/>
               </a:pPr>
-              <a:r>
-                <a:t/>
-              </a:r>
               <a:endParaRPr sz="1800">
                 <a:solidFill>
                   <a:schemeClr val="lt1"/>
@@ -10840,12 +10891,12 @@
             </a:ln>
           </p:spPr>
           <p:txBody>
-            <a:bodyPr anchorCtr="0" anchor="t" bIns="45700" lIns="91425" spcFirstLastPara="1" rIns="91425" wrap="square" tIns="45700">
+            <a:bodyPr spcFirstLastPara="1" wrap="square" lIns="91425" tIns="45700" rIns="91425" bIns="45700" anchor="t" anchorCtr="0">
               <a:noAutofit/>
             </a:bodyPr>
             <a:lstStyle/>
             <a:p>
-              <a:pPr indent="0" lvl="0" marL="0" marR="0" rtl="0" algn="l">
+              <a:pPr marL="0" marR="0" lvl="0" indent="0" algn="l" rtl="0">
                 <a:spcBef>
                   <a:spcPts val="0"/>
                 </a:spcBef>
@@ -10855,7 +10906,7 @@
                 <a:buNone/>
               </a:pPr>
               <a:r>
-                <a:rPr b="1" lang="en" sz="1800">
+                <a:rPr lang="en" sz="1800" b="1">
                   <a:solidFill>
                     <a:srgbClr val="61B4F6"/>
                   </a:solidFill>
@@ -10866,7 +10917,7 @@
                 </a:rPr>
                 <a:t>03</a:t>
               </a:r>
-              <a:endParaRPr b="1" sz="1800">
+              <a:endParaRPr sz="1800" b="1">
                 <a:solidFill>
                   <a:srgbClr val="61B4F6"/>
                 </a:solidFill>
@@ -10906,8 +10957,8 @@
             </a:xfrm>
             <a:prstGeom prst="round2SameRect">
               <a:avLst>
-                <a:gd fmla="val 50000" name="adj1"/>
-                <a:gd fmla="val 0" name="adj2"/>
+                <a:gd name="adj1" fmla="val 50000"/>
+                <a:gd name="adj2" fmla="val 0"/>
               </a:avLst>
             </a:prstGeom>
             <a:solidFill>
@@ -10918,12 +10969,12 @@
             </a:ln>
           </p:spPr>
           <p:txBody>
-            <a:bodyPr anchorCtr="0" anchor="ctr" bIns="45700" lIns="91425" spcFirstLastPara="1" rIns="91425" wrap="square" tIns="45700">
+            <a:bodyPr spcFirstLastPara="1" wrap="square" lIns="91425" tIns="45700" rIns="91425" bIns="45700" anchor="ctr" anchorCtr="0">
               <a:noAutofit/>
             </a:bodyPr>
             <a:lstStyle/>
             <a:p>
-              <a:pPr indent="0" lvl="0" marL="0" marR="0" rtl="0" algn="ctr">
+              <a:pPr marL="0" marR="0" lvl="0" indent="0" algn="ctr" rtl="0">
                 <a:spcBef>
                   <a:spcPts val="0"/>
                 </a:spcBef>
@@ -10932,9 +10983,6 @@
                 </a:spcAft>
                 <a:buNone/>
               </a:pPr>
-              <a:r>
-                <a:t/>
-              </a:r>
               <a:endParaRPr sz="1800">
                 <a:solidFill>
                   <a:schemeClr val="lt1"/>
@@ -10969,12 +11017,12 @@
             </a:ln>
           </p:spPr>
           <p:txBody>
-            <a:bodyPr anchorCtr="0" anchor="ctr" bIns="45700" lIns="91425" spcFirstLastPara="1" rIns="91425" wrap="square" tIns="45700">
+            <a:bodyPr spcFirstLastPara="1" wrap="square" lIns="91425" tIns="45700" rIns="91425" bIns="45700" anchor="ctr" anchorCtr="0">
               <a:noAutofit/>
             </a:bodyPr>
             <a:lstStyle/>
             <a:p>
-              <a:pPr indent="0" lvl="0" marL="0" marR="0" rtl="0" algn="ctr">
+              <a:pPr marL="0" marR="0" lvl="0" indent="0" algn="ctr" rtl="0">
                 <a:spcBef>
                   <a:spcPts val="0"/>
                 </a:spcBef>
@@ -10983,9 +11031,6 @@
                 </a:spcAft>
                 <a:buNone/>
               </a:pPr>
-              <a:r>
-                <a:t/>
-              </a:r>
               <a:endParaRPr sz="1800">
                 <a:solidFill>
                   <a:schemeClr val="lt1"/>
@@ -11018,12 +11063,12 @@
             </a:ln>
           </p:spPr>
           <p:txBody>
-            <a:bodyPr anchorCtr="0" anchor="t" bIns="45700" lIns="91425" spcFirstLastPara="1" rIns="91425" wrap="square" tIns="45700">
+            <a:bodyPr spcFirstLastPara="1" wrap="square" lIns="91425" tIns="45700" rIns="91425" bIns="45700" anchor="t" anchorCtr="0">
               <a:noAutofit/>
             </a:bodyPr>
             <a:lstStyle/>
             <a:p>
-              <a:pPr indent="0" lvl="0" marL="0" marR="0" rtl="0" algn="l">
+              <a:pPr marL="0" marR="0" lvl="0" indent="0" algn="l" rtl="0">
                 <a:spcBef>
                   <a:spcPts val="0"/>
                 </a:spcBef>
@@ -11033,7 +11078,7 @@
                 <a:buNone/>
               </a:pPr>
               <a:r>
-                <a:rPr b="1" lang="en" sz="1800">
+                <a:rPr lang="en" sz="1800" b="1">
                   <a:solidFill>
                     <a:srgbClr val="61B4F6"/>
                   </a:solidFill>
@@ -11044,7 +11089,7 @@
                 </a:rPr>
                 <a:t>04</a:t>
               </a:r>
-              <a:endParaRPr b="1" sz="1800">
+              <a:endParaRPr sz="1800" b="1">
                 <a:solidFill>
                   <a:srgbClr val="61B4F6"/>
                 </a:solidFill>
@@ -11084,8 +11129,8 @@
             </a:xfrm>
             <a:prstGeom prst="round2SameRect">
               <a:avLst>
-                <a:gd fmla="val 50000" name="adj1"/>
-                <a:gd fmla="val 0" name="adj2"/>
+                <a:gd name="adj1" fmla="val 50000"/>
+                <a:gd name="adj2" fmla="val 0"/>
               </a:avLst>
             </a:prstGeom>
             <a:solidFill>
@@ -11096,12 +11141,12 @@
             </a:ln>
           </p:spPr>
           <p:txBody>
-            <a:bodyPr anchorCtr="0" anchor="ctr" bIns="45700" lIns="91425" spcFirstLastPara="1" rIns="91425" wrap="square" tIns="45700">
+            <a:bodyPr spcFirstLastPara="1" wrap="square" lIns="91425" tIns="45700" rIns="91425" bIns="45700" anchor="ctr" anchorCtr="0">
               <a:noAutofit/>
             </a:bodyPr>
             <a:lstStyle/>
             <a:p>
-              <a:pPr indent="0" lvl="0" marL="0" marR="0" rtl="0" algn="ctr">
+              <a:pPr marL="0" marR="0" lvl="0" indent="0" algn="ctr" rtl="0">
                 <a:spcBef>
                   <a:spcPts val="0"/>
                 </a:spcBef>
@@ -11110,9 +11155,6 @@
                 </a:spcAft>
                 <a:buNone/>
               </a:pPr>
-              <a:r>
-                <a:t/>
-              </a:r>
               <a:endParaRPr sz="1800">
                 <a:solidFill>
                   <a:schemeClr val="lt1"/>
@@ -11147,12 +11189,12 @@
             </a:ln>
           </p:spPr>
           <p:txBody>
-            <a:bodyPr anchorCtr="0" anchor="ctr" bIns="45700" lIns="91425" spcFirstLastPara="1" rIns="91425" wrap="square" tIns="45700">
+            <a:bodyPr spcFirstLastPara="1" wrap="square" lIns="91425" tIns="45700" rIns="91425" bIns="45700" anchor="ctr" anchorCtr="0">
               <a:noAutofit/>
             </a:bodyPr>
             <a:lstStyle/>
             <a:p>
-              <a:pPr indent="0" lvl="0" marL="0" marR="0" rtl="0" algn="ctr">
+              <a:pPr marL="0" marR="0" lvl="0" indent="0" algn="ctr" rtl="0">
                 <a:spcBef>
                   <a:spcPts val="0"/>
                 </a:spcBef>
@@ -11161,9 +11203,6 @@
                 </a:spcAft>
                 <a:buNone/>
               </a:pPr>
-              <a:r>
-                <a:t/>
-              </a:r>
               <a:endParaRPr sz="1800">
                 <a:solidFill>
                   <a:schemeClr val="lt1"/>
@@ -11196,12 +11235,12 @@
             </a:ln>
           </p:spPr>
           <p:txBody>
-            <a:bodyPr anchorCtr="0" anchor="t" bIns="45700" lIns="91425" spcFirstLastPara="1" rIns="91425" wrap="square" tIns="45700">
+            <a:bodyPr spcFirstLastPara="1" wrap="square" lIns="91425" tIns="45700" rIns="91425" bIns="45700" anchor="t" anchorCtr="0">
               <a:noAutofit/>
             </a:bodyPr>
             <a:lstStyle/>
             <a:p>
-              <a:pPr indent="0" lvl="0" marL="0" marR="0" rtl="0" algn="l">
+              <a:pPr marL="0" marR="0" lvl="0" indent="0" algn="l" rtl="0">
                 <a:spcBef>
                   <a:spcPts val="0"/>
                 </a:spcBef>
@@ -11211,7 +11250,7 @@
                 <a:buNone/>
               </a:pPr>
               <a:r>
-                <a:rPr b="1" lang="en" sz="1800">
+                <a:rPr lang="en" sz="1800" b="1">
                   <a:solidFill>
                     <a:srgbClr val="61B4F6"/>
                   </a:solidFill>
@@ -11222,7 +11261,7 @@
                 </a:rPr>
                 <a:t>05</a:t>
               </a:r>
-              <a:endParaRPr b="1" sz="1800">
+              <a:endParaRPr sz="1800" b="1">
                 <a:solidFill>
                   <a:srgbClr val="61B4F6"/>
                 </a:solidFill>
@@ -11255,12 +11294,12 @@
           </a:ln>
         </p:spPr>
         <p:txBody>
-          <a:bodyPr anchorCtr="0" anchor="t" bIns="45700" lIns="91425" spcFirstLastPara="1" rIns="91425" wrap="square" tIns="45700">
+          <a:bodyPr spcFirstLastPara="1" wrap="square" lIns="91425" tIns="45700" rIns="91425" bIns="45700" anchor="t" anchorCtr="0">
             <a:noAutofit/>
           </a:bodyPr>
           <a:lstStyle/>
           <a:p>
-            <a:pPr indent="0" lvl="0" marL="0" marR="0" rtl="0" algn="l">
+            <a:pPr marL="0" marR="0" lvl="0" indent="0" algn="l" rtl="0">
               <a:spcBef>
                 <a:spcPts val="0"/>
               </a:spcBef>
@@ -11270,14 +11309,30 @@
               <a:buNone/>
             </a:pPr>
             <a:r>
-              <a:rPr lang="en" sz="1200">
+              <a:rPr lang="en" sz="1200" dirty="0">
                 <a:solidFill>
                   <a:schemeClr val="lt1"/>
                 </a:solidFill>
               </a:rPr>
-              <a:t>Abdirahman Abdullahi          1432401</a:t>
+              <a:t>Abdirahman </a:t>
             </a:r>
-            <a:endParaRPr sz="1200">
+            <a:r>
+              <a:rPr lang="en" sz="1200" dirty="0" err="1">
+                <a:solidFill>
+                  <a:schemeClr val="lt1"/>
+                </a:solidFill>
+              </a:rPr>
+              <a:t>Abdullahi</a:t>
+            </a:r>
+            <a:r>
+              <a:rPr lang="en" sz="1200" dirty="0">
+                <a:solidFill>
+                  <a:schemeClr val="lt1"/>
+                </a:solidFill>
+              </a:rPr>
+              <a:t>          1432401</a:t>
+            </a:r>
+            <a:endParaRPr sz="1200" dirty="0">
               <a:solidFill>
                 <a:schemeClr val="lt1"/>
               </a:solidFill>
@@ -11309,12 +11364,12 @@
           </a:ln>
         </p:spPr>
         <p:txBody>
-          <a:bodyPr anchorCtr="0" anchor="t" bIns="45700" lIns="91425" spcFirstLastPara="1" rIns="91425" wrap="square" tIns="45700">
+          <a:bodyPr spcFirstLastPara="1" wrap="square" lIns="91425" tIns="45700" rIns="91425" bIns="45700" anchor="t" anchorCtr="0">
             <a:noAutofit/>
           </a:bodyPr>
           <a:lstStyle/>
           <a:p>
-            <a:pPr indent="0" lvl="0" marL="0" marR="0" rtl="0" algn="l">
+            <a:pPr marL="0" marR="0" lvl="0" indent="0" algn="l" rtl="0">
               <a:spcBef>
                 <a:spcPts val="0"/>
               </a:spcBef>
@@ -11324,14 +11379,30 @@
               <a:buNone/>
             </a:pPr>
             <a:r>
-              <a:rPr lang="en" sz="1200">
+              <a:rPr lang="en" sz="1200" dirty="0">
                 <a:solidFill>
                   <a:schemeClr val="lt1"/>
                 </a:solidFill>
               </a:rPr>
-              <a:t> Mohamed Alrefaei  		1617111</a:t>
+              <a:t> Mohamed </a:t>
             </a:r>
-            <a:endParaRPr sz="1200">
+            <a:r>
+              <a:rPr lang="en" sz="1200" dirty="0" err="1">
+                <a:solidFill>
+                  <a:schemeClr val="lt1"/>
+                </a:solidFill>
+              </a:rPr>
+              <a:t>Alrefaei</a:t>
+            </a:r>
+            <a:r>
+              <a:rPr lang="en" sz="1200" dirty="0">
+                <a:solidFill>
+                  <a:schemeClr val="lt1"/>
+                </a:solidFill>
+              </a:rPr>
+              <a:t>  	1617111</a:t>
+            </a:r>
+            <a:endParaRPr sz="1200" dirty="0">
               <a:solidFill>
                 <a:schemeClr val="lt1"/>
               </a:solidFill>
@@ -11363,12 +11434,12 @@
           </a:ln>
         </p:spPr>
         <p:txBody>
-          <a:bodyPr anchorCtr="0" anchor="t" bIns="45700" lIns="91425" spcFirstLastPara="1" rIns="91425" wrap="square" tIns="45700">
+          <a:bodyPr spcFirstLastPara="1" wrap="square" lIns="91425" tIns="45700" rIns="91425" bIns="45700" anchor="t" anchorCtr="0">
             <a:noAutofit/>
           </a:bodyPr>
           <a:lstStyle/>
           <a:p>
-            <a:pPr indent="0" lvl="0" marL="0" marR="0" rtl="0" algn="l">
+            <a:pPr marL="0" marR="0" lvl="0" indent="0" algn="l" rtl="0">
               <a:spcBef>
                 <a:spcPts val="0"/>
               </a:spcBef>
@@ -11386,14 +11457,14 @@
               <a:t> Dr. Raini Binti Hassan  </a:t>
             </a:r>
             <a:r>
-              <a:rPr b="1" lang="en" sz="1200">
+              <a:rPr lang="en" sz="1200" b="1">
                 <a:solidFill>
                   <a:schemeClr val="lt1"/>
                 </a:solidFill>
               </a:rPr>
               <a:t>(Instructor)</a:t>
             </a:r>
-            <a:endParaRPr b="1" sz="1200">
+            <a:endParaRPr sz="1200" b="1">
               <a:solidFill>
                 <a:schemeClr val="lt1"/>
               </a:solidFill>
@@ -11421,12 +11492,12 @@
           </a:ln>
         </p:spPr>
         <p:txBody>
-          <a:bodyPr anchorCtr="0" anchor="t" bIns="45700" lIns="91425" spcFirstLastPara="1" rIns="91425" wrap="square" tIns="45700">
+          <a:bodyPr spcFirstLastPara="1" wrap="square" lIns="91425" tIns="45700" rIns="91425" bIns="45700" anchor="t" anchorCtr="0">
             <a:noAutofit/>
           </a:bodyPr>
           <a:lstStyle/>
           <a:p>
-            <a:pPr indent="0" lvl="0" marL="0" marR="0" rtl="0" algn="l">
+            <a:pPr marL="0" marR="0" lvl="0" indent="0" algn="l" rtl="0">
               <a:spcBef>
                 <a:spcPts val="0"/>
               </a:spcBef>
@@ -11475,12 +11546,12 @@
           </a:ln>
         </p:spPr>
         <p:txBody>
-          <a:bodyPr anchorCtr="0" anchor="t" bIns="45700" lIns="91425" spcFirstLastPara="1" rIns="91425" wrap="square" tIns="45700">
+          <a:bodyPr spcFirstLastPara="1" wrap="square" lIns="91425" tIns="45700" rIns="91425" bIns="45700" anchor="t" anchorCtr="0">
             <a:noAutofit/>
           </a:bodyPr>
           <a:lstStyle/>
           <a:p>
-            <a:pPr indent="0" lvl="0" marL="0" marR="0" rtl="0" algn="l">
+            <a:pPr marL="0" marR="0" lvl="0" indent="0" algn="l" rtl="0">
               <a:spcBef>
                 <a:spcPts val="0"/>
               </a:spcBef>
@@ -11490,14 +11561,14 @@
               <a:buNone/>
             </a:pPr>
             <a:r>
-              <a:rPr lang="en" sz="1200">
+              <a:rPr lang="en" sz="1200" dirty="0">
                 <a:solidFill>
                   <a:schemeClr val="lt1"/>
                 </a:solidFill>
               </a:rPr>
-              <a:t>MHD Khaled  Maen		1523591</a:t>
+              <a:t>MHD Khaled  Maen	1523591</a:t>
             </a:r>
-            <a:endParaRPr sz="1200">
+            <a:endParaRPr sz="1200" dirty="0">
               <a:solidFill>
                 <a:schemeClr val="lt1"/>
               </a:solidFill>
@@ -11512,7 +11583,9 @@
       <p:sp>
         <p:nvSpPr>
           <p:cNvPr id="144" name="Google Shape;144;p23"/>
-          <p:cNvSpPr txBox="1"/>
+          <p:cNvSpPr txBox="1">
+            <a:spLocks noGrp="1"/>
+          </p:cNvSpPr>
           <p:nvPr>
             <p:ph type="title"/>
           </p:nvPr>
@@ -11527,12 +11600,12 @@
           </a:prstGeom>
         </p:spPr>
         <p:txBody>
-          <a:bodyPr anchorCtr="0" anchor="ctr" bIns="91425" lIns="91425" spcFirstLastPara="1" rIns="91425" wrap="square" tIns="91425">
+          <a:bodyPr spcFirstLastPara="1" wrap="square" lIns="91425" tIns="91425" rIns="91425" bIns="91425" anchor="ctr" anchorCtr="0">
             <a:noAutofit/>
           </a:bodyPr>
           <a:lstStyle/>
           <a:p>
-            <a:pPr indent="0" lvl="0" marL="0" rtl="0" algn="l">
+            <a:pPr marL="0" lvl="0" indent="0" algn="l" rtl="0">
               <a:spcBef>
                 <a:spcPts val="0"/>
               </a:spcBef>
@@ -11562,11 +11635,11 @@
 </file>
 
 <file path=ppt/slides/slide3.xml><?xml version="1.0" encoding="utf-8"?>
-<p:sld xmlns:a="http://schemas.openxmlformats.org/drawingml/2006/main" xmlns:r="http://schemas.openxmlformats.org/officeDocument/2006/relationships" xmlns:mc="http://schemas.openxmlformats.org/markup-compatibility/2006" xmlns:mv="urn:schemas-microsoft-com:mac:vml" xmlns:p="http://schemas.openxmlformats.org/presentationml/2006/main" xmlns:c="http://schemas.openxmlformats.org/drawingml/2006/chart" xmlns:dgm="http://schemas.openxmlformats.org/drawingml/2006/diagram" xmlns:o="urn:schemas-microsoft-com:office:office" xmlns:v="urn:schemas-microsoft-com:vml" xmlns:pvml="urn:schemas-microsoft-com:office:powerpoint" xmlns:com="http://schemas.openxmlformats.org/drawingml/2006/compatibility" xmlns:p14="http://schemas.microsoft.com/office/powerpoint/2010/main" xmlns:p15="http://schemas.microsoft.com/office/powerpoint/2012/main">
+<p:sld xmlns:a="http://schemas.openxmlformats.org/drawingml/2006/main" xmlns:r="http://schemas.openxmlformats.org/officeDocument/2006/relationships" xmlns:p="http://schemas.openxmlformats.org/presentationml/2006/main">
   <p:cSld>
     <p:spTree>
       <p:nvGrpSpPr>
-        <p:cNvPr id="148" name="Shape 148"/>
+        <p:cNvPr id="1" name="Shape 148"/>
         <p:cNvGrpSpPr/>
         <p:nvPr/>
       </p:nvGrpSpPr>
@@ -11605,7 +11678,7 @@
             </a:xfrm>
             <a:prstGeom prst="trapezoid">
               <a:avLst>
-                <a:gd fmla="val 25000" name="adj"/>
+                <a:gd name="adj" fmla="val 25000"/>
               </a:avLst>
             </a:prstGeom>
             <a:solidFill>
@@ -11616,12 +11689,12 @@
             </a:ln>
           </p:spPr>
           <p:txBody>
-            <a:bodyPr anchorCtr="0" anchor="ctr" bIns="45700" lIns="91425" spcFirstLastPara="1" rIns="91425" wrap="square" tIns="45700">
+            <a:bodyPr spcFirstLastPara="1" wrap="square" lIns="91425" tIns="45700" rIns="91425" bIns="45700" anchor="ctr" anchorCtr="0">
               <a:noAutofit/>
             </a:bodyPr>
             <a:lstStyle/>
             <a:p>
-              <a:pPr indent="0" lvl="0" marL="0" marR="0" rtl="0" algn="ctr">
+              <a:pPr marL="0" marR="0" lvl="0" indent="0" algn="ctr" rtl="0">
                 <a:spcBef>
                   <a:spcPts val="0"/>
                 </a:spcBef>
@@ -11630,9 +11703,6 @@
                 </a:spcAft>
                 <a:buNone/>
               </a:pPr>
-              <a:r>
-                <a:t/>
-              </a:r>
               <a:endParaRPr sz="1800">
                 <a:solidFill>
                   <a:schemeClr val="lt1"/>
@@ -11667,12 +11737,12 @@
             </a:ln>
           </p:spPr>
           <p:txBody>
-            <a:bodyPr anchorCtr="0" anchor="ctr" bIns="45700" lIns="91425" spcFirstLastPara="1" rIns="91425" wrap="square" tIns="45700">
+            <a:bodyPr spcFirstLastPara="1" wrap="square" lIns="91425" tIns="45700" rIns="91425" bIns="45700" anchor="ctr" anchorCtr="0">
               <a:noAutofit/>
             </a:bodyPr>
             <a:lstStyle/>
             <a:p>
-              <a:pPr indent="0" lvl="0" marL="0" marR="0" rtl="0" algn="ctr">
+              <a:pPr marL="0" marR="0" lvl="0" indent="0" algn="ctr" rtl="0">
                 <a:spcBef>
                   <a:spcPts val="0"/>
                 </a:spcBef>
@@ -11681,9 +11751,6 @@
                 </a:spcAft>
                 <a:buNone/>
               </a:pPr>
-              <a:r>
-                <a:t/>
-              </a:r>
               <a:endParaRPr sz="1800">
                 <a:solidFill>
                   <a:schemeClr val="lt1"/>
@@ -11713,23 +11780,23 @@
             <a:solidFill>
               <a:schemeClr val="lt1"/>
             </a:solidFill>
-            <a:ln cap="flat" cmpd="sng" w="38100">
+            <a:ln w="38100" cap="flat" cmpd="sng">
               <a:solidFill>
                 <a:srgbClr val="61B4F6"/>
               </a:solidFill>
               <a:prstDash val="solid"/>
               <a:round/>
-              <a:headEnd len="sm" w="sm" type="none"/>
-              <a:tailEnd len="sm" w="sm" type="none"/>
+              <a:headEnd type="none" w="sm" len="sm"/>
+              <a:tailEnd type="none" w="sm" len="sm"/>
             </a:ln>
           </p:spPr>
           <p:txBody>
-            <a:bodyPr anchorCtr="0" anchor="ctr" bIns="45700" lIns="91425" spcFirstLastPara="1" rIns="91425" wrap="square" tIns="45700">
+            <a:bodyPr spcFirstLastPara="1" wrap="square" lIns="91425" tIns="45700" rIns="91425" bIns="45700" anchor="ctr" anchorCtr="0">
               <a:noAutofit/>
             </a:bodyPr>
             <a:lstStyle/>
             <a:p>
-              <a:pPr indent="0" lvl="0" marL="0" marR="0" rtl="0" algn="ctr">
+              <a:pPr marL="0" marR="0" lvl="0" indent="0" algn="ctr" rtl="0">
                 <a:spcBef>
                   <a:spcPts val="0"/>
                 </a:spcBef>
@@ -11738,9 +11805,6 @@
                 </a:spcAft>
                 <a:buNone/>
               </a:pPr>
-              <a:r>
-                <a:t/>
-              </a:r>
               <a:endParaRPr sz="1800">
                 <a:solidFill>
                   <a:schemeClr val="lt1"/>
@@ -11766,9 +11830,13 @@
             <a:ext cx="626100" cy="529500"/>
           </a:xfrm>
           <a:custGeom>
-            <a:rect b="b" l="l" r="r" t="t"/>
+            <a:avLst/>
+            <a:gdLst/>
+            <a:ahLst/>
+            <a:cxnLst/>
+            <a:rect l="l" t="t" r="r" b="b"/>
             <a:pathLst>
-              <a:path extrusionOk="0" h="120000" w="120000">
+              <a:path w="120000" h="120000" extrusionOk="0">
                 <a:moveTo>
                   <a:pt x="45880" y="100923"/>
                 </a:moveTo>
@@ -11837,12 +11905,12 @@
           </a:ln>
         </p:spPr>
         <p:txBody>
-          <a:bodyPr anchorCtr="0" anchor="ctr" bIns="45700" lIns="91425" spcFirstLastPara="1" rIns="91425" wrap="square" tIns="45700">
+          <a:bodyPr spcFirstLastPara="1" wrap="square" lIns="91425" tIns="45700" rIns="91425" bIns="45700" anchor="ctr" anchorCtr="0">
             <a:noAutofit/>
           </a:bodyPr>
           <a:lstStyle/>
           <a:p>
-            <a:pPr indent="0" lvl="0" marL="0" marR="0" rtl="0" algn="ctr">
+            <a:pPr marL="0" marR="0" lvl="0" indent="0" algn="ctr" rtl="0">
               <a:spcBef>
                 <a:spcPts val="0"/>
               </a:spcBef>
@@ -11851,9 +11919,6 @@
               </a:spcAft>
               <a:buNone/>
             </a:pPr>
-            <a:r>
-              <a:t/>
-            </a:r>
             <a:endParaRPr sz="1800">
               <a:solidFill>
                 <a:schemeClr val="lt1"/>
@@ -11878,9 +11943,13 @@
             <a:ext cx="551100" cy="438000"/>
           </a:xfrm>
           <a:custGeom>
-            <a:rect b="b" l="l" r="r" t="t"/>
+            <a:avLst/>
+            <a:gdLst/>
+            <a:ahLst/>
+            <a:cxnLst/>
+            <a:rect l="l" t="t" r="r" b="b"/>
             <a:pathLst>
-              <a:path extrusionOk="0" h="120000" w="120000">
+              <a:path w="120000" h="120000" extrusionOk="0">
                 <a:moveTo>
                   <a:pt x="88644" y="84564"/>
                 </a:moveTo>
@@ -12030,12 +12099,12 @@
           </a:ln>
         </p:spPr>
         <p:txBody>
-          <a:bodyPr anchorCtr="0" anchor="ctr" bIns="45700" lIns="91425" spcFirstLastPara="1" rIns="91425" wrap="square" tIns="45700">
+          <a:bodyPr spcFirstLastPara="1" wrap="square" lIns="91425" tIns="45700" rIns="91425" bIns="45700" anchor="ctr" anchorCtr="0">
             <a:noAutofit/>
           </a:bodyPr>
           <a:lstStyle/>
           <a:p>
-            <a:pPr indent="0" lvl="0" marL="0" marR="0" rtl="0" algn="ctr">
+            <a:pPr marL="0" marR="0" lvl="0" indent="0" algn="ctr" rtl="0">
               <a:spcBef>
                 <a:spcPts val="0"/>
               </a:spcBef>
@@ -12044,9 +12113,6 @@
               </a:spcAft>
               <a:buNone/>
             </a:pPr>
-            <a:r>
-              <a:t/>
-            </a:r>
             <a:endParaRPr sz="1800">
               <a:solidFill>
                 <a:schemeClr val="lt1"/>
@@ -12081,12 +12147,12 @@
           </a:ln>
         </p:spPr>
         <p:txBody>
-          <a:bodyPr anchorCtr="0" anchor="t" bIns="45700" lIns="91425" spcFirstLastPara="1" rIns="91425" wrap="square" tIns="45700">
+          <a:bodyPr spcFirstLastPara="1" wrap="square" lIns="91425" tIns="45700" rIns="91425" bIns="45700" anchor="t" anchorCtr="0">
             <a:noAutofit/>
           </a:bodyPr>
           <a:lstStyle/>
           <a:p>
-            <a:pPr indent="0" lvl="0" marL="0" marR="0" rtl="0" algn="ctr">
+            <a:pPr marL="0" marR="0" lvl="0" indent="0" algn="ctr" rtl="0">
               <a:spcBef>
                 <a:spcPts val="0"/>
               </a:spcBef>
@@ -12096,14 +12162,14 @@
               <a:buNone/>
             </a:pPr>
             <a:r>
-              <a:rPr b="1" lang="en" sz="1200">
+              <a:rPr lang="en" sz="1200" b="1">
                 <a:solidFill>
                   <a:schemeClr val="lt1"/>
                 </a:solidFill>
               </a:rPr>
               <a:t>Methodology</a:t>
             </a:r>
-            <a:endParaRPr b="1" sz="1200">
+            <a:endParaRPr sz="1200" b="1">
               <a:solidFill>
                 <a:schemeClr val="lt1"/>
               </a:solidFill>
@@ -12137,12 +12203,12 @@
           </a:ln>
         </p:spPr>
         <p:txBody>
-          <a:bodyPr anchorCtr="0" anchor="t" bIns="45700" lIns="91425" spcFirstLastPara="1" rIns="91425" wrap="square" tIns="45700">
+          <a:bodyPr spcFirstLastPara="1" wrap="square" lIns="91425" tIns="45700" rIns="91425" bIns="45700" anchor="t" anchorCtr="0">
             <a:noAutofit/>
           </a:bodyPr>
           <a:lstStyle/>
           <a:p>
-            <a:pPr indent="0" lvl="0" marL="0" marR="0" rtl="0" algn="ctr">
+            <a:pPr marL="0" marR="0" lvl="0" indent="0" algn="ctr" rtl="0">
               <a:spcBef>
                 <a:spcPts val="0"/>
               </a:spcBef>
@@ -12152,14 +12218,14 @@
               <a:buNone/>
             </a:pPr>
             <a:r>
-              <a:rPr b="1" lang="en" sz="1200">
+              <a:rPr lang="en" sz="1200" b="1">
                 <a:solidFill>
                   <a:schemeClr val="lt1"/>
                 </a:solidFill>
               </a:rPr>
               <a:t>results</a:t>
             </a:r>
-            <a:endParaRPr b="1" sz="1200">
+            <a:endParaRPr sz="1200" b="1">
               <a:solidFill>
                 <a:schemeClr val="lt1"/>
               </a:solidFill>
@@ -12183,9 +12249,13 @@
             <a:ext cx="318600" cy="551100"/>
           </a:xfrm>
           <a:custGeom>
-            <a:rect b="b" l="l" r="r" t="t"/>
+            <a:avLst/>
+            <a:gdLst/>
+            <a:ahLst/>
+            <a:cxnLst/>
+            <a:rect l="l" t="t" r="r" b="b"/>
             <a:pathLst>
-              <a:path extrusionOk="0" h="120000" w="120000">
+              <a:path w="120000" h="120000" extrusionOk="0">
                 <a:moveTo>
                   <a:pt x="59999" y="105648"/>
                 </a:moveTo>
@@ -12297,12 +12367,12 @@
           </a:ln>
         </p:spPr>
         <p:txBody>
-          <a:bodyPr anchorCtr="0" anchor="ctr" bIns="45700" lIns="91425" spcFirstLastPara="1" rIns="91425" wrap="square" tIns="45700">
+          <a:bodyPr spcFirstLastPara="1" wrap="square" lIns="91425" tIns="45700" rIns="91425" bIns="45700" anchor="ctr" anchorCtr="0">
             <a:noAutofit/>
           </a:bodyPr>
           <a:lstStyle/>
           <a:p>
-            <a:pPr indent="0" lvl="0" marL="0" marR="0" rtl="0" algn="ctr">
+            <a:pPr marL="0" marR="0" lvl="0" indent="0" algn="ctr" rtl="0">
               <a:spcBef>
                 <a:spcPts val="0"/>
               </a:spcBef>
@@ -12311,9 +12381,6 @@
               </a:spcAft>
               <a:buNone/>
             </a:pPr>
-            <a:r>
-              <a:t/>
-            </a:r>
             <a:endParaRPr sz="1800">
               <a:solidFill>
                 <a:schemeClr val="lt1"/>
@@ -12329,7 +12396,9 @@
       <p:sp>
         <p:nvSpPr>
           <p:cNvPr id="158" name="Google Shape;158;p24"/>
-          <p:cNvSpPr txBox="1"/>
+          <p:cNvSpPr txBox="1">
+            <a:spLocks noGrp="1"/>
+          </p:cNvSpPr>
           <p:nvPr>
             <p:ph type="title"/>
           </p:nvPr>
@@ -12344,12 +12413,12 @@
           </a:prstGeom>
         </p:spPr>
         <p:txBody>
-          <a:bodyPr anchorCtr="0" anchor="ctr" bIns="91425" lIns="91425" spcFirstLastPara="1" rIns="91425" wrap="square" tIns="91425">
+          <a:bodyPr spcFirstLastPara="1" wrap="square" lIns="91425" tIns="91425" rIns="91425" bIns="91425" anchor="ctr" anchorCtr="0">
             <a:noAutofit/>
           </a:bodyPr>
           <a:lstStyle/>
           <a:p>
-            <a:pPr indent="0" lvl="0" marL="0" rtl="0" algn="ctr">
+            <a:pPr marL="0" lvl="0" indent="0" algn="ctr" rtl="0">
               <a:spcBef>
                 <a:spcPts val="0"/>
               </a:spcBef>
@@ -12393,12 +12462,12 @@
           </a:ln>
         </p:spPr>
         <p:txBody>
-          <a:bodyPr anchorCtr="0" anchor="t" bIns="45700" lIns="91425" spcFirstLastPara="1" rIns="91425" wrap="square" tIns="45700">
+          <a:bodyPr spcFirstLastPara="1" wrap="square" lIns="91425" tIns="45700" rIns="91425" bIns="45700" anchor="t" anchorCtr="0">
             <a:noAutofit/>
           </a:bodyPr>
           <a:lstStyle/>
           <a:p>
-            <a:pPr indent="0" lvl="0" marL="0" marR="0" rtl="0" algn="ctr">
+            <a:pPr marL="0" marR="0" lvl="0" indent="0" algn="ctr" rtl="0">
               <a:spcBef>
                 <a:spcPts val="0"/>
               </a:spcBef>
@@ -12408,14 +12477,14 @@
               <a:buNone/>
             </a:pPr>
             <a:r>
-              <a:rPr b="1" lang="en" sz="1200">
+              <a:rPr lang="en" sz="1200" b="1">
                 <a:solidFill>
                   <a:schemeClr val="lt1"/>
                 </a:solidFill>
               </a:rPr>
               <a:t>Intro.</a:t>
             </a:r>
-            <a:endParaRPr b="1" sz="1200">
+            <a:endParaRPr sz="1200" b="1">
               <a:solidFill>
                 <a:schemeClr val="lt1"/>
               </a:solidFill>
@@ -12454,7 +12523,7 @@
             </a:xfrm>
             <a:prstGeom prst="trapezoid">
               <a:avLst>
-                <a:gd fmla="val 25000" name="adj"/>
+                <a:gd name="adj" fmla="val 25000"/>
               </a:avLst>
             </a:prstGeom>
             <a:solidFill>
@@ -12465,12 +12534,12 @@
             </a:ln>
           </p:spPr>
           <p:txBody>
-            <a:bodyPr anchorCtr="0" anchor="ctr" bIns="45700" lIns="91425" spcFirstLastPara="1" rIns="91425" wrap="square" tIns="45700">
+            <a:bodyPr spcFirstLastPara="1" wrap="square" lIns="91425" tIns="45700" rIns="91425" bIns="45700" anchor="ctr" anchorCtr="0">
               <a:noAutofit/>
             </a:bodyPr>
             <a:lstStyle/>
             <a:p>
-              <a:pPr indent="0" lvl="0" marL="0" marR="0" rtl="0" algn="ctr">
+              <a:pPr marL="0" marR="0" lvl="0" indent="0" algn="ctr" rtl="0">
                 <a:spcBef>
                   <a:spcPts val="0"/>
                 </a:spcBef>
@@ -12479,9 +12548,6 @@
                 </a:spcAft>
                 <a:buNone/>
               </a:pPr>
-              <a:r>
-                <a:t/>
-              </a:r>
               <a:endParaRPr sz="1800">
                 <a:solidFill>
                   <a:schemeClr val="lt1"/>
@@ -12516,12 +12582,12 @@
             </a:ln>
           </p:spPr>
           <p:txBody>
-            <a:bodyPr anchorCtr="0" anchor="ctr" bIns="45700" lIns="91425" spcFirstLastPara="1" rIns="91425" wrap="square" tIns="45700">
+            <a:bodyPr spcFirstLastPara="1" wrap="square" lIns="91425" tIns="45700" rIns="91425" bIns="45700" anchor="ctr" anchorCtr="0">
               <a:noAutofit/>
             </a:bodyPr>
             <a:lstStyle/>
             <a:p>
-              <a:pPr indent="0" lvl="0" marL="0" marR="0" rtl="0" algn="ctr">
+              <a:pPr marL="0" marR="0" lvl="0" indent="0" algn="ctr" rtl="0">
                 <a:spcBef>
                   <a:spcPts val="0"/>
                 </a:spcBef>
@@ -12530,9 +12596,6 @@
                 </a:spcAft>
                 <a:buNone/>
               </a:pPr>
-              <a:r>
-                <a:t/>
-              </a:r>
               <a:endParaRPr sz="1800">
                 <a:solidFill>
                   <a:schemeClr val="lt1"/>
@@ -12562,23 +12625,23 @@
             <a:solidFill>
               <a:schemeClr val="lt1"/>
             </a:solidFill>
-            <a:ln cap="flat" cmpd="sng" w="38100">
+            <a:ln w="38100" cap="flat" cmpd="sng">
               <a:solidFill>
                 <a:srgbClr val="61B4F6"/>
               </a:solidFill>
               <a:prstDash val="solid"/>
               <a:round/>
-              <a:headEnd len="sm" w="sm" type="none"/>
-              <a:tailEnd len="sm" w="sm" type="none"/>
+              <a:headEnd type="none" w="sm" len="sm"/>
+              <a:tailEnd type="none" w="sm" len="sm"/>
             </a:ln>
           </p:spPr>
           <p:txBody>
-            <a:bodyPr anchorCtr="0" anchor="ctr" bIns="45700" lIns="91425" spcFirstLastPara="1" rIns="91425" wrap="square" tIns="45700">
+            <a:bodyPr spcFirstLastPara="1" wrap="square" lIns="91425" tIns="45700" rIns="91425" bIns="45700" anchor="ctr" anchorCtr="0">
               <a:noAutofit/>
             </a:bodyPr>
             <a:lstStyle/>
             <a:p>
-              <a:pPr indent="0" lvl="0" marL="0" marR="0" rtl="0" algn="ctr">
+              <a:pPr marL="0" marR="0" lvl="0" indent="0" algn="ctr" rtl="0">
                 <a:spcBef>
                   <a:spcPts val="0"/>
                 </a:spcBef>
@@ -12587,9 +12650,6 @@
                 </a:spcAft>
                 <a:buNone/>
               </a:pPr>
-              <a:r>
-                <a:t/>
-              </a:r>
               <a:endParaRPr sz="1800">
                 <a:solidFill>
                   <a:schemeClr val="lt1"/>
@@ -12625,12 +12685,12 @@
           </a:ln>
         </p:spPr>
         <p:txBody>
-          <a:bodyPr anchorCtr="0" anchor="t" bIns="45700" lIns="91425" spcFirstLastPara="1" rIns="91425" wrap="square" tIns="45700">
+          <a:bodyPr spcFirstLastPara="1" wrap="square" lIns="91425" tIns="45700" rIns="91425" bIns="45700" anchor="t" anchorCtr="0">
             <a:noAutofit/>
           </a:bodyPr>
           <a:lstStyle/>
           <a:p>
-            <a:pPr indent="0" lvl="0" marL="0" marR="0" rtl="0" algn="ctr">
+            <a:pPr marL="0" marR="0" lvl="0" indent="0" algn="ctr" rtl="0">
               <a:spcBef>
                 <a:spcPts val="0"/>
               </a:spcBef>
@@ -12640,14 +12700,14 @@
               <a:buNone/>
             </a:pPr>
             <a:r>
-              <a:rPr b="1" lang="en" sz="1200">
+              <a:rPr lang="en" sz="1200" b="1">
                 <a:solidFill>
                   <a:schemeClr val="lt1"/>
                 </a:solidFill>
               </a:rPr>
               <a:t>Introduction</a:t>
             </a:r>
-            <a:endParaRPr b="1" sz="1200">
+            <a:endParaRPr sz="1200" b="1">
               <a:solidFill>
                 <a:schemeClr val="lt1"/>
               </a:solidFill>
@@ -12686,7 +12746,7 @@
             </a:xfrm>
             <a:prstGeom prst="trapezoid">
               <a:avLst>
-                <a:gd fmla="val 25000" name="adj"/>
+                <a:gd name="adj" fmla="val 25000"/>
               </a:avLst>
             </a:prstGeom>
             <a:solidFill>
@@ -12697,12 +12757,12 @@
             </a:ln>
           </p:spPr>
           <p:txBody>
-            <a:bodyPr anchorCtr="0" anchor="ctr" bIns="45700" lIns="91425" spcFirstLastPara="1" rIns="91425" wrap="square" tIns="45700">
+            <a:bodyPr spcFirstLastPara="1" wrap="square" lIns="91425" tIns="45700" rIns="91425" bIns="45700" anchor="ctr" anchorCtr="0">
               <a:noAutofit/>
             </a:bodyPr>
             <a:lstStyle/>
             <a:p>
-              <a:pPr indent="0" lvl="0" marL="0" marR="0" rtl="0" algn="ctr">
+              <a:pPr marL="0" marR="0" lvl="0" indent="0" algn="ctr" rtl="0">
                 <a:spcBef>
                   <a:spcPts val="0"/>
                 </a:spcBef>
@@ -12711,9 +12771,6 @@
                 </a:spcAft>
                 <a:buNone/>
               </a:pPr>
-              <a:r>
-                <a:t/>
-              </a:r>
               <a:endParaRPr sz="1800">
                 <a:solidFill>
                   <a:schemeClr val="lt1"/>
@@ -12748,12 +12805,12 @@
             </a:ln>
           </p:spPr>
           <p:txBody>
-            <a:bodyPr anchorCtr="0" anchor="ctr" bIns="45700" lIns="91425" spcFirstLastPara="1" rIns="91425" wrap="square" tIns="45700">
+            <a:bodyPr spcFirstLastPara="1" wrap="square" lIns="91425" tIns="45700" rIns="91425" bIns="45700" anchor="ctr" anchorCtr="0">
               <a:noAutofit/>
             </a:bodyPr>
             <a:lstStyle/>
             <a:p>
-              <a:pPr indent="0" lvl="0" marL="0" marR="0" rtl="0" algn="ctr">
+              <a:pPr marL="0" marR="0" lvl="0" indent="0" algn="ctr" rtl="0">
                 <a:spcBef>
                   <a:spcPts val="0"/>
                 </a:spcBef>
@@ -12762,9 +12819,6 @@
                 </a:spcAft>
                 <a:buNone/>
               </a:pPr>
-              <a:r>
-                <a:t/>
-              </a:r>
               <a:endParaRPr sz="1800">
                 <a:solidFill>
                   <a:schemeClr val="lt1"/>
@@ -12794,23 +12848,23 @@
             <a:solidFill>
               <a:schemeClr val="lt1"/>
             </a:solidFill>
-            <a:ln cap="flat" cmpd="sng" w="38100">
+            <a:ln w="38100" cap="flat" cmpd="sng">
               <a:solidFill>
                 <a:srgbClr val="61B4F6"/>
               </a:solidFill>
               <a:prstDash val="solid"/>
               <a:round/>
-              <a:headEnd len="sm" w="sm" type="none"/>
-              <a:tailEnd len="sm" w="sm" type="none"/>
+              <a:headEnd type="none" w="sm" len="sm"/>
+              <a:tailEnd type="none" w="sm" len="sm"/>
             </a:ln>
           </p:spPr>
           <p:txBody>
-            <a:bodyPr anchorCtr="0" anchor="ctr" bIns="45700" lIns="91425" spcFirstLastPara="1" rIns="91425" wrap="square" tIns="45700">
+            <a:bodyPr spcFirstLastPara="1" wrap="square" lIns="91425" tIns="45700" rIns="91425" bIns="45700" anchor="ctr" anchorCtr="0">
               <a:noAutofit/>
             </a:bodyPr>
             <a:lstStyle/>
             <a:p>
-              <a:pPr indent="0" lvl="0" marL="0" marR="0" rtl="0" algn="ctr">
+              <a:pPr marL="0" marR="0" lvl="0" indent="0" algn="ctr" rtl="0">
                 <a:spcBef>
                   <a:spcPts val="0"/>
                 </a:spcBef>
@@ -12819,9 +12873,6 @@
                 </a:spcAft>
                 <a:buNone/>
               </a:pPr>
-              <a:r>
-                <a:t/>
-              </a:r>
               <a:endParaRPr sz="1800">
                 <a:solidFill>
                   <a:schemeClr val="lt1"/>
@@ -12857,12 +12908,12 @@
           </a:ln>
         </p:spPr>
         <p:txBody>
-          <a:bodyPr anchorCtr="0" anchor="t" bIns="45700" lIns="91425" spcFirstLastPara="1" rIns="91425" wrap="square" tIns="45700">
+          <a:bodyPr spcFirstLastPara="1" wrap="square" lIns="91425" tIns="45700" rIns="91425" bIns="45700" anchor="t" anchorCtr="0">
             <a:noAutofit/>
           </a:bodyPr>
           <a:lstStyle/>
           <a:p>
-            <a:pPr indent="0" lvl="0" marL="0" marR="0" rtl="0" algn="ctr">
+            <a:pPr marL="0" marR="0" lvl="0" indent="0" algn="ctr" rtl="0">
               <a:spcBef>
                 <a:spcPts val="0"/>
               </a:spcBef>
@@ -12872,14 +12923,14 @@
               <a:buNone/>
             </a:pPr>
             <a:r>
-              <a:rPr b="1" lang="en" sz="1200">
+              <a:rPr lang="en" sz="1200" b="1">
                 <a:solidFill>
                   <a:schemeClr val="lt1"/>
                 </a:solidFill>
               </a:rPr>
               <a:t>Result</a:t>
             </a:r>
-            <a:endParaRPr b="1" sz="1200">
+            <a:endParaRPr sz="1200" b="1">
               <a:solidFill>
                 <a:schemeClr val="lt1"/>
               </a:solidFill>
@@ -12903,9 +12954,13 @@
             <a:ext cx="354300" cy="357600"/>
           </a:xfrm>
           <a:custGeom>
-            <a:rect b="b" l="l" r="r" t="t"/>
+            <a:avLst/>
+            <a:gdLst/>
+            <a:ahLst/>
+            <a:cxnLst/>
+            <a:rect l="l" t="t" r="r" b="b"/>
             <a:pathLst>
-              <a:path extrusionOk="0" h="120000" w="120000">
+              <a:path w="120000" h="120000" extrusionOk="0">
                 <a:moveTo>
                   <a:pt x="80443" y="99563"/>
                 </a:moveTo>
@@ -13243,12 +13298,12 @@
           </a:ln>
         </p:spPr>
         <p:txBody>
-          <a:bodyPr anchorCtr="0" anchor="ctr" bIns="45700" lIns="91425" spcFirstLastPara="1" rIns="91425" wrap="square" tIns="45700">
+          <a:bodyPr spcFirstLastPara="1" wrap="square" lIns="91425" tIns="45700" rIns="91425" bIns="45700" anchor="ctr" anchorCtr="0">
             <a:noAutofit/>
           </a:bodyPr>
           <a:lstStyle/>
           <a:p>
-            <a:pPr indent="0" lvl="0" marL="0" marR="0" rtl="0" algn="ctr">
+            <a:pPr marL="0" marR="0" lvl="0" indent="0" algn="ctr" rtl="0">
               <a:spcBef>
                 <a:spcPts val="0"/>
               </a:spcBef>
@@ -13257,9 +13312,6 @@
               </a:spcAft>
               <a:buNone/>
             </a:pPr>
-            <a:r>
-              <a:t/>
-            </a:r>
             <a:endParaRPr sz="1800">
               <a:solidFill>
                 <a:schemeClr val="lt1"/>
@@ -13284,9 +13336,13 @@
             <a:ext cx="551100" cy="515100"/>
           </a:xfrm>
           <a:custGeom>
-            <a:rect b="b" l="l" r="r" t="t"/>
+            <a:avLst/>
+            <a:gdLst/>
+            <a:ahLst/>
+            <a:cxnLst/>
+            <a:rect l="l" t="t" r="r" b="b"/>
             <a:pathLst>
-              <a:path extrusionOk="0" h="120000" w="120000">
+              <a:path w="120000" h="120000" extrusionOk="0">
                 <a:moveTo>
                   <a:pt x="80443" y="99563"/>
                 </a:moveTo>
@@ -13624,12 +13680,12 @@
           </a:ln>
         </p:spPr>
         <p:txBody>
-          <a:bodyPr anchorCtr="0" anchor="ctr" bIns="45700" lIns="91425" spcFirstLastPara="1" rIns="91425" wrap="square" tIns="45700">
+          <a:bodyPr spcFirstLastPara="1" wrap="square" lIns="91425" tIns="45700" rIns="91425" bIns="45700" anchor="ctr" anchorCtr="0">
             <a:noAutofit/>
           </a:bodyPr>
           <a:lstStyle/>
           <a:p>
-            <a:pPr indent="0" lvl="0" marL="0" marR="0" rtl="0" algn="ctr">
+            <a:pPr marL="0" marR="0" lvl="0" indent="0" algn="ctr" rtl="0">
               <a:spcBef>
                 <a:spcPts val="0"/>
               </a:spcBef>
@@ -13638,9 +13694,6 @@
               </a:spcAft>
               <a:buNone/>
             </a:pPr>
-            <a:r>
-              <a:t/>
-            </a:r>
             <a:endParaRPr sz="1800">
               <a:solidFill>
                 <a:schemeClr val="lt1"/>
@@ -13665,9 +13718,13 @@
             <a:ext cx="551100" cy="645000"/>
           </a:xfrm>
           <a:custGeom>
-            <a:rect b="b" l="l" r="r" t="t"/>
+            <a:avLst/>
+            <a:gdLst/>
+            <a:ahLst/>
+            <a:cxnLst/>
+            <a:rect l="l" t="t" r="r" b="b"/>
             <a:pathLst>
-              <a:path extrusionOk="0" h="120000" w="120000">
+              <a:path w="120000" h="120000" extrusionOk="0">
                 <a:moveTo>
                   <a:pt x="67093" y="74980"/>
                 </a:moveTo>
@@ -13833,12 +13890,12 @@
           </a:ln>
         </p:spPr>
         <p:txBody>
-          <a:bodyPr anchorCtr="0" anchor="ctr" bIns="45700" lIns="91425" spcFirstLastPara="1" rIns="91425" wrap="square" tIns="45700">
+          <a:bodyPr spcFirstLastPara="1" wrap="square" lIns="91425" tIns="45700" rIns="91425" bIns="45700" anchor="ctr" anchorCtr="0">
             <a:noAutofit/>
           </a:bodyPr>
           <a:lstStyle/>
           <a:p>
-            <a:pPr indent="0" lvl="0" marL="0" marR="0" rtl="0" algn="ctr">
+            <a:pPr marL="0" marR="0" lvl="0" indent="0" algn="ctr" rtl="0">
               <a:spcBef>
                 <a:spcPts val="0"/>
               </a:spcBef>
@@ -13847,9 +13904,6 @@
               </a:spcAft>
               <a:buNone/>
             </a:pPr>
-            <a:r>
-              <a:t/>
-            </a:r>
             <a:endParaRPr sz="1800">
               <a:solidFill>
                 <a:schemeClr val="lt1"/>
@@ -13871,11 +13925,11 @@
 </file>
 
 <file path=ppt/slides/slide4.xml><?xml version="1.0" encoding="utf-8"?>
-<p:sld xmlns:a="http://schemas.openxmlformats.org/drawingml/2006/main" xmlns:r="http://schemas.openxmlformats.org/officeDocument/2006/relationships" xmlns:mc="http://schemas.openxmlformats.org/markup-compatibility/2006" xmlns:mv="urn:schemas-microsoft-com:mac:vml" xmlns:p="http://schemas.openxmlformats.org/presentationml/2006/main" xmlns:c="http://schemas.openxmlformats.org/drawingml/2006/chart" xmlns:dgm="http://schemas.openxmlformats.org/drawingml/2006/diagram" xmlns:o="urn:schemas-microsoft-com:office:office" xmlns:v="urn:schemas-microsoft-com:vml" xmlns:pvml="urn:schemas-microsoft-com:office:powerpoint" xmlns:com="http://schemas.openxmlformats.org/drawingml/2006/compatibility" xmlns:p14="http://schemas.microsoft.com/office/powerpoint/2010/main" xmlns:p15="http://schemas.microsoft.com/office/powerpoint/2012/main">
+<p:sld xmlns:a="http://schemas.openxmlformats.org/drawingml/2006/main" xmlns:r="http://schemas.openxmlformats.org/officeDocument/2006/relationships" xmlns:p="http://schemas.openxmlformats.org/presentationml/2006/main">
   <p:cSld>
     <p:spTree>
       <p:nvGrpSpPr>
-        <p:cNvPr id="176" name="Shape 176"/>
+        <p:cNvPr id="1" name="Shape 176"/>
         <p:cNvGrpSpPr/>
         <p:nvPr/>
       </p:nvGrpSpPr>
@@ -13890,9 +13944,11 @@
       <p:sp>
         <p:nvSpPr>
           <p:cNvPr id="177" name="Google Shape;177;p25"/>
-          <p:cNvSpPr txBox="1"/>
+          <p:cNvSpPr txBox="1">
+            <a:spLocks noGrp="1"/>
+          </p:cNvSpPr>
           <p:nvPr>
-            <p:ph idx="1" type="body"/>
+            <p:ph type="body" idx="1"/>
           </p:nvPr>
         </p:nvSpPr>
         <p:spPr>
@@ -13909,12 +13965,12 @@
           </a:ln>
         </p:spPr>
         <p:txBody>
-          <a:bodyPr anchorCtr="0" anchor="ctr" bIns="45700" lIns="91425" spcFirstLastPara="1" rIns="91425" wrap="square" tIns="45700">
+          <a:bodyPr spcFirstLastPara="1" wrap="square" lIns="91425" tIns="45700" rIns="91425" bIns="45700" anchor="ctr" anchorCtr="0">
             <a:noAutofit/>
           </a:bodyPr>
           <a:lstStyle/>
           <a:p>
-            <a:pPr indent="0" lvl="0" marL="0" marR="0" rtl="0" algn="ctr">
+            <a:pPr marL="0" marR="0" lvl="0" indent="0" algn="ctr" rtl="0">
               <a:spcBef>
                 <a:spcPts val="0"/>
               </a:spcBef>
@@ -13935,7 +13991,7 @@
               </a:rPr>
               <a:t>Introduction</a:t>
             </a:r>
-            <a:endParaRPr b="0" i="0" sz="4000" u="none" cap="none" strike="noStrike">
+            <a:endParaRPr sz="4000" b="0" i="0" u="none" strike="noStrike" cap="none">
               <a:solidFill>
                 <a:schemeClr val="lt1"/>
               </a:solidFill>
@@ -13967,12 +14023,12 @@
           </a:ln>
         </p:spPr>
         <p:txBody>
-          <a:bodyPr anchorCtr="0" anchor="t" bIns="45700" lIns="91425" spcFirstLastPara="1" rIns="91425" wrap="square" tIns="45700">
+          <a:bodyPr spcFirstLastPara="1" wrap="square" lIns="91425" tIns="45700" rIns="91425" bIns="45700" anchor="t" anchorCtr="0">
             <a:noAutofit/>
           </a:bodyPr>
           <a:lstStyle/>
           <a:p>
-            <a:pPr indent="-304800" lvl="0" marL="457200" marR="0" rtl="0" algn="just">
+            <a:pPr marL="457200" marR="0" lvl="0" indent="-304800" algn="just" rtl="0">
               <a:spcBef>
                 <a:spcPts val="0"/>
               </a:spcBef>
@@ -13986,7 +14042,7 @@
               <a:buChar char="●"/>
             </a:pPr>
             <a:r>
-              <a:rPr b="1" lang="en" sz="1200">
+              <a:rPr lang="en" sz="1200" b="1">
                 <a:solidFill>
                   <a:schemeClr val="lt1"/>
                 </a:solidFill>
@@ -13994,7 +14050,7 @@
               <a:t>R</a:t>
             </a:r>
             <a:r>
-              <a:rPr b="1" lang="en">
+              <a:rPr lang="en" b="1">
                 <a:solidFill>
                   <a:schemeClr val="lt1"/>
                 </a:solidFill>
@@ -14008,7 +14064,7 @@
             </a:endParaRPr>
           </a:p>
           <a:p>
-            <a:pPr indent="-317500" lvl="0" marL="457200" marR="0" rtl="0" algn="just">
+            <a:pPr marL="457200" marR="0" lvl="0" indent="-317500" algn="just" rtl="0">
               <a:spcBef>
                 <a:spcPts val="0"/>
               </a:spcBef>
@@ -14022,7 +14078,7 @@
               <a:buChar char="●"/>
             </a:pPr>
             <a:r>
-              <a:rPr b="1" lang="en">
+              <a:rPr lang="en" b="1">
                 <a:solidFill>
                   <a:schemeClr val="lt1"/>
                 </a:solidFill>
@@ -14036,7 +14092,7 @@
             </a:endParaRPr>
           </a:p>
           <a:p>
-            <a:pPr indent="-317500" lvl="0" marL="457200" marR="0" rtl="0" algn="just">
+            <a:pPr marL="457200" marR="0" lvl="0" indent="-317500" algn="just" rtl="0">
               <a:spcBef>
                 <a:spcPts val="0"/>
               </a:spcBef>
@@ -14050,7 +14106,7 @@
               <a:buChar char="●"/>
             </a:pPr>
             <a:r>
-              <a:rPr b="1" lang="en">
+              <a:rPr lang="en" b="1">
                 <a:solidFill>
                   <a:schemeClr val="lt1"/>
                 </a:solidFill>
@@ -14064,7 +14120,7 @@
             </a:endParaRPr>
           </a:p>
           <a:p>
-            <a:pPr indent="-317500" lvl="0" marL="457200" marR="0" rtl="0" algn="just">
+            <a:pPr marL="457200" marR="0" lvl="0" indent="-317500" algn="just" rtl="0">
               <a:spcBef>
                 <a:spcPts val="0"/>
               </a:spcBef>
@@ -14078,7 +14134,7 @@
               <a:buChar char="●"/>
             </a:pPr>
             <a:r>
-              <a:rPr b="1" lang="en">
+              <a:rPr lang="en" b="1">
                 <a:solidFill>
                   <a:schemeClr val="lt1"/>
                 </a:solidFill>
@@ -14115,12 +14171,12 @@
           </a:ln>
         </p:spPr>
         <p:txBody>
-          <a:bodyPr anchorCtr="0" anchor="ctr" bIns="45700" lIns="91425" spcFirstLastPara="1" rIns="91425" wrap="square" tIns="45700">
+          <a:bodyPr spcFirstLastPara="1" wrap="square" lIns="91425" tIns="45700" rIns="91425" bIns="45700" anchor="ctr" anchorCtr="0">
             <a:noAutofit/>
           </a:bodyPr>
           <a:lstStyle/>
           <a:p>
-            <a:pPr indent="0" lvl="0" marL="0" marR="0" rtl="0" algn="ctr">
+            <a:pPr marL="0" marR="0" lvl="0" indent="0" algn="ctr" rtl="0">
               <a:spcBef>
                 <a:spcPts val="0"/>
               </a:spcBef>
@@ -14129,9 +14185,6 @@
               </a:spcAft>
               <a:buNone/>
             </a:pPr>
-            <a:r>
-              <a:t/>
-            </a:r>
             <a:endParaRPr sz="1800">
               <a:solidFill>
                 <a:schemeClr val="lt1"/>
@@ -14157,9 +14210,9 @@
           </a:xfrm>
           <a:prstGeom prst="blockArc">
             <a:avLst>
-              <a:gd fmla="val 10800000" name="adj1"/>
-              <a:gd fmla="val 13612" name="adj2"/>
-              <a:gd fmla="val 2314" name="adj3"/>
+              <a:gd name="adj1" fmla="val 10800000"/>
+              <a:gd name="adj2" fmla="val 13612"/>
+              <a:gd name="adj3" fmla="val 2314"/>
             </a:avLst>
           </a:prstGeom>
           <a:solidFill>
@@ -14170,12 +14223,12 @@
           </a:ln>
         </p:spPr>
         <p:txBody>
-          <a:bodyPr anchorCtr="0" anchor="ctr" bIns="45700" lIns="91425" spcFirstLastPara="1" rIns="91425" wrap="square" tIns="45700">
+          <a:bodyPr spcFirstLastPara="1" wrap="square" lIns="91425" tIns="45700" rIns="91425" bIns="45700" anchor="ctr" anchorCtr="0">
             <a:noAutofit/>
           </a:bodyPr>
           <a:lstStyle/>
           <a:p>
-            <a:pPr indent="0" lvl="0" marL="0" marR="0" rtl="0" algn="ctr">
+            <a:pPr marL="0" marR="0" lvl="0" indent="0" algn="ctr" rtl="0">
               <a:spcBef>
                 <a:spcPts val="0"/>
               </a:spcBef>
@@ -14184,9 +14237,6 @@
               </a:spcAft>
               <a:buNone/>
             </a:pPr>
-            <a:r>
-              <a:t/>
-            </a:r>
             <a:endParaRPr sz="1800">
               <a:solidFill>
                 <a:schemeClr val="dk1"/>
@@ -14221,12 +14271,12 @@
           </a:ln>
         </p:spPr>
         <p:txBody>
-          <a:bodyPr anchorCtr="0" anchor="ctr" bIns="45700" lIns="91425" spcFirstLastPara="1" rIns="91425" wrap="square" tIns="45700">
+          <a:bodyPr spcFirstLastPara="1" wrap="square" lIns="91425" tIns="45700" rIns="91425" bIns="45700" anchor="ctr" anchorCtr="0">
             <a:noAutofit/>
           </a:bodyPr>
           <a:lstStyle/>
           <a:p>
-            <a:pPr indent="0" lvl="0" marL="0" marR="0" rtl="0" algn="ctr">
+            <a:pPr marL="0" marR="0" lvl="0" indent="0" algn="ctr" rtl="0">
               <a:spcBef>
                 <a:spcPts val="0"/>
               </a:spcBef>
@@ -14235,9 +14285,6 @@
               </a:spcAft>
               <a:buNone/>
             </a:pPr>
-            <a:r>
-              <a:t/>
-            </a:r>
             <a:endParaRPr sz="1800">
               <a:solidFill>
                 <a:schemeClr val="lt1"/>
@@ -14272,12 +14319,12 @@
           </a:ln>
         </p:spPr>
         <p:txBody>
-          <a:bodyPr anchorCtr="0" anchor="ctr" bIns="45700" lIns="91425" spcFirstLastPara="1" rIns="91425" wrap="square" tIns="45700">
+          <a:bodyPr spcFirstLastPara="1" wrap="square" lIns="91425" tIns="45700" rIns="91425" bIns="45700" anchor="ctr" anchorCtr="0">
             <a:noAutofit/>
           </a:bodyPr>
           <a:lstStyle/>
           <a:p>
-            <a:pPr indent="0" lvl="0" marL="0" marR="0" rtl="0" algn="ctr">
+            <a:pPr marL="0" marR="0" lvl="0" indent="0" algn="ctr" rtl="0">
               <a:spcBef>
                 <a:spcPts val="0"/>
               </a:spcBef>
@@ -14286,9 +14333,6 @@
               </a:spcAft>
               <a:buNone/>
             </a:pPr>
-            <a:r>
-              <a:t/>
-            </a:r>
             <a:endParaRPr sz="1800">
               <a:solidFill>
                 <a:schemeClr val="lt1"/>
@@ -14323,12 +14367,12 @@
           </a:ln>
         </p:spPr>
         <p:txBody>
-          <a:bodyPr anchorCtr="0" anchor="ctr" bIns="45700" lIns="91425" spcFirstLastPara="1" rIns="91425" wrap="square" tIns="45700">
+          <a:bodyPr spcFirstLastPara="1" wrap="square" lIns="91425" tIns="45700" rIns="91425" bIns="45700" anchor="ctr" anchorCtr="0">
             <a:noAutofit/>
           </a:bodyPr>
           <a:lstStyle/>
           <a:p>
-            <a:pPr indent="0" lvl="0" marL="0" marR="0" rtl="0" algn="ctr">
+            <a:pPr marL="0" marR="0" lvl="0" indent="0" algn="ctr" rtl="0">
               <a:spcBef>
                 <a:spcPts val="0"/>
               </a:spcBef>
@@ -14337,9 +14381,6 @@
               </a:spcAft>
               <a:buNone/>
             </a:pPr>
-            <a:r>
-              <a:t/>
-            </a:r>
             <a:endParaRPr sz="1800">
               <a:solidFill>
                 <a:schemeClr val="lt1"/>
@@ -14374,12 +14415,12 @@
           </a:ln>
         </p:spPr>
         <p:txBody>
-          <a:bodyPr anchorCtr="0" anchor="ctr" bIns="45700" lIns="91425" spcFirstLastPara="1" rIns="91425" wrap="square" tIns="45700">
+          <a:bodyPr spcFirstLastPara="1" wrap="square" lIns="91425" tIns="45700" rIns="91425" bIns="45700" anchor="ctr" anchorCtr="0">
             <a:noAutofit/>
           </a:bodyPr>
           <a:lstStyle/>
           <a:p>
-            <a:pPr indent="0" lvl="0" marL="0" marR="0" rtl="0" algn="ctr">
+            <a:pPr marL="0" marR="0" lvl="0" indent="0" algn="ctr" rtl="0">
               <a:spcBef>
                 <a:spcPts val="0"/>
               </a:spcBef>
@@ -14388,9 +14429,6 @@
               </a:spcAft>
               <a:buNone/>
             </a:pPr>
-            <a:r>
-              <a:t/>
-            </a:r>
             <a:endParaRPr sz="1800">
               <a:solidFill>
                 <a:schemeClr val="lt1"/>
@@ -14425,12 +14463,12 @@
           </a:ln>
         </p:spPr>
         <p:txBody>
-          <a:bodyPr anchorCtr="0" anchor="ctr" bIns="45700" lIns="91425" spcFirstLastPara="1" rIns="91425" wrap="square" tIns="45700">
+          <a:bodyPr spcFirstLastPara="1" wrap="square" lIns="91425" tIns="45700" rIns="91425" bIns="45700" anchor="ctr" anchorCtr="0">
             <a:noAutofit/>
           </a:bodyPr>
           <a:lstStyle/>
           <a:p>
-            <a:pPr indent="0" lvl="0" marL="0" marR="0" rtl="0" algn="ctr">
+            <a:pPr marL="0" marR="0" lvl="0" indent="0" algn="ctr" rtl="0">
               <a:spcBef>
                 <a:spcPts val="0"/>
               </a:spcBef>
@@ -14439,9 +14477,6 @@
               </a:spcAft>
               <a:buNone/>
             </a:pPr>
-            <a:r>
-              <a:t/>
-            </a:r>
             <a:endParaRPr sz="1800">
               <a:solidFill>
                 <a:schemeClr val="lt1"/>
@@ -14466,9 +14501,13 @@
             <a:ext cx="325283" cy="328000"/>
           </a:xfrm>
           <a:custGeom>
-            <a:rect b="b" l="l" r="r" t="t"/>
+            <a:avLst/>
+            <a:gdLst/>
+            <a:ahLst/>
+            <a:cxnLst/>
+            <a:rect l="l" t="t" r="r" b="b"/>
             <a:pathLst>
-              <a:path extrusionOk="0" h="120000" w="120000">
+              <a:path w="120000" h="120000" extrusionOk="0">
                 <a:moveTo>
                   <a:pt x="65274" y="39473"/>
                 </a:moveTo>
@@ -14690,12 +14729,12 @@
           </a:ln>
         </p:spPr>
         <p:txBody>
-          <a:bodyPr anchorCtr="0" anchor="ctr" bIns="45700" lIns="91425" spcFirstLastPara="1" rIns="91425" wrap="square" tIns="45700">
+          <a:bodyPr spcFirstLastPara="1" wrap="square" lIns="91425" tIns="45700" rIns="91425" bIns="45700" anchor="ctr" anchorCtr="0">
             <a:noAutofit/>
           </a:bodyPr>
           <a:lstStyle/>
           <a:p>
-            <a:pPr indent="0" lvl="0" marL="0" marR="0" rtl="0" algn="ctr">
+            <a:pPr marL="0" marR="0" lvl="0" indent="0" algn="ctr" rtl="0">
               <a:spcBef>
                 <a:spcPts val="0"/>
               </a:spcBef>
@@ -14704,9 +14743,6 @@
               </a:spcAft>
               <a:buNone/>
             </a:pPr>
-            <a:r>
-              <a:t/>
-            </a:r>
             <a:endParaRPr sz="1800">
               <a:solidFill>
                 <a:schemeClr val="lt1"/>
@@ -14731,9 +14767,13 @@
             <a:ext cx="292306" cy="273624"/>
           </a:xfrm>
           <a:custGeom>
-            <a:rect b="b" l="l" r="r" t="t"/>
+            <a:avLst/>
+            <a:gdLst/>
+            <a:ahLst/>
+            <a:cxnLst/>
+            <a:rect l="l" t="t" r="r" b="b"/>
             <a:pathLst>
-              <a:path extrusionOk="0" h="120000" w="120000">
+              <a:path w="120000" h="120000" extrusionOk="0">
                 <a:moveTo>
                   <a:pt x="58392" y="109921"/>
                 </a:moveTo>
@@ -14871,12 +14911,12 @@
           </a:ln>
         </p:spPr>
         <p:txBody>
-          <a:bodyPr anchorCtr="0" anchor="ctr" bIns="45700" lIns="91425" spcFirstLastPara="1" rIns="91425" wrap="square" tIns="45700">
+          <a:bodyPr spcFirstLastPara="1" wrap="square" lIns="91425" tIns="45700" rIns="91425" bIns="45700" anchor="ctr" anchorCtr="0">
             <a:noAutofit/>
           </a:bodyPr>
           <a:lstStyle/>
           <a:p>
-            <a:pPr indent="0" lvl="0" marL="0" marR="0" rtl="0" algn="ctr">
+            <a:pPr marL="0" marR="0" lvl="0" indent="0" algn="ctr" rtl="0">
               <a:spcBef>
                 <a:spcPts val="0"/>
               </a:spcBef>
@@ -14885,9 +14925,6 @@
               </a:spcAft>
               <a:buNone/>
             </a:pPr>
-            <a:r>
-              <a:t/>
-            </a:r>
             <a:endParaRPr sz="1800">
               <a:solidFill>
                 <a:schemeClr val="lt1"/>
@@ -14912,9 +14949,13 @@
             <a:ext cx="343200" cy="346200"/>
           </a:xfrm>
           <a:custGeom>
-            <a:rect b="b" l="l" r="r" t="t"/>
+            <a:avLst/>
+            <a:gdLst/>
+            <a:ahLst/>
+            <a:cxnLst/>
+            <a:rect l="l" t="t" r="r" b="b"/>
             <a:pathLst>
-              <a:path extrusionOk="0" h="120000" w="120000">
+              <a:path w="120000" h="120000" extrusionOk="0">
                 <a:moveTo>
                   <a:pt x="58400" y="39542"/>
                 </a:moveTo>
@@ -15160,12 +15201,12 @@
           </a:ln>
         </p:spPr>
         <p:txBody>
-          <a:bodyPr anchorCtr="0" anchor="ctr" bIns="45700" lIns="91425" spcFirstLastPara="1" rIns="91425" wrap="square" tIns="45700">
+          <a:bodyPr spcFirstLastPara="1" wrap="square" lIns="91425" tIns="45700" rIns="91425" bIns="45700" anchor="ctr" anchorCtr="0">
             <a:noAutofit/>
           </a:bodyPr>
           <a:lstStyle/>
           <a:p>
-            <a:pPr indent="0" lvl="0" marL="0" marR="0" rtl="0" algn="ctr">
+            <a:pPr marL="0" marR="0" lvl="0" indent="0" algn="ctr" rtl="0">
               <a:spcBef>
                 <a:spcPts val="0"/>
               </a:spcBef>
@@ -15174,9 +15215,6 @@
               </a:spcAft>
               <a:buNone/>
             </a:pPr>
-            <a:r>
-              <a:t/>
-            </a:r>
             <a:endParaRPr sz="1800">
               <a:solidFill>
                 <a:schemeClr val="dk1"/>
@@ -15201,9 +15239,13 @@
             <a:ext cx="1046389" cy="1044690"/>
           </a:xfrm>
           <a:custGeom>
-            <a:rect b="b" l="l" r="r" t="t"/>
+            <a:avLst/>
+            <a:gdLst/>
+            <a:ahLst/>
+            <a:cxnLst/>
+            <a:rect l="l" t="t" r="r" b="b"/>
             <a:pathLst>
-              <a:path extrusionOk="0" h="120000" w="120000">
+              <a:path w="120000" h="120000" extrusionOk="0">
                 <a:moveTo>
                   <a:pt x="60219" y="23920"/>
                 </a:moveTo>
@@ -15298,12 +15340,12 @@
           </a:ln>
         </p:spPr>
         <p:txBody>
-          <a:bodyPr anchorCtr="0" anchor="ctr" bIns="45700" lIns="91425" spcFirstLastPara="1" rIns="91425" wrap="square" tIns="45700">
+          <a:bodyPr spcFirstLastPara="1" wrap="square" lIns="91425" tIns="45700" rIns="91425" bIns="45700" anchor="ctr" anchorCtr="0">
             <a:noAutofit/>
           </a:bodyPr>
           <a:lstStyle/>
           <a:p>
-            <a:pPr indent="0" lvl="0" marL="0" marR="0" rtl="0" algn="ctr">
+            <a:pPr marL="0" marR="0" lvl="0" indent="0" algn="ctr" rtl="0">
               <a:spcBef>
                 <a:spcPts val="0"/>
               </a:spcBef>
@@ -15312,9 +15354,6 @@
               </a:spcAft>
               <a:buNone/>
             </a:pPr>
-            <a:r>
-              <a:t/>
-            </a:r>
             <a:endParaRPr sz="1800">
               <a:solidFill>
                 <a:schemeClr val="lt1"/>
@@ -15339,9 +15378,13 @@
             <a:ext cx="343200" cy="367200"/>
           </a:xfrm>
           <a:custGeom>
-            <a:rect b="b" l="l" r="r" t="t"/>
+            <a:avLst/>
+            <a:gdLst/>
+            <a:ahLst/>
+            <a:cxnLst/>
+            <a:rect l="l" t="t" r="r" b="b"/>
             <a:pathLst>
-              <a:path extrusionOk="0" h="120000" w="120000">
+              <a:path w="120000" h="120000" extrusionOk="0">
                 <a:moveTo>
                   <a:pt x="45880" y="100923"/>
                 </a:moveTo>
@@ -15410,12 +15453,12 @@
           </a:ln>
         </p:spPr>
         <p:txBody>
-          <a:bodyPr anchorCtr="0" anchor="ctr" bIns="45700" lIns="91425" spcFirstLastPara="1" rIns="91425" wrap="square" tIns="45700">
+          <a:bodyPr spcFirstLastPara="1" wrap="square" lIns="91425" tIns="45700" rIns="91425" bIns="45700" anchor="ctr" anchorCtr="0">
             <a:noAutofit/>
           </a:bodyPr>
           <a:lstStyle/>
           <a:p>
-            <a:pPr indent="0" lvl="0" marL="0" marR="0" rtl="0" algn="ctr">
+            <a:pPr marL="0" marR="0" lvl="0" indent="0" algn="ctr" rtl="0">
               <a:spcBef>
                 <a:spcPts val="0"/>
               </a:spcBef>
@@ -15424,9 +15467,6 @@
               </a:spcAft>
               <a:buNone/>
             </a:pPr>
-            <a:r>
-              <a:t/>
-            </a:r>
             <a:endParaRPr sz="1800">
               <a:solidFill>
                 <a:schemeClr val="lt1"/>
@@ -15451,9 +15491,13 @@
             <a:ext cx="292200" cy="367200"/>
           </a:xfrm>
           <a:custGeom>
-            <a:rect b="b" l="l" r="r" t="t"/>
+            <a:avLst/>
+            <a:gdLst/>
+            <a:ahLst/>
+            <a:cxnLst/>
+            <a:rect l="l" t="t" r="r" b="b"/>
             <a:pathLst>
-              <a:path extrusionOk="0" h="120000" w="120000">
+              <a:path w="120000" h="120000" extrusionOk="0">
                 <a:moveTo>
                   <a:pt x="67093" y="74980"/>
                 </a:moveTo>
@@ -15619,12 +15663,12 @@
           </a:ln>
         </p:spPr>
         <p:txBody>
-          <a:bodyPr anchorCtr="0" anchor="ctr" bIns="45700" lIns="91425" spcFirstLastPara="1" rIns="91425" wrap="square" tIns="45700">
+          <a:bodyPr spcFirstLastPara="1" wrap="square" lIns="91425" tIns="45700" rIns="91425" bIns="45700" anchor="ctr" anchorCtr="0">
             <a:noAutofit/>
           </a:bodyPr>
           <a:lstStyle/>
           <a:p>
-            <a:pPr indent="0" lvl="0" marL="0" marR="0" rtl="0" algn="ctr">
+            <a:pPr marL="0" marR="0" lvl="0" indent="0" algn="ctr" rtl="0">
               <a:spcBef>
                 <a:spcPts val="0"/>
               </a:spcBef>
@@ -15633,9 +15677,6 @@
               </a:spcAft>
               <a:buNone/>
             </a:pPr>
-            <a:r>
-              <a:t/>
-            </a:r>
             <a:endParaRPr sz="1800">
               <a:solidFill>
                 <a:schemeClr val="lt1"/>
@@ -15657,11 +15698,11 @@
 </file>
 
 <file path=ppt/slides/slide5.xml><?xml version="1.0" encoding="utf-8"?>
-<p:sld xmlns:a="http://schemas.openxmlformats.org/drawingml/2006/main" xmlns:r="http://schemas.openxmlformats.org/officeDocument/2006/relationships" xmlns:mc="http://schemas.openxmlformats.org/markup-compatibility/2006" xmlns:mv="urn:schemas-microsoft-com:mac:vml" xmlns:p="http://schemas.openxmlformats.org/presentationml/2006/main" xmlns:c="http://schemas.openxmlformats.org/drawingml/2006/chart" xmlns:dgm="http://schemas.openxmlformats.org/drawingml/2006/diagram" xmlns:o="urn:schemas-microsoft-com:office:office" xmlns:v="urn:schemas-microsoft-com:vml" xmlns:pvml="urn:schemas-microsoft-com:office:powerpoint" xmlns:com="http://schemas.openxmlformats.org/drawingml/2006/compatibility" xmlns:p14="http://schemas.microsoft.com/office/powerpoint/2010/main" xmlns:p15="http://schemas.microsoft.com/office/powerpoint/2012/main">
+<p:sld xmlns:a="http://schemas.openxmlformats.org/drawingml/2006/main" xmlns:r="http://schemas.openxmlformats.org/officeDocument/2006/relationships" xmlns:p="http://schemas.openxmlformats.org/presentationml/2006/main">
   <p:cSld>
     <p:spTree>
       <p:nvGrpSpPr>
-        <p:cNvPr id="195" name="Shape 195"/>
+        <p:cNvPr id="1" name="Shape 195"/>
         <p:cNvGrpSpPr/>
         <p:nvPr/>
       </p:nvGrpSpPr>
@@ -15695,12 +15736,12 @@
           </a:ln>
         </p:spPr>
         <p:txBody>
-          <a:bodyPr anchorCtr="0" anchor="ctr" bIns="45700" lIns="91425" spcFirstLastPara="1" rIns="91425" wrap="square" tIns="45700">
+          <a:bodyPr spcFirstLastPara="1" wrap="square" lIns="91425" tIns="45700" rIns="91425" bIns="45700" anchor="ctr" anchorCtr="0">
             <a:noAutofit/>
           </a:bodyPr>
           <a:lstStyle/>
           <a:p>
-            <a:pPr indent="0" lvl="0" marL="0" marR="0" rtl="0" algn="ctr">
+            <a:pPr marL="0" marR="0" lvl="0" indent="0" algn="ctr" rtl="0">
               <a:spcBef>
                 <a:spcPts val="0"/>
               </a:spcBef>
@@ -15709,9 +15750,6 @@
               </a:spcAft>
               <a:buNone/>
             </a:pPr>
-            <a:r>
-              <a:t/>
-            </a:r>
             <a:endParaRPr sz="1800">
               <a:solidFill>
                 <a:schemeClr val="lt1"/>
@@ -15746,12 +15784,12 @@
           </a:ln>
         </p:spPr>
         <p:txBody>
-          <a:bodyPr anchorCtr="0" anchor="ctr" bIns="45700" lIns="91425" spcFirstLastPara="1" rIns="91425" wrap="square" tIns="45700">
+          <a:bodyPr spcFirstLastPara="1" wrap="square" lIns="91425" tIns="45700" rIns="91425" bIns="45700" anchor="ctr" anchorCtr="0">
             <a:noAutofit/>
           </a:bodyPr>
           <a:lstStyle/>
           <a:p>
-            <a:pPr indent="0" lvl="0" marL="0" marR="0" rtl="0" algn="ctr">
+            <a:pPr marL="0" marR="0" lvl="0" indent="0" algn="ctr" rtl="0">
               <a:spcBef>
                 <a:spcPts val="0"/>
               </a:spcBef>
@@ -15760,9 +15798,6 @@
               </a:spcAft>
               <a:buNone/>
             </a:pPr>
-            <a:r>
-              <a:t/>
-            </a:r>
             <a:endParaRPr sz="1800">
               <a:solidFill>
                 <a:schemeClr val="lt1"/>
@@ -15797,12 +15832,12 @@
           </a:ln>
         </p:spPr>
         <p:txBody>
-          <a:bodyPr anchorCtr="0" anchor="ctr" bIns="45700" lIns="91425" spcFirstLastPara="1" rIns="91425" wrap="square" tIns="45700">
+          <a:bodyPr spcFirstLastPara="1" wrap="square" lIns="91425" tIns="45700" rIns="91425" bIns="45700" anchor="ctr" anchorCtr="0">
             <a:noAutofit/>
           </a:bodyPr>
           <a:lstStyle/>
           <a:p>
-            <a:pPr indent="0" lvl="0" marL="0" marR="0" rtl="0" algn="ctr">
+            <a:pPr marL="0" marR="0" lvl="0" indent="0" algn="ctr" rtl="0">
               <a:spcBef>
                 <a:spcPts val="0"/>
               </a:spcBef>
@@ -15811,9 +15846,6 @@
               </a:spcAft>
               <a:buNone/>
             </a:pPr>
-            <a:r>
-              <a:t/>
-            </a:r>
             <a:endParaRPr sz="1800">
               <a:solidFill>
                 <a:schemeClr val="lt1"/>
@@ -15848,12 +15880,12 @@
           </a:ln>
         </p:spPr>
         <p:txBody>
-          <a:bodyPr anchorCtr="0" anchor="ctr" bIns="45700" lIns="91425" spcFirstLastPara="1" rIns="91425" wrap="square" tIns="45700">
+          <a:bodyPr spcFirstLastPara="1" wrap="square" lIns="91425" tIns="45700" rIns="91425" bIns="45700" anchor="ctr" anchorCtr="0">
             <a:noAutofit/>
           </a:bodyPr>
           <a:lstStyle/>
           <a:p>
-            <a:pPr indent="0" lvl="0" marL="0" marR="0" rtl="0" algn="ctr">
+            <a:pPr marL="0" marR="0" lvl="0" indent="0" algn="ctr" rtl="0">
               <a:spcBef>
                 <a:spcPts val="0"/>
               </a:spcBef>
@@ -15862,9 +15894,6 @@
               </a:spcAft>
               <a:buNone/>
             </a:pPr>
-            <a:r>
-              <a:t/>
-            </a:r>
             <a:endParaRPr sz="1800">
               <a:solidFill>
                 <a:schemeClr val="lt1"/>
@@ -15899,12 +15928,12 @@
           </a:ln>
         </p:spPr>
         <p:txBody>
-          <a:bodyPr anchorCtr="0" anchor="ctr" bIns="45700" lIns="91425" spcFirstLastPara="1" rIns="91425" wrap="square" tIns="45700">
+          <a:bodyPr spcFirstLastPara="1" wrap="square" lIns="91425" tIns="45700" rIns="91425" bIns="45700" anchor="ctr" anchorCtr="0">
             <a:noAutofit/>
           </a:bodyPr>
           <a:lstStyle/>
           <a:p>
-            <a:pPr indent="0" lvl="0" marL="0" marR="0" rtl="0" algn="ctr">
+            <a:pPr marL="0" marR="0" lvl="0" indent="0" algn="ctr" rtl="0">
               <a:spcBef>
                 <a:spcPts val="0"/>
               </a:spcBef>
@@ -15913,9 +15942,6 @@
               </a:spcAft>
               <a:buNone/>
             </a:pPr>
-            <a:r>
-              <a:t/>
-            </a:r>
             <a:endParaRPr sz="1800">
               <a:solidFill>
                 <a:schemeClr val="lt1"/>
@@ -15962,12 +15988,12 @@
             </a:ln>
           </p:spPr>
           <p:txBody>
-            <a:bodyPr anchorCtr="0" anchor="t" bIns="45700" lIns="91425" spcFirstLastPara="1" rIns="91425" wrap="square" tIns="45700">
+            <a:bodyPr spcFirstLastPara="1" wrap="square" lIns="91425" tIns="45700" rIns="91425" bIns="45700" anchor="t" anchorCtr="0">
               <a:noAutofit/>
             </a:bodyPr>
             <a:lstStyle/>
             <a:p>
-              <a:pPr indent="0" lvl="0" marL="0" marR="0" rtl="0" algn="ctr">
+              <a:pPr marL="0" marR="0" lvl="0" indent="0" algn="ctr" rtl="0">
                 <a:spcBef>
                   <a:spcPts val="0"/>
                 </a:spcBef>
@@ -15982,15 +16008,7 @@
                     <a:schemeClr val="lt1"/>
                   </a:solidFill>
                 </a:rPr>
-                <a:t>Understanding</a:t>
-              </a:r>
-              <a:r>
-                <a:rPr lang="en" sz="1200">
-                  <a:solidFill>
-                    <a:schemeClr val="lt1"/>
-                  </a:solidFill>
-                </a:rPr>
-                <a:t> the students’ tastes of food types.</a:t>
+                <a:t>Understanding the students’ tastes of food types.</a:t>
               </a:r>
               <a:endParaRPr sz="1200">
                 <a:solidFill>
@@ -16024,12 +16042,12 @@
             </a:ln>
           </p:spPr>
           <p:txBody>
-            <a:bodyPr anchorCtr="0" anchor="t" bIns="45700" lIns="91425" spcFirstLastPara="1" rIns="91425" wrap="square" tIns="45700">
+            <a:bodyPr spcFirstLastPara="1" wrap="square" lIns="91425" tIns="45700" rIns="91425" bIns="45700" anchor="t" anchorCtr="0">
               <a:noAutofit/>
             </a:bodyPr>
             <a:lstStyle/>
             <a:p>
-              <a:pPr indent="0" lvl="0" marL="0" marR="0" rtl="0" algn="ctr">
+              <a:pPr marL="0" marR="0" lvl="0" indent="0" algn="ctr" rtl="0">
                 <a:spcBef>
                   <a:spcPts val="0"/>
                 </a:spcBef>
@@ -16074,14 +16092,14 @@
             <a:avLst/>
           </a:prstGeom>
           <a:noFill/>
-          <a:ln cap="flat" cmpd="sng" w="19050">
+          <a:ln w="19050" cap="flat" cmpd="sng">
             <a:solidFill>
               <a:schemeClr val="lt1"/>
             </a:solidFill>
             <a:prstDash val="solid"/>
             <a:round/>
-            <a:headEnd len="sm" w="sm" type="oval"/>
-            <a:tailEnd len="sm" w="sm" type="oval"/>
+            <a:headEnd type="oval" w="sm" len="sm"/>
+            <a:tailEnd type="oval" w="sm" len="sm"/>
           </a:ln>
         </p:spPr>
       </p:cxnSp>
@@ -16119,12 +16137,12 @@
             </a:ln>
           </p:spPr>
           <p:txBody>
-            <a:bodyPr anchorCtr="0" anchor="t" bIns="45700" lIns="91425" spcFirstLastPara="1" rIns="91425" wrap="square" tIns="45700">
+            <a:bodyPr spcFirstLastPara="1" wrap="square" lIns="91425" tIns="45700" rIns="91425" bIns="45700" anchor="t" anchorCtr="0">
               <a:noAutofit/>
             </a:bodyPr>
             <a:lstStyle/>
             <a:p>
-              <a:pPr indent="0" lvl="0" marL="0" marR="0" rtl="0" algn="ctr">
+              <a:pPr marL="0" marR="0" lvl="0" indent="0" algn="ctr" rtl="0">
                 <a:spcBef>
                   <a:spcPts val="0"/>
                 </a:spcBef>
@@ -16173,12 +16191,12 @@
             </a:ln>
           </p:spPr>
           <p:txBody>
-            <a:bodyPr anchorCtr="0" anchor="t" bIns="45700" lIns="91425" spcFirstLastPara="1" rIns="91425" wrap="square" tIns="45700">
+            <a:bodyPr spcFirstLastPara="1" wrap="square" lIns="91425" tIns="45700" rIns="91425" bIns="45700" anchor="t" anchorCtr="0">
               <a:noAutofit/>
             </a:bodyPr>
             <a:lstStyle/>
             <a:p>
-              <a:pPr indent="0" lvl="0" marL="0" marR="0" rtl="0" algn="ctr">
+              <a:pPr marL="0" marR="0" lvl="0" indent="0" algn="ctr" rtl="0">
                 <a:spcBef>
                   <a:spcPts val="0"/>
                 </a:spcBef>
@@ -16223,14 +16241,14 @@
             <a:avLst/>
           </a:prstGeom>
           <a:noFill/>
-          <a:ln cap="flat" cmpd="sng" w="19050">
+          <a:ln w="19050" cap="flat" cmpd="sng">
             <a:solidFill>
               <a:schemeClr val="lt1"/>
             </a:solidFill>
             <a:prstDash val="solid"/>
             <a:round/>
-            <a:headEnd len="sm" w="sm" type="oval"/>
-            <a:tailEnd len="sm" w="sm" type="oval"/>
+            <a:headEnd type="oval" w="sm" len="sm"/>
+            <a:tailEnd type="oval" w="sm" len="sm"/>
           </a:ln>
         </p:spPr>
       </p:cxnSp>
@@ -16268,12 +16286,12 @@
             </a:ln>
           </p:spPr>
           <p:txBody>
-            <a:bodyPr anchorCtr="0" anchor="t" bIns="45700" lIns="91425" spcFirstLastPara="1" rIns="91425" wrap="square" tIns="45700">
+            <a:bodyPr spcFirstLastPara="1" wrap="square" lIns="91425" tIns="45700" rIns="91425" bIns="45700" anchor="t" anchorCtr="0">
               <a:noAutofit/>
             </a:bodyPr>
             <a:lstStyle/>
             <a:p>
-              <a:pPr indent="-304800" lvl="0" marL="457200" marR="0" rtl="0" algn="l">
+              <a:pPr marL="457200" marR="0" lvl="0" indent="-304800" algn="l" rtl="0">
                 <a:spcBef>
                   <a:spcPts val="0"/>
                 </a:spcBef>
@@ -16302,7 +16320,7 @@
               </a:endParaRPr>
             </a:p>
             <a:p>
-              <a:pPr indent="-304800" lvl="0" marL="457200" marR="0" rtl="0" algn="l">
+              <a:pPr marL="457200" marR="0" lvl="0" indent="-304800" algn="l" rtl="0">
                 <a:spcBef>
                   <a:spcPts val="0"/>
                 </a:spcBef>
@@ -16330,7 +16348,7 @@
               </a:endParaRPr>
             </a:p>
             <a:p>
-              <a:pPr indent="0" lvl="0" marL="0" marR="0" rtl="0" algn="l">
+              <a:pPr marL="0" marR="0" lvl="0" indent="0" algn="l" rtl="0">
                 <a:spcBef>
                   <a:spcPts val="0"/>
                 </a:spcBef>
@@ -16339,9 +16357,6 @@
                 </a:spcAft>
                 <a:buNone/>
               </a:pPr>
-              <a:r>
-                <a:t/>
-              </a:r>
               <a:endParaRPr sz="1200">
                 <a:solidFill>
                   <a:schemeClr val="lt1"/>
@@ -16370,12 +16385,12 @@
             </a:ln>
           </p:spPr>
           <p:txBody>
-            <a:bodyPr anchorCtr="0" anchor="t" bIns="45700" lIns="91425" spcFirstLastPara="1" rIns="91425" wrap="square" tIns="45700">
+            <a:bodyPr spcFirstLastPara="1" wrap="square" lIns="91425" tIns="45700" rIns="91425" bIns="45700" anchor="t" anchorCtr="0">
               <a:noAutofit/>
             </a:bodyPr>
             <a:lstStyle/>
             <a:p>
-              <a:pPr indent="0" lvl="0" marL="0" marR="0" rtl="0" algn="ctr">
+              <a:pPr marL="0" marR="0" lvl="0" indent="0" algn="ctr" rtl="0">
                 <a:spcBef>
                   <a:spcPts val="0"/>
                 </a:spcBef>
@@ -16420,14 +16435,14 @@
             <a:avLst/>
           </a:prstGeom>
           <a:noFill/>
-          <a:ln cap="flat" cmpd="sng" w="19050">
+          <a:ln w="19050" cap="flat" cmpd="sng">
             <a:solidFill>
               <a:schemeClr val="lt1"/>
             </a:solidFill>
             <a:prstDash val="solid"/>
             <a:round/>
-            <a:headEnd len="sm" w="sm" type="oval"/>
-            <a:tailEnd len="sm" w="sm" type="oval"/>
+            <a:headEnd type="oval" w="sm" len="sm"/>
+            <a:tailEnd type="oval" w="sm" len="sm"/>
           </a:ln>
         </p:spPr>
       </p:cxnSp>
@@ -16465,12 +16480,12 @@
             </a:ln>
           </p:spPr>
           <p:txBody>
-            <a:bodyPr anchorCtr="0" anchor="t" bIns="45700" lIns="91425" spcFirstLastPara="1" rIns="91425" wrap="square" tIns="45700">
+            <a:bodyPr spcFirstLastPara="1" wrap="square" lIns="91425" tIns="45700" rIns="91425" bIns="45700" anchor="t" anchorCtr="0">
               <a:noAutofit/>
             </a:bodyPr>
             <a:lstStyle/>
             <a:p>
-              <a:pPr indent="0" lvl="0" marL="0" marR="0" rtl="0" algn="ctr">
+              <a:pPr marL="0" marR="0" lvl="0" indent="0" algn="ctr" rtl="0">
                 <a:spcBef>
                   <a:spcPts val="0"/>
                 </a:spcBef>
@@ -16485,23 +16500,7 @@
                     <a:schemeClr val="lt1"/>
                   </a:solidFill>
                 </a:rPr>
-                <a:t>61 attributes of students prefers regarding to food and </a:t>
-              </a:r>
-              <a:r>
-                <a:rPr lang="en" sz="1200">
-                  <a:solidFill>
-                    <a:schemeClr val="lt1"/>
-                  </a:solidFill>
-                </a:rPr>
-                <a:t>diet</a:t>
-              </a:r>
-              <a:r>
-                <a:rPr lang="en" sz="1200">
-                  <a:solidFill>
-                    <a:schemeClr val="lt1"/>
-                  </a:solidFill>
-                </a:rPr>
-                <a:t>.</a:t>
+                <a:t>61 attributes of students prefers regarding to food and diet.</a:t>
               </a:r>
               <a:endParaRPr sz="1200">
                 <a:solidFill>
@@ -16535,12 +16534,12 @@
             </a:ln>
           </p:spPr>
           <p:txBody>
-            <a:bodyPr anchorCtr="0" anchor="t" bIns="45700" lIns="91425" spcFirstLastPara="1" rIns="91425" wrap="square" tIns="45700">
+            <a:bodyPr spcFirstLastPara="1" wrap="square" lIns="91425" tIns="45700" rIns="91425" bIns="45700" anchor="t" anchorCtr="0">
               <a:noAutofit/>
             </a:bodyPr>
             <a:lstStyle/>
             <a:p>
-              <a:pPr indent="0" lvl="0" marL="0" marR="0" rtl="0" algn="ctr">
+              <a:pPr marL="0" marR="0" lvl="0" indent="0" algn="ctr" rtl="0">
                 <a:spcBef>
                   <a:spcPts val="0"/>
                 </a:spcBef>
@@ -16585,14 +16584,14 @@
             <a:avLst/>
           </a:prstGeom>
           <a:noFill/>
-          <a:ln cap="flat" cmpd="sng" w="19050">
+          <a:ln w="19050" cap="flat" cmpd="sng">
             <a:solidFill>
               <a:schemeClr val="lt1"/>
             </a:solidFill>
             <a:prstDash val="solid"/>
             <a:round/>
-            <a:headEnd len="sm" w="sm" type="oval"/>
-            <a:tailEnd len="sm" w="sm" type="oval"/>
+            <a:headEnd type="oval" w="sm" len="sm"/>
+            <a:tailEnd type="oval" w="sm" len="sm"/>
           </a:ln>
         </p:spPr>
       </p:cxnSp>
@@ -16630,12 +16629,12 @@
             </a:ln>
           </p:spPr>
           <p:txBody>
-            <a:bodyPr anchorCtr="0" anchor="t" bIns="45700" lIns="91425" spcFirstLastPara="1" rIns="91425" wrap="square" tIns="45700">
+            <a:bodyPr spcFirstLastPara="1" wrap="square" lIns="91425" tIns="45700" rIns="91425" bIns="45700" anchor="t" anchorCtr="0">
               <a:noAutofit/>
             </a:bodyPr>
             <a:lstStyle/>
             <a:p>
-              <a:pPr indent="0" lvl="0" marL="0" marR="0" rtl="0" algn="ctr">
+              <a:pPr marL="0" marR="0" lvl="0" indent="0" algn="ctr" rtl="0">
                 <a:spcBef>
                   <a:spcPts val="0"/>
                 </a:spcBef>
@@ -16650,23 +16649,7 @@
                     <a:schemeClr val="lt1"/>
                   </a:solidFill>
                 </a:rPr>
-                <a:t>Drop the less </a:t>
-              </a:r>
-              <a:r>
-                <a:rPr lang="en" sz="1200">
-                  <a:solidFill>
-                    <a:schemeClr val="lt1"/>
-                  </a:solidFill>
-                </a:rPr>
-                <a:t>significant attribute and fill the missing values.</a:t>
-              </a:r>
-              <a:r>
-                <a:rPr lang="en" sz="1200">
-                  <a:solidFill>
-                    <a:schemeClr val="lt1"/>
-                  </a:solidFill>
-                </a:rPr>
-                <a:t> </a:t>
+                <a:t>Drop the less significant attribute and fill the missing values. </a:t>
               </a:r>
               <a:endParaRPr sz="1200">
                 <a:solidFill>
@@ -16700,12 +16683,12 @@
             </a:ln>
           </p:spPr>
           <p:txBody>
-            <a:bodyPr anchorCtr="0" anchor="t" bIns="45700" lIns="91425" spcFirstLastPara="1" rIns="91425" wrap="square" tIns="45700">
+            <a:bodyPr spcFirstLastPara="1" wrap="square" lIns="91425" tIns="45700" rIns="91425" bIns="45700" anchor="t" anchorCtr="0">
               <a:noAutofit/>
             </a:bodyPr>
             <a:lstStyle/>
             <a:p>
-              <a:pPr indent="0" lvl="0" marL="0" marR="0" rtl="0" algn="ctr">
+              <a:pPr marL="0" marR="0" lvl="0" indent="0" algn="ctr" rtl="0">
                 <a:spcBef>
                   <a:spcPts val="0"/>
                 </a:spcBef>
@@ -16750,14 +16733,14 @@
             <a:avLst/>
           </a:prstGeom>
           <a:noFill/>
-          <a:ln cap="flat" cmpd="sng" w="19050">
+          <a:ln w="19050" cap="flat" cmpd="sng">
             <a:solidFill>
               <a:schemeClr val="lt1"/>
             </a:solidFill>
             <a:prstDash val="solid"/>
             <a:round/>
-            <a:headEnd len="sm" w="sm" type="oval"/>
-            <a:tailEnd len="sm" w="sm" type="oval"/>
+            <a:headEnd type="oval" w="sm" len="sm"/>
+            <a:tailEnd type="oval" w="sm" len="sm"/>
           </a:ln>
         </p:spPr>
       </p:cxnSp>
@@ -16788,9 +16771,9 @@
             </a:xfrm>
             <a:prstGeom prst="blockArc">
               <a:avLst>
-                <a:gd fmla="val 11824196" name="adj1"/>
-                <a:gd fmla="val 20729987" name="adj2"/>
-                <a:gd fmla="val 8983" name="adj3"/>
+                <a:gd name="adj1" fmla="val 11824196"/>
+                <a:gd name="adj2" fmla="val 20729987"/>
+                <a:gd name="adj3" fmla="val 8983"/>
               </a:avLst>
             </a:prstGeom>
             <a:solidFill>
@@ -16801,12 +16784,12 @@
             </a:ln>
           </p:spPr>
           <p:txBody>
-            <a:bodyPr anchorCtr="0" anchor="ctr" bIns="45700" lIns="91425" spcFirstLastPara="1" rIns="91425" wrap="square" tIns="45700">
+            <a:bodyPr spcFirstLastPara="1" wrap="square" lIns="91425" tIns="45700" rIns="91425" bIns="45700" anchor="ctr" anchorCtr="0">
               <a:noAutofit/>
             </a:bodyPr>
             <a:lstStyle/>
             <a:p>
-              <a:pPr indent="0" lvl="0" marL="0" marR="0" rtl="0" algn="ctr">
+              <a:pPr marL="0" marR="0" lvl="0" indent="0" algn="ctr" rtl="0">
                 <a:spcBef>
                   <a:spcPts val="0"/>
                 </a:spcBef>
@@ -16815,9 +16798,6 @@
                 </a:spcAft>
                 <a:buNone/>
               </a:pPr>
-              <a:r>
-                <a:t/>
-              </a:r>
               <a:endParaRPr sz="1800">
                 <a:solidFill>
                   <a:schemeClr val="lt1"/>
@@ -16843,9 +16823,9 @@
             </a:xfrm>
             <a:prstGeom prst="blockArc">
               <a:avLst>
-                <a:gd fmla="val 11824196" name="adj1"/>
-                <a:gd fmla="val 20729987" name="adj2"/>
-                <a:gd fmla="val 8983" name="adj3"/>
+                <a:gd name="adj1" fmla="val 11824196"/>
+                <a:gd name="adj2" fmla="val 20729987"/>
+                <a:gd name="adj3" fmla="val 8983"/>
               </a:avLst>
             </a:prstGeom>
             <a:solidFill>
@@ -16856,12 +16836,12 @@
             </a:ln>
           </p:spPr>
           <p:txBody>
-            <a:bodyPr anchorCtr="0" anchor="ctr" bIns="45700" lIns="91425" spcFirstLastPara="1" rIns="91425" wrap="square" tIns="45700">
+            <a:bodyPr spcFirstLastPara="1" wrap="square" lIns="91425" tIns="45700" rIns="91425" bIns="45700" anchor="ctr" anchorCtr="0">
               <a:noAutofit/>
             </a:bodyPr>
             <a:lstStyle/>
             <a:p>
-              <a:pPr indent="0" lvl="0" marL="0" marR="0" rtl="0" algn="ctr">
+              <a:pPr marL="0" marR="0" lvl="0" indent="0" algn="ctr" rtl="0">
                 <a:spcBef>
                   <a:spcPts val="0"/>
                 </a:spcBef>
@@ -16870,9 +16850,6 @@
                 </a:spcAft>
                 <a:buNone/>
               </a:pPr>
-              <a:r>
-                <a:t/>
-              </a:r>
               <a:endParaRPr sz="1800">
                 <a:solidFill>
                   <a:schemeClr val="lt1"/>
@@ -16898,9 +16875,9 @@
             </a:xfrm>
             <a:prstGeom prst="blockArc">
               <a:avLst>
-                <a:gd fmla="val 11824196" name="adj1"/>
-                <a:gd fmla="val 20729987" name="adj2"/>
-                <a:gd fmla="val 8983" name="adj3"/>
+                <a:gd name="adj1" fmla="val 11824196"/>
+                <a:gd name="adj2" fmla="val 20729987"/>
+                <a:gd name="adj3" fmla="val 8983"/>
               </a:avLst>
             </a:prstGeom>
             <a:solidFill>
@@ -16911,12 +16888,12 @@
             </a:ln>
           </p:spPr>
           <p:txBody>
-            <a:bodyPr anchorCtr="0" anchor="ctr" bIns="45700" lIns="91425" spcFirstLastPara="1" rIns="91425" wrap="square" tIns="45700">
+            <a:bodyPr spcFirstLastPara="1" wrap="square" lIns="91425" tIns="45700" rIns="91425" bIns="45700" anchor="ctr" anchorCtr="0">
               <a:noAutofit/>
             </a:bodyPr>
             <a:lstStyle/>
             <a:p>
-              <a:pPr indent="0" lvl="0" marL="0" marR="0" rtl="0" algn="ctr">
+              <a:pPr marL="0" marR="0" lvl="0" indent="0" algn="ctr" rtl="0">
                 <a:spcBef>
                   <a:spcPts val="0"/>
                 </a:spcBef>
@@ -16925,9 +16902,6 @@
                 </a:spcAft>
                 <a:buNone/>
               </a:pPr>
-              <a:r>
-                <a:t/>
-              </a:r>
               <a:endParaRPr sz="1800">
                 <a:solidFill>
                   <a:schemeClr val="lt1"/>
@@ -16953,9 +16927,9 @@
             </a:xfrm>
             <a:prstGeom prst="blockArc">
               <a:avLst>
-                <a:gd fmla="val 11824196" name="adj1"/>
-                <a:gd fmla="val 20729987" name="adj2"/>
-                <a:gd fmla="val 8983" name="adj3"/>
+                <a:gd name="adj1" fmla="val 11824196"/>
+                <a:gd name="adj2" fmla="val 20729987"/>
+                <a:gd name="adj3" fmla="val 8983"/>
               </a:avLst>
             </a:prstGeom>
             <a:solidFill>
@@ -16966,12 +16940,12 @@
             </a:ln>
           </p:spPr>
           <p:txBody>
-            <a:bodyPr anchorCtr="0" anchor="ctr" bIns="45700" lIns="91425" spcFirstLastPara="1" rIns="91425" wrap="square" tIns="45700">
+            <a:bodyPr spcFirstLastPara="1" wrap="square" lIns="91425" tIns="45700" rIns="91425" bIns="45700" anchor="ctr" anchorCtr="0">
               <a:noAutofit/>
             </a:bodyPr>
             <a:lstStyle/>
             <a:p>
-              <a:pPr indent="0" lvl="0" marL="0" marR="0" rtl="0" algn="ctr">
+              <a:pPr marL="0" marR="0" lvl="0" indent="0" algn="ctr" rtl="0">
                 <a:spcBef>
                   <a:spcPts val="0"/>
                 </a:spcBef>
@@ -16980,9 +16954,6 @@
                 </a:spcAft>
                 <a:buNone/>
               </a:pPr>
-              <a:r>
-                <a:t/>
-              </a:r>
               <a:endParaRPr sz="1800">
                 <a:solidFill>
                   <a:schemeClr val="lt1"/>
@@ -17008,9 +16979,9 @@
             </a:xfrm>
             <a:prstGeom prst="blockArc">
               <a:avLst>
-                <a:gd fmla="val 11824196" name="adj1"/>
-                <a:gd fmla="val 20729987" name="adj2"/>
-                <a:gd fmla="val 8983" name="adj3"/>
+                <a:gd name="adj1" fmla="val 11824196"/>
+                <a:gd name="adj2" fmla="val 20729987"/>
+                <a:gd name="adj3" fmla="val 8983"/>
               </a:avLst>
             </a:prstGeom>
             <a:solidFill>
@@ -17021,12 +16992,12 @@
             </a:ln>
           </p:spPr>
           <p:txBody>
-            <a:bodyPr anchorCtr="0" anchor="ctr" bIns="45700" lIns="91425" spcFirstLastPara="1" rIns="91425" wrap="square" tIns="45700">
+            <a:bodyPr spcFirstLastPara="1" wrap="square" lIns="91425" tIns="45700" rIns="91425" bIns="45700" anchor="ctr" anchorCtr="0">
               <a:noAutofit/>
             </a:bodyPr>
             <a:lstStyle/>
             <a:p>
-              <a:pPr indent="0" lvl="0" marL="0" marR="0" rtl="0" algn="ctr">
+              <a:pPr marL="0" marR="0" lvl="0" indent="0" algn="ctr" rtl="0">
                 <a:spcBef>
                   <a:spcPts val="0"/>
                 </a:spcBef>
@@ -17035,9 +17006,6 @@
                 </a:spcAft>
                 <a:buNone/>
               </a:pPr>
-              <a:r>
-                <a:t/>
-              </a:r>
               <a:endParaRPr sz="1800">
                 <a:solidFill>
                   <a:schemeClr val="lt1"/>
@@ -17063,9 +17031,13 @@
             <a:ext cx="325283" cy="328000"/>
           </a:xfrm>
           <a:custGeom>
-            <a:rect b="b" l="l" r="r" t="t"/>
+            <a:avLst/>
+            <a:gdLst/>
+            <a:ahLst/>
+            <a:cxnLst/>
+            <a:rect l="l" t="t" r="r" b="b"/>
             <a:pathLst>
-              <a:path extrusionOk="0" h="120000" w="120000">
+              <a:path w="120000" h="120000" extrusionOk="0">
                 <a:moveTo>
                   <a:pt x="65274" y="39473"/>
                 </a:moveTo>
@@ -17287,12 +17259,12 @@
           </a:ln>
         </p:spPr>
         <p:txBody>
-          <a:bodyPr anchorCtr="0" anchor="ctr" bIns="45700" lIns="91425" spcFirstLastPara="1" rIns="91425" wrap="square" tIns="45700">
+          <a:bodyPr spcFirstLastPara="1" wrap="square" lIns="91425" tIns="45700" rIns="91425" bIns="45700" anchor="ctr" anchorCtr="0">
             <a:noAutofit/>
           </a:bodyPr>
           <a:lstStyle/>
           <a:p>
-            <a:pPr indent="0" lvl="0" marL="0" marR="0" rtl="0" algn="ctr">
+            <a:pPr marL="0" marR="0" lvl="0" indent="0" algn="ctr" rtl="0">
               <a:spcBef>
                 <a:spcPts val="0"/>
               </a:spcBef>
@@ -17301,9 +17273,6 @@
               </a:spcAft>
               <a:buNone/>
             </a:pPr>
-            <a:r>
-              <a:t/>
-            </a:r>
             <a:endParaRPr sz="1800">
               <a:solidFill>
                 <a:schemeClr val="lt1"/>
@@ -17328,9 +17297,13 @@
             <a:ext cx="292306" cy="273624"/>
           </a:xfrm>
           <a:custGeom>
-            <a:rect b="b" l="l" r="r" t="t"/>
+            <a:avLst/>
+            <a:gdLst/>
+            <a:ahLst/>
+            <a:cxnLst/>
+            <a:rect l="l" t="t" r="r" b="b"/>
             <a:pathLst>
-              <a:path extrusionOk="0" h="120000" w="120000">
+              <a:path w="120000" h="120000" extrusionOk="0">
                 <a:moveTo>
                   <a:pt x="58392" y="109921"/>
                 </a:moveTo>
@@ -17468,12 +17441,12 @@
           </a:ln>
         </p:spPr>
         <p:txBody>
-          <a:bodyPr anchorCtr="0" anchor="ctr" bIns="45700" lIns="91425" spcFirstLastPara="1" rIns="91425" wrap="square" tIns="45700">
+          <a:bodyPr spcFirstLastPara="1" wrap="square" lIns="91425" tIns="45700" rIns="91425" bIns="45700" anchor="ctr" anchorCtr="0">
             <a:noAutofit/>
           </a:bodyPr>
           <a:lstStyle/>
           <a:p>
-            <a:pPr indent="0" lvl="0" marL="0" marR="0" rtl="0" algn="ctr">
+            <a:pPr marL="0" marR="0" lvl="0" indent="0" algn="ctr" rtl="0">
               <a:spcBef>
                 <a:spcPts val="0"/>
               </a:spcBef>
@@ -17482,9 +17455,6 @@
               </a:spcAft>
               <a:buNone/>
             </a:pPr>
-            <a:r>
-              <a:t/>
-            </a:r>
             <a:endParaRPr sz="1800">
               <a:solidFill>
                 <a:schemeClr val="lt1"/>
@@ -17500,7 +17470,9 @@
       <p:sp>
         <p:nvSpPr>
           <p:cNvPr id="229" name="Google Shape;229;p26"/>
-          <p:cNvSpPr txBox="1"/>
+          <p:cNvSpPr txBox="1">
+            <a:spLocks noGrp="1"/>
+          </p:cNvSpPr>
           <p:nvPr>
             <p:ph type="title"/>
           </p:nvPr>
@@ -17515,12 +17487,12 @@
           </a:prstGeom>
         </p:spPr>
         <p:txBody>
-          <a:bodyPr anchorCtr="0" anchor="ctr" bIns="91425" lIns="91425" spcFirstLastPara="1" rIns="91425" wrap="square" tIns="91425">
+          <a:bodyPr spcFirstLastPara="1" wrap="square" lIns="91425" tIns="91425" rIns="91425" bIns="91425" anchor="ctr" anchorCtr="0">
             <a:noAutofit/>
           </a:bodyPr>
           <a:lstStyle/>
           <a:p>
-            <a:pPr indent="0" lvl="0" marL="0" rtl="0" algn="ctr">
+            <a:pPr marL="0" lvl="0" indent="0" algn="ctr" rtl="0">
               <a:spcBef>
                 <a:spcPts val="0"/>
               </a:spcBef>
@@ -17553,9 +17525,13 @@
             <a:ext cx="343200" cy="367200"/>
           </a:xfrm>
           <a:custGeom>
-            <a:rect b="b" l="l" r="r" t="t"/>
+            <a:avLst/>
+            <a:gdLst/>
+            <a:ahLst/>
+            <a:cxnLst/>
+            <a:rect l="l" t="t" r="r" b="b"/>
             <a:pathLst>
-              <a:path extrusionOk="0" h="120000" w="120000">
+              <a:path w="120000" h="120000" extrusionOk="0">
                 <a:moveTo>
                   <a:pt x="45880" y="100923"/>
                 </a:moveTo>
@@ -17624,12 +17600,12 @@
           </a:ln>
         </p:spPr>
         <p:txBody>
-          <a:bodyPr anchorCtr="0" anchor="ctr" bIns="45700" lIns="91425" spcFirstLastPara="1" rIns="91425" wrap="square" tIns="45700">
+          <a:bodyPr spcFirstLastPara="1" wrap="square" lIns="91425" tIns="45700" rIns="91425" bIns="45700" anchor="ctr" anchorCtr="0">
             <a:noAutofit/>
           </a:bodyPr>
           <a:lstStyle/>
           <a:p>
-            <a:pPr indent="0" lvl="0" marL="0" marR="0" rtl="0" algn="ctr">
+            <a:pPr marL="0" marR="0" lvl="0" indent="0" algn="ctr" rtl="0">
               <a:spcBef>
                 <a:spcPts val="0"/>
               </a:spcBef>
@@ -17638,9 +17614,6 @@
               </a:spcAft>
               <a:buNone/>
             </a:pPr>
-            <a:r>
-              <a:t/>
-            </a:r>
             <a:endParaRPr sz="1800">
               <a:solidFill>
                 <a:schemeClr val="lt1"/>
@@ -17665,9 +17638,13 @@
             <a:ext cx="343200" cy="346200"/>
           </a:xfrm>
           <a:custGeom>
-            <a:rect b="b" l="l" r="r" t="t"/>
+            <a:avLst/>
+            <a:gdLst/>
+            <a:ahLst/>
+            <a:cxnLst/>
+            <a:rect l="l" t="t" r="r" b="b"/>
             <a:pathLst>
-              <a:path extrusionOk="0" h="120000" w="120000">
+              <a:path w="120000" h="120000" extrusionOk="0">
                 <a:moveTo>
                   <a:pt x="58400" y="39542"/>
                 </a:moveTo>
@@ -17913,12 +17890,12 @@
           </a:ln>
         </p:spPr>
         <p:txBody>
-          <a:bodyPr anchorCtr="0" anchor="ctr" bIns="45700" lIns="91425" spcFirstLastPara="1" rIns="91425" wrap="square" tIns="45700">
+          <a:bodyPr spcFirstLastPara="1" wrap="square" lIns="91425" tIns="45700" rIns="91425" bIns="45700" anchor="ctr" anchorCtr="0">
             <a:noAutofit/>
           </a:bodyPr>
           <a:lstStyle/>
           <a:p>
-            <a:pPr indent="0" lvl="0" marL="0" marR="0" rtl="0" algn="ctr">
+            <a:pPr marL="0" marR="0" lvl="0" indent="0" algn="ctr" rtl="0">
               <a:spcBef>
                 <a:spcPts val="0"/>
               </a:spcBef>
@@ -17927,9 +17904,6 @@
               </a:spcAft>
               <a:buNone/>
             </a:pPr>
-            <a:r>
-              <a:t/>
-            </a:r>
             <a:endParaRPr sz="1800">
               <a:solidFill>
                 <a:schemeClr val="dk1"/>
@@ -17954,9 +17928,13 @@
             <a:ext cx="292200" cy="367200"/>
           </a:xfrm>
           <a:custGeom>
-            <a:rect b="b" l="l" r="r" t="t"/>
+            <a:avLst/>
+            <a:gdLst/>
+            <a:ahLst/>
+            <a:cxnLst/>
+            <a:rect l="l" t="t" r="r" b="b"/>
             <a:pathLst>
-              <a:path extrusionOk="0" h="120000" w="120000">
+              <a:path w="120000" h="120000" extrusionOk="0">
                 <a:moveTo>
                   <a:pt x="67093" y="74980"/>
                 </a:moveTo>
@@ -18122,12 +18100,12 @@
           </a:ln>
         </p:spPr>
         <p:txBody>
-          <a:bodyPr anchorCtr="0" anchor="ctr" bIns="45700" lIns="91425" spcFirstLastPara="1" rIns="91425" wrap="square" tIns="45700">
+          <a:bodyPr spcFirstLastPara="1" wrap="square" lIns="91425" tIns="45700" rIns="91425" bIns="45700" anchor="ctr" anchorCtr="0">
             <a:noAutofit/>
           </a:bodyPr>
           <a:lstStyle/>
           <a:p>
-            <a:pPr indent="0" lvl="0" marL="0" marR="0" rtl="0" algn="ctr">
+            <a:pPr marL="0" marR="0" lvl="0" indent="0" algn="ctr" rtl="0">
               <a:spcBef>
                 <a:spcPts val="0"/>
               </a:spcBef>
@@ -18136,9 +18114,6 @@
               </a:spcAft>
               <a:buNone/>
             </a:pPr>
-            <a:r>
-              <a:t/>
-            </a:r>
             <a:endParaRPr sz="1800">
               <a:solidFill>
                 <a:schemeClr val="lt1"/>
@@ -18160,11 +18135,11 @@
 </file>
 
 <file path=ppt/slides/slide6.xml><?xml version="1.0" encoding="utf-8"?>
-<p:sld xmlns:a="http://schemas.openxmlformats.org/drawingml/2006/main" xmlns:r="http://schemas.openxmlformats.org/officeDocument/2006/relationships" xmlns:mc="http://schemas.openxmlformats.org/markup-compatibility/2006" xmlns:mv="urn:schemas-microsoft-com:mac:vml" xmlns:p="http://schemas.openxmlformats.org/presentationml/2006/main" xmlns:c="http://schemas.openxmlformats.org/drawingml/2006/chart" xmlns:dgm="http://schemas.openxmlformats.org/drawingml/2006/diagram" xmlns:o="urn:schemas-microsoft-com:office:office" xmlns:v="urn:schemas-microsoft-com:vml" xmlns:pvml="urn:schemas-microsoft-com:office:powerpoint" xmlns:com="http://schemas.openxmlformats.org/drawingml/2006/compatibility" xmlns:p14="http://schemas.microsoft.com/office/powerpoint/2010/main" xmlns:p15="http://schemas.microsoft.com/office/powerpoint/2012/main">
+<p:sld xmlns:a="http://schemas.openxmlformats.org/drawingml/2006/main" xmlns:r="http://schemas.openxmlformats.org/officeDocument/2006/relationships" xmlns:p="http://schemas.openxmlformats.org/presentationml/2006/main">
   <p:cSld>
     <p:spTree>
       <p:nvGrpSpPr>
-        <p:cNvPr id="236" name="Shape 236"/>
+        <p:cNvPr id="1" name="Shape 236"/>
         <p:cNvGrpSpPr/>
         <p:nvPr/>
       </p:nvGrpSpPr>
@@ -18179,9 +18154,11 @@
       <p:sp>
         <p:nvSpPr>
           <p:cNvPr id="237" name="Google Shape;237;p27"/>
-          <p:cNvSpPr txBox="1"/>
+          <p:cNvSpPr txBox="1">
+            <a:spLocks noGrp="1"/>
+          </p:cNvSpPr>
           <p:nvPr>
-            <p:ph idx="1" type="body"/>
+            <p:ph type="body" idx="1"/>
           </p:nvPr>
         </p:nvSpPr>
         <p:spPr>
@@ -18198,12 +18175,12 @@
           </a:ln>
         </p:spPr>
         <p:txBody>
-          <a:bodyPr anchorCtr="0" anchor="t" bIns="45700" lIns="91425" spcFirstLastPara="1" rIns="91425" wrap="square" tIns="45700">
+          <a:bodyPr spcFirstLastPara="1" wrap="square" lIns="91425" tIns="45700" rIns="91425" bIns="45700" anchor="t" anchorCtr="0">
             <a:noAutofit/>
           </a:bodyPr>
           <a:lstStyle/>
           <a:p>
-            <a:pPr indent="0" lvl="0" marL="0" marR="0" rtl="0" algn="ctr">
+            <a:pPr marL="0" marR="0" lvl="0" indent="0" algn="ctr" rtl="0">
               <a:spcBef>
                 <a:spcPts val="0"/>
               </a:spcBef>
@@ -18224,7 +18201,7 @@
               </a:rPr>
               <a:t>Result</a:t>
             </a:r>
-            <a:endParaRPr i="0" sz="3200" u="none" cap="none" strike="noStrike">
+            <a:endParaRPr sz="3200" i="0" u="none" strike="noStrike" cap="none">
               <a:solidFill>
                 <a:schemeClr val="lt1"/>
               </a:solidFill>
@@ -18252,12 +18229,12 @@
           </a:ln>
         </p:spPr>
         <p:txBody>
-          <a:bodyPr anchorCtr="0" anchor="t" bIns="45700" lIns="91425" spcFirstLastPara="1" rIns="91425" wrap="square" tIns="45700">
+          <a:bodyPr spcFirstLastPara="1" wrap="square" lIns="91425" tIns="45700" rIns="91425" bIns="45700" anchor="t" anchorCtr="0">
             <a:noAutofit/>
           </a:bodyPr>
           <a:lstStyle/>
           <a:p>
-            <a:pPr indent="0" lvl="0" marL="0" rtl="0" algn="ctr">
+            <a:pPr marL="0" lvl="0" indent="0" algn="ctr" rtl="0">
               <a:spcBef>
                 <a:spcPts val="0"/>
               </a:spcBef>
@@ -18285,7 +18262,7 @@
             </a:endParaRPr>
           </a:p>
           <a:p>
-            <a:pPr indent="0" lvl="0" marL="0" marR="0" rtl="0" algn="l">
+            <a:pPr marL="0" marR="0" lvl="0" indent="0" algn="l" rtl="0">
               <a:spcBef>
                 <a:spcPts val="0"/>
               </a:spcBef>
@@ -18294,9 +18271,6 @@
               </a:spcAft>
               <a:buNone/>
             </a:pPr>
-            <a:r>
-              <a:t/>
-            </a:r>
             <a:endParaRPr sz="1200">
               <a:solidFill>
                 <a:schemeClr val="lt1"/>
@@ -18342,11 +18316,11 @@
 </file>
 
 <file path=ppt/slides/slide7.xml><?xml version="1.0" encoding="utf-8"?>
-<p:sld xmlns:a="http://schemas.openxmlformats.org/drawingml/2006/main" xmlns:r="http://schemas.openxmlformats.org/officeDocument/2006/relationships" xmlns:mc="http://schemas.openxmlformats.org/markup-compatibility/2006" xmlns:mv="urn:schemas-microsoft-com:mac:vml" xmlns:p="http://schemas.openxmlformats.org/presentationml/2006/main" xmlns:c="http://schemas.openxmlformats.org/drawingml/2006/chart" xmlns:dgm="http://schemas.openxmlformats.org/drawingml/2006/diagram" xmlns:o="urn:schemas-microsoft-com:office:office" xmlns:v="urn:schemas-microsoft-com:vml" xmlns:pvml="urn:schemas-microsoft-com:office:powerpoint" xmlns:com="http://schemas.openxmlformats.org/drawingml/2006/compatibility" xmlns:p14="http://schemas.microsoft.com/office/powerpoint/2010/main" xmlns:p15="http://schemas.microsoft.com/office/powerpoint/2012/main">
+<p:sld xmlns:a="http://schemas.openxmlformats.org/drawingml/2006/main" xmlns:r="http://schemas.openxmlformats.org/officeDocument/2006/relationships" xmlns:p="http://schemas.openxmlformats.org/presentationml/2006/main">
   <p:cSld>
     <p:spTree>
       <p:nvGrpSpPr>
-        <p:cNvPr id="243" name="Shape 243"/>
+        <p:cNvPr id="1" name="Shape 243"/>
         <p:cNvGrpSpPr/>
         <p:nvPr/>
       </p:nvGrpSpPr>
@@ -18361,9 +18335,11 @@
       <p:sp>
         <p:nvSpPr>
           <p:cNvPr id="244" name="Google Shape;244;p28"/>
-          <p:cNvSpPr txBox="1"/>
+          <p:cNvSpPr txBox="1">
+            <a:spLocks noGrp="1"/>
+          </p:cNvSpPr>
           <p:nvPr>
-            <p:ph idx="1" type="body"/>
+            <p:ph type="body" idx="1"/>
           </p:nvPr>
         </p:nvSpPr>
         <p:spPr>
@@ -18380,12 +18356,12 @@
           </a:ln>
         </p:spPr>
         <p:txBody>
-          <a:bodyPr anchorCtr="0" anchor="ctr" bIns="45700" lIns="91425" spcFirstLastPara="1" rIns="91425" wrap="square" tIns="45700">
+          <a:bodyPr spcFirstLastPara="1" wrap="square" lIns="91425" tIns="45700" rIns="91425" bIns="45700" anchor="ctr" anchorCtr="0">
             <a:noAutofit/>
           </a:bodyPr>
           <a:lstStyle/>
           <a:p>
-            <a:pPr indent="0" lvl="0" marL="0" marR="0" rtl="0" algn="ctr">
+            <a:pPr marL="0" marR="0" lvl="0" indent="0" algn="ctr" rtl="0">
               <a:spcBef>
                 <a:spcPts val="0"/>
               </a:spcBef>
@@ -18399,7 +18375,7 @@
               <a:buNone/>
             </a:pPr>
             <a:r>
-              <a:rPr b="0" i="0" lang="en" sz="3200" u="none" cap="none" strike="noStrike">
+              <a:rPr lang="en" sz="3200" b="0" i="0" u="none" strike="noStrike" cap="none">
                 <a:solidFill>
                   <a:schemeClr val="lt1"/>
                 </a:solidFill>
@@ -18410,7 +18386,7 @@
               </a:rPr>
               <a:t>Thank you</a:t>
             </a:r>
-            <a:endParaRPr b="0" i="0" sz="3200" u="none" cap="none" strike="noStrike">
+            <a:endParaRPr sz="3200" b="0" i="0" u="none" strike="noStrike" cap="none">
               <a:solidFill>
                 <a:schemeClr val="lt1"/>
               </a:solidFill>
@@ -18431,7 +18407,7 @@
 </file>
 
 <file path=ppt/theme/theme1.xml><?xml version="1.0" encoding="utf-8"?>
-<a:theme xmlns:a="http://schemas.openxmlformats.org/drawingml/2006/main" xmlns:r="http://schemas.openxmlformats.org/officeDocument/2006/relationships" name="Contents Slide Master">
+<a:theme xmlns:a="http://schemas.openxmlformats.org/drawingml/2006/main" name="Contents Slide Master">
   <a:themeElements>
     <a:clrScheme name="Custom 22">
       <a:dk1>
@@ -18706,11 +18682,13 @@
       </a:bgFillStyleLst>
     </a:fmtScheme>
   </a:themeElements>
+  <a:objectDefaults/>
+  <a:extraClrSchemeLst/>
 </a:theme>
 </file>
 
 <file path=ppt/theme/theme2.xml><?xml version="1.0" encoding="utf-8"?>
-<a:theme xmlns:a="http://schemas.openxmlformats.org/drawingml/2006/main" xmlns:r="http://schemas.openxmlformats.org/officeDocument/2006/relationships">
+<a:theme xmlns:a="http://schemas.openxmlformats.org/drawingml/2006/main">
   <a:themeElements>
     <a:clrScheme name="Default">
       <a:dk1>
@@ -18985,5 +18963,7 @@
       </a:bgFillStyleLst>
     </a:fmtScheme>
   </a:themeElements>
+  <a:objectDefaults/>
+  <a:extraClrSchemeLst/>
 </a:theme>
 </file>